--- a/aspnetcore/hostovani-deployment-runtimes/presentation.pptx
+++ b/aspnetcore/hostovani-deployment-runtimes/presentation.pptx
@@ -8,7 +8,7 @@
     <p:sldId id="437" r:id="rId2"/>
     <p:sldId id="258" r:id="rId3"/>
     <p:sldId id="442" r:id="rId4"/>
-    <p:sldId id="257" r:id="rId5"/>
+    <p:sldId id="443" r:id="rId5"/>
     <p:sldId id="428" r:id="rId6"/>
   </p:sldIdLst>
   <p:sldSz cx="12192000" cy="6858000"/>
@@ -263,7 +263,7 @@
           <a:p>
             <a:fld id="{C4DEAF7E-EEED-409B-A17E-58F97852480E}" type="datetimeFigureOut">
               <a:rPr lang="cs-CZ" smtClean="0"/>
-              <a:t>03.10.2018</a:t>
+              <a:t>04.10.2018</a:t>
             </a:fld>
             <a:endParaRPr lang="cs-CZ"/>
           </a:p>
@@ -461,7 +461,7 @@
           <a:p>
             <a:fld id="{C4DEAF7E-EEED-409B-A17E-58F97852480E}" type="datetimeFigureOut">
               <a:rPr lang="cs-CZ" smtClean="0"/>
-              <a:t>03.10.2018</a:t>
+              <a:t>04.10.2018</a:t>
             </a:fld>
             <a:endParaRPr lang="cs-CZ"/>
           </a:p>
@@ -669,7 +669,7 @@
           <a:p>
             <a:fld id="{C4DEAF7E-EEED-409B-A17E-58F97852480E}" type="datetimeFigureOut">
               <a:rPr lang="cs-CZ" smtClean="0"/>
-              <a:t>03.10.2018</a:t>
+              <a:t>04.10.2018</a:t>
             </a:fld>
             <a:endParaRPr lang="cs-CZ"/>
           </a:p>
@@ -867,7 +867,7 @@
           <a:p>
             <a:fld id="{C4DEAF7E-EEED-409B-A17E-58F97852480E}" type="datetimeFigureOut">
               <a:rPr lang="cs-CZ" smtClean="0"/>
-              <a:t>03.10.2018</a:t>
+              <a:t>04.10.2018</a:t>
             </a:fld>
             <a:endParaRPr lang="cs-CZ"/>
           </a:p>
@@ -1142,7 +1142,7 @@
           <a:p>
             <a:fld id="{C4DEAF7E-EEED-409B-A17E-58F97852480E}" type="datetimeFigureOut">
               <a:rPr lang="cs-CZ" smtClean="0"/>
-              <a:t>03.10.2018</a:t>
+              <a:t>04.10.2018</a:t>
             </a:fld>
             <a:endParaRPr lang="cs-CZ"/>
           </a:p>
@@ -1407,7 +1407,7 @@
           <a:p>
             <a:fld id="{C4DEAF7E-EEED-409B-A17E-58F97852480E}" type="datetimeFigureOut">
               <a:rPr lang="cs-CZ" smtClean="0"/>
-              <a:t>03.10.2018</a:t>
+              <a:t>04.10.2018</a:t>
             </a:fld>
             <a:endParaRPr lang="cs-CZ"/>
           </a:p>
@@ -1819,7 +1819,7 @@
           <a:p>
             <a:fld id="{C4DEAF7E-EEED-409B-A17E-58F97852480E}" type="datetimeFigureOut">
               <a:rPr lang="cs-CZ" smtClean="0"/>
-              <a:t>03.10.2018</a:t>
+              <a:t>04.10.2018</a:t>
             </a:fld>
             <a:endParaRPr lang="cs-CZ"/>
           </a:p>
@@ -1960,7 +1960,7 @@
           <a:p>
             <a:fld id="{C4DEAF7E-EEED-409B-A17E-58F97852480E}" type="datetimeFigureOut">
               <a:rPr lang="cs-CZ" smtClean="0"/>
-              <a:t>03.10.2018</a:t>
+              <a:t>04.10.2018</a:t>
             </a:fld>
             <a:endParaRPr lang="cs-CZ"/>
           </a:p>
@@ -2073,7 +2073,7 @@
           <a:p>
             <a:fld id="{C4DEAF7E-EEED-409B-A17E-58F97852480E}" type="datetimeFigureOut">
               <a:rPr lang="cs-CZ" smtClean="0"/>
-              <a:t>03.10.2018</a:t>
+              <a:t>04.10.2018</a:t>
             </a:fld>
             <a:endParaRPr lang="cs-CZ"/>
           </a:p>
@@ -2384,7 +2384,7 @@
           <a:p>
             <a:fld id="{C4DEAF7E-EEED-409B-A17E-58F97852480E}" type="datetimeFigureOut">
               <a:rPr lang="cs-CZ" smtClean="0"/>
-              <a:t>03.10.2018</a:t>
+              <a:t>04.10.2018</a:t>
             </a:fld>
             <a:endParaRPr lang="cs-CZ"/>
           </a:p>
@@ -2672,7 +2672,7 @@
           <a:p>
             <a:fld id="{C4DEAF7E-EEED-409B-A17E-58F97852480E}" type="datetimeFigureOut">
               <a:rPr lang="cs-CZ" smtClean="0"/>
-              <a:t>03.10.2018</a:t>
+              <a:t>04.10.2018</a:t>
             </a:fld>
             <a:endParaRPr lang="cs-CZ"/>
           </a:p>
@@ -2913,7 +2913,7 @@
           <a:p>
             <a:fld id="{C4DEAF7E-EEED-409B-A17E-58F97852480E}" type="datetimeFigureOut">
               <a:rPr lang="cs-CZ" smtClean="0"/>
-              <a:t>03.10.2018</a:t>
+              <a:t>04.10.2018</a:t>
             </a:fld>
             <a:endParaRPr lang="cs-CZ"/>
           </a:p>
@@ -6224,7 +6224,7 @@
         </p:blipFill>
         <p:spPr bwMode="auto">
           <a:xfrm>
-            <a:off x="5733425" y="6110625"/>
+            <a:off x="5416683" y="6110625"/>
             <a:ext cx="107447" cy="107447"/>
           </a:xfrm>
           <a:prstGeom prst="rect">
@@ -6278,7 +6278,7 @@
         </p:blipFill>
         <p:spPr bwMode="auto">
           <a:xfrm>
-            <a:off x="5923765" y="6110625"/>
+            <a:off x="5607023" y="6110625"/>
             <a:ext cx="107447" cy="107447"/>
           </a:xfrm>
           <a:prstGeom prst="rect">
@@ -6332,7 +6332,7 @@
         </p:blipFill>
         <p:spPr bwMode="auto">
           <a:xfrm>
-            <a:off x="6096172" y="6118381"/>
+            <a:off x="5779430" y="6118381"/>
             <a:ext cx="107447" cy="107447"/>
           </a:xfrm>
           <a:prstGeom prst="rect">
@@ -6386,7 +6386,7 @@
         </p:blipFill>
         <p:spPr bwMode="auto">
           <a:xfrm>
-            <a:off x="5733425" y="6294062"/>
+            <a:off x="5416683" y="6294062"/>
             <a:ext cx="107447" cy="107447"/>
           </a:xfrm>
           <a:prstGeom prst="rect">
@@ -6440,7 +6440,7 @@
         </p:blipFill>
         <p:spPr bwMode="auto">
           <a:xfrm>
-            <a:off x="5922612" y="6305776"/>
+            <a:off x="5605870" y="6305776"/>
             <a:ext cx="107447" cy="107447"/>
           </a:xfrm>
           <a:prstGeom prst="rect">
@@ -6494,7 +6494,7 @@
         </p:blipFill>
         <p:spPr bwMode="auto">
           <a:xfrm>
-            <a:off x="6105713" y="6313532"/>
+            <a:off x="5788971" y="6313532"/>
             <a:ext cx="107447" cy="107447"/>
           </a:xfrm>
           <a:prstGeom prst="rect">
@@ -6553,10 +6553,10 @@
       </p:sp>
       <p:pic>
         <p:nvPicPr>
-          <p:cNvPr id="1028" name="Picture 4" descr="VÃ½sledek obrÃ¡zku pro iis icon">
-            <a:extLst>
-              <a:ext uri="{FF2B5EF4-FFF2-40B4-BE49-F238E27FC236}">
-                <a16:creationId xmlns:a16="http://schemas.microsoft.com/office/drawing/2014/main" id="{E7DDE3FF-FF48-4E90-BD35-6BE8E57A6515}"/>
+          <p:cNvPr id="168" name="Picture 8" descr="VÃ½sledek obrÃ¡zku pro .net core logo">
+            <a:extLst>
+              <a:ext uri="{FF2B5EF4-FFF2-40B4-BE49-F238E27FC236}">
+                <a16:creationId xmlns:a16="http://schemas.microsoft.com/office/drawing/2014/main" id="{5117E081-F079-4B84-873F-8B9501DE08FA}"/>
               </a:ext>
             </a:extLst>
           </p:cNvPr>
@@ -6566,7 +6566,7 @@
           <p:nvPr/>
         </p:nvPicPr>
         <p:blipFill>
-          <a:blip r:embed="rId6">
+          <a:blip r:embed="rId2">
             <a:extLst>
               <a:ext uri="{28A0092B-C50C-407E-A947-70E740481C1C}">
                 <a14:useLocalDpi xmlns:a14="http://schemas.microsoft.com/office/drawing/2010/main" val="0"/>
@@ -6580,8 +6580,8 @@
         </p:blipFill>
         <p:spPr bwMode="auto">
           <a:xfrm>
-            <a:off x="1073821" y="6016414"/>
-            <a:ext cx="611348" cy="611348"/>
+            <a:off x="4981305" y="6078524"/>
+            <a:ext cx="335236" cy="335236"/>
           </a:xfrm>
           <a:prstGeom prst="rect">
             <a:avLst/>
@@ -6598,100 +6598,6 @@
           </a:extLst>
         </p:spPr>
       </p:pic>
-      <p:pic>
-        <p:nvPicPr>
-          <p:cNvPr id="167" name="Picture 4" descr="VÃ½sledek obrÃ¡zku pro iis icon">
-            <a:extLst>
-              <a:ext uri="{FF2B5EF4-FFF2-40B4-BE49-F238E27FC236}">
-                <a16:creationId xmlns:a16="http://schemas.microsoft.com/office/drawing/2014/main" id="{3A043FCA-B1CF-4D09-A981-C95CF33FEDE2}"/>
-              </a:ext>
-            </a:extLst>
-          </p:cNvPr>
-          <p:cNvPicPr>
-            <a:picLocks noChangeAspect="1" noChangeArrowheads="1"/>
-          </p:cNvPicPr>
-          <p:nvPr/>
-        </p:nvPicPr>
-        <p:blipFill>
-          <a:blip r:embed="rId6">
-            <a:extLst>
-              <a:ext uri="{28A0092B-C50C-407E-A947-70E740481C1C}">
-                <a14:useLocalDpi xmlns:a14="http://schemas.microsoft.com/office/drawing/2010/main" val="0"/>
-              </a:ext>
-            </a:extLst>
-          </a:blip>
-          <a:srcRect/>
-          <a:stretch>
-            <a:fillRect/>
-          </a:stretch>
-        </p:blipFill>
-        <p:spPr bwMode="auto">
-          <a:xfrm>
-            <a:off x="4552540" y="6016414"/>
-            <a:ext cx="611348" cy="611348"/>
-          </a:xfrm>
-          <a:prstGeom prst="rect">
-            <a:avLst/>
-          </a:prstGeom>
-          <a:noFill/>
-          <a:extLst>
-            <a:ext uri="{909E8E84-426E-40DD-AFC4-6F175D3DCCD1}">
-              <a14:hiddenFill xmlns:a14="http://schemas.microsoft.com/office/drawing/2010/main">
-                <a:solidFill>
-                  <a:srgbClr val="FFFFFF"/>
-                </a:solidFill>
-              </a14:hiddenFill>
-            </a:ext>
-          </a:extLst>
-        </p:spPr>
-      </p:pic>
-      <p:pic>
-        <p:nvPicPr>
-          <p:cNvPr id="168" name="Picture 8" descr="VÃ½sledek obrÃ¡zku pro .net core logo">
-            <a:extLst>
-              <a:ext uri="{FF2B5EF4-FFF2-40B4-BE49-F238E27FC236}">
-                <a16:creationId xmlns:a16="http://schemas.microsoft.com/office/drawing/2014/main" id="{5117E081-F079-4B84-873F-8B9501DE08FA}"/>
-              </a:ext>
-            </a:extLst>
-          </p:cNvPr>
-          <p:cNvPicPr>
-            <a:picLocks noChangeAspect="1" noChangeArrowheads="1"/>
-          </p:cNvPicPr>
-          <p:nvPr/>
-        </p:nvPicPr>
-        <p:blipFill>
-          <a:blip r:embed="rId2">
-            <a:extLst>
-              <a:ext uri="{28A0092B-C50C-407E-A947-70E740481C1C}">
-                <a14:useLocalDpi xmlns:a14="http://schemas.microsoft.com/office/drawing/2010/main" val="0"/>
-              </a:ext>
-            </a:extLst>
-          </a:blip>
-          <a:srcRect/>
-          <a:stretch>
-            <a:fillRect/>
-          </a:stretch>
-        </p:blipFill>
-        <p:spPr bwMode="auto">
-          <a:xfrm>
-            <a:off x="5298047" y="6078524"/>
-            <a:ext cx="335236" cy="335236"/>
-          </a:xfrm>
-          <a:prstGeom prst="rect">
-            <a:avLst/>
-          </a:prstGeom>
-          <a:noFill/>
-          <a:extLst>
-            <a:ext uri="{909E8E84-426E-40DD-AFC4-6F175D3DCCD1}">
-              <a14:hiddenFill xmlns:a14="http://schemas.microsoft.com/office/drawing/2010/main">
-                <a:solidFill>
-                  <a:srgbClr val="FFFFFF"/>
-                </a:solidFill>
-              </a14:hiddenFill>
-            </a:ext>
-          </a:extLst>
-        </p:spPr>
-      </p:pic>
       <p:sp>
         <p:nvSpPr>
           <p:cNvPr id="169" name="Obdélník 168">
@@ -6706,7 +6612,7 @@
         </p:nvSpPr>
         <p:spPr>
           <a:xfrm>
-            <a:off x="5163888" y="6420979"/>
+            <a:off x="4847146" y="6429368"/>
             <a:ext cx="625491" cy="246221"/>
           </a:xfrm>
           <a:prstGeom prst="rect">
@@ -6753,7 +6659,7 @@
           <p:nvPr/>
         </p:nvPicPr>
         <p:blipFill>
-          <a:blip r:embed="rId7">
+          <a:blip r:embed="rId6">
             <a:extLst>
               <a:ext uri="{28A0092B-C50C-407E-A947-70E740481C1C}">
                 <a14:useLocalDpi xmlns:a14="http://schemas.microsoft.com/office/drawing/2010/main" val="0"/>
@@ -6767,7 +6673,7 @@
         </p:blipFill>
         <p:spPr bwMode="auto">
           <a:xfrm>
-            <a:off x="3898271" y="6026800"/>
+            <a:off x="4259200" y="6026800"/>
             <a:ext cx="496352" cy="496352"/>
           </a:xfrm>
           <a:prstGeom prst="rect">
@@ -6799,7 +6705,7 @@
         </p:nvSpPr>
         <p:spPr>
           <a:xfrm>
-            <a:off x="3856420" y="6439420"/>
+            <a:off x="4234127" y="6422642"/>
             <a:ext cx="561372" cy="246221"/>
           </a:xfrm>
           <a:prstGeom prst="rect">
@@ -6824,100 +6730,6 @@
           </a:p>
         </p:txBody>
       </p:sp>
-      <p:pic>
-        <p:nvPicPr>
-          <p:cNvPr id="1036" name="Picture 12" descr="module, piece icon">
-            <a:extLst>
-              <a:ext uri="{FF2B5EF4-FFF2-40B4-BE49-F238E27FC236}">
-                <a16:creationId xmlns:a16="http://schemas.microsoft.com/office/drawing/2014/main" id="{AAFD1240-8036-4C18-865C-8529EC73F5C9}"/>
-              </a:ext>
-            </a:extLst>
-          </p:cNvPr>
-          <p:cNvPicPr>
-            <a:picLocks noChangeAspect="1" noChangeArrowheads="1"/>
-          </p:cNvPicPr>
-          <p:nvPr/>
-        </p:nvPicPr>
-        <p:blipFill>
-          <a:blip r:embed="rId8">
-            <a:extLst>
-              <a:ext uri="{28A0092B-C50C-407E-A947-70E740481C1C}">
-                <a14:useLocalDpi xmlns:a14="http://schemas.microsoft.com/office/drawing/2010/main" val="0"/>
-              </a:ext>
-            </a:extLst>
-          </a:blip>
-          <a:srcRect/>
-          <a:stretch>
-            <a:fillRect/>
-          </a:stretch>
-        </p:blipFill>
-        <p:spPr bwMode="auto">
-          <a:xfrm>
-            <a:off x="958883" y="6336045"/>
-            <a:ext cx="347314" cy="347314"/>
-          </a:xfrm>
-          <a:prstGeom prst="rect">
-            <a:avLst/>
-          </a:prstGeom>
-          <a:noFill/>
-          <a:extLst>
-            <a:ext uri="{909E8E84-426E-40DD-AFC4-6F175D3DCCD1}">
-              <a14:hiddenFill xmlns:a14="http://schemas.microsoft.com/office/drawing/2010/main">
-                <a:solidFill>
-                  <a:srgbClr val="FFFFFF"/>
-                </a:solidFill>
-              </a14:hiddenFill>
-            </a:ext>
-          </a:extLst>
-        </p:spPr>
-      </p:pic>
-      <p:pic>
-        <p:nvPicPr>
-          <p:cNvPr id="173" name="Picture 12" descr="module, piece icon">
-            <a:extLst>
-              <a:ext uri="{FF2B5EF4-FFF2-40B4-BE49-F238E27FC236}">
-                <a16:creationId xmlns:a16="http://schemas.microsoft.com/office/drawing/2014/main" id="{DD68ED36-94F8-48DF-A7C8-63924CA57DC4}"/>
-              </a:ext>
-            </a:extLst>
-          </p:cNvPr>
-          <p:cNvPicPr>
-            <a:picLocks noChangeAspect="1" noChangeArrowheads="1"/>
-          </p:cNvPicPr>
-          <p:nvPr/>
-        </p:nvPicPr>
-        <p:blipFill>
-          <a:blip r:embed="rId8">
-            <a:extLst>
-              <a:ext uri="{28A0092B-C50C-407E-A947-70E740481C1C}">
-                <a14:useLocalDpi xmlns:a14="http://schemas.microsoft.com/office/drawing/2010/main" val="0"/>
-              </a:ext>
-            </a:extLst>
-          </a:blip>
-          <a:srcRect/>
-          <a:stretch>
-            <a:fillRect/>
-          </a:stretch>
-        </p:blipFill>
-        <p:spPr bwMode="auto">
-          <a:xfrm>
-            <a:off x="4459643" y="6349495"/>
-            <a:ext cx="347314" cy="347314"/>
-          </a:xfrm>
-          <a:prstGeom prst="rect">
-            <a:avLst/>
-          </a:prstGeom>
-          <a:noFill/>
-          <a:extLst>
-            <a:ext uri="{909E8E84-426E-40DD-AFC4-6F175D3DCCD1}">
-              <a14:hiddenFill xmlns:a14="http://schemas.microsoft.com/office/drawing/2010/main">
-                <a:solidFill>
-                  <a:srgbClr val="FFFFFF"/>
-                </a:solidFill>
-              </a14:hiddenFill>
-            </a:ext>
-          </a:extLst>
-        </p:spPr>
-      </p:pic>
       <p:pic>
         <p:nvPicPr>
           <p:cNvPr id="174" name="Picture 8" descr="VÃ½sledek obrÃ¡zku pro .net core logo">
@@ -7823,7 +7635,7 @@
         <p:blipFill>
           <a:blip r:embed="rId4">
             <a:duotone>
-              <a:schemeClr val="accent4">
+              <a:schemeClr val="accent2">
                 <a:shade val="45000"/>
                 <a:satMod val="135000"/>
               </a:schemeClr>
@@ -7985,7 +7797,7 @@
         <p:blipFill>
           <a:blip r:embed="rId4">
             <a:duotone>
-              <a:schemeClr val="accent4">
+              <a:schemeClr val="accent2">
                 <a:shade val="45000"/>
                 <a:satMod val="135000"/>
               </a:schemeClr>
@@ -8661,7 +8473,7 @@
         <p:blipFill>
           <a:blip r:embed="rId4">
             <a:duotone>
-              <a:schemeClr val="accent4">
+              <a:schemeClr val="accent2">
                 <a:shade val="45000"/>
                 <a:satMod val="135000"/>
               </a:schemeClr>
@@ -9609,7 +9421,7 @@
           <p:nvPr/>
         </p:nvPicPr>
         <p:blipFill>
-          <a:blip r:embed="rId6">
+          <a:blip r:embed="rId7">
             <a:extLst>
               <a:ext uri="{28A0092B-C50C-407E-A947-70E740481C1C}">
                 <a14:useLocalDpi xmlns:a14="http://schemas.microsoft.com/office/drawing/2010/main" val="0"/>
@@ -9656,7 +9468,7 @@
           <p:nvPr/>
         </p:nvPicPr>
         <p:blipFill>
-          <a:blip r:embed="rId6">
+          <a:blip r:embed="rId7">
             <a:extLst>
               <a:ext uri="{28A0092B-C50C-407E-A947-70E740481C1C}">
                 <a14:useLocalDpi xmlns:a14="http://schemas.microsoft.com/office/drawing/2010/main" val="0"/>
@@ -9796,7 +9608,7 @@
           <p:nvPr/>
         </p:nvPicPr>
         <p:blipFill>
-          <a:blip r:embed="rId7">
+          <a:blip r:embed="rId6">
             <a:extLst>
               <a:ext uri="{28A0092B-C50C-407E-A947-70E740481C1C}">
                 <a14:useLocalDpi xmlns:a14="http://schemas.microsoft.com/office/drawing/2010/main" val="0"/>
@@ -10978,21 +10790,39 @@
                                   </p:childTnLst>
                                 </p:cTn>
                               </p:par>
+                            </p:childTnLst>
+                          </p:cTn>
+                        </p:par>
+                      </p:childTnLst>
+                    </p:cTn>
+                  </p:par>
+                  <p:par>
+                    <p:cTn id="67" fill="hold">
+                      <p:stCondLst>
+                        <p:cond delay="indefinite"/>
+                      </p:stCondLst>
+                      <p:childTnLst>
+                        <p:par>
+                          <p:cTn id="68" fill="hold">
+                            <p:stCondLst>
+                              <p:cond delay="0"/>
+                            </p:stCondLst>
+                            <p:childTnLst>
                               <p:par>
-                                <p:cTn id="67" presetID="10" presetClass="entr" presetSubtype="0" fill="hold" nodeType="withEffect">
+                                <p:cTn id="69" presetID="10" presetClass="entr" presetSubtype="0" fill="hold" nodeType="clickEffect">
                                   <p:stCondLst>
                                     <p:cond delay="0"/>
                                   </p:stCondLst>
                                   <p:childTnLst>
                                     <p:set>
                                       <p:cBhvr>
-                                        <p:cTn id="68" dur="1" fill="hold">
+                                        <p:cTn id="70" dur="1" fill="hold">
                                           <p:stCondLst>
                                             <p:cond delay="0"/>
                                           </p:stCondLst>
                                         </p:cTn>
                                         <p:tgtEl>
-                                          <p:spTgt spid="1028"/>
+                                          <p:spTgt spid="146"/>
                                         </p:tgtEl>
                                         <p:attrNameLst>
                                           <p:attrName>style.visibility</p:attrName>
@@ -11004,9 +10834,9 @@
                                     </p:set>
                                     <p:animEffect transition="in" filter="fade">
                                       <p:cBhvr>
-                                        <p:cTn id="69" dur="500"/>
-                                        <p:tgtEl>
-                                          <p:spTgt spid="1028"/>
+                                        <p:cTn id="71" dur="500"/>
+                                        <p:tgtEl>
+                                          <p:spTgt spid="146"/>
                                         </p:tgtEl>
                                       </p:cBhvr>
                                     </p:animEffect>
@@ -11014,20 +10844,20 @@
                                 </p:cTn>
                               </p:par>
                               <p:par>
-                                <p:cTn id="70" presetID="10" presetClass="entr" presetSubtype="0" fill="hold" nodeType="withEffect">
+                                <p:cTn id="72" presetID="10" presetClass="entr" presetSubtype="0" fill="hold" nodeType="withEffect">
                                   <p:stCondLst>
                                     <p:cond delay="0"/>
                                   </p:stCondLst>
                                   <p:childTnLst>
                                     <p:set>
                                       <p:cBhvr>
-                                        <p:cTn id="71" dur="1" fill="hold">
+                                        <p:cTn id="73" dur="1" fill="hold">
                                           <p:stCondLst>
                                             <p:cond delay="0"/>
                                           </p:stCondLst>
                                         </p:cTn>
                                         <p:tgtEl>
-                                          <p:spTgt spid="1036"/>
+                                          <p:spTgt spid="147"/>
                                         </p:tgtEl>
                                         <p:attrNameLst>
                                           <p:attrName>style.visibility</p:attrName>
@@ -11039,9 +10869,464 @@
                                     </p:set>
                                     <p:animEffect transition="in" filter="fade">
                                       <p:cBhvr>
-                                        <p:cTn id="72" dur="500"/>
-                                        <p:tgtEl>
-                                          <p:spTgt spid="1036"/>
+                                        <p:cTn id="74" dur="500"/>
+                                        <p:tgtEl>
+                                          <p:spTgt spid="147"/>
+                                        </p:tgtEl>
+                                      </p:cBhvr>
+                                    </p:animEffect>
+                                  </p:childTnLst>
+                                </p:cTn>
+                              </p:par>
+                              <p:par>
+                                <p:cTn id="75" presetID="10" presetClass="entr" presetSubtype="0" fill="hold" nodeType="withEffect">
+                                  <p:stCondLst>
+                                    <p:cond delay="0"/>
+                                  </p:stCondLst>
+                                  <p:childTnLst>
+                                    <p:set>
+                                      <p:cBhvr>
+                                        <p:cTn id="76" dur="1" fill="hold">
+                                          <p:stCondLst>
+                                            <p:cond delay="0"/>
+                                          </p:stCondLst>
+                                        </p:cTn>
+                                        <p:tgtEl>
+                                          <p:spTgt spid="148"/>
+                                        </p:tgtEl>
+                                        <p:attrNameLst>
+                                          <p:attrName>style.visibility</p:attrName>
+                                        </p:attrNameLst>
+                                      </p:cBhvr>
+                                      <p:to>
+                                        <p:strVal val="visible"/>
+                                      </p:to>
+                                    </p:set>
+                                    <p:animEffect transition="in" filter="fade">
+                                      <p:cBhvr>
+                                        <p:cTn id="77" dur="500"/>
+                                        <p:tgtEl>
+                                          <p:spTgt spid="148"/>
+                                        </p:tgtEl>
+                                      </p:cBhvr>
+                                    </p:animEffect>
+                                  </p:childTnLst>
+                                </p:cTn>
+                              </p:par>
+                              <p:par>
+                                <p:cTn id="78" presetID="10" presetClass="entr" presetSubtype="0" fill="hold" nodeType="withEffect">
+                                  <p:stCondLst>
+                                    <p:cond delay="0"/>
+                                  </p:stCondLst>
+                                  <p:childTnLst>
+                                    <p:set>
+                                      <p:cBhvr>
+                                        <p:cTn id="79" dur="1" fill="hold">
+                                          <p:stCondLst>
+                                            <p:cond delay="0"/>
+                                          </p:stCondLst>
+                                        </p:cTn>
+                                        <p:tgtEl>
+                                          <p:spTgt spid="152"/>
+                                        </p:tgtEl>
+                                        <p:attrNameLst>
+                                          <p:attrName>style.visibility</p:attrName>
+                                        </p:attrNameLst>
+                                      </p:cBhvr>
+                                      <p:to>
+                                        <p:strVal val="visible"/>
+                                      </p:to>
+                                    </p:set>
+                                    <p:animEffect transition="in" filter="fade">
+                                      <p:cBhvr>
+                                        <p:cTn id="80" dur="500"/>
+                                        <p:tgtEl>
+                                          <p:spTgt spid="152"/>
+                                        </p:tgtEl>
+                                      </p:cBhvr>
+                                    </p:animEffect>
+                                  </p:childTnLst>
+                                </p:cTn>
+                              </p:par>
+                              <p:par>
+                                <p:cTn id="81" presetID="10" presetClass="entr" presetSubtype="0" fill="hold" nodeType="withEffect">
+                                  <p:stCondLst>
+                                    <p:cond delay="0"/>
+                                  </p:stCondLst>
+                                  <p:childTnLst>
+                                    <p:set>
+                                      <p:cBhvr>
+                                        <p:cTn id="82" dur="1" fill="hold">
+                                          <p:stCondLst>
+                                            <p:cond delay="0"/>
+                                          </p:stCondLst>
+                                        </p:cTn>
+                                        <p:tgtEl>
+                                          <p:spTgt spid="154"/>
+                                        </p:tgtEl>
+                                        <p:attrNameLst>
+                                          <p:attrName>style.visibility</p:attrName>
+                                        </p:attrNameLst>
+                                      </p:cBhvr>
+                                      <p:to>
+                                        <p:strVal val="visible"/>
+                                      </p:to>
+                                    </p:set>
+                                    <p:animEffect transition="in" filter="fade">
+                                      <p:cBhvr>
+                                        <p:cTn id="83" dur="500"/>
+                                        <p:tgtEl>
+                                          <p:spTgt spid="154"/>
+                                        </p:tgtEl>
+                                      </p:cBhvr>
+                                    </p:animEffect>
+                                  </p:childTnLst>
+                                </p:cTn>
+                              </p:par>
+                              <p:par>
+                                <p:cTn id="84" presetID="10" presetClass="entr" presetSubtype="0" fill="hold" nodeType="withEffect">
+                                  <p:stCondLst>
+                                    <p:cond delay="0"/>
+                                  </p:stCondLst>
+                                  <p:childTnLst>
+                                    <p:set>
+                                      <p:cBhvr>
+                                        <p:cTn id="85" dur="1" fill="hold">
+                                          <p:stCondLst>
+                                            <p:cond delay="0"/>
+                                          </p:stCondLst>
+                                        </p:cTn>
+                                        <p:tgtEl>
+                                          <p:spTgt spid="155"/>
+                                        </p:tgtEl>
+                                        <p:attrNameLst>
+                                          <p:attrName>style.visibility</p:attrName>
+                                        </p:attrNameLst>
+                                      </p:cBhvr>
+                                      <p:to>
+                                        <p:strVal val="visible"/>
+                                      </p:to>
+                                    </p:set>
+                                    <p:animEffect transition="in" filter="fade">
+                                      <p:cBhvr>
+                                        <p:cTn id="86" dur="500"/>
+                                        <p:tgtEl>
+                                          <p:spTgt spid="155"/>
+                                        </p:tgtEl>
+                                      </p:cBhvr>
+                                    </p:animEffect>
+                                  </p:childTnLst>
+                                </p:cTn>
+                              </p:par>
+                              <p:par>
+                                <p:cTn id="87" presetID="10" presetClass="entr" presetSubtype="0" fill="hold" nodeType="withEffect">
+                                  <p:stCondLst>
+                                    <p:cond delay="0"/>
+                                  </p:stCondLst>
+                                  <p:childTnLst>
+                                    <p:set>
+                                      <p:cBhvr>
+                                        <p:cTn id="88" dur="1" fill="hold">
+                                          <p:stCondLst>
+                                            <p:cond delay="0"/>
+                                          </p:stCondLst>
+                                        </p:cTn>
+                                        <p:tgtEl>
+                                          <p:spTgt spid="156"/>
+                                        </p:tgtEl>
+                                        <p:attrNameLst>
+                                          <p:attrName>style.visibility</p:attrName>
+                                        </p:attrNameLst>
+                                      </p:cBhvr>
+                                      <p:to>
+                                        <p:strVal val="visible"/>
+                                      </p:to>
+                                    </p:set>
+                                    <p:animEffect transition="in" filter="fade">
+                                      <p:cBhvr>
+                                        <p:cTn id="89" dur="500"/>
+                                        <p:tgtEl>
+                                          <p:spTgt spid="156"/>
+                                        </p:tgtEl>
+                                      </p:cBhvr>
+                                    </p:animEffect>
+                                  </p:childTnLst>
+                                </p:cTn>
+                              </p:par>
+                              <p:par>
+                                <p:cTn id="90" presetID="10" presetClass="entr" presetSubtype="0" fill="hold" nodeType="withEffect">
+                                  <p:stCondLst>
+                                    <p:cond delay="0"/>
+                                  </p:stCondLst>
+                                  <p:childTnLst>
+                                    <p:set>
+                                      <p:cBhvr>
+                                        <p:cTn id="91" dur="1" fill="hold">
+                                          <p:stCondLst>
+                                            <p:cond delay="0"/>
+                                          </p:stCondLst>
+                                        </p:cTn>
+                                        <p:tgtEl>
+                                          <p:spTgt spid="157"/>
+                                        </p:tgtEl>
+                                        <p:attrNameLst>
+                                          <p:attrName>style.visibility</p:attrName>
+                                        </p:attrNameLst>
+                                      </p:cBhvr>
+                                      <p:to>
+                                        <p:strVal val="visible"/>
+                                      </p:to>
+                                    </p:set>
+                                    <p:animEffect transition="in" filter="fade">
+                                      <p:cBhvr>
+                                        <p:cTn id="92" dur="500"/>
+                                        <p:tgtEl>
+                                          <p:spTgt spid="157"/>
+                                        </p:tgtEl>
+                                      </p:cBhvr>
+                                    </p:animEffect>
+                                  </p:childTnLst>
+                                </p:cTn>
+                              </p:par>
+                              <p:par>
+                                <p:cTn id="93" presetID="10" presetClass="entr" presetSubtype="0" fill="hold" nodeType="withEffect">
+                                  <p:stCondLst>
+                                    <p:cond delay="0"/>
+                                  </p:stCondLst>
+                                  <p:childTnLst>
+                                    <p:set>
+                                      <p:cBhvr>
+                                        <p:cTn id="94" dur="1" fill="hold">
+                                          <p:stCondLst>
+                                            <p:cond delay="0"/>
+                                          </p:stCondLst>
+                                        </p:cTn>
+                                        <p:tgtEl>
+                                          <p:spTgt spid="158"/>
+                                        </p:tgtEl>
+                                        <p:attrNameLst>
+                                          <p:attrName>style.visibility</p:attrName>
+                                        </p:attrNameLst>
+                                      </p:cBhvr>
+                                      <p:to>
+                                        <p:strVal val="visible"/>
+                                      </p:to>
+                                    </p:set>
+                                    <p:animEffect transition="in" filter="fade">
+                                      <p:cBhvr>
+                                        <p:cTn id="95" dur="500"/>
+                                        <p:tgtEl>
+                                          <p:spTgt spid="158"/>
+                                        </p:tgtEl>
+                                      </p:cBhvr>
+                                    </p:animEffect>
+                                  </p:childTnLst>
+                                </p:cTn>
+                              </p:par>
+                              <p:par>
+                                <p:cTn id="96" presetID="10" presetClass="entr" presetSubtype="0" fill="hold" nodeType="withEffect">
+                                  <p:stCondLst>
+                                    <p:cond delay="0"/>
+                                  </p:stCondLst>
+                                  <p:childTnLst>
+                                    <p:set>
+                                      <p:cBhvr>
+                                        <p:cTn id="97" dur="1" fill="hold">
+                                          <p:stCondLst>
+                                            <p:cond delay="0"/>
+                                          </p:stCondLst>
+                                        </p:cTn>
+                                        <p:tgtEl>
+                                          <p:spTgt spid="159"/>
+                                        </p:tgtEl>
+                                        <p:attrNameLst>
+                                          <p:attrName>style.visibility</p:attrName>
+                                        </p:attrNameLst>
+                                      </p:cBhvr>
+                                      <p:to>
+                                        <p:strVal val="visible"/>
+                                      </p:to>
+                                    </p:set>
+                                    <p:animEffect transition="in" filter="fade">
+                                      <p:cBhvr>
+                                        <p:cTn id="98" dur="500"/>
+                                        <p:tgtEl>
+                                          <p:spTgt spid="159"/>
+                                        </p:tgtEl>
+                                      </p:cBhvr>
+                                    </p:animEffect>
+                                  </p:childTnLst>
+                                </p:cTn>
+                              </p:par>
+                              <p:par>
+                                <p:cTn id="99" presetID="10" presetClass="entr" presetSubtype="0" fill="hold" nodeType="withEffect">
+                                  <p:stCondLst>
+                                    <p:cond delay="0"/>
+                                  </p:stCondLst>
+                                  <p:childTnLst>
+                                    <p:set>
+                                      <p:cBhvr>
+                                        <p:cTn id="100" dur="1" fill="hold">
+                                          <p:stCondLst>
+                                            <p:cond delay="0"/>
+                                          </p:stCondLst>
+                                        </p:cTn>
+                                        <p:tgtEl>
+                                          <p:spTgt spid="160"/>
+                                        </p:tgtEl>
+                                        <p:attrNameLst>
+                                          <p:attrName>style.visibility</p:attrName>
+                                        </p:attrNameLst>
+                                      </p:cBhvr>
+                                      <p:to>
+                                        <p:strVal val="visible"/>
+                                      </p:to>
+                                    </p:set>
+                                    <p:animEffect transition="in" filter="fade">
+                                      <p:cBhvr>
+                                        <p:cTn id="101" dur="500"/>
+                                        <p:tgtEl>
+                                          <p:spTgt spid="160"/>
+                                        </p:tgtEl>
+                                      </p:cBhvr>
+                                    </p:animEffect>
+                                  </p:childTnLst>
+                                </p:cTn>
+                              </p:par>
+                              <p:par>
+                                <p:cTn id="102" presetID="10" presetClass="entr" presetSubtype="0" fill="hold" nodeType="withEffect">
+                                  <p:stCondLst>
+                                    <p:cond delay="0"/>
+                                  </p:stCondLst>
+                                  <p:childTnLst>
+                                    <p:set>
+                                      <p:cBhvr>
+                                        <p:cTn id="103" dur="1" fill="hold">
+                                          <p:stCondLst>
+                                            <p:cond delay="0"/>
+                                          </p:stCondLst>
+                                        </p:cTn>
+                                        <p:tgtEl>
+                                          <p:spTgt spid="168"/>
+                                        </p:tgtEl>
+                                        <p:attrNameLst>
+                                          <p:attrName>style.visibility</p:attrName>
+                                        </p:attrNameLst>
+                                      </p:cBhvr>
+                                      <p:to>
+                                        <p:strVal val="visible"/>
+                                      </p:to>
+                                    </p:set>
+                                    <p:animEffect transition="in" filter="fade">
+                                      <p:cBhvr>
+                                        <p:cTn id="104" dur="500"/>
+                                        <p:tgtEl>
+                                          <p:spTgt spid="168"/>
+                                        </p:tgtEl>
+                                      </p:cBhvr>
+                                    </p:animEffect>
+                                  </p:childTnLst>
+                                </p:cTn>
+                              </p:par>
+                              <p:par>
+                                <p:cTn id="105" presetID="10" presetClass="entr" presetSubtype="0" fill="hold" grpId="0" nodeType="withEffect">
+                                  <p:stCondLst>
+                                    <p:cond delay="0"/>
+                                  </p:stCondLst>
+                                  <p:childTnLst>
+                                    <p:set>
+                                      <p:cBhvr>
+                                        <p:cTn id="106" dur="1" fill="hold">
+                                          <p:stCondLst>
+                                            <p:cond delay="0"/>
+                                          </p:stCondLst>
+                                        </p:cTn>
+                                        <p:tgtEl>
+                                          <p:spTgt spid="169"/>
+                                        </p:tgtEl>
+                                        <p:attrNameLst>
+                                          <p:attrName>style.visibility</p:attrName>
+                                        </p:attrNameLst>
+                                      </p:cBhvr>
+                                      <p:to>
+                                        <p:strVal val="visible"/>
+                                      </p:to>
+                                    </p:set>
+                                    <p:animEffect transition="in" filter="fade">
+                                      <p:cBhvr>
+                                        <p:cTn id="107" dur="500"/>
+                                        <p:tgtEl>
+                                          <p:spTgt spid="169"/>
+                                        </p:tgtEl>
+                                      </p:cBhvr>
+                                    </p:animEffect>
+                                  </p:childTnLst>
+                                </p:cTn>
+                              </p:par>
+                              <p:par>
+                                <p:cTn id="108" presetID="10" presetClass="entr" presetSubtype="0" fill="hold" nodeType="withEffect">
+                                  <p:stCondLst>
+                                    <p:cond delay="0"/>
+                                  </p:stCondLst>
+                                  <p:childTnLst>
+                                    <p:set>
+                                      <p:cBhvr>
+                                        <p:cTn id="109" dur="1" fill="hold">
+                                          <p:stCondLst>
+                                            <p:cond delay="0"/>
+                                          </p:stCondLst>
+                                        </p:cTn>
+                                        <p:tgtEl>
+                                          <p:spTgt spid="1034"/>
+                                        </p:tgtEl>
+                                        <p:attrNameLst>
+                                          <p:attrName>style.visibility</p:attrName>
+                                        </p:attrNameLst>
+                                      </p:cBhvr>
+                                      <p:to>
+                                        <p:strVal val="visible"/>
+                                      </p:to>
+                                    </p:set>
+                                    <p:animEffect transition="in" filter="fade">
+                                      <p:cBhvr>
+                                        <p:cTn id="110" dur="500"/>
+                                        <p:tgtEl>
+                                          <p:spTgt spid="1034"/>
+                                        </p:tgtEl>
+                                      </p:cBhvr>
+                                    </p:animEffect>
+                                  </p:childTnLst>
+                                </p:cTn>
+                              </p:par>
+                              <p:par>
+                                <p:cTn id="111" presetID="10" presetClass="entr" presetSubtype="0" fill="hold" grpId="0" nodeType="withEffect">
+                                  <p:stCondLst>
+                                    <p:cond delay="0"/>
+                                  </p:stCondLst>
+                                  <p:childTnLst>
+                                    <p:set>
+                                      <p:cBhvr>
+                                        <p:cTn id="112" dur="1" fill="hold">
+                                          <p:stCondLst>
+                                            <p:cond delay="0"/>
+                                          </p:stCondLst>
+                                        </p:cTn>
+                                        <p:tgtEl>
+                                          <p:spTgt spid="172"/>
+                                        </p:tgtEl>
+                                        <p:attrNameLst>
+                                          <p:attrName>style.visibility</p:attrName>
+                                        </p:attrNameLst>
+                                      </p:cBhvr>
+                                      <p:to>
+                                        <p:strVal val="visible"/>
+                                      </p:to>
+                                    </p:set>
+                                    <p:animEffect transition="in" filter="fade">
+                                      <p:cBhvr>
+                                        <p:cTn id="113" dur="500"/>
+                                        <p:tgtEl>
+                                          <p:spTgt spid="172"/>
                                         </p:tgtEl>
                                       </p:cBhvr>
                                     </p:animEffect>
@@ -11055,32 +11340,32 @@
                     </p:cTn>
                   </p:par>
                   <p:par>
-                    <p:cTn id="73" fill="hold">
+                    <p:cTn id="114" fill="hold">
                       <p:stCondLst>
                         <p:cond delay="indefinite"/>
                       </p:stCondLst>
                       <p:childTnLst>
                         <p:par>
-                          <p:cTn id="74" fill="hold">
+                          <p:cTn id="115" fill="hold">
                             <p:stCondLst>
                               <p:cond delay="0"/>
                             </p:stCondLst>
                             <p:childTnLst>
                               <p:par>
-                                <p:cTn id="75" presetID="10" presetClass="entr" presetSubtype="0" fill="hold" nodeType="clickEffect">
+                                <p:cTn id="116" presetID="10" presetClass="entr" presetSubtype="0" fill="hold" nodeType="clickEffect">
                                   <p:stCondLst>
                                     <p:cond delay="0"/>
                                   </p:stCondLst>
                                   <p:childTnLst>
                                     <p:set>
                                       <p:cBhvr>
-                                        <p:cTn id="76" dur="1" fill="hold">
+                                        <p:cTn id="117" dur="1" fill="hold">
                                           <p:stCondLst>
                                             <p:cond delay="0"/>
                                           </p:stCondLst>
                                         </p:cTn>
                                         <p:tgtEl>
-                                          <p:spTgt spid="146"/>
+                                          <p:spTgt spid="174"/>
                                         </p:tgtEl>
                                         <p:attrNameLst>
                                           <p:attrName>style.visibility</p:attrName>
@@ -11092,9 +11377,9 @@
                                     </p:set>
                                     <p:animEffect transition="in" filter="fade">
                                       <p:cBhvr>
-                                        <p:cTn id="77" dur="500"/>
-                                        <p:tgtEl>
-                                          <p:spTgt spid="146"/>
+                                        <p:cTn id="118" dur="500"/>
+                                        <p:tgtEl>
+                                          <p:spTgt spid="174"/>
                                         </p:tgtEl>
                                       </p:cBhvr>
                                     </p:animEffect>
@@ -11102,20 +11387,20 @@
                                 </p:cTn>
                               </p:par>
                               <p:par>
-                                <p:cTn id="78" presetID="10" presetClass="entr" presetSubtype="0" fill="hold" nodeType="withEffect">
+                                <p:cTn id="119" presetID="10" presetClass="entr" presetSubtype="0" fill="hold" nodeType="withEffect">
                                   <p:stCondLst>
                                     <p:cond delay="0"/>
                                   </p:stCondLst>
                                   <p:childTnLst>
                                     <p:set>
                                       <p:cBhvr>
-                                        <p:cTn id="79" dur="1" fill="hold">
+                                        <p:cTn id="120" dur="1" fill="hold">
                                           <p:stCondLst>
                                             <p:cond delay="0"/>
                                           </p:stCondLst>
                                         </p:cTn>
                                         <p:tgtEl>
-                                          <p:spTgt spid="147"/>
+                                          <p:spTgt spid="175"/>
                                         </p:tgtEl>
                                         <p:attrNameLst>
                                           <p:attrName>style.visibility</p:attrName>
@@ -11127,9 +11412,9 @@
                                     </p:set>
                                     <p:animEffect transition="in" filter="fade">
                                       <p:cBhvr>
-                                        <p:cTn id="80" dur="500"/>
-                                        <p:tgtEl>
-                                          <p:spTgt spid="147"/>
+                                        <p:cTn id="121" dur="500"/>
+                                        <p:tgtEl>
+                                          <p:spTgt spid="175"/>
                                         </p:tgtEl>
                                       </p:cBhvr>
                                     </p:animEffect>
@@ -11137,20 +11422,20 @@
                                 </p:cTn>
                               </p:par>
                               <p:par>
-                                <p:cTn id="81" presetID="10" presetClass="entr" presetSubtype="0" fill="hold" nodeType="withEffect">
+                                <p:cTn id="122" presetID="10" presetClass="entr" presetSubtype="0" fill="hold" nodeType="withEffect">
                                   <p:stCondLst>
                                     <p:cond delay="0"/>
                                   </p:stCondLst>
                                   <p:childTnLst>
                                     <p:set>
                                       <p:cBhvr>
-                                        <p:cTn id="82" dur="1" fill="hold">
+                                        <p:cTn id="123" dur="1" fill="hold">
                                           <p:stCondLst>
                                             <p:cond delay="0"/>
                                           </p:stCondLst>
                                         </p:cTn>
                                         <p:tgtEl>
-                                          <p:spTgt spid="148"/>
+                                          <p:spTgt spid="176"/>
                                         </p:tgtEl>
                                         <p:attrNameLst>
                                           <p:attrName>style.visibility</p:attrName>
@@ -11162,9 +11447,9 @@
                                     </p:set>
                                     <p:animEffect transition="in" filter="fade">
                                       <p:cBhvr>
-                                        <p:cTn id="83" dur="500"/>
-                                        <p:tgtEl>
-                                          <p:spTgt spid="148"/>
+                                        <p:cTn id="124" dur="500"/>
+                                        <p:tgtEl>
+                                          <p:spTgt spid="176"/>
                                         </p:tgtEl>
                                       </p:cBhvr>
                                     </p:animEffect>
@@ -11172,20 +11457,20 @@
                                 </p:cTn>
                               </p:par>
                               <p:par>
-                                <p:cTn id="84" presetID="10" presetClass="entr" presetSubtype="0" fill="hold" nodeType="withEffect">
+                                <p:cTn id="125" presetID="10" presetClass="entr" presetSubtype="0" fill="hold" nodeType="withEffect">
                                   <p:stCondLst>
                                     <p:cond delay="0"/>
                                   </p:stCondLst>
                                   <p:childTnLst>
                                     <p:set>
                                       <p:cBhvr>
-                                        <p:cTn id="85" dur="1" fill="hold">
+                                        <p:cTn id="126" dur="1" fill="hold">
                                           <p:stCondLst>
                                             <p:cond delay="0"/>
                                           </p:stCondLst>
                                         </p:cTn>
                                         <p:tgtEl>
-                                          <p:spTgt spid="152"/>
+                                          <p:spTgt spid="177"/>
                                         </p:tgtEl>
                                         <p:attrNameLst>
                                           <p:attrName>style.visibility</p:attrName>
@@ -11197,9 +11482,9 @@
                                     </p:set>
                                     <p:animEffect transition="in" filter="fade">
                                       <p:cBhvr>
-                                        <p:cTn id="86" dur="500"/>
-                                        <p:tgtEl>
-                                          <p:spTgt spid="152"/>
+                                        <p:cTn id="127" dur="500"/>
+                                        <p:tgtEl>
+                                          <p:spTgt spid="177"/>
                                         </p:tgtEl>
                                       </p:cBhvr>
                                     </p:animEffect>
@@ -11207,20 +11492,20 @@
                                 </p:cTn>
                               </p:par>
                               <p:par>
-                                <p:cTn id="87" presetID="10" presetClass="entr" presetSubtype="0" fill="hold" nodeType="withEffect">
+                                <p:cTn id="128" presetID="10" presetClass="entr" presetSubtype="0" fill="hold" nodeType="withEffect">
                                   <p:stCondLst>
                                     <p:cond delay="0"/>
                                   </p:stCondLst>
                                   <p:childTnLst>
                                     <p:set>
                                       <p:cBhvr>
-                                        <p:cTn id="88" dur="1" fill="hold">
+                                        <p:cTn id="129" dur="1" fill="hold">
                                           <p:stCondLst>
                                             <p:cond delay="0"/>
                                           </p:stCondLst>
                                         </p:cTn>
                                         <p:tgtEl>
-                                          <p:spTgt spid="154"/>
+                                          <p:spTgt spid="178"/>
                                         </p:tgtEl>
                                         <p:attrNameLst>
                                           <p:attrName>style.visibility</p:attrName>
@@ -11232,9 +11517,9 @@
                                     </p:set>
                                     <p:animEffect transition="in" filter="fade">
                                       <p:cBhvr>
-                                        <p:cTn id="89" dur="500"/>
-                                        <p:tgtEl>
-                                          <p:spTgt spid="154"/>
+                                        <p:cTn id="130" dur="500"/>
+                                        <p:tgtEl>
+                                          <p:spTgt spid="178"/>
                                         </p:tgtEl>
                                       </p:cBhvr>
                                     </p:animEffect>
@@ -11242,20 +11527,20 @@
                                 </p:cTn>
                               </p:par>
                               <p:par>
-                                <p:cTn id="90" presetID="10" presetClass="entr" presetSubtype="0" fill="hold" nodeType="withEffect">
+                                <p:cTn id="131" presetID="10" presetClass="entr" presetSubtype="0" fill="hold" nodeType="withEffect">
                                   <p:stCondLst>
                                     <p:cond delay="0"/>
                                   </p:stCondLst>
                                   <p:childTnLst>
                                     <p:set>
                                       <p:cBhvr>
-                                        <p:cTn id="91" dur="1" fill="hold">
+                                        <p:cTn id="132" dur="1" fill="hold">
                                           <p:stCondLst>
                                             <p:cond delay="0"/>
                                           </p:stCondLst>
                                         </p:cTn>
                                         <p:tgtEl>
-                                          <p:spTgt spid="155"/>
+                                          <p:spTgt spid="179"/>
                                         </p:tgtEl>
                                         <p:attrNameLst>
                                           <p:attrName>style.visibility</p:attrName>
@@ -11267,9 +11552,9 @@
                                     </p:set>
                                     <p:animEffect transition="in" filter="fade">
                                       <p:cBhvr>
-                                        <p:cTn id="92" dur="500"/>
-                                        <p:tgtEl>
-                                          <p:spTgt spid="155"/>
+                                        <p:cTn id="133" dur="500"/>
+                                        <p:tgtEl>
+                                          <p:spTgt spid="179"/>
                                         </p:tgtEl>
                                       </p:cBhvr>
                                     </p:animEffect>
@@ -11277,20 +11562,20 @@
                                 </p:cTn>
                               </p:par>
                               <p:par>
-                                <p:cTn id="93" presetID="10" presetClass="entr" presetSubtype="0" fill="hold" nodeType="withEffect">
+                                <p:cTn id="134" presetID="10" presetClass="entr" presetSubtype="0" fill="hold" nodeType="withEffect">
                                   <p:stCondLst>
                                     <p:cond delay="0"/>
                                   </p:stCondLst>
                                   <p:childTnLst>
                                     <p:set>
                                       <p:cBhvr>
-                                        <p:cTn id="94" dur="1" fill="hold">
+                                        <p:cTn id="135" dur="1" fill="hold">
                                           <p:stCondLst>
                                             <p:cond delay="0"/>
                                           </p:stCondLst>
                                         </p:cTn>
                                         <p:tgtEl>
-                                          <p:spTgt spid="156"/>
+                                          <p:spTgt spid="180"/>
                                         </p:tgtEl>
                                         <p:attrNameLst>
                                           <p:attrName>style.visibility</p:attrName>
@@ -11302,9 +11587,9 @@
                                     </p:set>
                                     <p:animEffect transition="in" filter="fade">
                                       <p:cBhvr>
-                                        <p:cTn id="95" dur="500"/>
-                                        <p:tgtEl>
-                                          <p:spTgt spid="156"/>
+                                        <p:cTn id="136" dur="500"/>
+                                        <p:tgtEl>
+                                          <p:spTgt spid="180"/>
                                         </p:tgtEl>
                                       </p:cBhvr>
                                     </p:animEffect>
@@ -11312,20 +11597,20 @@
                                 </p:cTn>
                               </p:par>
                               <p:par>
-                                <p:cTn id="96" presetID="10" presetClass="entr" presetSubtype="0" fill="hold" nodeType="withEffect">
+                                <p:cTn id="137" presetID="10" presetClass="entr" presetSubtype="0" fill="hold" nodeType="withEffect">
                                   <p:stCondLst>
                                     <p:cond delay="0"/>
                                   </p:stCondLst>
                                   <p:childTnLst>
                                     <p:set>
                                       <p:cBhvr>
-                                        <p:cTn id="97" dur="1" fill="hold">
+                                        <p:cTn id="138" dur="1" fill="hold">
                                           <p:stCondLst>
                                             <p:cond delay="0"/>
                                           </p:stCondLst>
                                         </p:cTn>
                                         <p:tgtEl>
-                                          <p:spTgt spid="157"/>
+                                          <p:spTgt spid="181"/>
                                         </p:tgtEl>
                                         <p:attrNameLst>
                                           <p:attrName>style.visibility</p:attrName>
@@ -11337,9 +11622,9 @@
                                     </p:set>
                                     <p:animEffect transition="in" filter="fade">
                                       <p:cBhvr>
-                                        <p:cTn id="98" dur="500"/>
-                                        <p:tgtEl>
-                                          <p:spTgt spid="157"/>
+                                        <p:cTn id="139" dur="500"/>
+                                        <p:tgtEl>
+                                          <p:spTgt spid="181"/>
                                         </p:tgtEl>
                                       </p:cBhvr>
                                     </p:animEffect>
@@ -11347,20 +11632,20 @@
                                 </p:cTn>
                               </p:par>
                               <p:par>
-                                <p:cTn id="99" presetID="10" presetClass="entr" presetSubtype="0" fill="hold" nodeType="withEffect">
+                                <p:cTn id="140" presetID="10" presetClass="entr" presetSubtype="0" fill="hold" nodeType="withEffect">
                                   <p:stCondLst>
                                     <p:cond delay="0"/>
                                   </p:stCondLst>
                                   <p:childTnLst>
                                     <p:set>
                                       <p:cBhvr>
-                                        <p:cTn id="100" dur="1" fill="hold">
+                                        <p:cTn id="141" dur="1" fill="hold">
                                           <p:stCondLst>
                                             <p:cond delay="0"/>
                                           </p:stCondLst>
                                         </p:cTn>
                                         <p:tgtEl>
-                                          <p:spTgt spid="158"/>
+                                          <p:spTgt spid="182"/>
                                         </p:tgtEl>
                                         <p:attrNameLst>
                                           <p:attrName>style.visibility</p:attrName>
@@ -11372,9 +11657,9 @@
                                     </p:set>
                                     <p:animEffect transition="in" filter="fade">
                                       <p:cBhvr>
-                                        <p:cTn id="101" dur="500"/>
-                                        <p:tgtEl>
-                                          <p:spTgt spid="158"/>
+                                        <p:cTn id="142" dur="500"/>
+                                        <p:tgtEl>
+                                          <p:spTgt spid="182"/>
                                         </p:tgtEl>
                                       </p:cBhvr>
                                     </p:animEffect>
@@ -11382,20 +11667,20 @@
                                 </p:cTn>
                               </p:par>
                               <p:par>
-                                <p:cTn id="102" presetID="10" presetClass="entr" presetSubtype="0" fill="hold" nodeType="withEffect">
+                                <p:cTn id="143" presetID="10" presetClass="entr" presetSubtype="0" fill="hold" nodeType="withEffect">
                                   <p:stCondLst>
                                     <p:cond delay="0"/>
                                   </p:stCondLst>
                                   <p:childTnLst>
                                     <p:set>
                                       <p:cBhvr>
-                                        <p:cTn id="103" dur="1" fill="hold">
+                                        <p:cTn id="144" dur="1" fill="hold">
                                           <p:stCondLst>
                                             <p:cond delay="0"/>
                                           </p:stCondLst>
                                         </p:cTn>
                                         <p:tgtEl>
-                                          <p:spTgt spid="159"/>
+                                          <p:spTgt spid="183"/>
                                         </p:tgtEl>
                                         <p:attrNameLst>
                                           <p:attrName>style.visibility</p:attrName>
@@ -11407,9 +11692,9 @@
                                     </p:set>
                                     <p:animEffect transition="in" filter="fade">
                                       <p:cBhvr>
-                                        <p:cTn id="104" dur="500"/>
-                                        <p:tgtEl>
-                                          <p:spTgt spid="159"/>
+                                        <p:cTn id="145" dur="500"/>
+                                        <p:tgtEl>
+                                          <p:spTgt spid="183"/>
                                         </p:tgtEl>
                                       </p:cBhvr>
                                     </p:animEffect>
@@ -11417,20 +11702,20 @@
                                 </p:cTn>
                               </p:par>
                               <p:par>
-                                <p:cTn id="105" presetID="10" presetClass="entr" presetSubtype="0" fill="hold" nodeType="withEffect">
+                                <p:cTn id="146" presetID="10" presetClass="entr" presetSubtype="0" fill="hold" grpId="0" nodeType="withEffect">
                                   <p:stCondLst>
                                     <p:cond delay="0"/>
                                   </p:stCondLst>
                                   <p:childTnLst>
                                     <p:set>
                                       <p:cBhvr>
-                                        <p:cTn id="106" dur="1" fill="hold">
+                                        <p:cTn id="147" dur="1" fill="hold">
                                           <p:stCondLst>
                                             <p:cond delay="0"/>
                                           </p:stCondLst>
                                         </p:cTn>
                                         <p:tgtEl>
-                                          <p:spTgt spid="160"/>
+                                          <p:spTgt spid="184"/>
                                         </p:tgtEl>
                                         <p:attrNameLst>
                                           <p:attrName>style.visibility</p:attrName>
@@ -11442,9 +11727,9 @@
                                     </p:set>
                                     <p:animEffect transition="in" filter="fade">
                                       <p:cBhvr>
-                                        <p:cTn id="107" dur="500"/>
-                                        <p:tgtEl>
-                                          <p:spTgt spid="160"/>
+                                        <p:cTn id="148" dur="500"/>
+                                        <p:tgtEl>
+                                          <p:spTgt spid="184"/>
                                         </p:tgtEl>
                                       </p:cBhvr>
                                     </p:animEffect>
@@ -11452,20 +11737,20 @@
                                 </p:cTn>
                               </p:par>
                               <p:par>
-                                <p:cTn id="108" presetID="10" presetClass="entr" presetSubtype="0" fill="hold" nodeType="withEffect">
+                                <p:cTn id="149" presetID="10" presetClass="entr" presetSubtype="0" fill="hold" grpId="0" nodeType="withEffect">
                                   <p:stCondLst>
                                     <p:cond delay="0"/>
                                   </p:stCondLst>
                                   <p:childTnLst>
                                     <p:set>
                                       <p:cBhvr>
-                                        <p:cTn id="109" dur="1" fill="hold">
+                                        <p:cTn id="150" dur="1" fill="hold">
                                           <p:stCondLst>
                                             <p:cond delay="0"/>
                                           </p:stCondLst>
                                         </p:cTn>
                                         <p:tgtEl>
-                                          <p:spTgt spid="167"/>
+                                          <p:spTgt spid="185"/>
                                         </p:tgtEl>
                                         <p:attrNameLst>
                                           <p:attrName>style.visibility</p:attrName>
@@ -11477,9 +11762,9 @@
                                     </p:set>
                                     <p:animEffect transition="in" filter="fade">
                                       <p:cBhvr>
-                                        <p:cTn id="110" dur="500"/>
-                                        <p:tgtEl>
-                                          <p:spTgt spid="167"/>
+                                        <p:cTn id="151" dur="500"/>
+                                        <p:tgtEl>
+                                          <p:spTgt spid="185"/>
                                         </p:tgtEl>
                                       </p:cBhvr>
                                     </p:animEffect>
@@ -11487,20 +11772,20 @@
                                 </p:cTn>
                               </p:par>
                               <p:par>
-                                <p:cTn id="111" presetID="10" presetClass="entr" presetSubtype="0" fill="hold" nodeType="withEffect">
+                                <p:cTn id="152" presetID="10" presetClass="entr" presetSubtype="0" fill="hold" grpId="0" nodeType="withEffect">
                                   <p:stCondLst>
                                     <p:cond delay="0"/>
                                   </p:stCondLst>
                                   <p:childTnLst>
                                     <p:set>
                                       <p:cBhvr>
-                                        <p:cTn id="112" dur="1" fill="hold">
+                                        <p:cTn id="153" dur="1" fill="hold">
                                           <p:stCondLst>
                                             <p:cond delay="0"/>
                                           </p:stCondLst>
                                         </p:cTn>
                                         <p:tgtEl>
-                                          <p:spTgt spid="168"/>
+                                          <p:spTgt spid="186"/>
                                         </p:tgtEl>
                                         <p:attrNameLst>
                                           <p:attrName>style.visibility</p:attrName>
@@ -11512,9 +11797,9 @@
                                     </p:set>
                                     <p:animEffect transition="in" filter="fade">
                                       <p:cBhvr>
-                                        <p:cTn id="113" dur="500"/>
-                                        <p:tgtEl>
-                                          <p:spTgt spid="168"/>
+                                        <p:cTn id="154" dur="500"/>
+                                        <p:tgtEl>
+                                          <p:spTgt spid="186"/>
                                         </p:tgtEl>
                                       </p:cBhvr>
                                     </p:animEffect>
@@ -11522,20 +11807,20 @@
                                 </p:cTn>
                               </p:par>
                               <p:par>
-                                <p:cTn id="114" presetID="10" presetClass="entr" presetSubtype="0" fill="hold" grpId="0" nodeType="withEffect">
+                                <p:cTn id="155" presetID="10" presetClass="entr" presetSubtype="0" fill="hold" nodeType="withEffect">
                                   <p:stCondLst>
                                     <p:cond delay="0"/>
                                   </p:stCondLst>
                                   <p:childTnLst>
                                     <p:set>
                                       <p:cBhvr>
-                                        <p:cTn id="115" dur="1" fill="hold">
+                                        <p:cTn id="156" dur="1" fill="hold">
                                           <p:stCondLst>
                                             <p:cond delay="0"/>
                                           </p:stCondLst>
                                         </p:cTn>
                                         <p:tgtEl>
-                                          <p:spTgt spid="169"/>
+                                          <p:spTgt spid="196"/>
                                         </p:tgtEl>
                                         <p:attrNameLst>
                                           <p:attrName>style.visibility</p:attrName>
@@ -11547,9 +11832,9 @@
                                     </p:set>
                                     <p:animEffect transition="in" filter="fade">
                                       <p:cBhvr>
-                                        <p:cTn id="116" dur="500"/>
-                                        <p:tgtEl>
-                                          <p:spTgt spid="169"/>
+                                        <p:cTn id="157" dur="500"/>
+                                        <p:tgtEl>
+                                          <p:spTgt spid="196"/>
                                         </p:tgtEl>
                                       </p:cBhvr>
                                     </p:animEffect>
@@ -11557,20 +11842,20 @@
                                 </p:cTn>
                               </p:par>
                               <p:par>
-                                <p:cTn id="117" presetID="10" presetClass="entr" presetSubtype="0" fill="hold" nodeType="withEffect">
+                                <p:cTn id="158" presetID="10" presetClass="entr" presetSubtype="0" fill="hold" nodeType="withEffect">
                                   <p:stCondLst>
                                     <p:cond delay="0"/>
                                   </p:stCondLst>
                                   <p:childTnLst>
                                     <p:set>
                                       <p:cBhvr>
-                                        <p:cTn id="118" dur="1" fill="hold">
+                                        <p:cTn id="159" dur="1" fill="hold">
                                           <p:stCondLst>
                                             <p:cond delay="0"/>
                                           </p:stCondLst>
                                         </p:cTn>
                                         <p:tgtEl>
-                                          <p:spTgt spid="1034"/>
+                                          <p:spTgt spid="197"/>
                                         </p:tgtEl>
                                         <p:attrNameLst>
                                           <p:attrName>style.visibility</p:attrName>
@@ -11582,9 +11867,9 @@
                                     </p:set>
                                     <p:animEffect transition="in" filter="fade">
                                       <p:cBhvr>
-                                        <p:cTn id="119" dur="500"/>
-                                        <p:tgtEl>
-                                          <p:spTgt spid="1034"/>
+                                        <p:cTn id="160" dur="500"/>
+                                        <p:tgtEl>
+                                          <p:spTgt spid="197"/>
                                         </p:tgtEl>
                                       </p:cBhvr>
                                     </p:animEffect>
@@ -11592,20 +11877,20 @@
                                 </p:cTn>
                               </p:par>
                               <p:par>
-                                <p:cTn id="120" presetID="10" presetClass="entr" presetSubtype="0" fill="hold" grpId="0" nodeType="withEffect">
+                                <p:cTn id="161" presetID="10" presetClass="entr" presetSubtype="0" fill="hold" grpId="0" nodeType="withEffect">
                                   <p:stCondLst>
                                     <p:cond delay="0"/>
                                   </p:stCondLst>
                                   <p:childTnLst>
                                     <p:set>
                                       <p:cBhvr>
-                                        <p:cTn id="121" dur="1" fill="hold">
+                                        <p:cTn id="162" dur="1" fill="hold">
                                           <p:stCondLst>
                                             <p:cond delay="0"/>
                                           </p:stCondLst>
                                         </p:cTn>
                                         <p:tgtEl>
-                                          <p:spTgt spid="172"/>
+                                          <p:spTgt spid="198"/>
                                         </p:tgtEl>
                                         <p:attrNameLst>
                                           <p:attrName>style.visibility</p:attrName>
@@ -11617,9 +11902,9 @@
                                     </p:set>
                                     <p:animEffect transition="in" filter="fade">
                                       <p:cBhvr>
-                                        <p:cTn id="122" dur="500"/>
-                                        <p:tgtEl>
-                                          <p:spTgt spid="172"/>
+                                        <p:cTn id="163" dur="500"/>
+                                        <p:tgtEl>
+                                          <p:spTgt spid="198"/>
                                         </p:tgtEl>
                                       </p:cBhvr>
                                     </p:animEffect>
@@ -11627,20 +11912,20 @@
                                 </p:cTn>
                               </p:par>
                               <p:par>
-                                <p:cTn id="123" presetID="10" presetClass="entr" presetSubtype="0" fill="hold" nodeType="withEffect">
+                                <p:cTn id="164" presetID="10" presetClass="entr" presetSubtype="0" fill="hold" nodeType="withEffect">
                                   <p:stCondLst>
                                     <p:cond delay="0"/>
                                   </p:stCondLst>
                                   <p:childTnLst>
                                     <p:set>
                                       <p:cBhvr>
-                                        <p:cTn id="124" dur="1" fill="hold">
+                                        <p:cTn id="165" dur="1" fill="hold">
                                           <p:stCondLst>
                                             <p:cond delay="0"/>
                                           </p:stCondLst>
                                         </p:cTn>
                                         <p:tgtEl>
-                                          <p:spTgt spid="173"/>
+                                          <p:spTgt spid="199"/>
                                         </p:tgtEl>
                                         <p:attrNameLst>
                                           <p:attrName>style.visibility</p:attrName>
@@ -11652,9 +11937,114 @@
                                     </p:set>
                                     <p:animEffect transition="in" filter="fade">
                                       <p:cBhvr>
-                                        <p:cTn id="125" dur="500"/>
-                                        <p:tgtEl>
-                                          <p:spTgt spid="173"/>
+                                        <p:cTn id="166" dur="500"/>
+                                        <p:tgtEl>
+                                          <p:spTgt spid="199"/>
+                                        </p:tgtEl>
+                                      </p:cBhvr>
+                                    </p:animEffect>
+                                  </p:childTnLst>
+                                </p:cTn>
+                              </p:par>
+                              <p:par>
+                                <p:cTn id="167" presetID="10" presetClass="entr" presetSubtype="0" fill="hold" nodeType="withEffect">
+                                  <p:stCondLst>
+                                    <p:cond delay="0"/>
+                                  </p:stCondLst>
+                                  <p:childTnLst>
+                                    <p:set>
+                                      <p:cBhvr>
+                                        <p:cTn id="168" dur="1" fill="hold">
+                                          <p:stCondLst>
+                                            <p:cond delay="0"/>
+                                          </p:stCondLst>
+                                        </p:cTn>
+                                        <p:tgtEl>
+                                          <p:spTgt spid="200"/>
+                                        </p:tgtEl>
+                                        <p:attrNameLst>
+                                          <p:attrName>style.visibility</p:attrName>
+                                        </p:attrNameLst>
+                                      </p:cBhvr>
+                                      <p:to>
+                                        <p:strVal val="visible"/>
+                                      </p:to>
+                                    </p:set>
+                                    <p:animEffect transition="in" filter="fade">
+                                      <p:cBhvr>
+                                        <p:cTn id="169" dur="500"/>
+                                        <p:tgtEl>
+                                          <p:spTgt spid="200"/>
+                                        </p:tgtEl>
+                                      </p:cBhvr>
+                                    </p:animEffect>
+                                  </p:childTnLst>
+                                </p:cTn>
+                              </p:par>
+                              <p:par>
+                                <p:cTn id="170" presetID="10" presetClass="entr" presetSubtype="0" fill="hold" grpId="0" nodeType="withEffect">
+                                  <p:stCondLst>
+                                    <p:cond delay="0"/>
+                                  </p:stCondLst>
+                                  <p:childTnLst>
+                                    <p:set>
+                                      <p:cBhvr>
+                                        <p:cTn id="171" dur="1" fill="hold">
+                                          <p:stCondLst>
+                                            <p:cond delay="0"/>
+                                          </p:stCondLst>
+                                        </p:cTn>
+                                        <p:tgtEl>
+                                          <p:spTgt spid="232"/>
+                                        </p:tgtEl>
+                                        <p:attrNameLst>
+                                          <p:attrName>style.visibility</p:attrName>
+                                        </p:attrNameLst>
+                                      </p:cBhvr>
+                                      <p:to>
+                                        <p:strVal val="visible"/>
+                                      </p:to>
+                                    </p:set>
+                                    <p:animEffect transition="in" filter="fade">
+                                      <p:cBhvr>
+                                        <p:cTn id="172" dur="500"/>
+                                        <p:tgtEl>
+                                          <p:spTgt spid="232"/>
+                                        </p:tgtEl>
+                                      </p:cBhvr>
+                                    </p:animEffect>
+                                  </p:childTnLst>
+                                </p:cTn>
+                              </p:par>
+                              <p:par>
+                                <p:cTn id="173" presetID="10" presetClass="entr" presetSubtype="0" fill="hold" nodeType="withEffect">
+                                  <p:stCondLst>
+                                    <p:cond delay="0"/>
+                                  </p:stCondLst>
+                                  <p:childTnLst>
+                                    <p:set>
+                                      <p:cBhvr>
+                                        <p:cTn id="174" dur="1" fill="hold">
+                                          <p:stCondLst>
+                                            <p:cond delay="0"/>
+                                          </p:stCondLst>
+                                        </p:cTn>
+                                        <p:tgtEl>
+                                          <p:spTgt spid="233"/>
+                                        </p:tgtEl>
+                                        <p:attrNameLst>
+                                          <p:attrName>style.visibility</p:attrName>
+                                        </p:attrNameLst>
+                                      </p:cBhvr>
+                                      <p:to>
+                                        <p:strVal val="visible"/>
+                                      </p:to>
+                                    </p:set>
+                                    <p:animEffect transition="in" filter="fade">
+                                      <p:cBhvr>
+                                        <p:cTn id="175" dur="500"/>
+                                        <p:tgtEl>
+                                          <p:spTgt spid="233"/>
                                         </p:tgtEl>
                                       </p:cBhvr>
                                     </p:animEffect>
@@ -11668,32 +12058,32 @@
                     </p:cTn>
                   </p:par>
                   <p:par>
-                    <p:cTn id="126" fill="hold">
+                    <p:cTn id="176" fill="hold">
                       <p:stCondLst>
                         <p:cond delay="indefinite"/>
                       </p:stCondLst>
                       <p:childTnLst>
                         <p:par>
-                          <p:cTn id="127" fill="hold">
+                          <p:cTn id="177" fill="hold">
                             <p:stCondLst>
                               <p:cond delay="0"/>
                             </p:stCondLst>
                             <p:childTnLst>
                               <p:par>
-                                <p:cTn id="128" presetID="10" presetClass="entr" presetSubtype="0" fill="hold" nodeType="clickEffect">
+                                <p:cTn id="178" presetID="10" presetClass="entr" presetSubtype="0" fill="hold" nodeType="clickEffect">
                                   <p:stCondLst>
                                     <p:cond delay="0"/>
                                   </p:stCondLst>
                                   <p:childTnLst>
                                     <p:set>
                                       <p:cBhvr>
-                                        <p:cTn id="129" dur="1" fill="hold">
+                                        <p:cTn id="179" dur="1" fill="hold">
                                           <p:stCondLst>
                                             <p:cond delay="0"/>
                                           </p:stCondLst>
                                         </p:cTn>
                                         <p:tgtEl>
-                                          <p:spTgt spid="174"/>
+                                          <p:spTgt spid="187"/>
                                         </p:tgtEl>
                                         <p:attrNameLst>
                                           <p:attrName>style.visibility</p:attrName>
@@ -11705,9 +12095,9 @@
                                     </p:set>
                                     <p:animEffect transition="in" filter="fade">
                                       <p:cBhvr>
-                                        <p:cTn id="130" dur="500"/>
-                                        <p:tgtEl>
-                                          <p:spTgt spid="174"/>
+                                        <p:cTn id="180" dur="500"/>
+                                        <p:tgtEl>
+                                          <p:spTgt spid="187"/>
                                         </p:tgtEl>
                                       </p:cBhvr>
                                     </p:animEffect>
@@ -11715,20 +12105,20 @@
                                 </p:cTn>
                               </p:par>
                               <p:par>
-                                <p:cTn id="131" presetID="10" presetClass="entr" presetSubtype="0" fill="hold" nodeType="withEffect">
+                                <p:cTn id="181" presetID="10" presetClass="entr" presetSubtype="0" fill="hold" nodeType="withEffect">
                                   <p:stCondLst>
                                     <p:cond delay="0"/>
                                   </p:stCondLst>
                                   <p:childTnLst>
                                     <p:set>
                                       <p:cBhvr>
-                                        <p:cTn id="132" dur="1" fill="hold">
+                                        <p:cTn id="182" dur="1" fill="hold">
                                           <p:stCondLst>
                                             <p:cond delay="0"/>
                                           </p:stCondLst>
                                         </p:cTn>
                                         <p:tgtEl>
-                                          <p:spTgt spid="175"/>
+                                          <p:spTgt spid="188"/>
                                         </p:tgtEl>
                                         <p:attrNameLst>
                                           <p:attrName>style.visibility</p:attrName>
@@ -11740,9 +12130,9 @@
                                     </p:set>
                                     <p:animEffect transition="in" filter="fade">
                                       <p:cBhvr>
-                                        <p:cTn id="133" dur="500"/>
-                                        <p:tgtEl>
-                                          <p:spTgt spid="175"/>
+                                        <p:cTn id="183" dur="500"/>
+                                        <p:tgtEl>
+                                          <p:spTgt spid="188"/>
                                         </p:tgtEl>
                                       </p:cBhvr>
                                     </p:animEffect>
@@ -11750,20 +12140,20 @@
                                 </p:cTn>
                               </p:par>
                               <p:par>
-                                <p:cTn id="134" presetID="10" presetClass="entr" presetSubtype="0" fill="hold" nodeType="withEffect">
+                                <p:cTn id="184" presetID="10" presetClass="entr" presetSubtype="0" fill="hold" nodeType="withEffect">
                                   <p:stCondLst>
                                     <p:cond delay="0"/>
                                   </p:stCondLst>
                                   <p:childTnLst>
                                     <p:set>
                                       <p:cBhvr>
-                                        <p:cTn id="135" dur="1" fill="hold">
+                                        <p:cTn id="185" dur="1" fill="hold">
                                           <p:stCondLst>
                                             <p:cond delay="0"/>
                                           </p:stCondLst>
                                         </p:cTn>
                                         <p:tgtEl>
-                                          <p:spTgt spid="176"/>
+                                          <p:spTgt spid="189"/>
                                         </p:tgtEl>
                                         <p:attrNameLst>
                                           <p:attrName>style.visibility</p:attrName>
@@ -11775,9 +12165,9 @@
                                     </p:set>
                                     <p:animEffect transition="in" filter="fade">
                                       <p:cBhvr>
-                                        <p:cTn id="136" dur="500"/>
-                                        <p:tgtEl>
-                                          <p:spTgt spid="176"/>
+                                        <p:cTn id="186" dur="500"/>
+                                        <p:tgtEl>
+                                          <p:spTgt spid="189"/>
                                         </p:tgtEl>
                                       </p:cBhvr>
                                     </p:animEffect>
@@ -11785,20 +12175,20 @@
                                 </p:cTn>
                               </p:par>
                               <p:par>
-                                <p:cTn id="137" presetID="10" presetClass="entr" presetSubtype="0" fill="hold" nodeType="withEffect">
+                                <p:cTn id="187" presetID="10" presetClass="entr" presetSubtype="0" fill="hold" nodeType="withEffect">
                                   <p:stCondLst>
                                     <p:cond delay="0"/>
                                   </p:stCondLst>
                                   <p:childTnLst>
                                     <p:set>
                                       <p:cBhvr>
-                                        <p:cTn id="138" dur="1" fill="hold">
+                                        <p:cTn id="188" dur="1" fill="hold">
                                           <p:stCondLst>
                                             <p:cond delay="0"/>
                                           </p:stCondLst>
                                         </p:cTn>
                                         <p:tgtEl>
-                                          <p:spTgt spid="177"/>
+                                          <p:spTgt spid="190"/>
                                         </p:tgtEl>
                                         <p:attrNameLst>
                                           <p:attrName>style.visibility</p:attrName>
@@ -11810,9 +12200,9 @@
                                     </p:set>
                                     <p:animEffect transition="in" filter="fade">
                                       <p:cBhvr>
-                                        <p:cTn id="139" dur="500"/>
-                                        <p:tgtEl>
-                                          <p:spTgt spid="177"/>
+                                        <p:cTn id="189" dur="500"/>
+                                        <p:tgtEl>
+                                          <p:spTgt spid="190"/>
                                         </p:tgtEl>
                                       </p:cBhvr>
                                     </p:animEffect>
@@ -11820,20 +12210,20 @@
                                 </p:cTn>
                               </p:par>
                               <p:par>
-                                <p:cTn id="140" presetID="10" presetClass="entr" presetSubtype="0" fill="hold" nodeType="withEffect">
+                                <p:cTn id="190" presetID="10" presetClass="entr" presetSubtype="0" fill="hold" nodeType="withEffect">
                                   <p:stCondLst>
                                     <p:cond delay="0"/>
                                   </p:stCondLst>
                                   <p:childTnLst>
                                     <p:set>
                                       <p:cBhvr>
-                                        <p:cTn id="141" dur="1" fill="hold">
+                                        <p:cTn id="191" dur="1" fill="hold">
                                           <p:stCondLst>
                                             <p:cond delay="0"/>
                                           </p:stCondLst>
                                         </p:cTn>
                                         <p:tgtEl>
-                                          <p:spTgt spid="178"/>
+                                          <p:spTgt spid="191"/>
                                         </p:tgtEl>
                                         <p:attrNameLst>
                                           <p:attrName>style.visibility</p:attrName>
@@ -11845,587 +12235,9 @@
                                     </p:set>
                                     <p:animEffect transition="in" filter="fade">
                                       <p:cBhvr>
-                                        <p:cTn id="142" dur="500"/>
-                                        <p:tgtEl>
-                                          <p:spTgt spid="178"/>
-                                        </p:tgtEl>
-                                      </p:cBhvr>
-                                    </p:animEffect>
-                                  </p:childTnLst>
-                                </p:cTn>
-                              </p:par>
-                              <p:par>
-                                <p:cTn id="143" presetID="10" presetClass="entr" presetSubtype="0" fill="hold" nodeType="withEffect">
-                                  <p:stCondLst>
-                                    <p:cond delay="0"/>
-                                  </p:stCondLst>
-                                  <p:childTnLst>
-                                    <p:set>
-                                      <p:cBhvr>
-                                        <p:cTn id="144" dur="1" fill="hold">
-                                          <p:stCondLst>
-                                            <p:cond delay="0"/>
-                                          </p:stCondLst>
-                                        </p:cTn>
-                                        <p:tgtEl>
-                                          <p:spTgt spid="179"/>
-                                        </p:tgtEl>
-                                        <p:attrNameLst>
-                                          <p:attrName>style.visibility</p:attrName>
-                                        </p:attrNameLst>
-                                      </p:cBhvr>
-                                      <p:to>
-                                        <p:strVal val="visible"/>
-                                      </p:to>
-                                    </p:set>
-                                    <p:animEffect transition="in" filter="fade">
-                                      <p:cBhvr>
-                                        <p:cTn id="145" dur="500"/>
-                                        <p:tgtEl>
-                                          <p:spTgt spid="179"/>
-                                        </p:tgtEl>
-                                      </p:cBhvr>
-                                    </p:animEffect>
-                                  </p:childTnLst>
-                                </p:cTn>
-                              </p:par>
-                              <p:par>
-                                <p:cTn id="146" presetID="10" presetClass="entr" presetSubtype="0" fill="hold" nodeType="withEffect">
-                                  <p:stCondLst>
-                                    <p:cond delay="0"/>
-                                  </p:stCondLst>
-                                  <p:childTnLst>
-                                    <p:set>
-                                      <p:cBhvr>
-                                        <p:cTn id="147" dur="1" fill="hold">
-                                          <p:stCondLst>
-                                            <p:cond delay="0"/>
-                                          </p:stCondLst>
-                                        </p:cTn>
-                                        <p:tgtEl>
-                                          <p:spTgt spid="180"/>
-                                        </p:tgtEl>
-                                        <p:attrNameLst>
-                                          <p:attrName>style.visibility</p:attrName>
-                                        </p:attrNameLst>
-                                      </p:cBhvr>
-                                      <p:to>
-                                        <p:strVal val="visible"/>
-                                      </p:to>
-                                    </p:set>
-                                    <p:animEffect transition="in" filter="fade">
-                                      <p:cBhvr>
-                                        <p:cTn id="148" dur="500"/>
-                                        <p:tgtEl>
-                                          <p:spTgt spid="180"/>
-                                        </p:tgtEl>
-                                      </p:cBhvr>
-                                    </p:animEffect>
-                                  </p:childTnLst>
-                                </p:cTn>
-                              </p:par>
-                              <p:par>
-                                <p:cTn id="149" presetID="10" presetClass="entr" presetSubtype="0" fill="hold" nodeType="withEffect">
-                                  <p:stCondLst>
-                                    <p:cond delay="0"/>
-                                  </p:stCondLst>
-                                  <p:childTnLst>
-                                    <p:set>
-                                      <p:cBhvr>
-                                        <p:cTn id="150" dur="1" fill="hold">
-                                          <p:stCondLst>
-                                            <p:cond delay="0"/>
-                                          </p:stCondLst>
-                                        </p:cTn>
-                                        <p:tgtEl>
-                                          <p:spTgt spid="181"/>
-                                        </p:tgtEl>
-                                        <p:attrNameLst>
-                                          <p:attrName>style.visibility</p:attrName>
-                                        </p:attrNameLst>
-                                      </p:cBhvr>
-                                      <p:to>
-                                        <p:strVal val="visible"/>
-                                      </p:to>
-                                    </p:set>
-                                    <p:animEffect transition="in" filter="fade">
-                                      <p:cBhvr>
-                                        <p:cTn id="151" dur="500"/>
-                                        <p:tgtEl>
-                                          <p:spTgt spid="181"/>
-                                        </p:tgtEl>
-                                      </p:cBhvr>
-                                    </p:animEffect>
-                                  </p:childTnLst>
-                                </p:cTn>
-                              </p:par>
-                              <p:par>
-                                <p:cTn id="152" presetID="10" presetClass="entr" presetSubtype="0" fill="hold" nodeType="withEffect">
-                                  <p:stCondLst>
-                                    <p:cond delay="0"/>
-                                  </p:stCondLst>
-                                  <p:childTnLst>
-                                    <p:set>
-                                      <p:cBhvr>
-                                        <p:cTn id="153" dur="1" fill="hold">
-                                          <p:stCondLst>
-                                            <p:cond delay="0"/>
-                                          </p:stCondLst>
-                                        </p:cTn>
-                                        <p:tgtEl>
-                                          <p:spTgt spid="182"/>
-                                        </p:tgtEl>
-                                        <p:attrNameLst>
-                                          <p:attrName>style.visibility</p:attrName>
-                                        </p:attrNameLst>
-                                      </p:cBhvr>
-                                      <p:to>
-                                        <p:strVal val="visible"/>
-                                      </p:to>
-                                    </p:set>
-                                    <p:animEffect transition="in" filter="fade">
-                                      <p:cBhvr>
-                                        <p:cTn id="154" dur="500"/>
-                                        <p:tgtEl>
-                                          <p:spTgt spid="182"/>
-                                        </p:tgtEl>
-                                      </p:cBhvr>
-                                    </p:animEffect>
-                                  </p:childTnLst>
-                                </p:cTn>
-                              </p:par>
-                              <p:par>
-                                <p:cTn id="155" presetID="10" presetClass="entr" presetSubtype="0" fill="hold" nodeType="withEffect">
-                                  <p:stCondLst>
-                                    <p:cond delay="0"/>
-                                  </p:stCondLst>
-                                  <p:childTnLst>
-                                    <p:set>
-                                      <p:cBhvr>
-                                        <p:cTn id="156" dur="1" fill="hold">
-                                          <p:stCondLst>
-                                            <p:cond delay="0"/>
-                                          </p:stCondLst>
-                                        </p:cTn>
-                                        <p:tgtEl>
-                                          <p:spTgt spid="183"/>
-                                        </p:tgtEl>
-                                        <p:attrNameLst>
-                                          <p:attrName>style.visibility</p:attrName>
-                                        </p:attrNameLst>
-                                      </p:cBhvr>
-                                      <p:to>
-                                        <p:strVal val="visible"/>
-                                      </p:to>
-                                    </p:set>
-                                    <p:animEffect transition="in" filter="fade">
-                                      <p:cBhvr>
-                                        <p:cTn id="157" dur="500"/>
-                                        <p:tgtEl>
-                                          <p:spTgt spid="183"/>
-                                        </p:tgtEl>
-                                      </p:cBhvr>
-                                    </p:animEffect>
-                                  </p:childTnLst>
-                                </p:cTn>
-                              </p:par>
-                              <p:par>
-                                <p:cTn id="158" presetID="10" presetClass="entr" presetSubtype="0" fill="hold" grpId="0" nodeType="withEffect">
-                                  <p:stCondLst>
-                                    <p:cond delay="0"/>
-                                  </p:stCondLst>
-                                  <p:childTnLst>
-                                    <p:set>
-                                      <p:cBhvr>
-                                        <p:cTn id="159" dur="1" fill="hold">
-                                          <p:stCondLst>
-                                            <p:cond delay="0"/>
-                                          </p:stCondLst>
-                                        </p:cTn>
-                                        <p:tgtEl>
-                                          <p:spTgt spid="184"/>
-                                        </p:tgtEl>
-                                        <p:attrNameLst>
-                                          <p:attrName>style.visibility</p:attrName>
-                                        </p:attrNameLst>
-                                      </p:cBhvr>
-                                      <p:to>
-                                        <p:strVal val="visible"/>
-                                      </p:to>
-                                    </p:set>
-                                    <p:animEffect transition="in" filter="fade">
-                                      <p:cBhvr>
-                                        <p:cTn id="160" dur="500"/>
-                                        <p:tgtEl>
-                                          <p:spTgt spid="184"/>
-                                        </p:tgtEl>
-                                      </p:cBhvr>
-                                    </p:animEffect>
-                                  </p:childTnLst>
-                                </p:cTn>
-                              </p:par>
-                              <p:par>
-                                <p:cTn id="161" presetID="10" presetClass="entr" presetSubtype="0" fill="hold" grpId="0" nodeType="withEffect">
-                                  <p:stCondLst>
-                                    <p:cond delay="0"/>
-                                  </p:stCondLst>
-                                  <p:childTnLst>
-                                    <p:set>
-                                      <p:cBhvr>
-                                        <p:cTn id="162" dur="1" fill="hold">
-                                          <p:stCondLst>
-                                            <p:cond delay="0"/>
-                                          </p:stCondLst>
-                                        </p:cTn>
-                                        <p:tgtEl>
-                                          <p:spTgt spid="185"/>
-                                        </p:tgtEl>
-                                        <p:attrNameLst>
-                                          <p:attrName>style.visibility</p:attrName>
-                                        </p:attrNameLst>
-                                      </p:cBhvr>
-                                      <p:to>
-                                        <p:strVal val="visible"/>
-                                      </p:to>
-                                    </p:set>
-                                    <p:animEffect transition="in" filter="fade">
-                                      <p:cBhvr>
-                                        <p:cTn id="163" dur="500"/>
-                                        <p:tgtEl>
-                                          <p:spTgt spid="185"/>
-                                        </p:tgtEl>
-                                      </p:cBhvr>
-                                    </p:animEffect>
-                                  </p:childTnLst>
-                                </p:cTn>
-                              </p:par>
-                              <p:par>
-                                <p:cTn id="164" presetID="10" presetClass="entr" presetSubtype="0" fill="hold" grpId="0" nodeType="withEffect">
-                                  <p:stCondLst>
-                                    <p:cond delay="0"/>
-                                  </p:stCondLst>
-                                  <p:childTnLst>
-                                    <p:set>
-                                      <p:cBhvr>
-                                        <p:cTn id="165" dur="1" fill="hold">
-                                          <p:stCondLst>
-                                            <p:cond delay="0"/>
-                                          </p:stCondLst>
-                                        </p:cTn>
-                                        <p:tgtEl>
-                                          <p:spTgt spid="186"/>
-                                        </p:tgtEl>
-                                        <p:attrNameLst>
-                                          <p:attrName>style.visibility</p:attrName>
-                                        </p:attrNameLst>
-                                      </p:cBhvr>
-                                      <p:to>
-                                        <p:strVal val="visible"/>
-                                      </p:to>
-                                    </p:set>
-                                    <p:animEffect transition="in" filter="fade">
-                                      <p:cBhvr>
-                                        <p:cTn id="166" dur="500"/>
-                                        <p:tgtEl>
-                                          <p:spTgt spid="186"/>
-                                        </p:tgtEl>
-                                      </p:cBhvr>
-                                    </p:animEffect>
-                                  </p:childTnLst>
-                                </p:cTn>
-                              </p:par>
-                              <p:par>
-                                <p:cTn id="167" presetID="10" presetClass="entr" presetSubtype="0" fill="hold" nodeType="withEffect">
-                                  <p:stCondLst>
-                                    <p:cond delay="0"/>
-                                  </p:stCondLst>
-                                  <p:childTnLst>
-                                    <p:set>
-                                      <p:cBhvr>
-                                        <p:cTn id="168" dur="1" fill="hold">
-                                          <p:stCondLst>
-                                            <p:cond delay="0"/>
-                                          </p:stCondLst>
-                                        </p:cTn>
-                                        <p:tgtEl>
-                                          <p:spTgt spid="196"/>
-                                        </p:tgtEl>
-                                        <p:attrNameLst>
-                                          <p:attrName>style.visibility</p:attrName>
-                                        </p:attrNameLst>
-                                      </p:cBhvr>
-                                      <p:to>
-                                        <p:strVal val="visible"/>
-                                      </p:to>
-                                    </p:set>
-                                    <p:animEffect transition="in" filter="fade">
-                                      <p:cBhvr>
-                                        <p:cTn id="169" dur="500"/>
-                                        <p:tgtEl>
-                                          <p:spTgt spid="196"/>
-                                        </p:tgtEl>
-                                      </p:cBhvr>
-                                    </p:animEffect>
-                                  </p:childTnLst>
-                                </p:cTn>
-                              </p:par>
-                              <p:par>
-                                <p:cTn id="170" presetID="10" presetClass="entr" presetSubtype="0" fill="hold" nodeType="withEffect">
-                                  <p:stCondLst>
-                                    <p:cond delay="0"/>
-                                  </p:stCondLst>
-                                  <p:childTnLst>
-                                    <p:set>
-                                      <p:cBhvr>
-                                        <p:cTn id="171" dur="1" fill="hold">
-                                          <p:stCondLst>
-                                            <p:cond delay="0"/>
-                                          </p:stCondLst>
-                                        </p:cTn>
-                                        <p:tgtEl>
-                                          <p:spTgt spid="197"/>
-                                        </p:tgtEl>
-                                        <p:attrNameLst>
-                                          <p:attrName>style.visibility</p:attrName>
-                                        </p:attrNameLst>
-                                      </p:cBhvr>
-                                      <p:to>
-                                        <p:strVal val="visible"/>
-                                      </p:to>
-                                    </p:set>
-                                    <p:animEffect transition="in" filter="fade">
-                                      <p:cBhvr>
-                                        <p:cTn id="172" dur="500"/>
-                                        <p:tgtEl>
-                                          <p:spTgt spid="197"/>
-                                        </p:tgtEl>
-                                      </p:cBhvr>
-                                    </p:animEffect>
-                                  </p:childTnLst>
-                                </p:cTn>
-                              </p:par>
-                              <p:par>
-                                <p:cTn id="173" presetID="10" presetClass="entr" presetSubtype="0" fill="hold" grpId="0" nodeType="withEffect">
-                                  <p:stCondLst>
-                                    <p:cond delay="0"/>
-                                  </p:stCondLst>
-                                  <p:childTnLst>
-                                    <p:set>
-                                      <p:cBhvr>
-                                        <p:cTn id="174" dur="1" fill="hold">
-                                          <p:stCondLst>
-                                            <p:cond delay="0"/>
-                                          </p:stCondLst>
-                                        </p:cTn>
-                                        <p:tgtEl>
-                                          <p:spTgt spid="198"/>
-                                        </p:tgtEl>
-                                        <p:attrNameLst>
-                                          <p:attrName>style.visibility</p:attrName>
-                                        </p:attrNameLst>
-                                      </p:cBhvr>
-                                      <p:to>
-                                        <p:strVal val="visible"/>
-                                      </p:to>
-                                    </p:set>
-                                    <p:animEffect transition="in" filter="fade">
-                                      <p:cBhvr>
-                                        <p:cTn id="175" dur="500"/>
-                                        <p:tgtEl>
-                                          <p:spTgt spid="198"/>
-                                        </p:tgtEl>
-                                      </p:cBhvr>
-                                    </p:animEffect>
-                                  </p:childTnLst>
-                                </p:cTn>
-                              </p:par>
-                              <p:par>
-                                <p:cTn id="176" presetID="10" presetClass="entr" presetSubtype="0" fill="hold" nodeType="withEffect">
-                                  <p:stCondLst>
-                                    <p:cond delay="0"/>
-                                  </p:stCondLst>
-                                  <p:childTnLst>
-                                    <p:set>
-                                      <p:cBhvr>
-                                        <p:cTn id="177" dur="1" fill="hold">
-                                          <p:stCondLst>
-                                            <p:cond delay="0"/>
-                                          </p:stCondLst>
-                                        </p:cTn>
-                                        <p:tgtEl>
-                                          <p:spTgt spid="199"/>
-                                        </p:tgtEl>
-                                        <p:attrNameLst>
-                                          <p:attrName>style.visibility</p:attrName>
-                                        </p:attrNameLst>
-                                      </p:cBhvr>
-                                      <p:to>
-                                        <p:strVal val="visible"/>
-                                      </p:to>
-                                    </p:set>
-                                    <p:animEffect transition="in" filter="fade">
-                                      <p:cBhvr>
-                                        <p:cTn id="178" dur="500"/>
-                                        <p:tgtEl>
-                                          <p:spTgt spid="199"/>
-                                        </p:tgtEl>
-                                      </p:cBhvr>
-                                    </p:animEffect>
-                                  </p:childTnLst>
-                                </p:cTn>
-                              </p:par>
-                              <p:par>
-                                <p:cTn id="179" presetID="10" presetClass="entr" presetSubtype="0" fill="hold" nodeType="withEffect">
-                                  <p:stCondLst>
-                                    <p:cond delay="0"/>
-                                  </p:stCondLst>
-                                  <p:childTnLst>
-                                    <p:set>
-                                      <p:cBhvr>
-                                        <p:cTn id="180" dur="1" fill="hold">
-                                          <p:stCondLst>
-                                            <p:cond delay="0"/>
-                                          </p:stCondLst>
-                                        </p:cTn>
-                                        <p:tgtEl>
-                                          <p:spTgt spid="200"/>
-                                        </p:tgtEl>
-                                        <p:attrNameLst>
-                                          <p:attrName>style.visibility</p:attrName>
-                                        </p:attrNameLst>
-                                      </p:cBhvr>
-                                      <p:to>
-                                        <p:strVal val="visible"/>
-                                      </p:to>
-                                    </p:set>
-                                    <p:animEffect transition="in" filter="fade">
-                                      <p:cBhvr>
-                                        <p:cTn id="181" dur="500"/>
-                                        <p:tgtEl>
-                                          <p:spTgt spid="200"/>
-                                        </p:tgtEl>
-                                      </p:cBhvr>
-                                    </p:animEffect>
-                                  </p:childTnLst>
-                                </p:cTn>
-                              </p:par>
-                              <p:par>
-                                <p:cTn id="182" presetID="10" presetClass="entr" presetSubtype="0" fill="hold" grpId="0" nodeType="withEffect">
-                                  <p:stCondLst>
-                                    <p:cond delay="0"/>
-                                  </p:stCondLst>
-                                  <p:childTnLst>
-                                    <p:set>
-                                      <p:cBhvr>
-                                        <p:cTn id="183" dur="1" fill="hold">
-                                          <p:stCondLst>
-                                            <p:cond delay="0"/>
-                                          </p:stCondLst>
-                                        </p:cTn>
-                                        <p:tgtEl>
-                                          <p:spTgt spid="232"/>
-                                        </p:tgtEl>
-                                        <p:attrNameLst>
-                                          <p:attrName>style.visibility</p:attrName>
-                                        </p:attrNameLst>
-                                      </p:cBhvr>
-                                      <p:to>
-                                        <p:strVal val="visible"/>
-                                      </p:to>
-                                    </p:set>
-                                    <p:animEffect transition="in" filter="fade">
-                                      <p:cBhvr>
-                                        <p:cTn id="184" dur="500"/>
-                                        <p:tgtEl>
-                                          <p:spTgt spid="232"/>
-                                        </p:tgtEl>
-                                      </p:cBhvr>
-                                    </p:animEffect>
-                                  </p:childTnLst>
-                                </p:cTn>
-                              </p:par>
-                              <p:par>
-                                <p:cTn id="185" presetID="10" presetClass="entr" presetSubtype="0" fill="hold" nodeType="withEffect">
-                                  <p:stCondLst>
-                                    <p:cond delay="0"/>
-                                  </p:stCondLst>
-                                  <p:childTnLst>
-                                    <p:set>
-                                      <p:cBhvr>
-                                        <p:cTn id="186" dur="1" fill="hold">
-                                          <p:stCondLst>
-                                            <p:cond delay="0"/>
-                                          </p:stCondLst>
-                                        </p:cTn>
-                                        <p:tgtEl>
-                                          <p:spTgt spid="233"/>
-                                        </p:tgtEl>
-                                        <p:attrNameLst>
-                                          <p:attrName>style.visibility</p:attrName>
-                                        </p:attrNameLst>
-                                      </p:cBhvr>
-                                      <p:to>
-                                        <p:strVal val="visible"/>
-                                      </p:to>
-                                    </p:set>
-                                    <p:animEffect transition="in" filter="fade">
-                                      <p:cBhvr>
-                                        <p:cTn id="187" dur="500"/>
-                                        <p:tgtEl>
-                                          <p:spTgt spid="233"/>
-                                        </p:tgtEl>
-                                      </p:cBhvr>
-                                    </p:animEffect>
-                                  </p:childTnLst>
-                                </p:cTn>
-                              </p:par>
-                            </p:childTnLst>
-                          </p:cTn>
-                        </p:par>
-                      </p:childTnLst>
-                    </p:cTn>
-                  </p:par>
-                  <p:par>
-                    <p:cTn id="188" fill="hold">
-                      <p:stCondLst>
-                        <p:cond delay="indefinite"/>
-                      </p:stCondLst>
-                      <p:childTnLst>
-                        <p:par>
-                          <p:cTn id="189" fill="hold">
-                            <p:stCondLst>
-                              <p:cond delay="0"/>
-                            </p:stCondLst>
-                            <p:childTnLst>
-                              <p:par>
-                                <p:cTn id="190" presetID="10" presetClass="entr" presetSubtype="0" fill="hold" nodeType="clickEffect">
-                                  <p:stCondLst>
-                                    <p:cond delay="0"/>
-                                  </p:stCondLst>
-                                  <p:childTnLst>
-                                    <p:set>
-                                      <p:cBhvr>
-                                        <p:cTn id="191" dur="1" fill="hold">
-                                          <p:stCondLst>
-                                            <p:cond delay="0"/>
-                                          </p:stCondLst>
-                                        </p:cTn>
-                                        <p:tgtEl>
-                                          <p:spTgt spid="187"/>
-                                        </p:tgtEl>
-                                        <p:attrNameLst>
-                                          <p:attrName>style.visibility</p:attrName>
-                                        </p:attrNameLst>
-                                      </p:cBhvr>
-                                      <p:to>
-                                        <p:strVal val="visible"/>
-                                      </p:to>
-                                    </p:set>
-                                    <p:animEffect transition="in" filter="fade">
-                                      <p:cBhvr>
                                         <p:cTn id="192" dur="500"/>
                                         <p:tgtEl>
-                                          <p:spTgt spid="187"/>
+                                          <p:spTgt spid="191"/>
                                         </p:tgtEl>
                                       </p:cBhvr>
                                     </p:animEffect>
@@ -12446,7 +12258,7 @@
                                           </p:stCondLst>
                                         </p:cTn>
                                         <p:tgtEl>
-                                          <p:spTgt spid="188"/>
+                                          <p:spTgt spid="192"/>
                                         </p:tgtEl>
                                         <p:attrNameLst>
                                           <p:attrName>style.visibility</p:attrName>
@@ -12460,7 +12272,7 @@
                                       <p:cBhvr>
                                         <p:cTn id="195" dur="500"/>
                                         <p:tgtEl>
-                                          <p:spTgt spid="188"/>
+                                          <p:spTgt spid="192"/>
                                         </p:tgtEl>
                                       </p:cBhvr>
                                     </p:animEffect>
@@ -12481,7 +12293,7 @@
                                           </p:stCondLst>
                                         </p:cTn>
                                         <p:tgtEl>
-                                          <p:spTgt spid="189"/>
+                                          <p:spTgt spid="193"/>
                                         </p:tgtEl>
                                         <p:attrNameLst>
                                           <p:attrName>style.visibility</p:attrName>
@@ -12495,7 +12307,7 @@
                                       <p:cBhvr>
                                         <p:cTn id="198" dur="500"/>
                                         <p:tgtEl>
-                                          <p:spTgt spid="189"/>
+                                          <p:spTgt spid="193"/>
                                         </p:tgtEl>
                                       </p:cBhvr>
                                     </p:animEffect>
@@ -12516,7 +12328,7 @@
                                           </p:stCondLst>
                                         </p:cTn>
                                         <p:tgtEl>
-                                          <p:spTgt spid="190"/>
+                                          <p:spTgt spid="194"/>
                                         </p:tgtEl>
                                         <p:attrNameLst>
                                           <p:attrName>style.visibility</p:attrName>
@@ -12530,7 +12342,7 @@
                                       <p:cBhvr>
                                         <p:cTn id="201" dur="500"/>
                                         <p:tgtEl>
-                                          <p:spTgt spid="190"/>
+                                          <p:spTgt spid="194"/>
                                         </p:tgtEl>
                                       </p:cBhvr>
                                     </p:animEffect>
@@ -12538,7 +12350,7 @@
                                 </p:cTn>
                               </p:par>
                               <p:par>
-                                <p:cTn id="202" presetID="10" presetClass="entr" presetSubtype="0" fill="hold" nodeType="withEffect">
+                                <p:cTn id="202" presetID="10" presetClass="entr" presetSubtype="0" fill="hold" grpId="0" nodeType="withEffect">
                                   <p:stCondLst>
                                     <p:cond delay="0"/>
                                   </p:stCondLst>
@@ -12551,7 +12363,7 @@
                                           </p:stCondLst>
                                         </p:cTn>
                                         <p:tgtEl>
-                                          <p:spTgt spid="191"/>
+                                          <p:spTgt spid="201"/>
                                         </p:tgtEl>
                                         <p:attrNameLst>
                                           <p:attrName>style.visibility</p:attrName>
@@ -12565,7 +12377,7 @@
                                       <p:cBhvr>
                                         <p:cTn id="204" dur="500"/>
                                         <p:tgtEl>
-                                          <p:spTgt spid="191"/>
+                                          <p:spTgt spid="201"/>
                                         </p:tgtEl>
                                       </p:cBhvr>
                                     </p:animEffect>
@@ -12573,7 +12385,7 @@
                                 </p:cTn>
                               </p:par>
                               <p:par>
-                                <p:cTn id="205" presetID="10" presetClass="entr" presetSubtype="0" fill="hold" nodeType="withEffect">
+                                <p:cTn id="205" presetID="10" presetClass="entr" presetSubtype="0" fill="hold" grpId="0" nodeType="withEffect">
                                   <p:stCondLst>
                                     <p:cond delay="0"/>
                                   </p:stCondLst>
@@ -12586,7 +12398,7 @@
                                           </p:stCondLst>
                                         </p:cTn>
                                         <p:tgtEl>
-                                          <p:spTgt spid="192"/>
+                                          <p:spTgt spid="202"/>
                                         </p:tgtEl>
                                         <p:attrNameLst>
                                           <p:attrName>style.visibility</p:attrName>
@@ -12600,7 +12412,7 @@
                                       <p:cBhvr>
                                         <p:cTn id="207" dur="500"/>
                                         <p:tgtEl>
-                                          <p:spTgt spid="192"/>
+                                          <p:spTgt spid="202"/>
                                         </p:tgtEl>
                                       </p:cBhvr>
                                     </p:animEffect>
@@ -12608,7 +12420,7 @@
                                 </p:cTn>
                               </p:par>
                               <p:par>
-                                <p:cTn id="208" presetID="10" presetClass="entr" presetSubtype="0" fill="hold" nodeType="withEffect">
+                                <p:cTn id="208" presetID="10" presetClass="entr" presetSubtype="0" fill="hold" grpId="0" nodeType="withEffect">
                                   <p:stCondLst>
                                     <p:cond delay="0"/>
                                   </p:stCondLst>
@@ -12621,7 +12433,7 @@
                                           </p:stCondLst>
                                         </p:cTn>
                                         <p:tgtEl>
-                                          <p:spTgt spid="193"/>
+                                          <p:spTgt spid="203"/>
                                         </p:tgtEl>
                                         <p:attrNameLst>
                                           <p:attrName>style.visibility</p:attrName>
@@ -12635,7 +12447,7 @@
                                       <p:cBhvr>
                                         <p:cTn id="210" dur="500"/>
                                         <p:tgtEl>
-                                          <p:spTgt spid="193"/>
+                                          <p:spTgt spid="203"/>
                                         </p:tgtEl>
                                       </p:cBhvr>
                                     </p:animEffect>
@@ -12656,7 +12468,7 @@
                                           </p:stCondLst>
                                         </p:cTn>
                                         <p:tgtEl>
-                                          <p:spTgt spid="194"/>
+                                          <p:spTgt spid="204"/>
                                         </p:tgtEl>
                                         <p:attrNameLst>
                                           <p:attrName>style.visibility</p:attrName>
@@ -12670,7 +12482,7 @@
                                       <p:cBhvr>
                                         <p:cTn id="213" dur="500"/>
                                         <p:tgtEl>
-                                          <p:spTgt spid="194"/>
+                                          <p:spTgt spid="204"/>
                                         </p:tgtEl>
                                       </p:cBhvr>
                                     </p:animEffect>
@@ -12678,7 +12490,7 @@
                                 </p:cTn>
                               </p:par>
                               <p:par>
-                                <p:cTn id="214" presetID="10" presetClass="entr" presetSubtype="0" fill="hold" grpId="0" nodeType="withEffect">
+                                <p:cTn id="214" presetID="10" presetClass="entr" presetSubtype="0" fill="hold" nodeType="withEffect">
                                   <p:stCondLst>
                                     <p:cond delay="0"/>
                                   </p:stCondLst>
@@ -12691,7 +12503,7 @@
                                           </p:stCondLst>
                                         </p:cTn>
                                         <p:tgtEl>
-                                          <p:spTgt spid="201"/>
+                                          <p:spTgt spid="205"/>
                                         </p:tgtEl>
                                         <p:attrNameLst>
                                           <p:attrName>style.visibility</p:attrName>
@@ -12705,7 +12517,7 @@
                                       <p:cBhvr>
                                         <p:cTn id="216" dur="500"/>
                                         <p:tgtEl>
-                                          <p:spTgt spid="201"/>
+                                          <p:spTgt spid="205"/>
                                         </p:tgtEl>
                                       </p:cBhvr>
                                     </p:animEffect>
@@ -12713,7 +12525,7 @@
                                 </p:cTn>
                               </p:par>
                               <p:par>
-                                <p:cTn id="217" presetID="10" presetClass="entr" presetSubtype="0" fill="hold" grpId="0" nodeType="withEffect">
+                                <p:cTn id="217" presetID="10" presetClass="entr" presetSubtype="0" fill="hold" nodeType="withEffect">
                                   <p:stCondLst>
                                     <p:cond delay="0"/>
                                   </p:stCondLst>
@@ -12726,7 +12538,7 @@
                                           </p:stCondLst>
                                         </p:cTn>
                                         <p:tgtEl>
-                                          <p:spTgt spid="202"/>
+                                          <p:spTgt spid="206"/>
                                         </p:tgtEl>
                                         <p:attrNameLst>
                                           <p:attrName>style.visibility</p:attrName>
@@ -12740,7 +12552,7 @@
                                       <p:cBhvr>
                                         <p:cTn id="219" dur="500"/>
                                         <p:tgtEl>
-                                          <p:spTgt spid="202"/>
+                                          <p:spTgt spid="206"/>
                                         </p:tgtEl>
                                       </p:cBhvr>
                                     </p:animEffect>
@@ -12748,7 +12560,7 @@
                                 </p:cTn>
                               </p:par>
                               <p:par>
-                                <p:cTn id="220" presetID="10" presetClass="entr" presetSubtype="0" fill="hold" grpId="0" nodeType="withEffect">
+                                <p:cTn id="220" presetID="10" presetClass="entr" presetSubtype="0" fill="hold" nodeType="withEffect">
                                   <p:stCondLst>
                                     <p:cond delay="0"/>
                                   </p:stCondLst>
@@ -12761,7 +12573,7 @@
                                           </p:stCondLst>
                                         </p:cTn>
                                         <p:tgtEl>
-                                          <p:spTgt spid="203"/>
+                                          <p:spTgt spid="207"/>
                                         </p:tgtEl>
                                         <p:attrNameLst>
                                           <p:attrName>style.visibility</p:attrName>
@@ -12775,7 +12587,7 @@
                                       <p:cBhvr>
                                         <p:cTn id="222" dur="500"/>
                                         <p:tgtEl>
-                                          <p:spTgt spid="203"/>
+                                          <p:spTgt spid="207"/>
                                         </p:tgtEl>
                                       </p:cBhvr>
                                     </p:animEffect>
@@ -12796,7 +12608,7 @@
                                           </p:stCondLst>
                                         </p:cTn>
                                         <p:tgtEl>
-                                          <p:spTgt spid="204"/>
+                                          <p:spTgt spid="208"/>
                                         </p:tgtEl>
                                         <p:attrNameLst>
                                           <p:attrName>style.visibility</p:attrName>
@@ -12810,7 +12622,7 @@
                                       <p:cBhvr>
                                         <p:cTn id="225" dur="500"/>
                                         <p:tgtEl>
-                                          <p:spTgt spid="204"/>
+                                          <p:spTgt spid="208"/>
                                         </p:tgtEl>
                                       </p:cBhvr>
                                     </p:animEffect>
@@ -12831,7 +12643,7 @@
                                           </p:stCondLst>
                                         </p:cTn>
                                         <p:tgtEl>
-                                          <p:spTgt spid="205"/>
+                                          <p:spTgt spid="209"/>
                                         </p:tgtEl>
                                         <p:attrNameLst>
                                           <p:attrName>style.visibility</p:attrName>
@@ -12845,7 +12657,7 @@
                                       <p:cBhvr>
                                         <p:cTn id="228" dur="500"/>
                                         <p:tgtEl>
-                                          <p:spTgt spid="205"/>
+                                          <p:spTgt spid="209"/>
                                         </p:tgtEl>
                                       </p:cBhvr>
                                     </p:animEffect>
@@ -12866,7 +12678,7 @@
                                           </p:stCondLst>
                                         </p:cTn>
                                         <p:tgtEl>
-                                          <p:spTgt spid="206"/>
+                                          <p:spTgt spid="210"/>
                                         </p:tgtEl>
                                         <p:attrNameLst>
                                           <p:attrName>style.visibility</p:attrName>
@@ -12880,7 +12692,7 @@
                                       <p:cBhvr>
                                         <p:cTn id="231" dur="500"/>
                                         <p:tgtEl>
-                                          <p:spTgt spid="206"/>
+                                          <p:spTgt spid="210"/>
                                         </p:tgtEl>
                                       </p:cBhvr>
                                     </p:animEffect>
@@ -12901,7 +12713,7 @@
                                           </p:stCondLst>
                                         </p:cTn>
                                         <p:tgtEl>
-                                          <p:spTgt spid="207"/>
+                                          <p:spTgt spid="211"/>
                                         </p:tgtEl>
                                         <p:attrNameLst>
                                           <p:attrName>style.visibility</p:attrName>
@@ -12915,7 +12727,7 @@
                                       <p:cBhvr>
                                         <p:cTn id="234" dur="500"/>
                                         <p:tgtEl>
-                                          <p:spTgt spid="207"/>
+                                          <p:spTgt spid="211"/>
                                         </p:tgtEl>
                                       </p:cBhvr>
                                     </p:animEffect>
@@ -12936,7 +12748,7 @@
                                           </p:stCondLst>
                                         </p:cTn>
                                         <p:tgtEl>
-                                          <p:spTgt spid="208"/>
+                                          <p:spTgt spid="212"/>
                                         </p:tgtEl>
                                         <p:attrNameLst>
                                           <p:attrName>style.visibility</p:attrName>
@@ -12950,7 +12762,7 @@
                                       <p:cBhvr>
                                         <p:cTn id="237" dur="500"/>
                                         <p:tgtEl>
-                                          <p:spTgt spid="208"/>
+                                          <p:spTgt spid="212"/>
                                         </p:tgtEl>
                                       </p:cBhvr>
                                     </p:animEffect>
@@ -12971,7 +12783,7 @@
                                           </p:stCondLst>
                                         </p:cTn>
                                         <p:tgtEl>
-                                          <p:spTgt spid="209"/>
+                                          <p:spTgt spid="213"/>
                                         </p:tgtEl>
                                         <p:attrNameLst>
                                           <p:attrName>style.visibility</p:attrName>
@@ -12985,7 +12797,7 @@
                                       <p:cBhvr>
                                         <p:cTn id="240" dur="500"/>
                                         <p:tgtEl>
-                                          <p:spTgt spid="209"/>
+                                          <p:spTgt spid="213"/>
                                         </p:tgtEl>
                                       </p:cBhvr>
                                     </p:animEffect>
@@ -13006,7 +12818,7 @@
                                           </p:stCondLst>
                                         </p:cTn>
                                         <p:tgtEl>
-                                          <p:spTgt spid="210"/>
+                                          <p:spTgt spid="214"/>
                                         </p:tgtEl>
                                         <p:attrNameLst>
                                           <p:attrName>style.visibility</p:attrName>
@@ -13020,7 +12832,7 @@
                                       <p:cBhvr>
                                         <p:cTn id="243" dur="500"/>
                                         <p:tgtEl>
-                                          <p:spTgt spid="210"/>
+                                          <p:spTgt spid="214"/>
                                         </p:tgtEl>
                                       </p:cBhvr>
                                     </p:animEffect>
@@ -13041,7 +12853,7 @@
                                           </p:stCondLst>
                                         </p:cTn>
                                         <p:tgtEl>
-                                          <p:spTgt spid="211"/>
+                                          <p:spTgt spid="215"/>
                                         </p:tgtEl>
                                         <p:attrNameLst>
                                           <p:attrName>style.visibility</p:attrName>
@@ -13055,7 +12867,7 @@
                                       <p:cBhvr>
                                         <p:cTn id="246" dur="500"/>
                                         <p:tgtEl>
-                                          <p:spTgt spid="211"/>
+                                          <p:spTgt spid="215"/>
                                         </p:tgtEl>
                                       </p:cBhvr>
                                     </p:animEffect>
@@ -13076,7 +12888,7 @@
                                           </p:stCondLst>
                                         </p:cTn>
                                         <p:tgtEl>
-                                          <p:spTgt spid="212"/>
+                                          <p:spTgt spid="216"/>
                                         </p:tgtEl>
                                         <p:attrNameLst>
                                           <p:attrName>style.visibility</p:attrName>
@@ -13090,7 +12902,7 @@
                                       <p:cBhvr>
                                         <p:cTn id="249" dur="500"/>
                                         <p:tgtEl>
-                                          <p:spTgt spid="212"/>
+                                          <p:spTgt spid="216"/>
                                         </p:tgtEl>
                                       </p:cBhvr>
                                     </p:animEffect>
@@ -13111,7 +12923,7 @@
                                           </p:stCondLst>
                                         </p:cTn>
                                         <p:tgtEl>
-                                          <p:spTgt spid="213"/>
+                                          <p:spTgt spid="217"/>
                                         </p:tgtEl>
                                         <p:attrNameLst>
                                           <p:attrName>style.visibility</p:attrName>
@@ -13125,7 +12937,7 @@
                                       <p:cBhvr>
                                         <p:cTn id="252" dur="500"/>
                                         <p:tgtEl>
-                                          <p:spTgt spid="213"/>
+                                          <p:spTgt spid="217"/>
                                         </p:tgtEl>
                                       </p:cBhvr>
                                     </p:animEffect>
@@ -13146,7 +12958,7 @@
                                           </p:stCondLst>
                                         </p:cTn>
                                         <p:tgtEl>
-                                          <p:spTgt spid="214"/>
+                                          <p:spTgt spid="218"/>
                                         </p:tgtEl>
                                         <p:attrNameLst>
                                           <p:attrName>style.visibility</p:attrName>
@@ -13160,7 +12972,7 @@
                                       <p:cBhvr>
                                         <p:cTn id="255" dur="500"/>
                                         <p:tgtEl>
-                                          <p:spTgt spid="214"/>
+                                          <p:spTgt spid="218"/>
                                         </p:tgtEl>
                                       </p:cBhvr>
                                     </p:animEffect>
@@ -13181,7 +12993,7 @@
                                           </p:stCondLst>
                                         </p:cTn>
                                         <p:tgtEl>
-                                          <p:spTgt spid="215"/>
+                                          <p:spTgt spid="219"/>
                                         </p:tgtEl>
                                         <p:attrNameLst>
                                           <p:attrName>style.visibility</p:attrName>
@@ -13195,7 +13007,7 @@
                                       <p:cBhvr>
                                         <p:cTn id="258" dur="500"/>
                                         <p:tgtEl>
-                                          <p:spTgt spid="215"/>
+                                          <p:spTgt spid="219"/>
                                         </p:tgtEl>
                                       </p:cBhvr>
                                     </p:animEffect>
@@ -13216,7 +13028,7 @@
                                           </p:stCondLst>
                                         </p:cTn>
                                         <p:tgtEl>
-                                          <p:spTgt spid="216"/>
+                                          <p:spTgt spid="220"/>
                                         </p:tgtEl>
                                         <p:attrNameLst>
                                           <p:attrName>style.visibility</p:attrName>
@@ -13230,7 +13042,7 @@
                                       <p:cBhvr>
                                         <p:cTn id="261" dur="500"/>
                                         <p:tgtEl>
-                                          <p:spTgt spid="216"/>
+                                          <p:spTgt spid="220"/>
                                         </p:tgtEl>
                                       </p:cBhvr>
                                     </p:animEffect>
@@ -13251,7 +13063,7 @@
                                           </p:stCondLst>
                                         </p:cTn>
                                         <p:tgtEl>
-                                          <p:spTgt spid="217"/>
+                                          <p:spTgt spid="221"/>
                                         </p:tgtEl>
                                         <p:attrNameLst>
                                           <p:attrName>style.visibility</p:attrName>
@@ -13265,7 +13077,7 @@
                                       <p:cBhvr>
                                         <p:cTn id="264" dur="500"/>
                                         <p:tgtEl>
-                                          <p:spTgt spid="217"/>
+                                          <p:spTgt spid="221"/>
                                         </p:tgtEl>
                                       </p:cBhvr>
                                     </p:animEffect>
@@ -13286,7 +13098,7 @@
                                           </p:stCondLst>
                                         </p:cTn>
                                         <p:tgtEl>
-                                          <p:spTgt spid="218"/>
+                                          <p:spTgt spid="222"/>
                                         </p:tgtEl>
                                         <p:attrNameLst>
                                           <p:attrName>style.visibility</p:attrName>
@@ -13300,7 +13112,7 @@
                                       <p:cBhvr>
                                         <p:cTn id="267" dur="500"/>
                                         <p:tgtEl>
-                                          <p:spTgt spid="218"/>
+                                          <p:spTgt spid="222"/>
                                         </p:tgtEl>
                                       </p:cBhvr>
                                     </p:animEffect>
@@ -13308,7 +13120,7 @@
                                 </p:cTn>
                               </p:par>
                               <p:par>
-                                <p:cTn id="268" presetID="10" presetClass="entr" presetSubtype="0" fill="hold" nodeType="withEffect">
+                                <p:cTn id="268" presetID="10" presetClass="entr" presetSubtype="0" fill="hold" grpId="0" nodeType="withEffect">
                                   <p:stCondLst>
                                     <p:cond delay="0"/>
                                   </p:stCondLst>
@@ -13321,7 +13133,7 @@
                                           </p:stCondLst>
                                         </p:cTn>
                                         <p:tgtEl>
-                                          <p:spTgt spid="219"/>
+                                          <p:spTgt spid="223"/>
                                         </p:tgtEl>
                                         <p:attrNameLst>
                                           <p:attrName>style.visibility</p:attrName>
@@ -13335,7 +13147,7 @@
                                       <p:cBhvr>
                                         <p:cTn id="270" dur="500"/>
                                         <p:tgtEl>
-                                          <p:spTgt spid="219"/>
+                                          <p:spTgt spid="223"/>
                                         </p:tgtEl>
                                       </p:cBhvr>
                                     </p:animEffect>
@@ -13356,7 +13168,7 @@
                                           </p:stCondLst>
                                         </p:cTn>
                                         <p:tgtEl>
-                                          <p:spTgt spid="220"/>
+                                          <p:spTgt spid="224"/>
                                         </p:tgtEl>
                                         <p:attrNameLst>
                                           <p:attrName>style.visibility</p:attrName>
@@ -13370,7 +13182,7 @@
                                       <p:cBhvr>
                                         <p:cTn id="273" dur="500"/>
                                         <p:tgtEl>
-                                          <p:spTgt spid="220"/>
+                                          <p:spTgt spid="224"/>
                                         </p:tgtEl>
                                       </p:cBhvr>
                                     </p:animEffect>
@@ -13391,7 +13203,7 @@
                                           </p:stCondLst>
                                         </p:cTn>
                                         <p:tgtEl>
-                                          <p:spTgt spid="221"/>
+                                          <p:spTgt spid="225"/>
                                         </p:tgtEl>
                                         <p:attrNameLst>
                                           <p:attrName>style.visibility</p:attrName>
@@ -13405,7 +13217,7 @@
                                       <p:cBhvr>
                                         <p:cTn id="276" dur="500"/>
                                         <p:tgtEl>
-                                          <p:spTgt spid="221"/>
+                                          <p:spTgt spid="225"/>
                                         </p:tgtEl>
                                       </p:cBhvr>
                                     </p:animEffect>
@@ -13426,7 +13238,7 @@
                                           </p:stCondLst>
                                         </p:cTn>
                                         <p:tgtEl>
-                                          <p:spTgt spid="222"/>
+                                          <p:spTgt spid="226"/>
                                         </p:tgtEl>
                                         <p:attrNameLst>
                                           <p:attrName>style.visibility</p:attrName>
@@ -13440,7 +13252,7 @@
                                       <p:cBhvr>
                                         <p:cTn id="279" dur="500"/>
                                         <p:tgtEl>
-                                          <p:spTgt spid="222"/>
+                                          <p:spTgt spid="226"/>
                                         </p:tgtEl>
                                       </p:cBhvr>
                                     </p:animEffect>
@@ -13461,7 +13273,7 @@
                                           </p:stCondLst>
                                         </p:cTn>
                                         <p:tgtEl>
-                                          <p:spTgt spid="223"/>
+                                          <p:spTgt spid="227"/>
                                         </p:tgtEl>
                                         <p:attrNameLst>
                                           <p:attrName>style.visibility</p:attrName>
@@ -13475,7 +13287,7 @@
                                       <p:cBhvr>
                                         <p:cTn id="282" dur="500"/>
                                         <p:tgtEl>
-                                          <p:spTgt spid="223"/>
+                                          <p:spTgt spid="227"/>
                                         </p:tgtEl>
                                       </p:cBhvr>
                                     </p:animEffect>
@@ -13496,7 +13308,7 @@
                                           </p:stCondLst>
                                         </p:cTn>
                                         <p:tgtEl>
-                                          <p:spTgt spid="224"/>
+                                          <p:spTgt spid="228"/>
                                         </p:tgtEl>
                                         <p:attrNameLst>
                                           <p:attrName>style.visibility</p:attrName>
@@ -13510,7 +13322,7 @@
                                       <p:cBhvr>
                                         <p:cTn id="285" dur="500"/>
                                         <p:tgtEl>
-                                          <p:spTgt spid="224"/>
+                                          <p:spTgt spid="228"/>
                                         </p:tgtEl>
                                       </p:cBhvr>
                                     </p:animEffect>
@@ -13518,7 +13330,7 @@
                                 </p:cTn>
                               </p:par>
                               <p:par>
-                                <p:cTn id="286" presetID="10" presetClass="entr" presetSubtype="0" fill="hold" nodeType="withEffect">
+                                <p:cTn id="286" presetID="10" presetClass="entr" presetSubtype="0" fill="hold" grpId="0" nodeType="withEffect">
                                   <p:stCondLst>
                                     <p:cond delay="0"/>
                                   </p:stCondLst>
@@ -13531,7 +13343,7 @@
                                           </p:stCondLst>
                                         </p:cTn>
                                         <p:tgtEl>
-                                          <p:spTgt spid="225"/>
+                                          <p:spTgt spid="229"/>
                                         </p:tgtEl>
                                         <p:attrNameLst>
                                           <p:attrName>style.visibility</p:attrName>
@@ -13545,7 +13357,7 @@
                                       <p:cBhvr>
                                         <p:cTn id="288" dur="500"/>
                                         <p:tgtEl>
-                                          <p:spTgt spid="225"/>
+                                          <p:spTgt spid="229"/>
                                         </p:tgtEl>
                                       </p:cBhvr>
                                     </p:animEffect>
@@ -13566,7 +13378,7 @@
                                           </p:stCondLst>
                                         </p:cTn>
                                         <p:tgtEl>
-                                          <p:spTgt spid="226"/>
+                                          <p:spTgt spid="230"/>
                                         </p:tgtEl>
                                         <p:attrNameLst>
                                           <p:attrName>style.visibility</p:attrName>
@@ -13580,7 +13392,7 @@
                                       <p:cBhvr>
                                         <p:cTn id="291" dur="500"/>
                                         <p:tgtEl>
-                                          <p:spTgt spid="226"/>
+                                          <p:spTgt spid="230"/>
                                         </p:tgtEl>
                                       </p:cBhvr>
                                     </p:animEffect>
@@ -13588,7 +13400,7 @@
                                 </p:cTn>
                               </p:par>
                               <p:par>
-                                <p:cTn id="292" presetID="10" presetClass="entr" presetSubtype="0" fill="hold" grpId="0" nodeType="withEffect">
+                                <p:cTn id="292" presetID="10" presetClass="entr" presetSubtype="0" fill="hold" nodeType="withEffect">
                                   <p:stCondLst>
                                     <p:cond delay="0"/>
                                   </p:stCondLst>
@@ -13601,7 +13413,7 @@
                                           </p:stCondLst>
                                         </p:cTn>
                                         <p:tgtEl>
-                                          <p:spTgt spid="227"/>
+                                          <p:spTgt spid="231"/>
                                         </p:tgtEl>
                                         <p:attrNameLst>
                                           <p:attrName>style.visibility</p:attrName>
@@ -13615,7 +13427,7 @@
                                       <p:cBhvr>
                                         <p:cTn id="294" dur="500"/>
                                         <p:tgtEl>
-                                          <p:spTgt spid="227"/>
+                                          <p:spTgt spid="231"/>
                                         </p:tgtEl>
                                       </p:cBhvr>
                                     </p:animEffect>
@@ -13636,7 +13448,7 @@
                                           </p:stCondLst>
                                         </p:cTn>
                                         <p:tgtEl>
-                                          <p:spTgt spid="228"/>
+                                          <p:spTgt spid="234"/>
                                         </p:tgtEl>
                                         <p:attrNameLst>
                                           <p:attrName>style.visibility</p:attrName>
@@ -13650,7 +13462,7 @@
                                       <p:cBhvr>
                                         <p:cTn id="297" dur="500"/>
                                         <p:tgtEl>
-                                          <p:spTgt spid="228"/>
+                                          <p:spTgt spid="234"/>
                                         </p:tgtEl>
                                       </p:cBhvr>
                                     </p:animEffect>
@@ -13658,7 +13470,7 @@
                                 </p:cTn>
                               </p:par>
                               <p:par>
-                                <p:cTn id="298" presetID="10" presetClass="entr" presetSubtype="0" fill="hold" grpId="0" nodeType="withEffect">
+                                <p:cTn id="298" presetID="10" presetClass="entr" presetSubtype="0" fill="hold" nodeType="withEffect">
                                   <p:stCondLst>
                                     <p:cond delay="0"/>
                                   </p:stCondLst>
@@ -13671,7 +13483,7 @@
                                           </p:stCondLst>
                                         </p:cTn>
                                         <p:tgtEl>
-                                          <p:spTgt spid="229"/>
+                                          <p:spTgt spid="235"/>
                                         </p:tgtEl>
                                         <p:attrNameLst>
                                           <p:attrName>style.visibility</p:attrName>
@@ -13685,7 +13497,7 @@
                                       <p:cBhvr>
                                         <p:cTn id="300" dur="500"/>
                                         <p:tgtEl>
-                                          <p:spTgt spid="229"/>
+                                          <p:spTgt spid="235"/>
                                         </p:tgtEl>
                                       </p:cBhvr>
                                     </p:animEffect>
@@ -13706,7 +13518,7 @@
                                           </p:stCondLst>
                                         </p:cTn>
                                         <p:tgtEl>
-                                          <p:spTgt spid="230"/>
+                                          <p:spTgt spid="236"/>
                                         </p:tgtEl>
                                         <p:attrNameLst>
                                           <p:attrName>style.visibility</p:attrName>
@@ -13719,146 +13531,6 @@
                                     <p:animEffect transition="in" filter="fade">
                                       <p:cBhvr>
                                         <p:cTn id="303" dur="500"/>
-                                        <p:tgtEl>
-                                          <p:spTgt spid="230"/>
-                                        </p:tgtEl>
-                                      </p:cBhvr>
-                                    </p:animEffect>
-                                  </p:childTnLst>
-                                </p:cTn>
-                              </p:par>
-                              <p:par>
-                                <p:cTn id="304" presetID="10" presetClass="entr" presetSubtype="0" fill="hold" nodeType="withEffect">
-                                  <p:stCondLst>
-                                    <p:cond delay="0"/>
-                                  </p:stCondLst>
-                                  <p:childTnLst>
-                                    <p:set>
-                                      <p:cBhvr>
-                                        <p:cTn id="305" dur="1" fill="hold">
-                                          <p:stCondLst>
-                                            <p:cond delay="0"/>
-                                          </p:stCondLst>
-                                        </p:cTn>
-                                        <p:tgtEl>
-                                          <p:spTgt spid="231"/>
-                                        </p:tgtEl>
-                                        <p:attrNameLst>
-                                          <p:attrName>style.visibility</p:attrName>
-                                        </p:attrNameLst>
-                                      </p:cBhvr>
-                                      <p:to>
-                                        <p:strVal val="visible"/>
-                                      </p:to>
-                                    </p:set>
-                                    <p:animEffect transition="in" filter="fade">
-                                      <p:cBhvr>
-                                        <p:cTn id="306" dur="500"/>
-                                        <p:tgtEl>
-                                          <p:spTgt spid="231"/>
-                                        </p:tgtEl>
-                                      </p:cBhvr>
-                                    </p:animEffect>
-                                  </p:childTnLst>
-                                </p:cTn>
-                              </p:par>
-                              <p:par>
-                                <p:cTn id="307" presetID="10" presetClass="entr" presetSubtype="0" fill="hold" nodeType="withEffect">
-                                  <p:stCondLst>
-                                    <p:cond delay="0"/>
-                                  </p:stCondLst>
-                                  <p:childTnLst>
-                                    <p:set>
-                                      <p:cBhvr>
-                                        <p:cTn id="308" dur="1" fill="hold">
-                                          <p:stCondLst>
-                                            <p:cond delay="0"/>
-                                          </p:stCondLst>
-                                        </p:cTn>
-                                        <p:tgtEl>
-                                          <p:spTgt spid="234"/>
-                                        </p:tgtEl>
-                                        <p:attrNameLst>
-                                          <p:attrName>style.visibility</p:attrName>
-                                        </p:attrNameLst>
-                                      </p:cBhvr>
-                                      <p:to>
-                                        <p:strVal val="visible"/>
-                                      </p:to>
-                                    </p:set>
-                                    <p:animEffect transition="in" filter="fade">
-                                      <p:cBhvr>
-                                        <p:cTn id="309" dur="500"/>
-                                        <p:tgtEl>
-                                          <p:spTgt spid="234"/>
-                                        </p:tgtEl>
-                                      </p:cBhvr>
-                                    </p:animEffect>
-                                  </p:childTnLst>
-                                </p:cTn>
-                              </p:par>
-                              <p:par>
-                                <p:cTn id="310" presetID="10" presetClass="entr" presetSubtype="0" fill="hold" nodeType="withEffect">
-                                  <p:stCondLst>
-                                    <p:cond delay="0"/>
-                                  </p:stCondLst>
-                                  <p:childTnLst>
-                                    <p:set>
-                                      <p:cBhvr>
-                                        <p:cTn id="311" dur="1" fill="hold">
-                                          <p:stCondLst>
-                                            <p:cond delay="0"/>
-                                          </p:stCondLst>
-                                        </p:cTn>
-                                        <p:tgtEl>
-                                          <p:spTgt spid="235"/>
-                                        </p:tgtEl>
-                                        <p:attrNameLst>
-                                          <p:attrName>style.visibility</p:attrName>
-                                        </p:attrNameLst>
-                                      </p:cBhvr>
-                                      <p:to>
-                                        <p:strVal val="visible"/>
-                                      </p:to>
-                                    </p:set>
-                                    <p:animEffect transition="in" filter="fade">
-                                      <p:cBhvr>
-                                        <p:cTn id="312" dur="500"/>
-                                        <p:tgtEl>
-                                          <p:spTgt spid="235"/>
-                                        </p:tgtEl>
-                                      </p:cBhvr>
-                                    </p:animEffect>
-                                  </p:childTnLst>
-                                </p:cTn>
-                              </p:par>
-                              <p:par>
-                                <p:cTn id="313" presetID="10" presetClass="entr" presetSubtype="0" fill="hold" nodeType="withEffect">
-                                  <p:stCondLst>
-                                    <p:cond delay="0"/>
-                                  </p:stCondLst>
-                                  <p:childTnLst>
-                                    <p:set>
-                                      <p:cBhvr>
-                                        <p:cTn id="314" dur="1" fill="hold">
-                                          <p:stCondLst>
-                                            <p:cond delay="0"/>
-                                          </p:stCondLst>
-                                        </p:cTn>
-                                        <p:tgtEl>
-                                          <p:spTgt spid="236"/>
-                                        </p:tgtEl>
-                                        <p:attrNameLst>
-                                          <p:attrName>style.visibility</p:attrName>
-                                        </p:attrNameLst>
-                                      </p:cBhvr>
-                                      <p:to>
-                                        <p:strVal val="visible"/>
-                                      </p:to>
-                                    </p:set>
-                                    <p:animEffect transition="in" filter="fade">
-                                      <p:cBhvr>
-                                        <p:cTn id="315" dur="500"/>
                                         <p:tgtEl>
                                           <p:spTgt spid="236"/>
                                         </p:tgtEl>
@@ -21840,70 +21512,52 @@
           <a:chExt cx="0" cy="0"/>
         </a:xfrm>
       </p:grpSpPr>
-      <p:sp>
-        <p:nvSpPr>
-          <p:cNvPr id="5" name="Obdélník 4">
-            <a:extLst>
-              <a:ext uri="{FF2B5EF4-FFF2-40B4-BE49-F238E27FC236}">
-                <a16:creationId xmlns:a16="http://schemas.microsoft.com/office/drawing/2014/main" id="{C5889589-8CAF-4B93-ACE5-BE0E0084A8C4}"/>
-              </a:ext>
-            </a:extLst>
-          </p:cNvPr>
-          <p:cNvSpPr/>
-          <p:nvPr/>
-        </p:nvSpPr>
+      <p:cxnSp>
+        <p:nvCxnSpPr>
+          <p:cNvPr id="6" name="Přímá spojnice se šipkou 5">
+            <a:extLst>
+              <a:ext uri="{FF2B5EF4-FFF2-40B4-BE49-F238E27FC236}">
+                <a16:creationId xmlns:a16="http://schemas.microsoft.com/office/drawing/2014/main" id="{2A72455D-DB18-4E82-872D-A9D196B498DE}"/>
+              </a:ext>
+            </a:extLst>
+          </p:cNvPr>
+          <p:cNvCxnSpPr>
+            <a:cxnSpLocks/>
+          </p:cNvCxnSpPr>
+          <p:nvPr/>
+        </p:nvCxnSpPr>
         <p:spPr>
-          <a:xfrm>
-            <a:off x="2667695" y="1861656"/>
-            <a:ext cx="2558645" cy="1243669"/>
-          </a:xfrm>
-          <a:prstGeom prst="rect">
-            <a:avLst/>
-          </a:prstGeom>
-          <a:solidFill>
-            <a:schemeClr val="accent5">
-              <a:lumMod val="60000"/>
-              <a:lumOff val="40000"/>
-            </a:schemeClr>
-          </a:solidFill>
+          <a:xfrm flipH="1">
+            <a:off x="2105639" y="3052763"/>
+            <a:ext cx="2464228" cy="2106466"/>
+          </a:xfrm>
+          <a:prstGeom prst="straightConnector1">
+            <a:avLst/>
+          </a:prstGeom>
           <a:ln>
-            <a:noFill/>
+            <a:solidFill>
+              <a:schemeClr val="bg1">
+                <a:lumMod val="65000"/>
+              </a:schemeClr>
+            </a:solidFill>
+            <a:tailEnd type="triangle"/>
           </a:ln>
         </p:spPr>
         <p:style>
-          <a:lnRef idx="2">
-            <a:schemeClr val="accent1">
-              <a:shade val="50000"/>
-            </a:schemeClr>
+          <a:lnRef idx="1">
+            <a:schemeClr val="accent6"/>
           </a:lnRef>
-          <a:fillRef idx="1">
-            <a:schemeClr val="accent1"/>
+          <a:fillRef idx="0">
+            <a:schemeClr val="accent6"/>
           </a:fillRef>
           <a:effectRef idx="0">
-            <a:schemeClr val="accent1"/>
+            <a:schemeClr val="accent6"/>
           </a:effectRef>
           <a:fontRef idx="minor">
-            <a:schemeClr val="lt1"/>
+            <a:schemeClr val="tx1"/>
           </a:fontRef>
         </p:style>
-        <p:txBody>
-          <a:bodyPr rtlCol="0" anchor="ctr"/>
-          <a:lstStyle/>
-          <a:p>
-            <a:pPr algn="ctr"/>
-            <a:r>
-              <a:rPr lang="cs-CZ" sz="1200" dirty="0">
-                <a:solidFill>
-                  <a:schemeClr val="tx1"/>
-                </a:solidFill>
-                <a:latin typeface="Segoe UI" panose="020B0502040204020203" pitchFamily="34" charset="0"/>
-                <a:cs typeface="Segoe UI" panose="020B0502040204020203" pitchFamily="34" charset="0"/>
-              </a:rPr>
-              <a:t>IIS / NGINX / APACHE</a:t>
-            </a:r>
-          </a:p>
-        </p:txBody>
-      </p:sp>
+      </p:cxnSp>
       <p:sp>
         <p:nvSpPr>
           <p:cNvPr id="7" name="Obdélník 6">
@@ -22128,92 +21782,6 @@
           </a:extLst>
         </p:spPr>
       </p:pic>
-      <p:cxnSp>
-        <p:nvCxnSpPr>
-          <p:cNvPr id="11" name="Přímá spojnice se šipkou 10">
-            <a:extLst>
-              <a:ext uri="{FF2B5EF4-FFF2-40B4-BE49-F238E27FC236}">
-                <a16:creationId xmlns:a16="http://schemas.microsoft.com/office/drawing/2014/main" id="{170B13EA-E1E3-4C38-97F1-D4F6CD30A00C}"/>
-              </a:ext>
-            </a:extLst>
-          </p:cNvPr>
-          <p:cNvCxnSpPr/>
-          <p:nvPr/>
-        </p:nvCxnSpPr>
-        <p:spPr>
-          <a:xfrm>
-            <a:off x="1778466" y="2446091"/>
-            <a:ext cx="788565" cy="0"/>
-          </a:xfrm>
-          <a:prstGeom prst="straightConnector1">
-            <a:avLst/>
-          </a:prstGeom>
-          <a:ln>
-            <a:solidFill>
-              <a:schemeClr val="tx1"/>
-            </a:solidFill>
-            <a:headEnd type="triangle"/>
-            <a:tailEnd type="triangle"/>
-          </a:ln>
-        </p:spPr>
-        <p:style>
-          <a:lnRef idx="1">
-            <a:schemeClr val="accent1"/>
-          </a:lnRef>
-          <a:fillRef idx="0">
-            <a:schemeClr val="accent1"/>
-          </a:fillRef>
-          <a:effectRef idx="0">
-            <a:schemeClr val="accent1"/>
-          </a:effectRef>
-          <a:fontRef idx="minor">
-            <a:schemeClr val="tx1"/>
-          </a:fontRef>
-        </p:style>
-      </p:cxnSp>
-      <p:cxnSp>
-        <p:nvCxnSpPr>
-          <p:cNvPr id="13" name="Přímá spojnice se šipkou 12">
-            <a:extLst>
-              <a:ext uri="{FF2B5EF4-FFF2-40B4-BE49-F238E27FC236}">
-                <a16:creationId xmlns:a16="http://schemas.microsoft.com/office/drawing/2014/main" id="{8BA6D425-7CC4-4AB8-904D-40BFBBDBCA22}"/>
-              </a:ext>
-            </a:extLst>
-          </p:cNvPr>
-          <p:cNvCxnSpPr/>
-          <p:nvPr/>
-        </p:nvCxnSpPr>
-        <p:spPr>
-          <a:xfrm>
-            <a:off x="5327005" y="2446091"/>
-            <a:ext cx="788565" cy="0"/>
-          </a:xfrm>
-          <a:prstGeom prst="straightConnector1">
-            <a:avLst/>
-          </a:prstGeom>
-          <a:ln>
-            <a:solidFill>
-              <a:schemeClr val="tx1"/>
-            </a:solidFill>
-            <a:headEnd type="triangle"/>
-            <a:tailEnd type="triangle"/>
-          </a:ln>
-        </p:spPr>
-        <p:style>
-          <a:lnRef idx="1">
-            <a:schemeClr val="accent1"/>
-          </a:lnRef>
-          <a:fillRef idx="0">
-            <a:schemeClr val="accent1"/>
-          </a:fillRef>
-          <a:effectRef idx="0">
-            <a:schemeClr val="accent1"/>
-          </a:effectRef>
-          <a:fontRef idx="minor">
-            <a:schemeClr val="tx1"/>
-          </a:fontRef>
-        </p:style>
-      </p:cxnSp>
       <p:sp>
         <p:nvSpPr>
           <p:cNvPr id="12" name="TextovéPole 11">
@@ -22228,7 +21796,7 @@
         </p:nvSpPr>
         <p:spPr>
           <a:xfrm>
-            <a:off x="1901007" y="2209800"/>
+            <a:off x="1926174" y="2209800"/>
             <a:ext cx="543482" cy="276999"/>
           </a:xfrm>
           <a:prstGeom prst="rect">
@@ -22266,7 +21834,7 @@
         </p:nvSpPr>
         <p:spPr>
           <a:xfrm>
-            <a:off x="5388930" y="2209800"/>
+            <a:off x="5330207" y="2209800"/>
             <a:ext cx="543482" cy="276999"/>
           </a:xfrm>
           <a:prstGeom prst="rect">
@@ -23317,45 +22885,6 @@
       </p:sp>
       <p:sp>
         <p:nvSpPr>
-          <p:cNvPr id="43" name="TextovéPole 42">
-            <a:extLst>
-              <a:ext uri="{FF2B5EF4-FFF2-40B4-BE49-F238E27FC236}">
-                <a16:creationId xmlns:a16="http://schemas.microsoft.com/office/drawing/2014/main" id="{649922E3-A644-4550-8659-72883880E776}"/>
-              </a:ext>
-            </a:extLst>
-          </p:cNvPr>
-          <p:cNvSpPr txBox="1"/>
-          <p:nvPr/>
-        </p:nvSpPr>
-        <p:spPr>
-          <a:xfrm>
-            <a:off x="2966495" y="1861655"/>
-            <a:ext cx="1961050" cy="276999"/>
-          </a:xfrm>
-          <a:prstGeom prst="rect">
-            <a:avLst/>
-          </a:prstGeom>
-          <a:noFill/>
-        </p:spPr>
-        <p:txBody>
-          <a:bodyPr wrap="none" rtlCol="0">
-            <a:spAutoFit/>
-          </a:bodyPr>
-          <a:lstStyle/>
-          <a:p>
-            <a:pPr algn="ctr"/>
-            <a:r>
-              <a:rPr lang="cs-CZ" sz="1200" b="1" dirty="0">
-                <a:latin typeface="Segoe UI" panose="020B0502040204020203" pitchFamily="34" charset="0"/>
-                <a:cs typeface="Segoe UI" panose="020B0502040204020203" pitchFamily="34" charset="0"/>
-              </a:rPr>
-              <a:t>REVERSE PROXY SERVER</a:t>
-            </a:r>
-          </a:p>
-        </p:txBody>
-      </p:sp>
-      <p:sp>
-        <p:nvSpPr>
           <p:cNvPr id="44" name="TextovéPole 43">
             <a:extLst>
               <a:ext uri="{FF2B5EF4-FFF2-40B4-BE49-F238E27FC236}">
@@ -23707,10 +23236,279 @@
           </a:p>
         </p:txBody>
       </p:sp>
+      <p:cxnSp>
+        <p:nvCxnSpPr>
+          <p:cNvPr id="13" name="Přímá spojnice se šipkou 12">
+            <a:extLst>
+              <a:ext uri="{FF2B5EF4-FFF2-40B4-BE49-F238E27FC236}">
+                <a16:creationId xmlns:a16="http://schemas.microsoft.com/office/drawing/2014/main" id="{8BA6D425-7CC4-4AB8-904D-40BFBBDBCA22}"/>
+              </a:ext>
+            </a:extLst>
+          </p:cNvPr>
+          <p:cNvCxnSpPr>
+            <a:cxnSpLocks/>
+          </p:cNvCxnSpPr>
+          <p:nvPr/>
+        </p:nvCxnSpPr>
+        <p:spPr>
+          <a:xfrm>
+            <a:off x="1744910" y="2446091"/>
+            <a:ext cx="4370660" cy="0"/>
+          </a:xfrm>
+          <a:prstGeom prst="straightConnector1">
+            <a:avLst/>
+          </a:prstGeom>
+          <a:ln>
+            <a:solidFill>
+              <a:schemeClr val="tx1"/>
+            </a:solidFill>
+            <a:headEnd type="triangle"/>
+            <a:tailEnd type="triangle"/>
+          </a:ln>
+        </p:spPr>
+        <p:style>
+          <a:lnRef idx="1">
+            <a:schemeClr val="accent1"/>
+          </a:lnRef>
+          <a:fillRef idx="0">
+            <a:schemeClr val="accent1"/>
+          </a:fillRef>
+          <a:effectRef idx="0">
+            <a:schemeClr val="accent1"/>
+          </a:effectRef>
+          <a:fontRef idx="minor">
+            <a:schemeClr val="tx1"/>
+          </a:fontRef>
+        </p:style>
+      </p:cxnSp>
+      <p:sp>
+        <p:nvSpPr>
+          <p:cNvPr id="5" name="Obdélník 4">
+            <a:extLst>
+              <a:ext uri="{FF2B5EF4-FFF2-40B4-BE49-F238E27FC236}">
+                <a16:creationId xmlns:a16="http://schemas.microsoft.com/office/drawing/2014/main" id="{C5889589-8CAF-4B93-ACE5-BE0E0084A8C4}"/>
+              </a:ext>
+            </a:extLst>
+          </p:cNvPr>
+          <p:cNvSpPr/>
+          <p:nvPr/>
+        </p:nvSpPr>
+        <p:spPr>
+          <a:xfrm>
+            <a:off x="2667695" y="1860334"/>
+            <a:ext cx="2558645" cy="1244991"/>
+          </a:xfrm>
+          <a:prstGeom prst="rect">
+            <a:avLst/>
+          </a:prstGeom>
+          <a:solidFill>
+            <a:schemeClr val="accent5">
+              <a:lumMod val="60000"/>
+              <a:lumOff val="40000"/>
+            </a:schemeClr>
+          </a:solidFill>
+          <a:ln>
+            <a:noFill/>
+          </a:ln>
+        </p:spPr>
+        <p:style>
+          <a:lnRef idx="2">
+            <a:schemeClr val="accent1">
+              <a:shade val="50000"/>
+            </a:schemeClr>
+          </a:lnRef>
+          <a:fillRef idx="1">
+            <a:schemeClr val="accent1"/>
+          </a:fillRef>
+          <a:effectRef idx="0">
+            <a:schemeClr val="accent1"/>
+          </a:effectRef>
+          <a:fontRef idx="minor">
+            <a:schemeClr val="lt1"/>
+          </a:fontRef>
+        </p:style>
+        <p:txBody>
+          <a:bodyPr rtlCol="0" anchor="ctr"/>
+          <a:lstStyle/>
+          <a:p>
+            <a:pPr algn="ctr"/>
+            <a:r>
+              <a:rPr lang="cs-CZ" sz="1200" dirty="0">
+                <a:solidFill>
+                  <a:schemeClr val="tx1"/>
+                </a:solidFill>
+                <a:latin typeface="Segoe UI" panose="020B0502040204020203" pitchFamily="34" charset="0"/>
+                <a:cs typeface="Segoe UI" panose="020B0502040204020203" pitchFamily="34" charset="0"/>
+              </a:rPr>
+              <a:t>IIS / NGINX / APACHE</a:t>
+            </a:r>
+          </a:p>
+        </p:txBody>
+      </p:sp>
+      <p:sp>
+        <p:nvSpPr>
+          <p:cNvPr id="47" name="Obdélník 46">
+            <a:extLst>
+              <a:ext uri="{FF2B5EF4-FFF2-40B4-BE49-F238E27FC236}">
+                <a16:creationId xmlns:a16="http://schemas.microsoft.com/office/drawing/2014/main" id="{B77D70DE-6F26-4726-8C62-7A61A4D1D29A}"/>
+              </a:ext>
+            </a:extLst>
+          </p:cNvPr>
+          <p:cNvSpPr/>
+          <p:nvPr/>
+        </p:nvSpPr>
+        <p:spPr>
+          <a:xfrm>
+            <a:off x="4518407" y="2601394"/>
+            <a:ext cx="1640378" cy="503173"/>
+          </a:xfrm>
+          <a:prstGeom prst="rect">
+            <a:avLst/>
+          </a:prstGeom>
+          <a:solidFill>
+            <a:schemeClr val="accent6">
+              <a:lumMod val="60000"/>
+              <a:lumOff val="40000"/>
+            </a:schemeClr>
+          </a:solidFill>
+          <a:ln>
+            <a:noFill/>
+          </a:ln>
+        </p:spPr>
+        <p:style>
+          <a:lnRef idx="2">
+            <a:schemeClr val="accent1">
+              <a:shade val="50000"/>
+            </a:schemeClr>
+          </a:lnRef>
+          <a:fillRef idx="1">
+            <a:schemeClr val="accent1"/>
+          </a:fillRef>
+          <a:effectRef idx="0">
+            <a:schemeClr val="accent1"/>
+          </a:effectRef>
+          <a:fontRef idx="minor">
+            <a:schemeClr val="lt1"/>
+          </a:fontRef>
+        </p:style>
+        <p:txBody>
+          <a:bodyPr rtlCol="0" anchor="ctr"/>
+          <a:lstStyle/>
+          <a:p>
+            <a:pPr algn="ctr"/>
+            <a:r>
+              <a:rPr lang="cs-CZ" sz="1200" b="1" dirty="0">
+                <a:solidFill>
+                  <a:schemeClr val="tx1"/>
+                </a:solidFill>
+                <a:latin typeface="Segoe UI" panose="020B0502040204020203" pitchFamily="34" charset="0"/>
+                <a:cs typeface="Segoe UI" panose="020B0502040204020203" pitchFamily="34" charset="0"/>
+              </a:rPr>
+              <a:t>ASP.NET CORE</a:t>
+            </a:r>
+          </a:p>
+          <a:p>
+            <a:pPr algn="ctr"/>
+            <a:r>
+              <a:rPr lang="cs-CZ" sz="1200" b="1" dirty="0">
+                <a:solidFill>
+                  <a:schemeClr val="tx1"/>
+                </a:solidFill>
+                <a:latin typeface="Segoe UI" panose="020B0502040204020203" pitchFamily="34" charset="0"/>
+                <a:cs typeface="Segoe UI" panose="020B0502040204020203" pitchFamily="34" charset="0"/>
+              </a:rPr>
+              <a:t>HOSTING BUNDLE</a:t>
+            </a:r>
+          </a:p>
+        </p:txBody>
+      </p:sp>
+      <p:sp>
+        <p:nvSpPr>
+          <p:cNvPr id="10" name="Obdélník 9">
+            <a:extLst>
+              <a:ext uri="{FF2B5EF4-FFF2-40B4-BE49-F238E27FC236}">
+                <a16:creationId xmlns:a16="http://schemas.microsoft.com/office/drawing/2014/main" id="{875EE545-26C7-4BA7-82A7-17DB1FB835D9}"/>
+              </a:ext>
+            </a:extLst>
+          </p:cNvPr>
+          <p:cNvSpPr/>
+          <p:nvPr/>
+        </p:nvSpPr>
+        <p:spPr>
+          <a:xfrm>
+            <a:off x="425635" y="5192091"/>
+            <a:ext cx="3544560" cy="677108"/>
+          </a:xfrm>
+          <a:prstGeom prst="rect">
+            <a:avLst/>
+          </a:prstGeom>
+        </p:spPr>
+        <p:txBody>
+          <a:bodyPr wrap="none">
+            <a:spAutoFit/>
+          </a:bodyPr>
+          <a:lstStyle/>
+          <a:p>
+            <a:r>
+              <a:rPr lang="cs-CZ" dirty="0">
+                <a:solidFill>
+                  <a:srgbClr val="888888"/>
+                </a:solidFill>
+                <a:latin typeface="PT Sans"/>
+              </a:rPr>
+              <a:t>http://</a:t>
+            </a:r>
+            <a:r>
+              <a:rPr lang="cs-CZ" b="1" dirty="0">
+                <a:latin typeface="PT Sans"/>
+              </a:rPr>
+              <a:t>odkaz.me/hosting-bundle</a:t>
+            </a:r>
+          </a:p>
+          <a:p>
+            <a:endParaRPr lang="cs-CZ" sz="600" dirty="0">
+              <a:latin typeface="PT Sans"/>
+            </a:endParaRPr>
+          </a:p>
+          <a:p>
+            <a:r>
+              <a:rPr lang="cs-CZ" sz="1400" dirty="0">
+                <a:latin typeface="PT Sans"/>
+              </a:rPr>
+              <a:t>runtime + </a:t>
+            </a:r>
+            <a:r>
+              <a:rPr lang="cs-CZ" sz="1400" dirty="0" err="1">
+                <a:latin typeface="PT Sans"/>
+              </a:rPr>
+              <a:t>hosting</a:t>
+            </a:r>
+            <a:r>
+              <a:rPr lang="cs-CZ" sz="1400" dirty="0">
+                <a:latin typeface="PT Sans"/>
+              </a:rPr>
+              <a:t> </a:t>
+            </a:r>
+            <a:r>
+              <a:rPr lang="cs-CZ" sz="1400" dirty="0" err="1">
+                <a:latin typeface="PT Sans"/>
+              </a:rPr>
+              <a:t>bundle</a:t>
+            </a:r>
+            <a:r>
+              <a:rPr lang="cs-CZ" sz="1400" dirty="0">
+                <a:latin typeface="PT Sans"/>
+              </a:rPr>
+              <a:t> verze 2.1.5</a:t>
+            </a:r>
+            <a:endParaRPr lang="cs-CZ" sz="1400" dirty="0"/>
+          </a:p>
+        </p:txBody>
+      </p:sp>
     </p:spTree>
     <p:extLst>
       <p:ext uri="{BB962C8B-B14F-4D97-AF65-F5344CB8AC3E}">
-        <p14:creationId xmlns:p14="http://schemas.microsoft.com/office/powerpoint/2010/main" val="3816005475"/>
+        <p14:creationId xmlns:p14="http://schemas.microsoft.com/office/powerpoint/2010/main" val="2999242501"/>
       </p:ext>
     </p:extLst>
   </p:cSld>
@@ -23729,6 +23527,217 @@
       </p:transition>
     </mc:Fallback>
   </mc:AlternateContent>
+  <p:timing>
+    <p:tnLst>
+      <p:par>
+        <p:cTn id="1" dur="indefinite" restart="never" nodeType="tmRoot">
+          <p:childTnLst>
+            <p:seq concurrent="1" nextAc="seek">
+              <p:cTn id="2" dur="indefinite" nodeType="mainSeq">
+                <p:childTnLst>
+                  <p:par>
+                    <p:cTn id="3" fill="hold">
+                      <p:stCondLst>
+                        <p:cond delay="indefinite"/>
+                      </p:stCondLst>
+                      <p:childTnLst>
+                        <p:par>
+                          <p:cTn id="4" fill="hold">
+                            <p:stCondLst>
+                              <p:cond delay="0"/>
+                            </p:stCondLst>
+                            <p:childTnLst>
+                              <p:par>
+                                <p:cTn id="5" presetID="10" presetClass="entr" presetSubtype="0" fill="hold" grpId="0" nodeType="clickEffect">
+                                  <p:stCondLst>
+                                    <p:cond delay="0"/>
+                                  </p:stCondLst>
+                                  <p:childTnLst>
+                                    <p:set>
+                                      <p:cBhvr>
+                                        <p:cTn id="6" dur="1" fill="hold">
+                                          <p:stCondLst>
+                                            <p:cond delay="0"/>
+                                          </p:stCondLst>
+                                        </p:cTn>
+                                        <p:tgtEl>
+                                          <p:spTgt spid="5"/>
+                                        </p:tgtEl>
+                                        <p:attrNameLst>
+                                          <p:attrName>style.visibility</p:attrName>
+                                        </p:attrNameLst>
+                                      </p:cBhvr>
+                                      <p:to>
+                                        <p:strVal val="visible"/>
+                                      </p:to>
+                                    </p:set>
+                                    <p:animEffect transition="in" filter="fade">
+                                      <p:cBhvr>
+                                        <p:cTn id="7" dur="500"/>
+                                        <p:tgtEl>
+                                          <p:spTgt spid="5"/>
+                                        </p:tgtEl>
+                                      </p:cBhvr>
+                                    </p:animEffect>
+                                  </p:childTnLst>
+                                </p:cTn>
+                              </p:par>
+                            </p:childTnLst>
+                          </p:cTn>
+                        </p:par>
+                      </p:childTnLst>
+                    </p:cTn>
+                  </p:par>
+                  <p:par>
+                    <p:cTn id="8" fill="hold">
+                      <p:stCondLst>
+                        <p:cond delay="indefinite"/>
+                      </p:stCondLst>
+                      <p:childTnLst>
+                        <p:par>
+                          <p:cTn id="9" fill="hold">
+                            <p:stCondLst>
+                              <p:cond delay="0"/>
+                            </p:stCondLst>
+                            <p:childTnLst>
+                              <p:par>
+                                <p:cTn id="10" presetID="10" presetClass="entr" presetSubtype="0" fill="hold" grpId="0" nodeType="clickEffect">
+                                  <p:stCondLst>
+                                    <p:cond delay="0"/>
+                                  </p:stCondLst>
+                                  <p:childTnLst>
+                                    <p:set>
+                                      <p:cBhvr>
+                                        <p:cTn id="11" dur="1" fill="hold">
+                                          <p:stCondLst>
+                                            <p:cond delay="0"/>
+                                          </p:stCondLst>
+                                        </p:cTn>
+                                        <p:tgtEl>
+                                          <p:spTgt spid="47"/>
+                                        </p:tgtEl>
+                                        <p:attrNameLst>
+                                          <p:attrName>style.visibility</p:attrName>
+                                        </p:attrNameLst>
+                                      </p:cBhvr>
+                                      <p:to>
+                                        <p:strVal val="visible"/>
+                                      </p:to>
+                                    </p:set>
+                                    <p:animEffect transition="in" filter="fade">
+                                      <p:cBhvr>
+                                        <p:cTn id="12" dur="500"/>
+                                        <p:tgtEl>
+                                          <p:spTgt spid="47"/>
+                                        </p:tgtEl>
+                                      </p:cBhvr>
+                                    </p:animEffect>
+                                  </p:childTnLst>
+                                </p:cTn>
+                              </p:par>
+                              <p:par>
+                                <p:cTn id="13" presetID="10" presetClass="entr" presetSubtype="0" fill="hold" nodeType="withEffect">
+                                  <p:stCondLst>
+                                    <p:cond delay="0"/>
+                                  </p:stCondLst>
+                                  <p:childTnLst>
+                                    <p:set>
+                                      <p:cBhvr>
+                                        <p:cTn id="14" dur="1" fill="hold">
+                                          <p:stCondLst>
+                                            <p:cond delay="0"/>
+                                          </p:stCondLst>
+                                        </p:cTn>
+                                        <p:tgtEl>
+                                          <p:spTgt spid="6"/>
+                                        </p:tgtEl>
+                                        <p:attrNameLst>
+                                          <p:attrName>style.visibility</p:attrName>
+                                        </p:attrNameLst>
+                                      </p:cBhvr>
+                                      <p:to>
+                                        <p:strVal val="visible"/>
+                                      </p:to>
+                                    </p:set>
+                                    <p:animEffect transition="in" filter="fade">
+                                      <p:cBhvr>
+                                        <p:cTn id="15" dur="500"/>
+                                        <p:tgtEl>
+                                          <p:spTgt spid="6"/>
+                                        </p:tgtEl>
+                                      </p:cBhvr>
+                                    </p:animEffect>
+                                  </p:childTnLst>
+                                </p:cTn>
+                              </p:par>
+                              <p:par>
+                                <p:cTn id="16" presetID="10" presetClass="entr" presetSubtype="0" fill="hold" grpId="0" nodeType="withEffect">
+                                  <p:stCondLst>
+                                    <p:cond delay="0"/>
+                                  </p:stCondLst>
+                                  <p:childTnLst>
+                                    <p:set>
+                                      <p:cBhvr>
+                                        <p:cTn id="17" dur="1" fill="hold">
+                                          <p:stCondLst>
+                                            <p:cond delay="0"/>
+                                          </p:stCondLst>
+                                        </p:cTn>
+                                        <p:tgtEl>
+                                          <p:spTgt spid="10"/>
+                                        </p:tgtEl>
+                                        <p:attrNameLst>
+                                          <p:attrName>style.visibility</p:attrName>
+                                        </p:attrNameLst>
+                                      </p:cBhvr>
+                                      <p:to>
+                                        <p:strVal val="visible"/>
+                                      </p:to>
+                                    </p:set>
+                                    <p:animEffect transition="in" filter="fade">
+                                      <p:cBhvr>
+                                        <p:cTn id="18" dur="500"/>
+                                        <p:tgtEl>
+                                          <p:spTgt spid="10"/>
+                                        </p:tgtEl>
+                                      </p:cBhvr>
+                                    </p:animEffect>
+                                  </p:childTnLst>
+                                </p:cTn>
+                              </p:par>
+                            </p:childTnLst>
+                          </p:cTn>
+                        </p:par>
+                      </p:childTnLst>
+                    </p:cTn>
+                  </p:par>
+                </p:childTnLst>
+              </p:cTn>
+              <p:prevCondLst>
+                <p:cond evt="onPrev" delay="0">
+                  <p:tgtEl>
+                    <p:sldTgt/>
+                  </p:tgtEl>
+                </p:cond>
+              </p:prevCondLst>
+              <p:nextCondLst>
+                <p:cond evt="onNext" delay="0">
+                  <p:tgtEl>
+                    <p:sldTgt/>
+                  </p:tgtEl>
+                </p:cond>
+              </p:nextCondLst>
+            </p:seq>
+          </p:childTnLst>
+        </p:cTn>
+      </p:par>
+    </p:tnLst>
+    <p:bldLst>
+      <p:bldP spid="5" grpId="0" animBg="1"/>
+      <p:bldP spid="47" grpId="0" animBg="1"/>
+      <p:bldP spid="10" grpId="0"/>
+    </p:bldLst>
+  </p:timing>
 </p:sld>
 </file>
 

--- a/aspnetcore/hostovani-deployment-runtimes/presentation.pptx
+++ b/aspnetcore/hostovani-deployment-runtimes/presentation.pptx
@@ -8,8 +8,11 @@
     <p:sldId id="437" r:id="rId2"/>
     <p:sldId id="258" r:id="rId3"/>
     <p:sldId id="442" r:id="rId4"/>
-    <p:sldId id="443" r:id="rId5"/>
-    <p:sldId id="428" r:id="rId6"/>
+    <p:sldId id="444" r:id="rId5"/>
+    <p:sldId id="443" r:id="rId6"/>
+    <p:sldId id="445" r:id="rId7"/>
+    <p:sldId id="446" r:id="rId8"/>
+    <p:sldId id="428" r:id="rId9"/>
   </p:sldIdLst>
   <p:sldSz cx="12192000" cy="6858000"/>
   <p:notesSz cx="6858000" cy="9144000"/>
@@ -3431,7 +3434,7 @@
         <p:spPr>
           <a:xfrm>
             <a:off x="2127733" y="3578167"/>
-            <a:ext cx="7334412" cy="1485150"/>
+            <a:ext cx="7334412" cy="1608261"/>
           </a:xfrm>
           <a:prstGeom prst="rect">
             <a:avLst/>
@@ -3535,7 +3538,7 @@
           </a:p>
           <a:p>
             <a:r>
-              <a:rPr lang="cs-CZ" sz="1600" dirty="0" err="1">
+              <a:rPr lang="cs-CZ" sz="1600" dirty="0">
                 <a:solidFill>
                   <a:srgbClr val="00ABEC"/>
                 </a:solidFill>
@@ -3544,13 +3547,6 @@
               </a:rPr>
               <a:t>mirek@miroslavholec.cz</a:t>
             </a:r>
-            <a:endParaRPr lang="cs-CZ" sz="1600" dirty="0">
-              <a:solidFill>
-                <a:srgbClr val="00ABEC"/>
-              </a:solidFill>
-              <a:latin typeface="Segoe UI Light" panose="020B0502040204020203" pitchFamily="34" charset="0"/>
-              <a:cs typeface="Segoe UI Light" panose="020B0502040204020203" pitchFamily="34" charset="0"/>
-            </a:endParaRPr>
           </a:p>
           <a:p>
             <a:endParaRPr lang="cs-CZ" sz="500" dirty="0">
@@ -3563,7 +3559,7 @@
           </a:p>
           <a:p>
             <a:r>
-              <a:rPr lang="cs-CZ" sz="1600" b="1" dirty="0" err="1">
+              <a:rPr lang="cs-CZ" sz="2400" b="1" dirty="0">
                 <a:solidFill>
                   <a:srgbClr val="00ABEC"/>
                 </a:solidFill>
@@ -3572,10 +3568,7 @@
               </a:rPr>
               <a:t>miroslavholec.cz</a:t>
             </a:r>
-            <a:endParaRPr lang="cs-CZ" sz="1600" b="1" dirty="0">
-              <a:solidFill>
-                <a:srgbClr val="00ABEC"/>
-              </a:solidFill>
+            <a:endParaRPr lang="cs-CZ" sz="2400" b="1" dirty="0">
               <a:latin typeface="Segoe UI Light" panose="020B0502040204020203" pitchFamily="34" charset="0"/>
               <a:cs typeface="Segoe UI Light" panose="020B0502040204020203" pitchFamily="34" charset="0"/>
             </a:endParaRPr>
@@ -3747,7 +3740,7 @@
         </p:nvSpPr>
         <p:spPr>
           <a:xfrm>
-            <a:off x="6366167" y="6296898"/>
+            <a:off x="6430175" y="6324330"/>
             <a:ext cx="5686133" cy="372025"/>
           </a:xfrm>
           <a:prstGeom prst="rect">
@@ -3770,49 +3763,63 @@
                 <a:latin typeface="Segoe UI Light" panose="020B0502040204020203" pitchFamily="34" charset="0"/>
                 <a:cs typeface="Segoe UI Light" panose="020B0502040204020203" pitchFamily="34" charset="0"/>
               </a:rPr>
-              <a:t>školení </a:t>
+              <a:t>vývoj aplikací – </a:t>
             </a:r>
             <a:r>
               <a:rPr lang="cs-CZ" sz="1351" dirty="0" err="1">
                 <a:latin typeface="Segoe UI Light" panose="020B0502040204020203" pitchFamily="34" charset="0"/>
                 <a:cs typeface="Segoe UI Light" panose="020B0502040204020203" pitchFamily="34" charset="0"/>
               </a:rPr>
-              <a:t>asp.net</a:t>
+              <a:t>proof</a:t>
             </a:r>
             <a:r>
               <a:rPr lang="cs-CZ" sz="1351" dirty="0">
                 <a:latin typeface="Segoe UI Light" panose="020B0502040204020203" pitchFamily="34" charset="0"/>
                 <a:cs typeface="Segoe UI Light" panose="020B0502040204020203" pitchFamily="34" charset="0"/>
               </a:rPr>
-              <a:t> - developer </a:t>
+              <a:t> </a:t>
             </a:r>
             <a:r>
               <a:rPr lang="cs-CZ" sz="1351" dirty="0" err="1">
                 <a:latin typeface="Segoe UI Light" panose="020B0502040204020203" pitchFamily="34" charset="0"/>
                 <a:cs typeface="Segoe UI Light" panose="020B0502040204020203" pitchFamily="34" charset="0"/>
               </a:rPr>
-              <a:t>evangelism</a:t>
+              <a:t>of</a:t>
             </a:r>
             <a:r>
               <a:rPr lang="cs-CZ" sz="1351" dirty="0">
                 <a:latin typeface="Segoe UI Light" panose="020B0502040204020203" pitchFamily="34" charset="0"/>
                 <a:cs typeface="Segoe UI Light" panose="020B0502040204020203" pitchFamily="34" charset="0"/>
               </a:rPr>
-              <a:t> - workshopy - </a:t>
+              <a:t> </a:t>
             </a:r>
             <a:r>
               <a:rPr lang="cs-CZ" sz="1351" dirty="0" err="1">
                 <a:latin typeface="Segoe UI Light" panose="020B0502040204020203" pitchFamily="34" charset="0"/>
                 <a:cs typeface="Segoe UI Light" panose="020B0502040204020203" pitchFamily="34" charset="0"/>
               </a:rPr>
-              <a:t>hackatony</a:t>
+              <a:t>concepts</a:t>
             </a:r>
             <a:r>
               <a:rPr lang="cs-CZ" sz="1351" dirty="0">
                 <a:latin typeface="Segoe UI Light" panose="020B0502040204020203" pitchFamily="34" charset="0"/>
                 <a:cs typeface="Segoe UI Light" panose="020B0502040204020203" pitchFamily="34" charset="0"/>
               </a:rPr>
-              <a:t> a semináře</a:t>
+              <a:t> – konzultace – </a:t>
+            </a:r>
+            <a:r>
+              <a:rPr lang="cs-CZ" sz="1351" dirty="0" err="1">
+                <a:latin typeface="Segoe UI Light" panose="020B0502040204020203" pitchFamily="34" charset="0"/>
+                <a:cs typeface="Segoe UI Light" panose="020B0502040204020203" pitchFamily="34" charset="0"/>
+              </a:rPr>
+              <a:t>mentoring</a:t>
+            </a:r>
+            <a:r>
+              <a:rPr lang="cs-CZ" sz="1351" dirty="0">
+                <a:latin typeface="Segoe UI Light" panose="020B0502040204020203" pitchFamily="34" charset="0"/>
+                <a:cs typeface="Segoe UI Light" panose="020B0502040204020203" pitchFamily="34" charset="0"/>
+              </a:rPr>
+              <a:t> – firemní školení</a:t>
             </a:r>
           </a:p>
         </p:txBody>
@@ -4503,8 +4510,8 @@
         </p:nvSpPr>
         <p:spPr>
           <a:xfrm>
-            <a:off x="1464707" y="1396665"/>
-            <a:ext cx="1073051" cy="276999"/>
+            <a:off x="1261205" y="1396665"/>
+            <a:ext cx="1253420" cy="276999"/>
           </a:xfrm>
           <a:prstGeom prst="rect">
             <a:avLst/>
@@ -4517,6 +4524,16 @@
           </a:bodyPr>
           <a:lstStyle/>
           <a:p>
+            <a:r>
+              <a:rPr lang="cs-CZ" sz="1200" dirty="0" err="1">
+                <a:solidFill>
+                  <a:srgbClr val="DDAE3D"/>
+                </a:solidFill>
+                <a:latin typeface="Segoe UI" panose="020B0502040204020203" pitchFamily="34" charset="0"/>
+                <a:cs typeface="Segoe UI" panose="020B0502040204020203" pitchFamily="34" charset="0"/>
+              </a:rPr>
+              <a:t>nuget</a:t>
+            </a:r>
             <a:r>
               <a:rPr lang="cs-CZ" sz="1200" dirty="0">
                 <a:solidFill>
@@ -4525,7 +4542,7 @@
                 <a:latin typeface="Segoe UI" panose="020B0502040204020203" pitchFamily="34" charset="0"/>
                 <a:cs typeface="Segoe UI" panose="020B0502040204020203" pitchFamily="34" charset="0"/>
               </a:rPr>
-              <a:t>3rd party </a:t>
+              <a:t> </a:t>
             </a:r>
             <a:r>
               <a:rPr lang="cs-CZ" sz="1200" dirty="0" err="1">
@@ -4535,7 +4552,7 @@
                 <a:latin typeface="Segoe UI" panose="020B0502040204020203" pitchFamily="34" charset="0"/>
                 <a:cs typeface="Segoe UI" panose="020B0502040204020203" pitchFamily="34" charset="0"/>
               </a:rPr>
-              <a:t>libs</a:t>
+              <a:t>packages</a:t>
             </a:r>
             <a:endParaRPr lang="cs-CZ" sz="1200" dirty="0">
               <a:solidFill>
@@ -5147,8 +5164,8 @@
         </p:nvSpPr>
         <p:spPr>
           <a:xfrm>
-            <a:off x="1480610" y="929381"/>
-            <a:ext cx="1055482" cy="276999"/>
+            <a:off x="1207451" y="929381"/>
+            <a:ext cx="1355243" cy="276999"/>
           </a:xfrm>
           <a:prstGeom prst="rect">
             <a:avLst/>
@@ -5172,6 +5189,30 @@
                 <a:cs typeface="Segoe UI" panose="020B0502040204020203" pitchFamily="34" charset="0"/>
               </a:rPr>
               <a:t>custom</a:t>
+            </a:r>
+            <a:r>
+              <a:rPr lang="cs-CZ" sz="1200" dirty="0">
+                <a:solidFill>
+                  <a:schemeClr val="accent6">
+                    <a:lumMod val="75000"/>
+                  </a:schemeClr>
+                </a:solidFill>
+                <a:latin typeface="Segoe UI" panose="020B0502040204020203" pitchFamily="34" charset="0"/>
+                <a:cs typeface="Segoe UI" panose="020B0502040204020203" pitchFamily="34" charset="0"/>
+              </a:rPr>
+              <a:t> </a:t>
+            </a:r>
+            <a:r>
+              <a:rPr lang="cs-CZ" sz="1200" dirty="0" err="1">
+                <a:solidFill>
+                  <a:schemeClr val="accent6">
+                    <a:lumMod val="75000"/>
+                  </a:schemeClr>
+                </a:solidFill>
+                <a:latin typeface="Segoe UI" panose="020B0502040204020203" pitchFamily="34" charset="0"/>
+                <a:cs typeface="Segoe UI" panose="020B0502040204020203" pitchFamily="34" charset="0"/>
+              </a:rPr>
+              <a:t>app</a:t>
             </a:r>
             <a:r>
               <a:rPr lang="cs-CZ" sz="1200" dirty="0">
@@ -7358,8 +7399,8 @@
         </p:nvSpPr>
         <p:spPr>
           <a:xfrm>
-            <a:off x="7235156" y="1396665"/>
-            <a:ext cx="1073051" cy="276999"/>
+            <a:off x="7056907" y="1396665"/>
+            <a:ext cx="1253420" cy="276999"/>
           </a:xfrm>
           <a:prstGeom prst="rect">
             <a:avLst/>
@@ -7372,6 +7413,16 @@
           </a:bodyPr>
           <a:lstStyle/>
           <a:p>
+            <a:r>
+              <a:rPr lang="cs-CZ" sz="1200" dirty="0" err="1">
+                <a:solidFill>
+                  <a:srgbClr val="DDAE3D"/>
+                </a:solidFill>
+                <a:latin typeface="Segoe UI" panose="020B0502040204020203" pitchFamily="34" charset="0"/>
+                <a:cs typeface="Segoe UI" panose="020B0502040204020203" pitchFamily="34" charset="0"/>
+              </a:rPr>
+              <a:t>nuget</a:t>
+            </a:r>
             <a:r>
               <a:rPr lang="cs-CZ" sz="1200" dirty="0">
                 <a:solidFill>
@@ -7380,7 +7431,7 @@
                 <a:latin typeface="Segoe UI" panose="020B0502040204020203" pitchFamily="34" charset="0"/>
                 <a:cs typeface="Segoe UI" panose="020B0502040204020203" pitchFamily="34" charset="0"/>
               </a:rPr>
-              <a:t>3rd party </a:t>
+              <a:t> </a:t>
             </a:r>
             <a:r>
               <a:rPr lang="cs-CZ" sz="1200" dirty="0" err="1">
@@ -7390,7 +7441,7 @@
                 <a:latin typeface="Segoe UI" panose="020B0502040204020203" pitchFamily="34" charset="0"/>
                 <a:cs typeface="Segoe UI" panose="020B0502040204020203" pitchFamily="34" charset="0"/>
               </a:rPr>
-              <a:t>libs</a:t>
+              <a:t>packages</a:t>
             </a:r>
             <a:endParaRPr lang="cs-CZ" sz="1200" dirty="0">
               <a:solidFill>
@@ -8002,8 +8053,8 @@
         </p:nvSpPr>
         <p:spPr>
           <a:xfrm>
-            <a:off x="7251059" y="929381"/>
-            <a:ext cx="1055482" cy="276999"/>
+            <a:off x="7009426" y="929381"/>
+            <a:ext cx="1313565" cy="276999"/>
           </a:xfrm>
           <a:prstGeom prst="rect">
             <a:avLst/>
@@ -8050,7 +8101,7 @@
                 <a:latin typeface="Segoe UI" panose="020B0502040204020203" pitchFamily="34" charset="0"/>
                 <a:cs typeface="Segoe UI" panose="020B0502040204020203" pitchFamily="34" charset="0"/>
               </a:rPr>
-              <a:t>code</a:t>
+              <a:t>appcode</a:t>
             </a:r>
             <a:endParaRPr lang="cs-CZ" sz="1200" dirty="0">
               <a:solidFill>
@@ -9079,7 +9130,7 @@
         </p:blipFill>
         <p:spPr bwMode="auto">
           <a:xfrm>
-            <a:off x="11503874" y="6110625"/>
+            <a:off x="11160211" y="6110625"/>
             <a:ext cx="107447" cy="107447"/>
           </a:xfrm>
           <a:prstGeom prst="rect">
@@ -9133,7 +9184,7 @@
         </p:blipFill>
         <p:spPr bwMode="auto">
           <a:xfrm>
-            <a:off x="11694214" y="6110625"/>
+            <a:off x="11350551" y="6110625"/>
             <a:ext cx="107447" cy="107447"/>
           </a:xfrm>
           <a:prstGeom prst="rect">
@@ -9187,7 +9238,7 @@
         </p:blipFill>
         <p:spPr bwMode="auto">
           <a:xfrm>
-            <a:off x="11866621" y="6118381"/>
+            <a:off x="11522958" y="6118381"/>
             <a:ext cx="107447" cy="107447"/>
           </a:xfrm>
           <a:prstGeom prst="rect">
@@ -9241,7 +9292,7 @@
         </p:blipFill>
         <p:spPr bwMode="auto">
           <a:xfrm>
-            <a:off x="11503874" y="6294062"/>
+            <a:off x="11160211" y="6294062"/>
             <a:ext cx="107447" cy="107447"/>
           </a:xfrm>
           <a:prstGeom prst="rect">
@@ -9295,7 +9346,7 @@
         </p:blipFill>
         <p:spPr bwMode="auto">
           <a:xfrm>
-            <a:off x="11693061" y="6305776"/>
+            <a:off x="11349398" y="6305776"/>
             <a:ext cx="107447" cy="107447"/>
           </a:xfrm>
           <a:prstGeom prst="rect">
@@ -9349,7 +9400,7 @@
         </p:blipFill>
         <p:spPr bwMode="auto">
           <a:xfrm>
-            <a:off x="11876162" y="6313532"/>
+            <a:off x="11532499" y="6313532"/>
             <a:ext cx="107447" cy="107447"/>
           </a:xfrm>
           <a:prstGeom prst="rect">
@@ -9482,7 +9533,7 @@
         </p:blipFill>
         <p:spPr bwMode="auto">
           <a:xfrm>
-            <a:off x="10322989" y="6016414"/>
+            <a:off x="9979326" y="6016414"/>
             <a:ext cx="611348" cy="611348"/>
           </a:xfrm>
           <a:prstGeom prst="rect">
@@ -9529,7 +9580,7 @@
         </p:blipFill>
         <p:spPr bwMode="auto">
           <a:xfrm>
-            <a:off x="11068496" y="6078524"/>
+            <a:off x="10724833" y="6078524"/>
             <a:ext cx="335236" cy="335236"/>
           </a:xfrm>
           <a:prstGeom prst="rect">
@@ -9561,7 +9612,7 @@
         </p:nvSpPr>
         <p:spPr>
           <a:xfrm>
-            <a:off x="10934337" y="6420979"/>
+            <a:off x="10590674" y="6420979"/>
             <a:ext cx="625491" cy="246221"/>
           </a:xfrm>
           <a:prstGeom prst="rect">
@@ -9622,7 +9673,7 @@
         </p:blipFill>
         <p:spPr bwMode="auto">
           <a:xfrm>
-            <a:off x="9668720" y="6026800"/>
+            <a:off x="9325057" y="6026800"/>
             <a:ext cx="496352" cy="496352"/>
           </a:xfrm>
           <a:prstGeom prst="rect">
@@ -9654,7 +9705,7 @@
         </p:nvSpPr>
         <p:spPr>
           <a:xfrm>
-            <a:off x="9626869" y="6439420"/>
+            <a:off x="9283206" y="6439420"/>
             <a:ext cx="561372" cy="246221"/>
           </a:xfrm>
           <a:prstGeom prst="rect">
@@ -9679,100 +9730,6 @@
           </a:p>
         </p:txBody>
       </p:sp>
-      <p:pic>
-        <p:nvPicPr>
-          <p:cNvPr id="230" name="Picture 12" descr="module, piece icon">
-            <a:extLst>
-              <a:ext uri="{FF2B5EF4-FFF2-40B4-BE49-F238E27FC236}">
-                <a16:creationId xmlns:a16="http://schemas.microsoft.com/office/drawing/2014/main" id="{58FDFDDC-AB6B-4857-9B4E-B0EF7425242F}"/>
-              </a:ext>
-            </a:extLst>
-          </p:cNvPr>
-          <p:cNvPicPr>
-            <a:picLocks noChangeAspect="1" noChangeArrowheads="1"/>
-          </p:cNvPicPr>
-          <p:nvPr/>
-        </p:nvPicPr>
-        <p:blipFill>
-          <a:blip r:embed="rId8">
-            <a:extLst>
-              <a:ext uri="{28A0092B-C50C-407E-A947-70E740481C1C}">
-                <a14:useLocalDpi xmlns:a14="http://schemas.microsoft.com/office/drawing/2010/main" val="0"/>
-              </a:ext>
-            </a:extLst>
-          </a:blip>
-          <a:srcRect/>
-          <a:stretch>
-            <a:fillRect/>
-          </a:stretch>
-        </p:blipFill>
-        <p:spPr bwMode="auto">
-          <a:xfrm>
-            <a:off x="6729332" y="6336045"/>
-            <a:ext cx="347314" cy="347314"/>
-          </a:xfrm>
-          <a:prstGeom prst="rect">
-            <a:avLst/>
-          </a:prstGeom>
-          <a:noFill/>
-          <a:extLst>
-            <a:ext uri="{909E8E84-426E-40DD-AFC4-6F175D3DCCD1}">
-              <a14:hiddenFill xmlns:a14="http://schemas.microsoft.com/office/drawing/2010/main">
-                <a:solidFill>
-                  <a:srgbClr val="FFFFFF"/>
-                </a:solidFill>
-              </a14:hiddenFill>
-            </a:ext>
-          </a:extLst>
-        </p:spPr>
-      </p:pic>
-      <p:pic>
-        <p:nvPicPr>
-          <p:cNvPr id="231" name="Picture 12" descr="module, piece icon">
-            <a:extLst>
-              <a:ext uri="{FF2B5EF4-FFF2-40B4-BE49-F238E27FC236}">
-                <a16:creationId xmlns:a16="http://schemas.microsoft.com/office/drawing/2014/main" id="{565FE459-4C1A-467C-9BCC-1658430C080B}"/>
-              </a:ext>
-            </a:extLst>
-          </p:cNvPr>
-          <p:cNvPicPr>
-            <a:picLocks noChangeAspect="1" noChangeArrowheads="1"/>
-          </p:cNvPicPr>
-          <p:nvPr/>
-        </p:nvPicPr>
-        <p:blipFill>
-          <a:blip r:embed="rId8">
-            <a:extLst>
-              <a:ext uri="{28A0092B-C50C-407E-A947-70E740481C1C}">
-                <a14:useLocalDpi xmlns:a14="http://schemas.microsoft.com/office/drawing/2010/main" val="0"/>
-              </a:ext>
-            </a:extLst>
-          </a:blip>
-          <a:srcRect/>
-          <a:stretch>
-            <a:fillRect/>
-          </a:stretch>
-        </p:blipFill>
-        <p:spPr bwMode="auto">
-          <a:xfrm>
-            <a:off x="10230092" y="6349495"/>
-            <a:ext cx="347314" cy="347314"/>
-          </a:xfrm>
-          <a:prstGeom prst="rect">
-            <a:avLst/>
-          </a:prstGeom>
-          <a:noFill/>
-          <a:extLst>
-            <a:ext uri="{909E8E84-426E-40DD-AFC4-6F175D3DCCD1}">
-              <a14:hiddenFill xmlns:a14="http://schemas.microsoft.com/office/drawing/2010/main">
-                <a:solidFill>
-                  <a:srgbClr val="FFFFFF"/>
-                </a:solidFill>
-              </a14:hiddenFill>
-            </a:ext>
-          </a:extLst>
-        </p:spPr>
-      </p:pic>
       <p:sp>
         <p:nvSpPr>
           <p:cNvPr id="232" name="TextovéPole 231">
@@ -13378,7 +13335,7 @@
                                           </p:stCondLst>
                                         </p:cTn>
                                         <p:tgtEl>
-                                          <p:spTgt spid="230"/>
+                                          <p:spTgt spid="234"/>
                                         </p:tgtEl>
                                         <p:attrNameLst>
                                           <p:attrName>style.visibility</p:attrName>
@@ -13392,7 +13349,7 @@
                                       <p:cBhvr>
                                         <p:cTn id="291" dur="500"/>
                                         <p:tgtEl>
-                                          <p:spTgt spid="230"/>
+                                          <p:spTgt spid="234"/>
                                         </p:tgtEl>
                                       </p:cBhvr>
                                     </p:animEffect>
@@ -13413,7 +13370,7 @@
                                           </p:stCondLst>
                                         </p:cTn>
                                         <p:tgtEl>
-                                          <p:spTgt spid="231"/>
+                                          <p:spTgt spid="235"/>
                                         </p:tgtEl>
                                         <p:attrNameLst>
                                           <p:attrName>style.visibility</p:attrName>
@@ -13427,7 +13384,7 @@
                                       <p:cBhvr>
                                         <p:cTn id="294" dur="500"/>
                                         <p:tgtEl>
-                                          <p:spTgt spid="231"/>
+                                          <p:spTgt spid="235"/>
                                         </p:tgtEl>
                                       </p:cBhvr>
                                     </p:animEffect>
@@ -13448,7 +13405,7 @@
                                           </p:stCondLst>
                                         </p:cTn>
                                         <p:tgtEl>
-                                          <p:spTgt spid="234"/>
+                                          <p:spTgt spid="236"/>
                                         </p:tgtEl>
                                         <p:attrNameLst>
                                           <p:attrName>style.visibility</p:attrName>
@@ -13461,76 +13418,6 @@
                                     <p:animEffect transition="in" filter="fade">
                                       <p:cBhvr>
                                         <p:cTn id="297" dur="500"/>
-                                        <p:tgtEl>
-                                          <p:spTgt spid="234"/>
-                                        </p:tgtEl>
-                                      </p:cBhvr>
-                                    </p:animEffect>
-                                  </p:childTnLst>
-                                </p:cTn>
-                              </p:par>
-                              <p:par>
-                                <p:cTn id="298" presetID="10" presetClass="entr" presetSubtype="0" fill="hold" nodeType="withEffect">
-                                  <p:stCondLst>
-                                    <p:cond delay="0"/>
-                                  </p:stCondLst>
-                                  <p:childTnLst>
-                                    <p:set>
-                                      <p:cBhvr>
-                                        <p:cTn id="299" dur="1" fill="hold">
-                                          <p:stCondLst>
-                                            <p:cond delay="0"/>
-                                          </p:stCondLst>
-                                        </p:cTn>
-                                        <p:tgtEl>
-                                          <p:spTgt spid="235"/>
-                                        </p:tgtEl>
-                                        <p:attrNameLst>
-                                          <p:attrName>style.visibility</p:attrName>
-                                        </p:attrNameLst>
-                                      </p:cBhvr>
-                                      <p:to>
-                                        <p:strVal val="visible"/>
-                                      </p:to>
-                                    </p:set>
-                                    <p:animEffect transition="in" filter="fade">
-                                      <p:cBhvr>
-                                        <p:cTn id="300" dur="500"/>
-                                        <p:tgtEl>
-                                          <p:spTgt spid="235"/>
-                                        </p:tgtEl>
-                                      </p:cBhvr>
-                                    </p:animEffect>
-                                  </p:childTnLst>
-                                </p:cTn>
-                              </p:par>
-                              <p:par>
-                                <p:cTn id="301" presetID="10" presetClass="entr" presetSubtype="0" fill="hold" nodeType="withEffect">
-                                  <p:stCondLst>
-                                    <p:cond delay="0"/>
-                                  </p:stCondLst>
-                                  <p:childTnLst>
-                                    <p:set>
-                                      <p:cBhvr>
-                                        <p:cTn id="302" dur="1" fill="hold">
-                                          <p:stCondLst>
-                                            <p:cond delay="0"/>
-                                          </p:stCondLst>
-                                        </p:cTn>
-                                        <p:tgtEl>
-                                          <p:spTgt spid="236"/>
-                                        </p:tgtEl>
-                                        <p:attrNameLst>
-                                          <p:attrName>style.visibility</p:attrName>
-                                        </p:attrNameLst>
-                                      </p:cBhvr>
-                                      <p:to>
-                                        <p:strVal val="visible"/>
-                                      </p:to>
-                                    </p:set>
-                                    <p:animEffect transition="in" filter="fade">
-                                      <p:cBhvr>
-                                        <p:cTn id="303" dur="500"/>
                                         <p:tgtEl>
                                           <p:spTgt spid="236"/>
                                         </p:tgtEl>
@@ -14179,7 +14066,7 @@
         <p:spPr>
           <a:xfrm>
             <a:off x="1889820" y="947561"/>
-            <a:ext cx="1480342" cy="276999"/>
+            <a:ext cx="1434880" cy="461665"/>
           </a:xfrm>
           <a:prstGeom prst="rect">
             <a:avLst/>
@@ -14197,7 +14084,16 @@
                 <a:latin typeface="Segoe UI" panose="020B0502040204020203" pitchFamily="34" charset="0"/>
                 <a:cs typeface="Segoe UI" panose="020B0502040204020203" pitchFamily="34" charset="0"/>
               </a:rPr>
-              <a:t>ASP.NET CORE 1.x</a:t>
+              <a:t>ASP.NET CORE</a:t>
+            </a:r>
+          </a:p>
+          <a:p>
+            <a:r>
+              <a:rPr lang="cs-CZ" sz="1200" b="1" dirty="0">
+                <a:latin typeface="Segoe UI" panose="020B0502040204020203" pitchFamily="34" charset="0"/>
+                <a:cs typeface="Segoe UI" panose="020B0502040204020203" pitchFamily="34" charset="0"/>
+              </a:rPr>
+              <a:t>FRAMEWORK 1.x</a:t>
             </a:r>
           </a:p>
         </p:txBody>
@@ -14216,8 +14112,8 @@
         </p:nvSpPr>
         <p:spPr>
           <a:xfrm>
-            <a:off x="1144323" y="1983472"/>
-            <a:ext cx="907171" cy="276999"/>
+            <a:off x="993717" y="1891268"/>
+            <a:ext cx="1092992" cy="461665"/>
           </a:xfrm>
           <a:prstGeom prst="rect">
             <a:avLst/>
@@ -14229,6 +14125,35 @@
             <a:spAutoFit/>
           </a:bodyPr>
           <a:lstStyle/>
+          <a:p>
+            <a:r>
+              <a:rPr lang="cs-CZ" sz="1200" dirty="0">
+                <a:solidFill>
+                  <a:srgbClr val="004880"/>
+                </a:solidFill>
+                <a:latin typeface="Segoe UI" panose="020B0502040204020203" pitchFamily="34" charset="0"/>
+                <a:cs typeface="Segoe UI" panose="020B0502040204020203" pitchFamily="34" charset="0"/>
+              </a:rPr>
+              <a:t>ASP.NET </a:t>
+            </a:r>
+            <a:r>
+              <a:rPr lang="cs-CZ" sz="1200" dirty="0" err="1">
+                <a:solidFill>
+                  <a:srgbClr val="004880"/>
+                </a:solidFill>
+                <a:latin typeface="Segoe UI" panose="020B0502040204020203" pitchFamily="34" charset="0"/>
+                <a:cs typeface="Segoe UI" panose="020B0502040204020203" pitchFamily="34" charset="0"/>
+              </a:rPr>
+              <a:t>Core</a:t>
+            </a:r>
+            <a:endParaRPr lang="cs-CZ" sz="1200" dirty="0">
+              <a:solidFill>
+                <a:srgbClr val="004880"/>
+              </a:solidFill>
+              <a:latin typeface="Segoe UI" panose="020B0502040204020203" pitchFamily="34" charset="0"/>
+              <a:cs typeface="Segoe UI" panose="020B0502040204020203" pitchFamily="34" charset="0"/>
+            </a:endParaRPr>
+          </a:p>
           <a:p>
             <a:r>
               <a:rPr lang="cs-CZ" sz="1200" dirty="0" err="1">
@@ -15378,8 +15303,8 @@
         </p:nvSpPr>
         <p:spPr>
           <a:xfrm rot="16200000">
-            <a:off x="-439493" y="2121971"/>
-            <a:ext cx="1281376" cy="276999"/>
+            <a:off x="-548591" y="2121971"/>
+            <a:ext cx="1499578" cy="276999"/>
           </a:xfrm>
           <a:prstGeom prst="rect">
             <a:avLst/>
@@ -15397,7 +15322,7 @@
                 <a:latin typeface="Segoe UI" panose="020B0502040204020203" pitchFamily="34" charset="0"/>
                 <a:cs typeface="Segoe UI" panose="020B0502040204020203" pitchFamily="34" charset="0"/>
               </a:rPr>
-              <a:t>DEVELOPMENT</a:t>
+              <a:t>ASP.NET CORE FW</a:t>
             </a:r>
           </a:p>
         </p:txBody>
@@ -16036,8 +15961,8 @@
         </p:nvSpPr>
         <p:spPr>
           <a:xfrm>
-            <a:off x="6420378" y="1287511"/>
-            <a:ext cx="2281805" cy="1662550"/>
+            <a:off x="6420378" y="1287510"/>
+            <a:ext cx="2281805" cy="1871507"/>
           </a:xfrm>
           <a:prstGeom prst="rect">
             <a:avLst/>
@@ -16537,8 +16462,8 @@
         </p:nvSpPr>
         <p:spPr>
           <a:xfrm>
-            <a:off x="8064641" y="947561"/>
-            <a:ext cx="1483548" cy="276999"/>
+            <a:off x="7947303" y="947561"/>
+            <a:ext cx="1853841" cy="276999"/>
           </a:xfrm>
           <a:prstGeom prst="rect">
             <a:avLst/>
@@ -16556,7 +16481,7 @@
                 <a:latin typeface="Segoe UI" panose="020B0502040204020203" pitchFamily="34" charset="0"/>
                 <a:cs typeface="Segoe UI" panose="020B0502040204020203" pitchFamily="34" charset="0"/>
               </a:rPr>
-              <a:t>ASP.NET CORE 2.1</a:t>
+              <a:t>ASP.NET CORE 2.1 / 2.2</a:t>
             </a:r>
           </a:p>
         </p:txBody>
@@ -16671,8 +16596,8 @@
         </p:nvSpPr>
         <p:spPr>
           <a:xfrm>
-            <a:off x="9019546" y="1287511"/>
-            <a:ext cx="2281805" cy="1662550"/>
+            <a:off x="9019546" y="1287510"/>
+            <a:ext cx="2281805" cy="1871501"/>
           </a:xfrm>
           <a:prstGeom prst="rect">
             <a:avLst/>
@@ -17596,8 +17521,8 @@
         </p:nvCxnSpPr>
         <p:spPr>
           <a:xfrm flipV="1">
-            <a:off x="3638026" y="947561"/>
-            <a:ext cx="0" cy="5509629"/>
+            <a:off x="3638026" y="947562"/>
+            <a:ext cx="0" cy="5646183"/>
           </a:xfrm>
           <a:prstGeom prst="line">
             <a:avLst/>
@@ -17643,7 +17568,7 @@
         <p:spPr>
           <a:xfrm flipV="1">
             <a:off x="6255391" y="1015068"/>
-            <a:ext cx="0" cy="5442122"/>
+            <a:ext cx="0" cy="5578677"/>
           </a:xfrm>
           <a:prstGeom prst="line">
             <a:avLst/>
@@ -18323,6 +18248,233 @@
               <a:t> Deployment</a:t>
             </a:r>
             <a:endParaRPr lang="cs-CZ" sz="2400" b="1" dirty="0"/>
+          </a:p>
+        </p:txBody>
+      </p:sp>
+      <p:sp>
+        <p:nvSpPr>
+          <p:cNvPr id="95" name="Obdélník 94">
+            <a:extLst>
+              <a:ext uri="{FF2B5EF4-FFF2-40B4-BE49-F238E27FC236}">
+                <a16:creationId xmlns:a16="http://schemas.microsoft.com/office/drawing/2014/main" id="{66261B0D-FF41-4A45-9CEF-E56950F6F72D}"/>
+              </a:ext>
+            </a:extLst>
+          </p:cNvPr>
+          <p:cNvSpPr/>
+          <p:nvPr/>
+        </p:nvSpPr>
+        <p:spPr>
+          <a:xfrm>
+            <a:off x="3814195" y="5652907"/>
+            <a:ext cx="2281805" cy="309867"/>
+          </a:xfrm>
+          <a:prstGeom prst="rect">
+            <a:avLst/>
+          </a:prstGeom>
+          <a:solidFill>
+            <a:schemeClr val="bg1"/>
+          </a:solidFill>
+          <a:ln w="12700">
+            <a:solidFill>
+              <a:schemeClr val="accent1">
+                <a:lumMod val="40000"/>
+                <a:lumOff val="60000"/>
+              </a:schemeClr>
+            </a:solidFill>
+          </a:ln>
+        </p:spPr>
+        <p:style>
+          <a:lnRef idx="2">
+            <a:schemeClr val="accent1">
+              <a:shade val="50000"/>
+            </a:schemeClr>
+          </a:lnRef>
+          <a:fillRef idx="1">
+            <a:schemeClr val="accent1"/>
+          </a:fillRef>
+          <a:effectRef idx="0">
+            <a:schemeClr val="accent1"/>
+          </a:effectRef>
+          <a:fontRef idx="minor">
+            <a:schemeClr val="lt1"/>
+          </a:fontRef>
+        </p:style>
+        <p:txBody>
+          <a:bodyPr rtlCol="0" anchor="ctr"/>
+          <a:lstStyle/>
+          <a:p>
+            <a:pPr algn="ctr"/>
+            <a:endParaRPr lang="cs-CZ"/>
+          </a:p>
+        </p:txBody>
+      </p:sp>
+      <p:sp>
+        <p:nvSpPr>
+          <p:cNvPr id="104" name="TextovéPole 103">
+            <a:extLst>
+              <a:ext uri="{FF2B5EF4-FFF2-40B4-BE49-F238E27FC236}">
+                <a16:creationId xmlns:a16="http://schemas.microsoft.com/office/drawing/2014/main" id="{30B51370-A30B-488A-9A6E-188F3B56942E}"/>
+              </a:ext>
+            </a:extLst>
+          </p:cNvPr>
+          <p:cNvSpPr txBox="1"/>
+          <p:nvPr/>
+        </p:nvSpPr>
+        <p:spPr>
+          <a:xfrm>
+            <a:off x="4377295" y="5688496"/>
+            <a:ext cx="1095172" cy="253916"/>
+          </a:xfrm>
+          <a:prstGeom prst="rect">
+            <a:avLst/>
+          </a:prstGeom>
+          <a:noFill/>
+        </p:spPr>
+        <p:txBody>
+          <a:bodyPr wrap="none" rtlCol="0">
+            <a:spAutoFit/>
+          </a:bodyPr>
+          <a:lstStyle/>
+          <a:p>
+            <a:r>
+              <a:rPr lang="cs-CZ" sz="1050" b="1" dirty="0">
+                <a:latin typeface="Segoe UI" panose="020B0502040204020203" pitchFamily="34" charset="0"/>
+                <a:cs typeface="Segoe UI" panose="020B0502040204020203" pitchFamily="34" charset="0"/>
+              </a:rPr>
+              <a:t>Runtime Store</a:t>
+            </a:r>
+            <a:endParaRPr lang="cs-CZ" sz="1200" b="1" dirty="0">
+              <a:latin typeface="Segoe UI" panose="020B0502040204020203" pitchFamily="34" charset="0"/>
+              <a:cs typeface="Segoe UI" panose="020B0502040204020203" pitchFamily="34" charset="0"/>
+            </a:endParaRPr>
+          </a:p>
+        </p:txBody>
+      </p:sp>
+      <p:sp>
+        <p:nvSpPr>
+          <p:cNvPr id="105" name="Obdélník 104">
+            <a:extLst>
+              <a:ext uri="{FF2B5EF4-FFF2-40B4-BE49-F238E27FC236}">
+                <a16:creationId xmlns:a16="http://schemas.microsoft.com/office/drawing/2014/main" id="{6D58BAB2-6FBB-4DAD-9400-6579D03844CA}"/>
+              </a:ext>
+            </a:extLst>
+          </p:cNvPr>
+          <p:cNvSpPr/>
+          <p:nvPr/>
+        </p:nvSpPr>
+        <p:spPr>
+          <a:xfrm>
+            <a:off x="6413363" y="2853239"/>
+            <a:ext cx="4887979" cy="309867"/>
+          </a:xfrm>
+          <a:prstGeom prst="rect">
+            <a:avLst/>
+          </a:prstGeom>
+          <a:solidFill>
+            <a:schemeClr val="accent5">
+              <a:lumMod val="50000"/>
+            </a:schemeClr>
+          </a:solidFill>
+          <a:ln w="12700">
+            <a:noFill/>
+          </a:ln>
+        </p:spPr>
+        <p:style>
+          <a:lnRef idx="2">
+            <a:schemeClr val="accent1">
+              <a:shade val="50000"/>
+            </a:schemeClr>
+          </a:lnRef>
+          <a:fillRef idx="1">
+            <a:schemeClr val="accent1"/>
+          </a:fillRef>
+          <a:effectRef idx="0">
+            <a:schemeClr val="accent1"/>
+          </a:effectRef>
+          <a:fontRef idx="minor">
+            <a:schemeClr val="lt1"/>
+          </a:fontRef>
+        </p:style>
+        <p:txBody>
+          <a:bodyPr rtlCol="0" anchor="ctr"/>
+          <a:lstStyle/>
+          <a:p>
+            <a:pPr algn="ctr"/>
+            <a:r>
+              <a:rPr lang="cs-CZ" sz="1400" dirty="0"/>
+              <a:t>SHARED FRAMEWORKS</a:t>
+            </a:r>
+          </a:p>
+        </p:txBody>
+      </p:sp>
+      <p:sp>
+        <p:nvSpPr>
+          <p:cNvPr id="99" name="TextovéPole 98">
+            <a:extLst>
+              <a:ext uri="{FF2B5EF4-FFF2-40B4-BE49-F238E27FC236}">
+                <a16:creationId xmlns:a16="http://schemas.microsoft.com/office/drawing/2014/main" id="{26B2494B-5DA9-404D-972E-82D1F4E0B7D5}"/>
+              </a:ext>
+            </a:extLst>
+          </p:cNvPr>
+          <p:cNvSpPr txBox="1"/>
+          <p:nvPr/>
+        </p:nvSpPr>
+        <p:spPr>
+          <a:xfrm>
+            <a:off x="1188740" y="2757528"/>
+            <a:ext cx="2063385" cy="261610"/>
+          </a:xfrm>
+          <a:prstGeom prst="rect">
+            <a:avLst/>
+          </a:prstGeom>
+          <a:noFill/>
+        </p:spPr>
+        <p:txBody>
+          <a:bodyPr wrap="none" rtlCol="0">
+            <a:spAutoFit/>
+          </a:bodyPr>
+          <a:lstStyle/>
+          <a:p>
+            <a:r>
+              <a:rPr lang="cs-CZ" sz="1100" dirty="0" err="1">
+                <a:solidFill>
+                  <a:srgbClr val="DDAE3D"/>
+                </a:solidFill>
+                <a:latin typeface="Segoe UI" panose="020B0502040204020203" pitchFamily="34" charset="0"/>
+                <a:cs typeface="Segoe UI" panose="020B0502040204020203" pitchFamily="34" charset="0"/>
+              </a:rPr>
+              <a:t>newtonsoft.json</a:t>
+            </a:r>
+            <a:r>
+              <a:rPr lang="cs-CZ" sz="1100" dirty="0">
+                <a:solidFill>
+                  <a:srgbClr val="DDAE3D"/>
+                </a:solidFill>
+                <a:latin typeface="Segoe UI" panose="020B0502040204020203" pitchFamily="34" charset="0"/>
+                <a:cs typeface="Segoe UI" panose="020B0502040204020203" pitchFamily="34" charset="0"/>
+              </a:rPr>
+              <a:t>, </a:t>
+            </a:r>
+            <a:r>
+              <a:rPr lang="cs-CZ" sz="1100" dirty="0" err="1">
+                <a:solidFill>
+                  <a:srgbClr val="DDAE3D"/>
+                </a:solidFill>
+                <a:latin typeface="Segoe UI" panose="020B0502040204020203" pitchFamily="34" charset="0"/>
+                <a:cs typeface="Segoe UI" panose="020B0502040204020203" pitchFamily="34" charset="0"/>
+              </a:rPr>
+              <a:t>appinsights</a:t>
+            </a:r>
+            <a:r>
+              <a:rPr lang="cs-CZ" sz="1100" dirty="0">
+                <a:solidFill>
+                  <a:srgbClr val="DDAE3D"/>
+                </a:solidFill>
+                <a:latin typeface="Segoe UI" panose="020B0502040204020203" pitchFamily="34" charset="0"/>
+                <a:cs typeface="Segoe UI" panose="020B0502040204020203" pitchFamily="34" charset="0"/>
+              </a:rPr>
+              <a:t>…</a:t>
+            </a:r>
           </a:p>
         </p:txBody>
       </p:sp>
@@ -18395,7 +18547,7 @@
                                 </p:cTn>
                               </p:par>
                               <p:par>
-                                <p:cTn id="8" presetID="10" presetClass="entr" presetSubtype="0" fill="hold" nodeType="withEffect">
+                                <p:cTn id="8" presetID="10" presetClass="entr" presetSubtype="0" fill="hold" grpId="0" nodeType="withEffect">
                                   <p:stCondLst>
                                     <p:cond delay="0"/>
                                   </p:stCondLst>
@@ -18408,7 +18560,7 @@
                                           </p:stCondLst>
                                         </p:cTn>
                                         <p:tgtEl>
-                                          <p:spTgt spid="14"/>
+                                          <p:spTgt spid="99"/>
                                         </p:tgtEl>
                                         <p:attrNameLst>
                                           <p:attrName>style.visibility</p:attrName>
@@ -18422,7 +18574,7 @@
                                       <p:cBhvr>
                                         <p:cTn id="10" dur="500"/>
                                         <p:tgtEl>
-                                          <p:spTgt spid="14"/>
+                                          <p:spTgt spid="99"/>
                                         </p:tgtEl>
                                       </p:cBhvr>
                                     </p:animEffect>
@@ -18443,7 +18595,7 @@
                                           </p:stCondLst>
                                         </p:cTn>
                                         <p:tgtEl>
-                                          <p:spTgt spid="15"/>
+                                          <p:spTgt spid="14"/>
                                         </p:tgtEl>
                                         <p:attrNameLst>
                                           <p:attrName>style.visibility</p:attrName>
@@ -18457,7 +18609,7 @@
                                       <p:cBhvr>
                                         <p:cTn id="13" dur="500"/>
                                         <p:tgtEl>
-                                          <p:spTgt spid="15"/>
+                                          <p:spTgt spid="14"/>
                                         </p:tgtEl>
                                       </p:cBhvr>
                                     </p:animEffect>
@@ -18478,7 +18630,7 @@
                                           </p:stCondLst>
                                         </p:cTn>
                                         <p:tgtEl>
-                                          <p:spTgt spid="16"/>
+                                          <p:spTgt spid="15"/>
                                         </p:tgtEl>
                                         <p:attrNameLst>
                                           <p:attrName>style.visibility</p:attrName>
@@ -18492,7 +18644,7 @@
                                       <p:cBhvr>
                                         <p:cTn id="16" dur="500"/>
                                         <p:tgtEl>
-                                          <p:spTgt spid="16"/>
+                                          <p:spTgt spid="15"/>
                                         </p:tgtEl>
                                       </p:cBhvr>
                                     </p:animEffect>
@@ -18513,7 +18665,7 @@
                                           </p:stCondLst>
                                         </p:cTn>
                                         <p:tgtEl>
-                                          <p:spTgt spid="17"/>
+                                          <p:spTgt spid="16"/>
                                         </p:tgtEl>
                                         <p:attrNameLst>
                                           <p:attrName>style.visibility</p:attrName>
@@ -18527,7 +18679,7 @@
                                       <p:cBhvr>
                                         <p:cTn id="19" dur="500"/>
                                         <p:tgtEl>
-                                          <p:spTgt spid="17"/>
+                                          <p:spTgt spid="16"/>
                                         </p:tgtEl>
                                       </p:cBhvr>
                                     </p:animEffect>
@@ -18548,7 +18700,7 @@
                                           </p:stCondLst>
                                         </p:cTn>
                                         <p:tgtEl>
-                                          <p:spTgt spid="18"/>
+                                          <p:spTgt spid="17"/>
                                         </p:tgtEl>
                                         <p:attrNameLst>
                                           <p:attrName>style.visibility</p:attrName>
@@ -18562,7 +18714,7 @@
                                       <p:cBhvr>
                                         <p:cTn id="22" dur="500"/>
                                         <p:tgtEl>
-                                          <p:spTgt spid="18"/>
+                                          <p:spTgt spid="17"/>
                                         </p:tgtEl>
                                       </p:cBhvr>
                                     </p:animEffect>
@@ -18583,7 +18735,7 @@
                                           </p:stCondLst>
                                         </p:cTn>
                                         <p:tgtEl>
-                                          <p:spTgt spid="19"/>
+                                          <p:spTgt spid="18"/>
                                         </p:tgtEl>
                                         <p:attrNameLst>
                                           <p:attrName>style.visibility</p:attrName>
@@ -18597,7 +18749,7 @@
                                       <p:cBhvr>
                                         <p:cTn id="25" dur="500"/>
                                         <p:tgtEl>
-                                          <p:spTgt spid="19"/>
+                                          <p:spTgt spid="18"/>
                                         </p:tgtEl>
                                       </p:cBhvr>
                                     </p:animEffect>
@@ -18618,7 +18770,7 @@
                                           </p:stCondLst>
                                         </p:cTn>
                                         <p:tgtEl>
-                                          <p:spTgt spid="20"/>
+                                          <p:spTgt spid="19"/>
                                         </p:tgtEl>
                                         <p:attrNameLst>
                                           <p:attrName>style.visibility</p:attrName>
@@ -18632,7 +18784,7 @@
                                       <p:cBhvr>
                                         <p:cTn id="28" dur="500"/>
                                         <p:tgtEl>
-                                          <p:spTgt spid="20"/>
+                                          <p:spTgt spid="19"/>
                                         </p:tgtEl>
                                       </p:cBhvr>
                                     </p:animEffect>
@@ -18653,7 +18805,7 @@
                                           </p:stCondLst>
                                         </p:cTn>
                                         <p:tgtEl>
-                                          <p:spTgt spid="21"/>
+                                          <p:spTgt spid="20"/>
                                         </p:tgtEl>
                                         <p:attrNameLst>
                                           <p:attrName>style.visibility</p:attrName>
@@ -18667,7 +18819,7 @@
                                       <p:cBhvr>
                                         <p:cTn id="31" dur="500"/>
                                         <p:tgtEl>
-                                          <p:spTgt spid="21"/>
+                                          <p:spTgt spid="20"/>
                                         </p:tgtEl>
                                       </p:cBhvr>
                                     </p:animEffect>
@@ -18675,7 +18827,7 @@
                                 </p:cTn>
                               </p:par>
                               <p:par>
-                                <p:cTn id="32" presetID="10" presetClass="entr" presetSubtype="0" fill="hold" grpId="0" nodeType="withEffect">
+                                <p:cTn id="32" presetID="10" presetClass="entr" presetSubtype="0" fill="hold" nodeType="withEffect">
                                   <p:stCondLst>
                                     <p:cond delay="0"/>
                                   </p:stCondLst>
@@ -18688,7 +18840,7 @@
                                           </p:stCondLst>
                                         </p:cTn>
                                         <p:tgtEl>
-                                          <p:spTgt spid="24"/>
+                                          <p:spTgt spid="21"/>
                                         </p:tgtEl>
                                         <p:attrNameLst>
                                           <p:attrName>style.visibility</p:attrName>
@@ -18702,7 +18854,7 @@
                                       <p:cBhvr>
                                         <p:cTn id="34" dur="500"/>
                                         <p:tgtEl>
-                                          <p:spTgt spid="24"/>
+                                          <p:spTgt spid="21"/>
                                         </p:tgtEl>
                                       </p:cBhvr>
                                     </p:animEffect>
@@ -18723,7 +18875,7 @@
                                           </p:stCondLst>
                                         </p:cTn>
                                         <p:tgtEl>
-                                          <p:spTgt spid="25"/>
+                                          <p:spTgt spid="24"/>
                                         </p:tgtEl>
                                         <p:attrNameLst>
                                           <p:attrName>style.visibility</p:attrName>
@@ -18737,7 +18889,7 @@
                                       <p:cBhvr>
                                         <p:cTn id="37" dur="500"/>
                                         <p:tgtEl>
-                                          <p:spTgt spid="25"/>
+                                          <p:spTgt spid="24"/>
                                         </p:tgtEl>
                                       </p:cBhvr>
                                     </p:animEffect>
@@ -18758,7 +18910,7 @@
                                           </p:stCondLst>
                                         </p:cTn>
                                         <p:tgtEl>
-                                          <p:spTgt spid="26"/>
+                                          <p:spTgt spid="25"/>
                                         </p:tgtEl>
                                         <p:attrNameLst>
                                           <p:attrName>style.visibility</p:attrName>
@@ -18771,6 +18923,41 @@
                                     <p:animEffect transition="in" filter="fade">
                                       <p:cBhvr>
                                         <p:cTn id="40" dur="500"/>
+                                        <p:tgtEl>
+                                          <p:spTgt spid="25"/>
+                                        </p:tgtEl>
+                                      </p:cBhvr>
+                                    </p:animEffect>
+                                  </p:childTnLst>
+                                </p:cTn>
+                              </p:par>
+                              <p:par>
+                                <p:cTn id="41" presetID="10" presetClass="entr" presetSubtype="0" fill="hold" grpId="0" nodeType="withEffect">
+                                  <p:stCondLst>
+                                    <p:cond delay="0"/>
+                                  </p:stCondLst>
+                                  <p:childTnLst>
+                                    <p:set>
+                                      <p:cBhvr>
+                                        <p:cTn id="42" dur="1" fill="hold">
+                                          <p:stCondLst>
+                                            <p:cond delay="0"/>
+                                          </p:stCondLst>
+                                        </p:cTn>
+                                        <p:tgtEl>
+                                          <p:spTgt spid="26"/>
+                                        </p:tgtEl>
+                                        <p:attrNameLst>
+                                          <p:attrName>style.visibility</p:attrName>
+                                        </p:attrNameLst>
+                                      </p:cBhvr>
+                                      <p:to>
+                                        <p:strVal val="visible"/>
+                                      </p:to>
+                                    </p:set>
+                                    <p:animEffect transition="in" filter="fade">
+                                      <p:cBhvr>
+                                        <p:cTn id="43" dur="500"/>
                                         <p:tgtEl>
                                           <p:spTgt spid="26"/>
                                         </p:tgtEl>
@@ -18786,26 +18973,26 @@
                     </p:cTn>
                   </p:par>
                   <p:par>
-                    <p:cTn id="41" fill="hold">
+                    <p:cTn id="44" fill="hold">
                       <p:stCondLst>
                         <p:cond delay="indefinite"/>
                       </p:stCondLst>
                       <p:childTnLst>
                         <p:par>
-                          <p:cTn id="42" fill="hold">
+                          <p:cTn id="45" fill="hold">
                             <p:stCondLst>
                               <p:cond delay="0"/>
                             </p:stCondLst>
                             <p:childTnLst>
                               <p:par>
-                                <p:cTn id="43" presetID="10" presetClass="entr" presetSubtype="0" fill="hold" nodeType="clickEffect">
+                                <p:cTn id="46" presetID="10" presetClass="entr" presetSubtype="0" fill="hold" nodeType="clickEffect">
                                   <p:stCondLst>
                                     <p:cond delay="0"/>
                                   </p:stCondLst>
                                   <p:childTnLst>
                                     <p:set>
                                       <p:cBhvr>
-                                        <p:cTn id="44" dur="1" fill="hold">
+                                        <p:cTn id="47" dur="1" fill="hold">
                                           <p:stCondLst>
                                             <p:cond delay="0"/>
                                           </p:stCondLst>
@@ -18823,44 +19010,9 @@
                                     </p:set>
                                     <p:animEffect transition="in" filter="fade">
                                       <p:cBhvr>
-                                        <p:cTn id="45" dur="500"/>
+                                        <p:cTn id="48" dur="500"/>
                                         <p:tgtEl>
                                           <p:spTgt spid="2054"/>
-                                        </p:tgtEl>
-                                      </p:cBhvr>
-                                    </p:animEffect>
-                                  </p:childTnLst>
-                                </p:cTn>
-                              </p:par>
-                              <p:par>
-                                <p:cTn id="46" presetID="10" presetClass="entr" presetSubtype="0" fill="hold" nodeType="withEffect">
-                                  <p:stCondLst>
-                                    <p:cond delay="0"/>
-                                  </p:stCondLst>
-                                  <p:childTnLst>
-                                    <p:set>
-                                      <p:cBhvr>
-                                        <p:cTn id="47" dur="1" fill="hold">
-                                          <p:stCondLst>
-                                            <p:cond delay="0"/>
-                                          </p:stCondLst>
-                                        </p:cTn>
-                                        <p:tgtEl>
-                                          <p:spTgt spid="44"/>
-                                        </p:tgtEl>
-                                        <p:attrNameLst>
-                                          <p:attrName>style.visibility</p:attrName>
-                                        </p:attrNameLst>
-                                      </p:cBhvr>
-                                      <p:to>
-                                        <p:strVal val="visible"/>
-                                      </p:to>
-                                    </p:set>
-                                    <p:animEffect transition="in" filter="fade">
-                                      <p:cBhvr>
-                                        <p:cTn id="48" dur="500"/>
-                                        <p:tgtEl>
-                                          <p:spTgt spid="44"/>
                                         </p:tgtEl>
                                       </p:cBhvr>
                                     </p:animEffect>
@@ -18881,7 +19033,7 @@
                                           </p:stCondLst>
                                         </p:cTn>
                                         <p:tgtEl>
-                                          <p:spTgt spid="45"/>
+                                          <p:spTgt spid="44"/>
                                         </p:tgtEl>
                                         <p:attrNameLst>
                                           <p:attrName>style.visibility</p:attrName>
@@ -18895,7 +19047,7 @@
                                       <p:cBhvr>
                                         <p:cTn id="51" dur="500"/>
                                         <p:tgtEl>
-                                          <p:spTgt spid="45"/>
+                                          <p:spTgt spid="44"/>
                                         </p:tgtEl>
                                       </p:cBhvr>
                                     </p:animEffect>
@@ -18916,7 +19068,7 @@
                                           </p:stCondLst>
                                         </p:cTn>
                                         <p:tgtEl>
-                                          <p:spTgt spid="46"/>
+                                          <p:spTgt spid="45"/>
                                         </p:tgtEl>
                                         <p:attrNameLst>
                                           <p:attrName>style.visibility</p:attrName>
@@ -18930,7 +19082,7 @@
                                       <p:cBhvr>
                                         <p:cTn id="54" dur="500"/>
                                         <p:tgtEl>
-                                          <p:spTgt spid="46"/>
+                                          <p:spTgt spid="45"/>
                                         </p:tgtEl>
                                       </p:cBhvr>
                                     </p:animEffect>
@@ -18951,7 +19103,7 @@
                                           </p:stCondLst>
                                         </p:cTn>
                                         <p:tgtEl>
-                                          <p:spTgt spid="47"/>
+                                          <p:spTgt spid="46"/>
                                         </p:tgtEl>
                                         <p:attrNameLst>
                                           <p:attrName>style.visibility</p:attrName>
@@ -18965,7 +19117,7 @@
                                       <p:cBhvr>
                                         <p:cTn id="57" dur="500"/>
                                         <p:tgtEl>
-                                          <p:spTgt spid="47"/>
+                                          <p:spTgt spid="46"/>
                                         </p:tgtEl>
                                       </p:cBhvr>
                                     </p:animEffect>
@@ -18986,7 +19138,7 @@
                                           </p:stCondLst>
                                         </p:cTn>
                                         <p:tgtEl>
-                                          <p:spTgt spid="48"/>
+                                          <p:spTgt spid="47"/>
                                         </p:tgtEl>
                                         <p:attrNameLst>
                                           <p:attrName>style.visibility</p:attrName>
@@ -19000,7 +19152,7 @@
                                       <p:cBhvr>
                                         <p:cTn id="60" dur="500"/>
                                         <p:tgtEl>
-                                          <p:spTgt spid="48"/>
+                                          <p:spTgt spid="47"/>
                                         </p:tgtEl>
                                       </p:cBhvr>
                                     </p:animEffect>
@@ -19021,7 +19173,7 @@
                                           </p:stCondLst>
                                         </p:cTn>
                                         <p:tgtEl>
-                                          <p:spTgt spid="49"/>
+                                          <p:spTgt spid="48"/>
                                         </p:tgtEl>
                                         <p:attrNameLst>
                                           <p:attrName>style.visibility</p:attrName>
@@ -19035,7 +19187,7 @@
                                       <p:cBhvr>
                                         <p:cTn id="63" dur="500"/>
                                         <p:tgtEl>
-                                          <p:spTgt spid="49"/>
+                                          <p:spTgt spid="48"/>
                                         </p:tgtEl>
                                       </p:cBhvr>
                                     </p:animEffect>
@@ -19056,7 +19208,7 @@
                                           </p:stCondLst>
                                         </p:cTn>
                                         <p:tgtEl>
-                                          <p:spTgt spid="50"/>
+                                          <p:spTgt spid="49"/>
                                         </p:tgtEl>
                                         <p:attrNameLst>
                                           <p:attrName>style.visibility</p:attrName>
@@ -19070,7 +19222,7 @@
                                       <p:cBhvr>
                                         <p:cTn id="66" dur="500"/>
                                         <p:tgtEl>
-                                          <p:spTgt spid="50"/>
+                                          <p:spTgt spid="49"/>
                                         </p:tgtEl>
                                       </p:cBhvr>
                                     </p:animEffect>
@@ -19091,7 +19243,7 @@
                                           </p:stCondLst>
                                         </p:cTn>
                                         <p:tgtEl>
-                                          <p:spTgt spid="51"/>
+                                          <p:spTgt spid="50"/>
                                         </p:tgtEl>
                                         <p:attrNameLst>
                                           <p:attrName>style.visibility</p:attrName>
@@ -19104,6 +19256,41 @@
                                     <p:animEffect transition="in" filter="fade">
                                       <p:cBhvr>
                                         <p:cTn id="69" dur="500"/>
+                                        <p:tgtEl>
+                                          <p:spTgt spid="50"/>
+                                        </p:tgtEl>
+                                      </p:cBhvr>
+                                    </p:animEffect>
+                                  </p:childTnLst>
+                                </p:cTn>
+                              </p:par>
+                              <p:par>
+                                <p:cTn id="70" presetID="10" presetClass="entr" presetSubtype="0" fill="hold" nodeType="withEffect">
+                                  <p:stCondLst>
+                                    <p:cond delay="0"/>
+                                  </p:stCondLst>
+                                  <p:childTnLst>
+                                    <p:set>
+                                      <p:cBhvr>
+                                        <p:cTn id="71" dur="1" fill="hold">
+                                          <p:stCondLst>
+                                            <p:cond delay="0"/>
+                                          </p:stCondLst>
+                                        </p:cTn>
+                                        <p:tgtEl>
+                                          <p:spTgt spid="51"/>
+                                        </p:tgtEl>
+                                        <p:attrNameLst>
+                                          <p:attrName>style.visibility</p:attrName>
+                                        </p:attrNameLst>
+                                      </p:cBhvr>
+                                      <p:to>
+                                        <p:strVal val="visible"/>
+                                      </p:to>
+                                    </p:set>
+                                    <p:animEffect transition="in" filter="fade">
+                                      <p:cBhvr>
+                                        <p:cTn id="72" dur="500"/>
                                         <p:tgtEl>
                                           <p:spTgt spid="51"/>
                                         </p:tgtEl>
@@ -19119,26 +19306,26 @@
                     </p:cTn>
                   </p:par>
                   <p:par>
-                    <p:cTn id="70" fill="hold">
+                    <p:cTn id="73" fill="hold">
                       <p:stCondLst>
                         <p:cond delay="indefinite"/>
                       </p:stCondLst>
                       <p:childTnLst>
                         <p:par>
-                          <p:cTn id="71" fill="hold">
+                          <p:cTn id="74" fill="hold">
                             <p:stCondLst>
                               <p:cond delay="0"/>
                             </p:stCondLst>
                             <p:childTnLst>
                               <p:par>
-                                <p:cTn id="72" presetID="10" presetClass="entr" presetSubtype="0" fill="hold" grpId="0" nodeType="clickEffect">
+                                <p:cTn id="75" presetID="10" presetClass="entr" presetSubtype="0" fill="hold" grpId="0" nodeType="clickEffect">
                                   <p:stCondLst>
                                     <p:cond delay="0"/>
                                   </p:stCondLst>
                                   <p:childTnLst>
                                     <p:set>
                                       <p:cBhvr>
-                                        <p:cTn id="73" dur="1" fill="hold">
+                                        <p:cTn id="76" dur="1" fill="hold">
                                           <p:stCondLst>
                                             <p:cond delay="0"/>
                                           </p:stCondLst>
@@ -19156,7 +19343,7 @@
                                     </p:set>
                                     <p:animEffect transition="in" filter="fade">
                                       <p:cBhvr>
-                                        <p:cTn id="74" dur="500"/>
+                                        <p:cTn id="77" dur="500"/>
                                         <p:tgtEl>
                                           <p:spTgt spid="139"/>
                                         </p:tgtEl>
@@ -19166,14 +19353,14 @@
                                 </p:cTn>
                               </p:par>
                               <p:par>
-                                <p:cTn id="75" presetID="10" presetClass="entr" presetSubtype="0" fill="hold" nodeType="withEffect">
+                                <p:cTn id="78" presetID="10" presetClass="entr" presetSubtype="0" fill="hold" nodeType="withEffect">
                                   <p:stCondLst>
                                     <p:cond delay="0"/>
                                   </p:stCondLst>
                                   <p:childTnLst>
                                     <p:set>
                                       <p:cBhvr>
-                                        <p:cTn id="76" dur="1" fill="hold">
+                                        <p:cTn id="79" dur="1" fill="hold">
                                           <p:stCondLst>
                                             <p:cond delay="0"/>
                                           </p:stCondLst>
@@ -19191,7 +19378,7 @@
                                     </p:set>
                                     <p:animEffect transition="in" filter="fade">
                                       <p:cBhvr>
-                                        <p:cTn id="77" dur="500"/>
+                                        <p:cTn id="80" dur="500"/>
                                         <p:tgtEl>
                                           <p:spTgt spid="140"/>
                                         </p:tgtEl>
@@ -19201,14 +19388,14 @@
                                 </p:cTn>
                               </p:par>
                               <p:par>
-                                <p:cTn id="78" presetID="10" presetClass="entr" presetSubtype="0" fill="hold" grpId="0" nodeType="withEffect">
+                                <p:cTn id="81" presetID="10" presetClass="entr" presetSubtype="0" fill="hold" grpId="0" nodeType="withEffect">
                                   <p:stCondLst>
                                     <p:cond delay="0"/>
                                   </p:stCondLst>
                                   <p:childTnLst>
                                     <p:set>
                                       <p:cBhvr>
-                                        <p:cTn id="79" dur="1" fill="hold">
+                                        <p:cTn id="82" dur="1" fill="hold">
                                           <p:stCondLst>
                                             <p:cond delay="0"/>
                                           </p:stCondLst>
@@ -19226,7 +19413,7 @@
                                     </p:set>
                                     <p:animEffect transition="in" filter="fade">
                                       <p:cBhvr>
-                                        <p:cTn id="80" dur="500"/>
+                                        <p:cTn id="83" dur="500"/>
                                         <p:tgtEl>
                                           <p:spTgt spid="144"/>
                                         </p:tgtEl>
@@ -19242,26 +19429,26 @@
                     </p:cTn>
                   </p:par>
                   <p:par>
-                    <p:cTn id="81" fill="hold">
+                    <p:cTn id="84" fill="hold">
                       <p:stCondLst>
                         <p:cond delay="indefinite"/>
                       </p:stCondLst>
                       <p:childTnLst>
                         <p:par>
-                          <p:cTn id="82" fill="hold">
+                          <p:cTn id="85" fill="hold">
                             <p:stCondLst>
                               <p:cond delay="0"/>
                             </p:stCondLst>
                             <p:childTnLst>
                               <p:par>
-                                <p:cTn id="83" presetID="10" presetClass="entr" presetSubtype="0" fill="hold" grpId="0" nodeType="clickEffect">
+                                <p:cTn id="86" presetID="10" presetClass="entr" presetSubtype="0" fill="hold" grpId="0" nodeType="clickEffect">
                                   <p:stCondLst>
                                     <p:cond delay="0"/>
                                   </p:stCondLst>
                                   <p:childTnLst>
                                     <p:set>
                                       <p:cBhvr>
-                                        <p:cTn id="84" dur="1" fill="hold">
+                                        <p:cTn id="87" dur="1" fill="hold">
                                           <p:stCondLst>
                                             <p:cond delay="0"/>
                                           </p:stCondLst>
@@ -19279,44 +19466,9 @@
                                     </p:set>
                                     <p:animEffect transition="in" filter="fade">
                                       <p:cBhvr>
-                                        <p:cTn id="85" dur="500"/>
+                                        <p:cTn id="88" dur="500"/>
                                         <p:tgtEl>
                                           <p:spTgt spid="2055"/>
-                                        </p:tgtEl>
-                                      </p:cBhvr>
-                                    </p:animEffect>
-                                  </p:childTnLst>
-                                </p:cTn>
-                              </p:par>
-                              <p:par>
-                                <p:cTn id="86" presetID="10" presetClass="entr" presetSubtype="0" fill="hold" nodeType="withEffect">
-                                  <p:stCondLst>
-                                    <p:cond delay="0"/>
-                                  </p:stCondLst>
-                                  <p:childTnLst>
-                                    <p:set>
-                                      <p:cBhvr>
-                                        <p:cTn id="87" dur="1" fill="hold">
-                                          <p:stCondLst>
-                                            <p:cond delay="0"/>
-                                          </p:stCondLst>
-                                        </p:cTn>
-                                        <p:tgtEl>
-                                          <p:spTgt spid="29"/>
-                                        </p:tgtEl>
-                                        <p:attrNameLst>
-                                          <p:attrName>style.visibility</p:attrName>
-                                        </p:attrNameLst>
-                                      </p:cBhvr>
-                                      <p:to>
-                                        <p:strVal val="visible"/>
-                                      </p:to>
-                                    </p:set>
-                                    <p:animEffect transition="in" filter="fade">
-                                      <p:cBhvr>
-                                        <p:cTn id="88" dur="500"/>
-                                        <p:tgtEl>
-                                          <p:spTgt spid="29"/>
                                         </p:tgtEl>
                                       </p:cBhvr>
                                     </p:animEffect>
@@ -19337,7 +19489,7 @@
                                           </p:stCondLst>
                                         </p:cTn>
                                         <p:tgtEl>
-                                          <p:spTgt spid="30"/>
+                                          <p:spTgt spid="29"/>
                                         </p:tgtEl>
                                         <p:attrNameLst>
                                           <p:attrName>style.visibility</p:attrName>
@@ -19351,7 +19503,7 @@
                                       <p:cBhvr>
                                         <p:cTn id="91" dur="500"/>
                                         <p:tgtEl>
-                                          <p:spTgt spid="30"/>
+                                          <p:spTgt spid="29"/>
                                         </p:tgtEl>
                                       </p:cBhvr>
                                     </p:animEffect>
@@ -19372,7 +19524,7 @@
                                           </p:stCondLst>
                                         </p:cTn>
                                         <p:tgtEl>
-                                          <p:spTgt spid="31"/>
+                                          <p:spTgt spid="30"/>
                                         </p:tgtEl>
                                         <p:attrNameLst>
                                           <p:attrName>style.visibility</p:attrName>
@@ -19386,7 +19538,7 @@
                                       <p:cBhvr>
                                         <p:cTn id="94" dur="500"/>
                                         <p:tgtEl>
-                                          <p:spTgt spid="31"/>
+                                          <p:spTgt spid="30"/>
                                         </p:tgtEl>
                                       </p:cBhvr>
                                     </p:animEffect>
@@ -19407,7 +19559,7 @@
                                           </p:stCondLst>
                                         </p:cTn>
                                         <p:tgtEl>
-                                          <p:spTgt spid="32"/>
+                                          <p:spTgt spid="31"/>
                                         </p:tgtEl>
                                         <p:attrNameLst>
                                           <p:attrName>style.visibility</p:attrName>
@@ -19421,7 +19573,7 @@
                                       <p:cBhvr>
                                         <p:cTn id="97" dur="500"/>
                                         <p:tgtEl>
-                                          <p:spTgt spid="32"/>
+                                          <p:spTgt spid="31"/>
                                         </p:tgtEl>
                                       </p:cBhvr>
                                     </p:animEffect>
@@ -19442,7 +19594,7 @@
                                           </p:stCondLst>
                                         </p:cTn>
                                         <p:tgtEl>
-                                          <p:spTgt spid="33"/>
+                                          <p:spTgt spid="32"/>
                                         </p:tgtEl>
                                         <p:attrNameLst>
                                           <p:attrName>style.visibility</p:attrName>
@@ -19456,7 +19608,7 @@
                                       <p:cBhvr>
                                         <p:cTn id="100" dur="500"/>
                                         <p:tgtEl>
-                                          <p:spTgt spid="33"/>
+                                          <p:spTgt spid="32"/>
                                         </p:tgtEl>
                                       </p:cBhvr>
                                     </p:animEffect>
@@ -19477,7 +19629,7 @@
                                           </p:stCondLst>
                                         </p:cTn>
                                         <p:tgtEl>
-                                          <p:spTgt spid="34"/>
+                                          <p:spTgt spid="33"/>
                                         </p:tgtEl>
                                         <p:attrNameLst>
                                           <p:attrName>style.visibility</p:attrName>
@@ -19491,7 +19643,7 @@
                                       <p:cBhvr>
                                         <p:cTn id="103" dur="500"/>
                                         <p:tgtEl>
-                                          <p:spTgt spid="34"/>
+                                          <p:spTgt spid="33"/>
                                         </p:tgtEl>
                                       </p:cBhvr>
                                     </p:animEffect>
@@ -19512,7 +19664,7 @@
                                           </p:stCondLst>
                                         </p:cTn>
                                         <p:tgtEl>
-                                          <p:spTgt spid="35"/>
+                                          <p:spTgt spid="34"/>
                                         </p:tgtEl>
                                         <p:attrNameLst>
                                           <p:attrName>style.visibility</p:attrName>
@@ -19526,7 +19678,7 @@
                                       <p:cBhvr>
                                         <p:cTn id="106" dur="500"/>
                                         <p:tgtEl>
-                                          <p:spTgt spid="35"/>
+                                          <p:spTgt spid="34"/>
                                         </p:tgtEl>
                                       </p:cBhvr>
                                     </p:animEffect>
@@ -19547,7 +19699,7 @@
                                           </p:stCondLst>
                                         </p:cTn>
                                         <p:tgtEl>
-                                          <p:spTgt spid="36"/>
+                                          <p:spTgt spid="35"/>
                                         </p:tgtEl>
                                         <p:attrNameLst>
                                           <p:attrName>style.visibility</p:attrName>
@@ -19561,7 +19713,7 @@
                                       <p:cBhvr>
                                         <p:cTn id="109" dur="500"/>
                                         <p:tgtEl>
-                                          <p:spTgt spid="36"/>
+                                          <p:spTgt spid="35"/>
                                         </p:tgtEl>
                                       </p:cBhvr>
                                     </p:animEffect>
@@ -19582,7 +19734,7 @@
                                           </p:stCondLst>
                                         </p:cTn>
                                         <p:tgtEl>
-                                          <p:spTgt spid="37"/>
+                                          <p:spTgt spid="36"/>
                                         </p:tgtEl>
                                         <p:attrNameLst>
                                           <p:attrName>style.visibility</p:attrName>
@@ -19596,7 +19748,7 @@
                                       <p:cBhvr>
                                         <p:cTn id="112" dur="500"/>
                                         <p:tgtEl>
-                                          <p:spTgt spid="37"/>
+                                          <p:spTgt spid="36"/>
                                         </p:tgtEl>
                                       </p:cBhvr>
                                     </p:animEffect>
@@ -19604,7 +19756,7 @@
                                 </p:cTn>
                               </p:par>
                               <p:par>
-                                <p:cTn id="113" presetID="10" presetClass="entr" presetSubtype="0" fill="hold" grpId="0" nodeType="withEffect">
+                                <p:cTn id="113" presetID="10" presetClass="entr" presetSubtype="0" fill="hold" nodeType="withEffect">
                                   <p:stCondLst>
                                     <p:cond delay="0"/>
                                   </p:stCondLst>
@@ -19617,7 +19769,7 @@
                                           </p:stCondLst>
                                         </p:cTn>
                                         <p:tgtEl>
-                                          <p:spTgt spid="39"/>
+                                          <p:spTgt spid="37"/>
                                         </p:tgtEl>
                                         <p:attrNameLst>
                                           <p:attrName>style.visibility</p:attrName>
@@ -19631,7 +19783,7 @@
                                       <p:cBhvr>
                                         <p:cTn id="115" dur="500"/>
                                         <p:tgtEl>
-                                          <p:spTgt spid="39"/>
+                                          <p:spTgt spid="37"/>
                                         </p:tgtEl>
                                       </p:cBhvr>
                                     </p:animEffect>
@@ -19639,7 +19791,7 @@
                                 </p:cTn>
                               </p:par>
                               <p:par>
-                                <p:cTn id="116" presetID="10" presetClass="entr" presetSubtype="0" fill="hold" nodeType="withEffect">
+                                <p:cTn id="116" presetID="10" presetClass="entr" presetSubtype="0" fill="hold" grpId="0" nodeType="withEffect">
                                   <p:stCondLst>
                                     <p:cond delay="0"/>
                                   </p:stCondLst>
@@ -19652,7 +19804,7 @@
                                           </p:stCondLst>
                                         </p:cTn>
                                         <p:tgtEl>
-                                          <p:spTgt spid="64"/>
+                                          <p:spTgt spid="39"/>
                                         </p:tgtEl>
                                         <p:attrNameLst>
                                           <p:attrName>style.visibility</p:attrName>
@@ -19666,7 +19818,7 @@
                                       <p:cBhvr>
                                         <p:cTn id="118" dur="500"/>
                                         <p:tgtEl>
-                                          <p:spTgt spid="64"/>
+                                          <p:spTgt spid="39"/>
                                         </p:tgtEl>
                                       </p:cBhvr>
                                     </p:animEffect>
@@ -19674,7 +19826,7 @@
                                 </p:cTn>
                               </p:par>
                               <p:par>
-                                <p:cTn id="119" presetID="10" presetClass="entr" presetSubtype="0" fill="hold" grpId="0" nodeType="withEffect">
+                                <p:cTn id="119" presetID="10" presetClass="entr" presetSubtype="0" fill="hold" nodeType="withEffect">
                                   <p:stCondLst>
                                     <p:cond delay="0"/>
                                   </p:stCondLst>
@@ -19687,7 +19839,7 @@
                                           </p:stCondLst>
                                         </p:cTn>
                                         <p:tgtEl>
-                                          <p:spTgt spid="66"/>
+                                          <p:spTgt spid="64"/>
                                         </p:tgtEl>
                                         <p:attrNameLst>
                                           <p:attrName>style.visibility</p:attrName>
@@ -19701,7 +19853,7 @@
                                       <p:cBhvr>
                                         <p:cTn id="121" dur="500"/>
                                         <p:tgtEl>
-                                          <p:spTgt spid="66"/>
+                                          <p:spTgt spid="64"/>
                                         </p:tgtEl>
                                       </p:cBhvr>
                                     </p:animEffect>
@@ -19709,7 +19861,7 @@
                                 </p:cTn>
                               </p:par>
                               <p:par>
-                                <p:cTn id="122" presetID="10" presetClass="entr" presetSubtype="0" fill="hold" nodeType="withEffect">
+                                <p:cTn id="122" presetID="10" presetClass="entr" presetSubtype="0" fill="hold" grpId="0" nodeType="withEffect">
                                   <p:stCondLst>
                                     <p:cond delay="0"/>
                                   </p:stCondLst>
@@ -19722,7 +19874,7 @@
                                           </p:stCondLst>
                                         </p:cTn>
                                         <p:tgtEl>
-                                          <p:spTgt spid="72"/>
+                                          <p:spTgt spid="66"/>
                                         </p:tgtEl>
                                         <p:attrNameLst>
                                           <p:attrName>style.visibility</p:attrName>
@@ -19736,7 +19888,7 @@
                                       <p:cBhvr>
                                         <p:cTn id="124" dur="500"/>
                                         <p:tgtEl>
-                                          <p:spTgt spid="72"/>
+                                          <p:spTgt spid="66"/>
                                         </p:tgtEl>
                                       </p:cBhvr>
                                     </p:animEffect>
@@ -19757,7 +19909,7 @@
                                           </p:stCondLst>
                                         </p:cTn>
                                         <p:tgtEl>
-                                          <p:spTgt spid="73"/>
+                                          <p:spTgt spid="72"/>
                                         </p:tgtEl>
                                         <p:attrNameLst>
                                           <p:attrName>style.visibility</p:attrName>
@@ -19771,7 +19923,7 @@
                                       <p:cBhvr>
                                         <p:cTn id="127" dur="500"/>
                                         <p:tgtEl>
-                                          <p:spTgt spid="73"/>
+                                          <p:spTgt spid="72"/>
                                         </p:tgtEl>
                                       </p:cBhvr>
                                     </p:animEffect>
@@ -19792,7 +19944,7 @@
                                           </p:stCondLst>
                                         </p:cTn>
                                         <p:tgtEl>
-                                          <p:spTgt spid="74"/>
+                                          <p:spTgt spid="73"/>
                                         </p:tgtEl>
                                         <p:attrNameLst>
                                           <p:attrName>style.visibility</p:attrName>
@@ -19806,7 +19958,7 @@
                                       <p:cBhvr>
                                         <p:cTn id="130" dur="500"/>
                                         <p:tgtEl>
-                                          <p:spTgt spid="74"/>
+                                          <p:spTgt spid="73"/>
                                         </p:tgtEl>
                                       </p:cBhvr>
                                     </p:animEffect>
@@ -19827,7 +19979,7 @@
                                           </p:stCondLst>
                                         </p:cTn>
                                         <p:tgtEl>
-                                          <p:spTgt spid="75"/>
+                                          <p:spTgt spid="74"/>
                                         </p:tgtEl>
                                         <p:attrNameLst>
                                           <p:attrName>style.visibility</p:attrName>
@@ -19841,7 +19993,7 @@
                                       <p:cBhvr>
                                         <p:cTn id="133" dur="500"/>
                                         <p:tgtEl>
-                                          <p:spTgt spid="75"/>
+                                          <p:spTgt spid="74"/>
                                         </p:tgtEl>
                                       </p:cBhvr>
                                     </p:animEffect>
@@ -19862,7 +20014,7 @@
                                           </p:stCondLst>
                                         </p:cTn>
                                         <p:tgtEl>
-                                          <p:spTgt spid="76"/>
+                                          <p:spTgt spid="75"/>
                                         </p:tgtEl>
                                         <p:attrNameLst>
                                           <p:attrName>style.visibility</p:attrName>
@@ -19876,7 +20028,7 @@
                                       <p:cBhvr>
                                         <p:cTn id="136" dur="500"/>
                                         <p:tgtEl>
-                                          <p:spTgt spid="76"/>
+                                          <p:spTgt spid="75"/>
                                         </p:tgtEl>
                                       </p:cBhvr>
                                     </p:animEffect>
@@ -19897,7 +20049,7 @@
                                           </p:stCondLst>
                                         </p:cTn>
                                         <p:tgtEl>
-                                          <p:spTgt spid="77"/>
+                                          <p:spTgt spid="76"/>
                                         </p:tgtEl>
                                         <p:attrNameLst>
                                           <p:attrName>style.visibility</p:attrName>
@@ -19911,7 +20063,7 @@
                                       <p:cBhvr>
                                         <p:cTn id="139" dur="500"/>
                                         <p:tgtEl>
-                                          <p:spTgt spid="77"/>
+                                          <p:spTgt spid="76"/>
                                         </p:tgtEl>
                                       </p:cBhvr>
                                     </p:animEffect>
@@ -19932,7 +20084,7 @@
                                           </p:stCondLst>
                                         </p:cTn>
                                         <p:tgtEl>
-                                          <p:spTgt spid="78"/>
+                                          <p:spTgt spid="77"/>
                                         </p:tgtEl>
                                         <p:attrNameLst>
                                           <p:attrName>style.visibility</p:attrName>
@@ -19946,7 +20098,7 @@
                                       <p:cBhvr>
                                         <p:cTn id="142" dur="500"/>
                                         <p:tgtEl>
-                                          <p:spTgt spid="78"/>
+                                          <p:spTgt spid="77"/>
                                         </p:tgtEl>
                                       </p:cBhvr>
                                     </p:animEffect>
@@ -19967,7 +20119,7 @@
                                           </p:stCondLst>
                                         </p:cTn>
                                         <p:tgtEl>
-                                          <p:spTgt spid="79"/>
+                                          <p:spTgt spid="78"/>
                                         </p:tgtEl>
                                         <p:attrNameLst>
                                           <p:attrName>style.visibility</p:attrName>
@@ -19981,7 +20133,7 @@
                                       <p:cBhvr>
                                         <p:cTn id="145" dur="500"/>
                                         <p:tgtEl>
-                                          <p:spTgt spid="79"/>
+                                          <p:spTgt spid="78"/>
                                         </p:tgtEl>
                                       </p:cBhvr>
                                     </p:animEffect>
@@ -20002,7 +20154,7 @@
                                           </p:stCondLst>
                                         </p:cTn>
                                         <p:tgtEl>
-                                          <p:spTgt spid="80"/>
+                                          <p:spTgt spid="79"/>
                                         </p:tgtEl>
                                         <p:attrNameLst>
                                           <p:attrName>style.visibility</p:attrName>
@@ -20016,7 +20168,7 @@
                                       <p:cBhvr>
                                         <p:cTn id="148" dur="500"/>
                                         <p:tgtEl>
-                                          <p:spTgt spid="80"/>
+                                          <p:spTgt spid="79"/>
                                         </p:tgtEl>
                                       </p:cBhvr>
                                     </p:animEffect>
@@ -20024,7 +20176,7 @@
                                 </p:cTn>
                               </p:par>
                               <p:par>
-                                <p:cTn id="149" presetID="10" presetClass="entr" presetSubtype="0" fill="hold" grpId="0" nodeType="withEffect">
+                                <p:cTn id="149" presetID="10" presetClass="entr" presetSubtype="0" fill="hold" nodeType="withEffect">
                                   <p:stCondLst>
                                     <p:cond delay="0"/>
                                   </p:stCondLst>
@@ -20037,7 +20189,7 @@
                                           </p:stCondLst>
                                         </p:cTn>
                                         <p:tgtEl>
-                                          <p:spTgt spid="128"/>
+                                          <p:spTgt spid="80"/>
                                         </p:tgtEl>
                                         <p:attrNameLst>
                                           <p:attrName>style.visibility</p:attrName>
@@ -20051,7 +20203,7 @@
                                       <p:cBhvr>
                                         <p:cTn id="151" dur="500"/>
                                         <p:tgtEl>
-                                          <p:spTgt spid="128"/>
+                                          <p:spTgt spid="80"/>
                                         </p:tgtEl>
                                       </p:cBhvr>
                                     </p:animEffect>
@@ -20059,7 +20211,7 @@
                                 </p:cTn>
                               </p:par>
                               <p:par>
-                                <p:cTn id="152" presetID="10" presetClass="entr" presetSubtype="0" fill="hold" nodeType="withEffect">
+                                <p:cTn id="152" presetID="10" presetClass="entr" presetSubtype="0" fill="hold" grpId="0" nodeType="withEffect">
                                   <p:stCondLst>
                                     <p:cond delay="0"/>
                                   </p:stCondLst>
@@ -20072,7 +20224,7 @@
                                           </p:stCondLst>
                                         </p:cTn>
                                         <p:tgtEl>
-                                          <p:spTgt spid="131"/>
+                                          <p:spTgt spid="128"/>
                                         </p:tgtEl>
                                         <p:attrNameLst>
                                           <p:attrName>style.visibility</p:attrName>
@@ -20086,7 +20238,7 @@
                                       <p:cBhvr>
                                         <p:cTn id="154" dur="500"/>
                                         <p:tgtEl>
-                                          <p:spTgt spid="131"/>
+                                          <p:spTgt spid="128"/>
                                         </p:tgtEl>
                                       </p:cBhvr>
                                     </p:animEffect>
@@ -20107,7 +20259,7 @@
                                           </p:stCondLst>
                                         </p:cTn>
                                         <p:tgtEl>
-                                          <p:spTgt spid="138"/>
+                                          <p:spTgt spid="95"/>
                                         </p:tgtEl>
                                         <p:attrNameLst>
                                           <p:attrName>style.visibility</p:attrName>
@@ -20120,6 +20272,111 @@
                                     <p:animEffect transition="in" filter="fade">
                                       <p:cBhvr>
                                         <p:cTn id="157" dur="500"/>
+                                        <p:tgtEl>
+                                          <p:spTgt spid="95"/>
+                                        </p:tgtEl>
+                                      </p:cBhvr>
+                                    </p:animEffect>
+                                  </p:childTnLst>
+                                </p:cTn>
+                              </p:par>
+                              <p:par>
+                                <p:cTn id="158" presetID="10" presetClass="entr" presetSubtype="0" fill="hold" grpId="0" nodeType="withEffect">
+                                  <p:stCondLst>
+                                    <p:cond delay="0"/>
+                                  </p:stCondLst>
+                                  <p:childTnLst>
+                                    <p:set>
+                                      <p:cBhvr>
+                                        <p:cTn id="159" dur="1" fill="hold">
+                                          <p:stCondLst>
+                                            <p:cond delay="0"/>
+                                          </p:stCondLst>
+                                        </p:cTn>
+                                        <p:tgtEl>
+                                          <p:spTgt spid="104"/>
+                                        </p:tgtEl>
+                                        <p:attrNameLst>
+                                          <p:attrName>style.visibility</p:attrName>
+                                        </p:attrNameLst>
+                                      </p:cBhvr>
+                                      <p:to>
+                                        <p:strVal val="visible"/>
+                                      </p:to>
+                                    </p:set>
+                                    <p:animEffect transition="in" filter="fade">
+                                      <p:cBhvr>
+                                        <p:cTn id="160" dur="500"/>
+                                        <p:tgtEl>
+                                          <p:spTgt spid="104"/>
+                                        </p:tgtEl>
+                                      </p:cBhvr>
+                                    </p:animEffect>
+                                  </p:childTnLst>
+                                </p:cTn>
+                              </p:par>
+                              <p:par>
+                                <p:cTn id="161" presetID="10" presetClass="entr" presetSubtype="0" fill="hold" nodeType="withEffect">
+                                  <p:stCondLst>
+                                    <p:cond delay="0"/>
+                                  </p:stCondLst>
+                                  <p:childTnLst>
+                                    <p:set>
+                                      <p:cBhvr>
+                                        <p:cTn id="162" dur="1" fill="hold">
+                                          <p:stCondLst>
+                                            <p:cond delay="0"/>
+                                          </p:stCondLst>
+                                        </p:cTn>
+                                        <p:tgtEl>
+                                          <p:spTgt spid="131"/>
+                                        </p:tgtEl>
+                                        <p:attrNameLst>
+                                          <p:attrName>style.visibility</p:attrName>
+                                        </p:attrNameLst>
+                                      </p:cBhvr>
+                                      <p:to>
+                                        <p:strVal val="visible"/>
+                                      </p:to>
+                                    </p:set>
+                                    <p:animEffect transition="in" filter="fade">
+                                      <p:cBhvr>
+                                        <p:cTn id="163" dur="500"/>
+                                        <p:tgtEl>
+                                          <p:spTgt spid="131"/>
+                                        </p:tgtEl>
+                                      </p:cBhvr>
+                                    </p:animEffect>
+                                  </p:childTnLst>
+                                </p:cTn>
+                              </p:par>
+                              <p:par>
+                                <p:cTn id="164" presetID="10" presetClass="entr" presetSubtype="0" fill="hold" grpId="0" nodeType="withEffect">
+                                  <p:stCondLst>
+                                    <p:cond delay="0"/>
+                                  </p:stCondLst>
+                                  <p:childTnLst>
+                                    <p:set>
+                                      <p:cBhvr>
+                                        <p:cTn id="165" dur="1" fill="hold">
+                                          <p:stCondLst>
+                                            <p:cond delay="0"/>
+                                          </p:stCondLst>
+                                        </p:cTn>
+                                        <p:tgtEl>
+                                          <p:spTgt spid="138"/>
+                                        </p:tgtEl>
+                                        <p:attrNameLst>
+                                          <p:attrName>style.visibility</p:attrName>
+                                        </p:attrNameLst>
+                                      </p:cBhvr>
+                                      <p:to>
+                                        <p:strVal val="visible"/>
+                                      </p:to>
+                                    </p:set>
+                                    <p:animEffect transition="in" filter="fade">
+                                      <p:cBhvr>
+                                        <p:cTn id="166" dur="500"/>
                                         <p:tgtEl>
                                           <p:spTgt spid="138"/>
                                         </p:tgtEl>
@@ -20135,26 +20392,26 @@
                     </p:cTn>
                   </p:par>
                   <p:par>
-                    <p:cTn id="158" fill="hold">
+                    <p:cTn id="167" fill="hold">
                       <p:stCondLst>
                         <p:cond delay="indefinite"/>
                       </p:stCondLst>
                       <p:childTnLst>
                         <p:par>
-                          <p:cTn id="159" fill="hold">
+                          <p:cTn id="168" fill="hold">
                             <p:stCondLst>
                               <p:cond delay="0"/>
                             </p:stCondLst>
                             <p:childTnLst>
                               <p:par>
-                                <p:cTn id="160" presetID="10" presetClass="entr" presetSubtype="0" fill="hold" grpId="0" nodeType="clickEffect">
+                                <p:cTn id="169" presetID="10" presetClass="entr" presetSubtype="0" fill="hold" grpId="0" nodeType="clickEffect">
                                   <p:stCondLst>
                                     <p:cond delay="0"/>
                                   </p:stCondLst>
                                   <p:childTnLst>
                                     <p:set>
                                       <p:cBhvr>
-                                        <p:cTn id="161" dur="1" fill="hold">
+                                        <p:cTn id="170" dur="1" fill="hold">
                                           <p:stCondLst>
                                             <p:cond delay="0"/>
                                           </p:stCondLst>
@@ -20172,114 +20429,9 @@
                                     </p:set>
                                     <p:animEffect transition="in" filter="fade">
                                       <p:cBhvr>
-                                        <p:cTn id="162" dur="500"/>
+                                        <p:cTn id="171" dur="500"/>
                                         <p:tgtEl>
                                           <p:spTgt spid="84"/>
-                                        </p:tgtEl>
-                                      </p:cBhvr>
-                                    </p:animEffect>
-                                  </p:childTnLst>
-                                </p:cTn>
-                              </p:par>
-                              <p:par>
-                                <p:cTn id="163" presetID="10" presetClass="entr" presetSubtype="0" fill="hold" nodeType="withEffect">
-                                  <p:stCondLst>
-                                    <p:cond delay="0"/>
-                                  </p:stCondLst>
-                                  <p:childTnLst>
-                                    <p:set>
-                                      <p:cBhvr>
-                                        <p:cTn id="164" dur="1" fill="hold">
-                                          <p:stCondLst>
-                                            <p:cond delay="0"/>
-                                          </p:stCondLst>
-                                        </p:cTn>
-                                        <p:tgtEl>
-                                          <p:spTgt spid="86"/>
-                                        </p:tgtEl>
-                                        <p:attrNameLst>
-                                          <p:attrName>style.visibility</p:attrName>
-                                        </p:attrNameLst>
-                                      </p:cBhvr>
-                                      <p:to>
-                                        <p:strVal val="visible"/>
-                                      </p:to>
-                                    </p:set>
-                                    <p:animEffect transition="in" filter="fade">
-                                      <p:cBhvr>
-                                        <p:cTn id="165" dur="500"/>
-                                        <p:tgtEl>
-                                          <p:spTgt spid="86"/>
-                                        </p:tgtEl>
-                                      </p:cBhvr>
-                                    </p:animEffect>
-                                  </p:childTnLst>
-                                </p:cTn>
-                              </p:par>
-                              <p:par>
-                                <p:cTn id="166" presetID="10" presetClass="entr" presetSubtype="0" fill="hold" nodeType="withEffect">
-                                  <p:stCondLst>
-                                    <p:cond delay="0"/>
-                                  </p:stCondLst>
-                                  <p:childTnLst>
-                                    <p:set>
-                                      <p:cBhvr>
-                                        <p:cTn id="167" dur="1" fill="hold">
-                                          <p:stCondLst>
-                                            <p:cond delay="0"/>
-                                          </p:stCondLst>
-                                        </p:cTn>
-                                        <p:tgtEl>
-                                          <p:spTgt spid="87"/>
-                                        </p:tgtEl>
-                                        <p:attrNameLst>
-                                          <p:attrName>style.visibility</p:attrName>
-                                        </p:attrNameLst>
-                                      </p:cBhvr>
-                                      <p:to>
-                                        <p:strVal val="visible"/>
-                                      </p:to>
-                                    </p:set>
-                                    <p:animEffect transition="in" filter="fade">
-                                      <p:cBhvr>
-                                        <p:cTn id="168" dur="500"/>
-                                        <p:tgtEl>
-                                          <p:spTgt spid="87"/>
-                                        </p:tgtEl>
-                                      </p:cBhvr>
-                                    </p:animEffect>
-                                  </p:childTnLst>
-                                </p:cTn>
-                              </p:par>
-                              <p:par>
-                                <p:cTn id="169" presetID="10" presetClass="entr" presetSubtype="0" fill="hold" nodeType="withEffect">
-                                  <p:stCondLst>
-                                    <p:cond delay="0"/>
-                                  </p:stCondLst>
-                                  <p:childTnLst>
-                                    <p:set>
-                                      <p:cBhvr>
-                                        <p:cTn id="170" dur="1" fill="hold">
-                                          <p:stCondLst>
-                                            <p:cond delay="0"/>
-                                          </p:stCondLst>
-                                        </p:cTn>
-                                        <p:tgtEl>
-                                          <p:spTgt spid="88"/>
-                                        </p:tgtEl>
-                                        <p:attrNameLst>
-                                          <p:attrName>style.visibility</p:attrName>
-                                        </p:attrNameLst>
-                                      </p:cBhvr>
-                                      <p:to>
-                                        <p:strVal val="visible"/>
-                                      </p:to>
-                                    </p:set>
-                                    <p:animEffect transition="in" filter="fade">
-                                      <p:cBhvr>
-                                        <p:cTn id="171" dur="500"/>
-                                        <p:tgtEl>
-                                          <p:spTgt spid="88"/>
                                         </p:tgtEl>
                                       </p:cBhvr>
                                     </p:animEffect>
@@ -20300,7 +20452,7 @@
                                           </p:stCondLst>
                                         </p:cTn>
                                         <p:tgtEl>
-                                          <p:spTgt spid="89"/>
+                                          <p:spTgt spid="86"/>
                                         </p:tgtEl>
                                         <p:attrNameLst>
                                           <p:attrName>style.visibility</p:attrName>
@@ -20314,7 +20466,7 @@
                                       <p:cBhvr>
                                         <p:cTn id="174" dur="500"/>
                                         <p:tgtEl>
-                                          <p:spTgt spid="89"/>
+                                          <p:spTgt spid="86"/>
                                         </p:tgtEl>
                                       </p:cBhvr>
                                     </p:animEffect>
@@ -20335,7 +20487,7 @@
                                           </p:stCondLst>
                                         </p:cTn>
                                         <p:tgtEl>
-                                          <p:spTgt spid="90"/>
+                                          <p:spTgt spid="87"/>
                                         </p:tgtEl>
                                         <p:attrNameLst>
                                           <p:attrName>style.visibility</p:attrName>
@@ -20349,7 +20501,7 @@
                                       <p:cBhvr>
                                         <p:cTn id="177" dur="500"/>
                                         <p:tgtEl>
-                                          <p:spTgt spid="90"/>
+                                          <p:spTgt spid="87"/>
                                         </p:tgtEl>
                                       </p:cBhvr>
                                     </p:animEffect>
@@ -20370,7 +20522,7 @@
                                           </p:stCondLst>
                                         </p:cTn>
                                         <p:tgtEl>
-                                          <p:spTgt spid="91"/>
+                                          <p:spTgt spid="88"/>
                                         </p:tgtEl>
                                         <p:attrNameLst>
                                           <p:attrName>style.visibility</p:attrName>
@@ -20384,7 +20536,7 @@
                                       <p:cBhvr>
                                         <p:cTn id="180" dur="500"/>
                                         <p:tgtEl>
-                                          <p:spTgt spid="91"/>
+                                          <p:spTgt spid="88"/>
                                         </p:tgtEl>
                                       </p:cBhvr>
                                     </p:animEffect>
@@ -20405,7 +20557,7 @@
                                           </p:stCondLst>
                                         </p:cTn>
                                         <p:tgtEl>
-                                          <p:spTgt spid="92"/>
+                                          <p:spTgt spid="89"/>
                                         </p:tgtEl>
                                         <p:attrNameLst>
                                           <p:attrName>style.visibility</p:attrName>
@@ -20419,7 +20571,7 @@
                                       <p:cBhvr>
                                         <p:cTn id="183" dur="500"/>
                                         <p:tgtEl>
-                                          <p:spTgt spid="92"/>
+                                          <p:spTgt spid="89"/>
                                         </p:tgtEl>
                                       </p:cBhvr>
                                     </p:animEffect>
@@ -20440,7 +20592,7 @@
                                           </p:stCondLst>
                                         </p:cTn>
                                         <p:tgtEl>
-                                          <p:spTgt spid="93"/>
+                                          <p:spTgt spid="90"/>
                                         </p:tgtEl>
                                         <p:attrNameLst>
                                           <p:attrName>style.visibility</p:attrName>
@@ -20454,7 +20606,7 @@
                                       <p:cBhvr>
                                         <p:cTn id="186" dur="500"/>
                                         <p:tgtEl>
-                                          <p:spTgt spid="93"/>
+                                          <p:spTgt spid="90"/>
                                         </p:tgtEl>
                                       </p:cBhvr>
                                     </p:animEffect>
@@ -20475,7 +20627,7 @@
                                           </p:stCondLst>
                                         </p:cTn>
                                         <p:tgtEl>
-                                          <p:spTgt spid="94"/>
+                                          <p:spTgt spid="91"/>
                                         </p:tgtEl>
                                         <p:attrNameLst>
                                           <p:attrName>style.visibility</p:attrName>
@@ -20489,7 +20641,7 @@
                                       <p:cBhvr>
                                         <p:cTn id="189" dur="500"/>
                                         <p:tgtEl>
-                                          <p:spTgt spid="94"/>
+                                          <p:spTgt spid="91"/>
                                         </p:tgtEl>
                                       </p:cBhvr>
                                     </p:animEffect>
@@ -20497,7 +20649,7 @@
                                 </p:cTn>
                               </p:par>
                               <p:par>
-                                <p:cTn id="190" presetID="10" presetClass="entr" presetSubtype="0" fill="hold" grpId="0" nodeType="withEffect">
+                                <p:cTn id="190" presetID="10" presetClass="entr" presetSubtype="0" fill="hold" nodeType="withEffect">
                                   <p:stCondLst>
                                     <p:cond delay="0"/>
                                   </p:stCondLst>
@@ -20510,7 +20662,7 @@
                                           </p:stCondLst>
                                         </p:cTn>
                                         <p:tgtEl>
-                                          <p:spTgt spid="96"/>
+                                          <p:spTgt spid="92"/>
                                         </p:tgtEl>
                                         <p:attrNameLst>
                                           <p:attrName>style.visibility</p:attrName>
@@ -20524,7 +20676,7 @@
                                       <p:cBhvr>
                                         <p:cTn id="192" dur="500"/>
                                         <p:tgtEl>
-                                          <p:spTgt spid="96"/>
+                                          <p:spTgt spid="92"/>
                                         </p:tgtEl>
                                       </p:cBhvr>
                                     </p:animEffect>
@@ -20545,7 +20697,7 @@
                                           </p:stCondLst>
                                         </p:cTn>
                                         <p:tgtEl>
-                                          <p:spTgt spid="97"/>
+                                          <p:spTgt spid="93"/>
                                         </p:tgtEl>
                                         <p:attrNameLst>
                                           <p:attrName>style.visibility</p:attrName>
@@ -20559,7 +20711,7 @@
                                       <p:cBhvr>
                                         <p:cTn id="195" dur="500"/>
                                         <p:tgtEl>
-                                          <p:spTgt spid="97"/>
+                                          <p:spTgt spid="93"/>
                                         </p:tgtEl>
                                       </p:cBhvr>
                                     </p:animEffect>
@@ -20567,7 +20719,7 @@
                                 </p:cTn>
                               </p:par>
                               <p:par>
-                                <p:cTn id="196" presetID="10" presetClass="entr" presetSubtype="0" fill="hold" grpId="0" nodeType="withEffect">
+                                <p:cTn id="196" presetID="10" presetClass="entr" presetSubtype="0" fill="hold" nodeType="withEffect">
                                   <p:stCondLst>
                                     <p:cond delay="0"/>
                                   </p:stCondLst>
@@ -20580,7 +20732,7 @@
                                           </p:stCondLst>
                                         </p:cTn>
                                         <p:tgtEl>
-                                          <p:spTgt spid="98"/>
+                                          <p:spTgt spid="94"/>
                                         </p:tgtEl>
                                         <p:attrNameLst>
                                           <p:attrName>style.visibility</p:attrName>
@@ -20594,7 +20746,7 @@
                                       <p:cBhvr>
                                         <p:cTn id="198" dur="500"/>
                                         <p:tgtEl>
-                                          <p:spTgt spid="98"/>
+                                          <p:spTgt spid="94"/>
                                         </p:tgtEl>
                                       </p:cBhvr>
                                     </p:animEffect>
@@ -20615,7 +20767,7 @@
                                           </p:stCondLst>
                                         </p:cTn>
                                         <p:tgtEl>
-                                          <p:spTgt spid="114"/>
+                                          <p:spTgt spid="96"/>
                                         </p:tgtEl>
                                         <p:attrNameLst>
                                           <p:attrName>style.visibility</p:attrName>
@@ -20629,7 +20781,7 @@
                                       <p:cBhvr>
                                         <p:cTn id="201" dur="500"/>
                                         <p:tgtEl>
-                                          <p:spTgt spid="114"/>
+                                          <p:spTgt spid="96"/>
                                         </p:tgtEl>
                                       </p:cBhvr>
                                     </p:animEffect>
@@ -20650,7 +20802,7 @@
                                           </p:stCondLst>
                                         </p:cTn>
                                         <p:tgtEl>
-                                          <p:spTgt spid="116"/>
+                                          <p:spTgt spid="97"/>
                                         </p:tgtEl>
                                         <p:attrNameLst>
                                           <p:attrName>style.visibility</p:attrName>
@@ -20664,7 +20816,7 @@
                                       <p:cBhvr>
                                         <p:cTn id="204" dur="500"/>
                                         <p:tgtEl>
-                                          <p:spTgt spid="116"/>
+                                          <p:spTgt spid="97"/>
                                         </p:tgtEl>
                                       </p:cBhvr>
                                     </p:animEffect>
@@ -20672,7 +20824,7 @@
                                 </p:cTn>
                               </p:par>
                               <p:par>
-                                <p:cTn id="205" presetID="10" presetClass="entr" presetSubtype="0" fill="hold" nodeType="withEffect">
+                                <p:cTn id="205" presetID="10" presetClass="entr" presetSubtype="0" fill="hold" grpId="0" nodeType="withEffect">
                                   <p:stCondLst>
                                     <p:cond delay="0"/>
                                   </p:stCondLst>
@@ -20685,7 +20837,7 @@
                                           </p:stCondLst>
                                         </p:cTn>
                                         <p:tgtEl>
-                                          <p:spTgt spid="117"/>
+                                          <p:spTgt spid="98"/>
                                         </p:tgtEl>
                                         <p:attrNameLst>
                                           <p:attrName>style.visibility</p:attrName>
@@ -20699,7 +20851,7 @@
                                       <p:cBhvr>
                                         <p:cTn id="207" dur="500"/>
                                         <p:tgtEl>
-                                          <p:spTgt spid="117"/>
+                                          <p:spTgt spid="98"/>
                                         </p:tgtEl>
                                       </p:cBhvr>
                                     </p:animEffect>
@@ -20707,7 +20859,7 @@
                                 </p:cTn>
                               </p:par>
                               <p:par>
-                                <p:cTn id="208" presetID="10" presetClass="entr" presetSubtype="0" fill="hold" nodeType="withEffect">
+                                <p:cTn id="208" presetID="10" presetClass="entr" presetSubtype="0" fill="hold" grpId="0" nodeType="withEffect">
                                   <p:stCondLst>
                                     <p:cond delay="0"/>
                                   </p:stCondLst>
@@ -20720,7 +20872,7 @@
                                           </p:stCondLst>
                                         </p:cTn>
                                         <p:tgtEl>
-                                          <p:spTgt spid="118"/>
+                                          <p:spTgt spid="114"/>
                                         </p:tgtEl>
                                         <p:attrNameLst>
                                           <p:attrName>style.visibility</p:attrName>
@@ -20734,7 +20886,7 @@
                                       <p:cBhvr>
                                         <p:cTn id="210" dur="500"/>
                                         <p:tgtEl>
-                                          <p:spTgt spid="118"/>
+                                          <p:spTgt spid="114"/>
                                         </p:tgtEl>
                                       </p:cBhvr>
                                     </p:animEffect>
@@ -20742,7 +20894,7 @@
                                 </p:cTn>
                               </p:par>
                               <p:par>
-                                <p:cTn id="211" presetID="10" presetClass="entr" presetSubtype="0" fill="hold" nodeType="withEffect">
+                                <p:cTn id="211" presetID="10" presetClass="entr" presetSubtype="0" fill="hold" grpId="0" nodeType="withEffect">
                                   <p:stCondLst>
                                     <p:cond delay="0"/>
                                   </p:stCondLst>
@@ -20755,7 +20907,7 @@
                                           </p:stCondLst>
                                         </p:cTn>
                                         <p:tgtEl>
-                                          <p:spTgt spid="119"/>
+                                          <p:spTgt spid="105"/>
                                         </p:tgtEl>
                                         <p:attrNameLst>
                                           <p:attrName>style.visibility</p:attrName>
@@ -20769,7 +20921,7 @@
                                       <p:cBhvr>
                                         <p:cTn id="213" dur="500"/>
                                         <p:tgtEl>
-                                          <p:spTgt spid="119"/>
+                                          <p:spTgt spid="105"/>
                                         </p:tgtEl>
                                       </p:cBhvr>
                                     </p:animEffect>
@@ -20790,7 +20942,7 @@
                                           </p:stCondLst>
                                         </p:cTn>
                                         <p:tgtEl>
-                                          <p:spTgt spid="120"/>
+                                          <p:spTgt spid="116"/>
                                         </p:tgtEl>
                                         <p:attrNameLst>
                                           <p:attrName>style.visibility</p:attrName>
@@ -20804,7 +20956,7 @@
                                       <p:cBhvr>
                                         <p:cTn id="216" dur="500"/>
                                         <p:tgtEl>
-                                          <p:spTgt spid="120"/>
+                                          <p:spTgt spid="116"/>
                                         </p:tgtEl>
                                       </p:cBhvr>
                                     </p:animEffect>
@@ -20825,7 +20977,7 @@
                                           </p:stCondLst>
                                         </p:cTn>
                                         <p:tgtEl>
-                                          <p:spTgt spid="121"/>
+                                          <p:spTgt spid="117"/>
                                         </p:tgtEl>
                                         <p:attrNameLst>
                                           <p:attrName>style.visibility</p:attrName>
@@ -20839,7 +20991,7 @@
                                       <p:cBhvr>
                                         <p:cTn id="219" dur="500"/>
                                         <p:tgtEl>
-                                          <p:spTgt spid="121"/>
+                                          <p:spTgt spid="117"/>
                                         </p:tgtEl>
                                       </p:cBhvr>
                                     </p:animEffect>
@@ -20860,7 +21012,7 @@
                                           </p:stCondLst>
                                         </p:cTn>
                                         <p:tgtEl>
-                                          <p:spTgt spid="126"/>
+                                          <p:spTgt spid="118"/>
                                         </p:tgtEl>
                                         <p:attrNameLst>
                                           <p:attrName>style.visibility</p:attrName>
@@ -20874,7 +21026,7 @@
                                       <p:cBhvr>
                                         <p:cTn id="222" dur="500"/>
                                         <p:tgtEl>
-                                          <p:spTgt spid="126"/>
+                                          <p:spTgt spid="118"/>
                                         </p:tgtEl>
                                       </p:cBhvr>
                                     </p:animEffect>
@@ -20882,7 +21034,7 @@
                                 </p:cTn>
                               </p:par>
                               <p:par>
-                                <p:cTn id="223" presetID="10" presetClass="entr" presetSubtype="0" fill="hold" grpId="0" nodeType="withEffect">
+                                <p:cTn id="223" presetID="10" presetClass="entr" presetSubtype="0" fill="hold" nodeType="withEffect">
                                   <p:stCondLst>
                                     <p:cond delay="0"/>
                                   </p:stCondLst>
@@ -20895,7 +21047,7 @@
                                           </p:stCondLst>
                                         </p:cTn>
                                         <p:tgtEl>
-                                          <p:spTgt spid="127"/>
+                                          <p:spTgt spid="119"/>
                                         </p:tgtEl>
                                         <p:attrNameLst>
                                           <p:attrName>style.visibility</p:attrName>
@@ -20908,6 +21060,146 @@
                                     <p:animEffect transition="in" filter="fade">
                                       <p:cBhvr>
                                         <p:cTn id="225" dur="500"/>
+                                        <p:tgtEl>
+                                          <p:spTgt spid="119"/>
+                                        </p:tgtEl>
+                                      </p:cBhvr>
+                                    </p:animEffect>
+                                  </p:childTnLst>
+                                </p:cTn>
+                              </p:par>
+                              <p:par>
+                                <p:cTn id="226" presetID="10" presetClass="entr" presetSubtype="0" fill="hold" nodeType="withEffect">
+                                  <p:stCondLst>
+                                    <p:cond delay="0"/>
+                                  </p:stCondLst>
+                                  <p:childTnLst>
+                                    <p:set>
+                                      <p:cBhvr>
+                                        <p:cTn id="227" dur="1" fill="hold">
+                                          <p:stCondLst>
+                                            <p:cond delay="0"/>
+                                          </p:stCondLst>
+                                        </p:cTn>
+                                        <p:tgtEl>
+                                          <p:spTgt spid="120"/>
+                                        </p:tgtEl>
+                                        <p:attrNameLst>
+                                          <p:attrName>style.visibility</p:attrName>
+                                        </p:attrNameLst>
+                                      </p:cBhvr>
+                                      <p:to>
+                                        <p:strVal val="visible"/>
+                                      </p:to>
+                                    </p:set>
+                                    <p:animEffect transition="in" filter="fade">
+                                      <p:cBhvr>
+                                        <p:cTn id="228" dur="500"/>
+                                        <p:tgtEl>
+                                          <p:spTgt spid="120"/>
+                                        </p:tgtEl>
+                                      </p:cBhvr>
+                                    </p:animEffect>
+                                  </p:childTnLst>
+                                </p:cTn>
+                              </p:par>
+                              <p:par>
+                                <p:cTn id="229" presetID="10" presetClass="entr" presetSubtype="0" fill="hold" nodeType="withEffect">
+                                  <p:stCondLst>
+                                    <p:cond delay="0"/>
+                                  </p:stCondLst>
+                                  <p:childTnLst>
+                                    <p:set>
+                                      <p:cBhvr>
+                                        <p:cTn id="230" dur="1" fill="hold">
+                                          <p:stCondLst>
+                                            <p:cond delay="0"/>
+                                          </p:stCondLst>
+                                        </p:cTn>
+                                        <p:tgtEl>
+                                          <p:spTgt spid="121"/>
+                                        </p:tgtEl>
+                                        <p:attrNameLst>
+                                          <p:attrName>style.visibility</p:attrName>
+                                        </p:attrNameLst>
+                                      </p:cBhvr>
+                                      <p:to>
+                                        <p:strVal val="visible"/>
+                                      </p:to>
+                                    </p:set>
+                                    <p:animEffect transition="in" filter="fade">
+                                      <p:cBhvr>
+                                        <p:cTn id="231" dur="500"/>
+                                        <p:tgtEl>
+                                          <p:spTgt spid="121"/>
+                                        </p:tgtEl>
+                                      </p:cBhvr>
+                                    </p:animEffect>
+                                  </p:childTnLst>
+                                </p:cTn>
+                              </p:par>
+                              <p:par>
+                                <p:cTn id="232" presetID="10" presetClass="entr" presetSubtype="0" fill="hold" nodeType="withEffect">
+                                  <p:stCondLst>
+                                    <p:cond delay="0"/>
+                                  </p:stCondLst>
+                                  <p:childTnLst>
+                                    <p:set>
+                                      <p:cBhvr>
+                                        <p:cTn id="233" dur="1" fill="hold">
+                                          <p:stCondLst>
+                                            <p:cond delay="0"/>
+                                          </p:stCondLst>
+                                        </p:cTn>
+                                        <p:tgtEl>
+                                          <p:spTgt spid="126"/>
+                                        </p:tgtEl>
+                                        <p:attrNameLst>
+                                          <p:attrName>style.visibility</p:attrName>
+                                        </p:attrNameLst>
+                                      </p:cBhvr>
+                                      <p:to>
+                                        <p:strVal val="visible"/>
+                                      </p:to>
+                                    </p:set>
+                                    <p:animEffect transition="in" filter="fade">
+                                      <p:cBhvr>
+                                        <p:cTn id="234" dur="500"/>
+                                        <p:tgtEl>
+                                          <p:spTgt spid="126"/>
+                                        </p:tgtEl>
+                                      </p:cBhvr>
+                                    </p:animEffect>
+                                  </p:childTnLst>
+                                </p:cTn>
+                              </p:par>
+                              <p:par>
+                                <p:cTn id="235" presetID="10" presetClass="entr" presetSubtype="0" fill="hold" grpId="0" nodeType="withEffect">
+                                  <p:stCondLst>
+                                    <p:cond delay="0"/>
+                                  </p:stCondLst>
+                                  <p:childTnLst>
+                                    <p:set>
+                                      <p:cBhvr>
+                                        <p:cTn id="236" dur="1" fill="hold">
+                                          <p:stCondLst>
+                                            <p:cond delay="0"/>
+                                          </p:stCondLst>
+                                        </p:cTn>
+                                        <p:tgtEl>
+                                          <p:spTgt spid="127"/>
+                                        </p:tgtEl>
+                                        <p:attrNameLst>
+                                          <p:attrName>style.visibility</p:attrName>
+                                        </p:attrNameLst>
+                                      </p:cBhvr>
+                                      <p:to>
+                                        <p:strVal val="visible"/>
+                                      </p:to>
+                                    </p:set>
+                                    <p:animEffect transition="in" filter="fade">
+                                      <p:cBhvr>
+                                        <p:cTn id="237" dur="500"/>
                                         <p:tgtEl>
                                           <p:spTgt spid="127"/>
                                         </p:tgtEl>
@@ -20923,26 +21215,26 @@
                     </p:cTn>
                   </p:par>
                   <p:par>
-                    <p:cTn id="226" fill="hold">
+                    <p:cTn id="238" fill="hold">
                       <p:stCondLst>
                         <p:cond delay="indefinite"/>
                       </p:stCondLst>
                       <p:childTnLst>
                         <p:par>
-                          <p:cTn id="227" fill="hold">
+                          <p:cTn id="239" fill="hold">
                             <p:stCondLst>
                               <p:cond delay="0"/>
                             </p:stCondLst>
                             <p:childTnLst>
                               <p:par>
-                                <p:cTn id="228" presetID="10" presetClass="entr" presetSubtype="0" fill="hold" nodeType="clickEffect">
+                                <p:cTn id="240" presetID="10" presetClass="entr" presetSubtype="0" fill="hold" nodeType="clickEffect">
                                   <p:stCondLst>
                                     <p:cond delay="0"/>
                                   </p:stCondLst>
                                   <p:childTnLst>
                                     <p:set>
                                       <p:cBhvr>
-                                        <p:cTn id="229" dur="1" fill="hold">
+                                        <p:cTn id="241" dur="1" fill="hold">
                                           <p:stCondLst>
                                             <p:cond delay="0"/>
                                           </p:stCondLst>
@@ -20960,7 +21252,7 @@
                                     </p:set>
                                     <p:animEffect transition="in" filter="fade">
                                       <p:cBhvr>
-                                        <p:cTn id="230" dur="500"/>
+                                        <p:cTn id="242" dur="500"/>
                                         <p:tgtEl>
                                           <p:spTgt spid="129"/>
                                         </p:tgtEl>
@@ -20970,14 +21262,14 @@
                                 </p:cTn>
                               </p:par>
                               <p:par>
-                                <p:cTn id="231" presetID="10" presetClass="entr" presetSubtype="0" fill="hold" nodeType="withEffect">
+                                <p:cTn id="243" presetID="10" presetClass="entr" presetSubtype="0" fill="hold" nodeType="withEffect">
                                   <p:stCondLst>
                                     <p:cond delay="0"/>
                                   </p:stCondLst>
                                   <p:childTnLst>
                                     <p:set>
                                       <p:cBhvr>
-                                        <p:cTn id="232" dur="1" fill="hold">
+                                        <p:cTn id="244" dur="1" fill="hold">
                                           <p:stCondLst>
                                             <p:cond delay="0"/>
                                           </p:stCondLst>
@@ -20995,7 +21287,7 @@
                                     </p:set>
                                     <p:animEffect transition="in" filter="fade">
                                       <p:cBhvr>
-                                        <p:cTn id="233" dur="500"/>
+                                        <p:cTn id="245" dur="500"/>
                                         <p:tgtEl>
                                           <p:spTgt spid="136"/>
                                         </p:tgtEl>
@@ -21005,14 +21297,14 @@
                                 </p:cTn>
                               </p:par>
                               <p:par>
-                                <p:cTn id="234" presetID="10" presetClass="entr" presetSubtype="0" fill="hold" nodeType="withEffect">
+                                <p:cTn id="246" presetID="10" presetClass="entr" presetSubtype="0" fill="hold" nodeType="withEffect">
                                   <p:stCondLst>
                                     <p:cond delay="0"/>
                                   </p:stCondLst>
                                   <p:childTnLst>
                                     <p:set>
                                       <p:cBhvr>
-                                        <p:cTn id="235" dur="1" fill="hold">
+                                        <p:cTn id="247" dur="1" fill="hold">
                                           <p:stCondLst>
                                             <p:cond delay="0"/>
                                           </p:stCondLst>
@@ -21030,7 +21322,7 @@
                                     </p:set>
                                     <p:animEffect transition="in" filter="fade">
                                       <p:cBhvr>
-                                        <p:cTn id="236" dur="500"/>
+                                        <p:cTn id="248" dur="500"/>
                                         <p:tgtEl>
                                           <p:spTgt spid="137"/>
                                         </p:tgtEl>
@@ -21040,14 +21332,14 @@
                                 </p:cTn>
                               </p:par>
                               <p:par>
-                                <p:cTn id="237" presetID="10" presetClass="entr" presetSubtype="0" fill="hold" grpId="0" nodeType="withEffect">
+                                <p:cTn id="249" presetID="10" presetClass="entr" presetSubtype="0" fill="hold" grpId="0" nodeType="withEffect">
                                   <p:stCondLst>
                                     <p:cond delay="0"/>
                                   </p:stCondLst>
                                   <p:childTnLst>
                                     <p:set>
                                       <p:cBhvr>
-                                        <p:cTn id="238" dur="1" fill="hold">
+                                        <p:cTn id="250" dur="1" fill="hold">
                                           <p:stCondLst>
                                             <p:cond delay="0"/>
                                           </p:stCondLst>
@@ -21065,7 +21357,7 @@
                                     </p:set>
                                     <p:animEffect transition="in" filter="fade">
                                       <p:cBhvr>
-                                        <p:cTn id="239" dur="500"/>
+                                        <p:cTn id="251" dur="500"/>
                                         <p:tgtEl>
                                           <p:spTgt spid="151"/>
                                         </p:tgtEl>
@@ -21081,26 +21373,26 @@
                     </p:cTn>
                   </p:par>
                   <p:par>
-                    <p:cTn id="240" fill="hold">
+                    <p:cTn id="252" fill="hold">
                       <p:stCondLst>
                         <p:cond delay="indefinite"/>
                       </p:stCondLst>
                       <p:childTnLst>
                         <p:par>
-                          <p:cTn id="241" fill="hold">
+                          <p:cTn id="253" fill="hold">
                             <p:stCondLst>
                               <p:cond delay="0"/>
                             </p:stCondLst>
                             <p:childTnLst>
                               <p:par>
-                                <p:cTn id="242" presetID="10" presetClass="entr" presetSubtype="0" fill="hold" grpId="0" nodeType="clickEffect">
+                                <p:cTn id="254" presetID="10" presetClass="entr" presetSubtype="0" fill="hold" grpId="0" nodeType="clickEffect">
                                   <p:stCondLst>
                                     <p:cond delay="0"/>
                                   </p:stCondLst>
                                   <p:childTnLst>
                                     <p:set>
                                       <p:cBhvr>
-                                        <p:cTn id="243" dur="1" fill="hold">
+                                        <p:cTn id="255" dur="1" fill="hold">
                                           <p:stCondLst>
                                             <p:cond delay="0"/>
                                           </p:stCondLst>
@@ -21118,149 +21410,9 @@
                                     </p:set>
                                     <p:animEffect transition="in" filter="fade">
                                       <p:cBhvr>
-                                        <p:cTn id="244" dur="500"/>
+                                        <p:cTn id="256" dur="500"/>
                                         <p:tgtEl>
                                           <p:spTgt spid="142"/>
-                                        </p:tgtEl>
-                                      </p:cBhvr>
-                                    </p:animEffect>
-                                  </p:childTnLst>
-                                </p:cTn>
-                              </p:par>
-                              <p:par>
-                                <p:cTn id="245" presetID="10" presetClass="entr" presetSubtype="0" fill="hold" nodeType="withEffect">
-                                  <p:stCondLst>
-                                    <p:cond delay="0"/>
-                                  </p:stCondLst>
-                                  <p:childTnLst>
-                                    <p:set>
-                                      <p:cBhvr>
-                                        <p:cTn id="246" dur="1" fill="hold">
-                                          <p:stCondLst>
-                                            <p:cond delay="0"/>
-                                          </p:stCondLst>
-                                        </p:cTn>
-                                        <p:tgtEl>
-                                          <p:spTgt spid="130"/>
-                                        </p:tgtEl>
-                                        <p:attrNameLst>
-                                          <p:attrName>style.visibility</p:attrName>
-                                        </p:attrNameLst>
-                                      </p:cBhvr>
-                                      <p:to>
-                                        <p:strVal val="visible"/>
-                                      </p:to>
-                                    </p:set>
-                                    <p:animEffect transition="in" filter="fade">
-                                      <p:cBhvr>
-                                        <p:cTn id="247" dur="500"/>
-                                        <p:tgtEl>
-                                          <p:spTgt spid="130"/>
-                                        </p:tgtEl>
-                                      </p:cBhvr>
-                                    </p:animEffect>
-                                  </p:childTnLst>
-                                </p:cTn>
-                              </p:par>
-                              <p:par>
-                                <p:cTn id="248" presetID="10" presetClass="entr" presetSubtype="0" fill="hold" nodeType="withEffect">
-                                  <p:stCondLst>
-                                    <p:cond delay="0"/>
-                                  </p:stCondLst>
-                                  <p:childTnLst>
-                                    <p:set>
-                                      <p:cBhvr>
-                                        <p:cTn id="249" dur="1" fill="hold">
-                                          <p:stCondLst>
-                                            <p:cond delay="0"/>
-                                          </p:stCondLst>
-                                        </p:cTn>
-                                        <p:tgtEl>
-                                          <p:spTgt spid="132"/>
-                                        </p:tgtEl>
-                                        <p:attrNameLst>
-                                          <p:attrName>style.visibility</p:attrName>
-                                        </p:attrNameLst>
-                                      </p:cBhvr>
-                                      <p:to>
-                                        <p:strVal val="visible"/>
-                                      </p:to>
-                                    </p:set>
-                                    <p:animEffect transition="in" filter="fade">
-                                      <p:cBhvr>
-                                        <p:cTn id="250" dur="500"/>
-                                        <p:tgtEl>
-                                          <p:spTgt spid="132"/>
-                                        </p:tgtEl>
-                                      </p:cBhvr>
-                                    </p:animEffect>
-                                  </p:childTnLst>
-                                </p:cTn>
-                              </p:par>
-                              <p:par>
-                                <p:cTn id="251" presetID="10" presetClass="entr" presetSubtype="0" fill="hold" nodeType="withEffect">
-                                  <p:stCondLst>
-                                    <p:cond delay="0"/>
-                                  </p:stCondLst>
-                                  <p:childTnLst>
-                                    <p:set>
-                                      <p:cBhvr>
-                                        <p:cTn id="252" dur="1" fill="hold">
-                                          <p:stCondLst>
-                                            <p:cond delay="0"/>
-                                          </p:stCondLst>
-                                        </p:cTn>
-                                        <p:tgtEl>
-                                          <p:spTgt spid="133"/>
-                                        </p:tgtEl>
-                                        <p:attrNameLst>
-                                          <p:attrName>style.visibility</p:attrName>
-                                        </p:attrNameLst>
-                                      </p:cBhvr>
-                                      <p:to>
-                                        <p:strVal val="visible"/>
-                                      </p:to>
-                                    </p:set>
-                                    <p:animEffect transition="in" filter="fade">
-                                      <p:cBhvr>
-                                        <p:cTn id="253" dur="500"/>
-                                        <p:tgtEl>
-                                          <p:spTgt spid="133"/>
-                                        </p:tgtEl>
-                                      </p:cBhvr>
-                                    </p:animEffect>
-                                  </p:childTnLst>
-                                </p:cTn>
-                              </p:par>
-                              <p:par>
-                                <p:cTn id="254" presetID="10" presetClass="entr" presetSubtype="0" fill="hold" nodeType="withEffect">
-                                  <p:stCondLst>
-                                    <p:cond delay="0"/>
-                                  </p:stCondLst>
-                                  <p:childTnLst>
-                                    <p:set>
-                                      <p:cBhvr>
-                                        <p:cTn id="255" dur="1" fill="hold">
-                                          <p:stCondLst>
-                                            <p:cond delay="0"/>
-                                          </p:stCondLst>
-                                        </p:cTn>
-                                        <p:tgtEl>
-                                          <p:spTgt spid="134"/>
-                                        </p:tgtEl>
-                                        <p:attrNameLst>
-                                          <p:attrName>style.visibility</p:attrName>
-                                        </p:attrNameLst>
-                                      </p:cBhvr>
-                                      <p:to>
-                                        <p:strVal val="visible"/>
-                                      </p:to>
-                                    </p:set>
-                                    <p:animEffect transition="in" filter="fade">
-                                      <p:cBhvr>
-                                        <p:cTn id="256" dur="500"/>
-                                        <p:tgtEl>
-                                          <p:spTgt spid="134"/>
                                         </p:tgtEl>
                                       </p:cBhvr>
                                     </p:animEffect>
@@ -21281,7 +21433,7 @@
                                           </p:stCondLst>
                                         </p:cTn>
                                         <p:tgtEl>
-                                          <p:spTgt spid="135"/>
+                                          <p:spTgt spid="130"/>
                                         </p:tgtEl>
                                         <p:attrNameLst>
                                           <p:attrName>style.visibility</p:attrName>
@@ -21295,7 +21447,7 @@
                                       <p:cBhvr>
                                         <p:cTn id="259" dur="500"/>
                                         <p:tgtEl>
-                                          <p:spTgt spid="135"/>
+                                          <p:spTgt spid="130"/>
                                         </p:tgtEl>
                                       </p:cBhvr>
                                     </p:animEffect>
@@ -21303,7 +21455,7 @@
                                 </p:cTn>
                               </p:par>
                               <p:par>
-                                <p:cTn id="260" presetID="10" presetClass="entr" presetSubtype="0" fill="hold" grpId="0" nodeType="withEffect">
+                                <p:cTn id="260" presetID="10" presetClass="entr" presetSubtype="0" fill="hold" nodeType="withEffect">
                                   <p:stCondLst>
                                     <p:cond delay="0"/>
                                   </p:stCondLst>
@@ -21316,7 +21468,7 @@
                                           </p:stCondLst>
                                         </p:cTn>
                                         <p:tgtEl>
-                                          <p:spTgt spid="143"/>
+                                          <p:spTgt spid="132"/>
                                         </p:tgtEl>
                                         <p:attrNameLst>
                                           <p:attrName>style.visibility</p:attrName>
@@ -21330,7 +21482,7 @@
                                       <p:cBhvr>
                                         <p:cTn id="262" dur="500"/>
                                         <p:tgtEl>
-                                          <p:spTgt spid="143"/>
+                                          <p:spTgt spid="132"/>
                                         </p:tgtEl>
                                       </p:cBhvr>
                                     </p:animEffect>
@@ -21338,7 +21490,7 @@
                                 </p:cTn>
                               </p:par>
                               <p:par>
-                                <p:cTn id="263" presetID="10" presetClass="entr" presetSubtype="0" fill="hold" grpId="0" nodeType="withEffect">
+                                <p:cTn id="263" presetID="10" presetClass="entr" presetSubtype="0" fill="hold" nodeType="withEffect">
                                   <p:stCondLst>
                                     <p:cond delay="0"/>
                                   </p:stCondLst>
@@ -21351,7 +21503,7 @@
                                           </p:stCondLst>
                                         </p:cTn>
                                         <p:tgtEl>
-                                          <p:spTgt spid="112"/>
+                                          <p:spTgt spid="133"/>
                                         </p:tgtEl>
                                         <p:attrNameLst>
                                           <p:attrName>style.visibility</p:attrName>
@@ -21365,7 +21517,7 @@
                                       <p:cBhvr>
                                         <p:cTn id="265" dur="500"/>
                                         <p:tgtEl>
-                                          <p:spTgt spid="112"/>
+                                          <p:spTgt spid="133"/>
                                         </p:tgtEl>
                                       </p:cBhvr>
                                     </p:animEffect>
@@ -21386,7 +21538,7 @@
                                           </p:stCondLst>
                                         </p:cTn>
                                         <p:tgtEl>
-                                          <p:spTgt spid="124"/>
+                                          <p:spTgt spid="134"/>
                                         </p:tgtEl>
                                         <p:attrNameLst>
                                           <p:attrName>style.visibility</p:attrName>
@@ -21400,7 +21552,7 @@
                                       <p:cBhvr>
                                         <p:cTn id="268" dur="500"/>
                                         <p:tgtEl>
-                                          <p:spTgt spid="124"/>
+                                          <p:spTgt spid="134"/>
                                         </p:tgtEl>
                                       </p:cBhvr>
                                     </p:animEffect>
@@ -21408,7 +21560,7 @@
                                 </p:cTn>
                               </p:par>
                               <p:par>
-                                <p:cTn id="269" presetID="10" presetClass="entr" presetSubtype="0" fill="hold" grpId="0" nodeType="withEffect">
+                                <p:cTn id="269" presetID="10" presetClass="entr" presetSubtype="0" fill="hold" nodeType="withEffect">
                                   <p:stCondLst>
                                     <p:cond delay="0"/>
                                   </p:stCondLst>
@@ -21421,7 +21573,7 @@
                                           </p:stCondLst>
                                         </p:cTn>
                                         <p:tgtEl>
-                                          <p:spTgt spid="125"/>
+                                          <p:spTgt spid="135"/>
                                         </p:tgtEl>
                                         <p:attrNameLst>
                                           <p:attrName>style.visibility</p:attrName>
@@ -21434,6 +21586,146 @@
                                     <p:animEffect transition="in" filter="fade">
                                       <p:cBhvr>
                                         <p:cTn id="271" dur="500"/>
+                                        <p:tgtEl>
+                                          <p:spTgt spid="135"/>
+                                        </p:tgtEl>
+                                      </p:cBhvr>
+                                    </p:animEffect>
+                                  </p:childTnLst>
+                                </p:cTn>
+                              </p:par>
+                              <p:par>
+                                <p:cTn id="272" presetID="10" presetClass="entr" presetSubtype="0" fill="hold" grpId="0" nodeType="withEffect">
+                                  <p:stCondLst>
+                                    <p:cond delay="0"/>
+                                  </p:stCondLst>
+                                  <p:childTnLst>
+                                    <p:set>
+                                      <p:cBhvr>
+                                        <p:cTn id="273" dur="1" fill="hold">
+                                          <p:stCondLst>
+                                            <p:cond delay="0"/>
+                                          </p:stCondLst>
+                                        </p:cTn>
+                                        <p:tgtEl>
+                                          <p:spTgt spid="143"/>
+                                        </p:tgtEl>
+                                        <p:attrNameLst>
+                                          <p:attrName>style.visibility</p:attrName>
+                                        </p:attrNameLst>
+                                      </p:cBhvr>
+                                      <p:to>
+                                        <p:strVal val="visible"/>
+                                      </p:to>
+                                    </p:set>
+                                    <p:animEffect transition="in" filter="fade">
+                                      <p:cBhvr>
+                                        <p:cTn id="274" dur="500"/>
+                                        <p:tgtEl>
+                                          <p:spTgt spid="143"/>
+                                        </p:tgtEl>
+                                      </p:cBhvr>
+                                    </p:animEffect>
+                                  </p:childTnLst>
+                                </p:cTn>
+                              </p:par>
+                              <p:par>
+                                <p:cTn id="275" presetID="10" presetClass="entr" presetSubtype="0" fill="hold" grpId="0" nodeType="withEffect">
+                                  <p:stCondLst>
+                                    <p:cond delay="0"/>
+                                  </p:stCondLst>
+                                  <p:childTnLst>
+                                    <p:set>
+                                      <p:cBhvr>
+                                        <p:cTn id="276" dur="1" fill="hold">
+                                          <p:stCondLst>
+                                            <p:cond delay="0"/>
+                                          </p:stCondLst>
+                                        </p:cTn>
+                                        <p:tgtEl>
+                                          <p:spTgt spid="112"/>
+                                        </p:tgtEl>
+                                        <p:attrNameLst>
+                                          <p:attrName>style.visibility</p:attrName>
+                                        </p:attrNameLst>
+                                      </p:cBhvr>
+                                      <p:to>
+                                        <p:strVal val="visible"/>
+                                      </p:to>
+                                    </p:set>
+                                    <p:animEffect transition="in" filter="fade">
+                                      <p:cBhvr>
+                                        <p:cTn id="277" dur="500"/>
+                                        <p:tgtEl>
+                                          <p:spTgt spid="112"/>
+                                        </p:tgtEl>
+                                      </p:cBhvr>
+                                    </p:animEffect>
+                                  </p:childTnLst>
+                                </p:cTn>
+                              </p:par>
+                              <p:par>
+                                <p:cTn id="278" presetID="10" presetClass="entr" presetSubtype="0" fill="hold" nodeType="withEffect">
+                                  <p:stCondLst>
+                                    <p:cond delay="0"/>
+                                  </p:stCondLst>
+                                  <p:childTnLst>
+                                    <p:set>
+                                      <p:cBhvr>
+                                        <p:cTn id="279" dur="1" fill="hold">
+                                          <p:stCondLst>
+                                            <p:cond delay="0"/>
+                                          </p:stCondLst>
+                                        </p:cTn>
+                                        <p:tgtEl>
+                                          <p:spTgt spid="124"/>
+                                        </p:tgtEl>
+                                        <p:attrNameLst>
+                                          <p:attrName>style.visibility</p:attrName>
+                                        </p:attrNameLst>
+                                      </p:cBhvr>
+                                      <p:to>
+                                        <p:strVal val="visible"/>
+                                      </p:to>
+                                    </p:set>
+                                    <p:animEffect transition="in" filter="fade">
+                                      <p:cBhvr>
+                                        <p:cTn id="280" dur="500"/>
+                                        <p:tgtEl>
+                                          <p:spTgt spid="124"/>
+                                        </p:tgtEl>
+                                      </p:cBhvr>
+                                    </p:animEffect>
+                                  </p:childTnLst>
+                                </p:cTn>
+                              </p:par>
+                              <p:par>
+                                <p:cTn id="281" presetID="10" presetClass="entr" presetSubtype="0" fill="hold" grpId="0" nodeType="withEffect">
+                                  <p:stCondLst>
+                                    <p:cond delay="0"/>
+                                  </p:stCondLst>
+                                  <p:childTnLst>
+                                    <p:set>
+                                      <p:cBhvr>
+                                        <p:cTn id="282" dur="1" fill="hold">
+                                          <p:stCondLst>
+                                            <p:cond delay="0"/>
+                                          </p:stCondLst>
+                                        </p:cTn>
+                                        <p:tgtEl>
+                                          <p:spTgt spid="125"/>
+                                        </p:tgtEl>
+                                        <p:attrNameLst>
+                                          <p:attrName>style.visibility</p:attrName>
+                                        </p:attrNameLst>
+                                      </p:cBhvr>
+                                      <p:to>
+                                        <p:strVal val="visible"/>
+                                      </p:to>
+                                    </p:set>
+                                    <p:animEffect transition="in" filter="fade">
+                                      <p:cBhvr>
+                                        <p:cTn id="283" dur="500"/>
                                         <p:tgtEl>
                                           <p:spTgt spid="125"/>
                                         </p:tgtEl>
@@ -21490,12 +21782,1196 @@
       <p:bldP spid="138" grpId="0"/>
       <p:bldP spid="139" grpId="0" animBg="1"/>
       <p:bldP spid="144" grpId="0"/>
+      <p:bldP spid="95" grpId="0" animBg="1"/>
+      <p:bldP spid="104" grpId="0"/>
+      <p:bldP spid="105" grpId="0" animBg="1"/>
+      <p:bldP spid="99" grpId="0"/>
     </p:bldLst>
   </p:timing>
 </p:sld>
 </file>
 
 <file path=ppt/slides/slide4.xml><?xml version="1.0" encoding="utf-8"?>
+<p:sld xmlns:a="http://schemas.openxmlformats.org/drawingml/2006/main" xmlns:r="http://schemas.openxmlformats.org/officeDocument/2006/relationships" xmlns:p="http://schemas.openxmlformats.org/presentationml/2006/main">
+  <p:cSld>
+    <p:spTree>
+      <p:nvGrpSpPr>
+        <p:cNvPr id="1" name=""/>
+        <p:cNvGrpSpPr/>
+        <p:nvPr/>
+      </p:nvGrpSpPr>
+      <p:grpSpPr>
+        <a:xfrm>
+          <a:off x="0" y="0"/>
+          <a:ext cx="0" cy="0"/>
+          <a:chOff x="0" y="0"/>
+          <a:chExt cx="0" cy="0"/>
+        </a:xfrm>
+      </p:grpSpPr>
+      <p:sp>
+        <p:nvSpPr>
+          <p:cNvPr id="113" name="Obdélník 112">
+            <a:extLst>
+              <a:ext uri="{FF2B5EF4-FFF2-40B4-BE49-F238E27FC236}">
+                <a16:creationId xmlns:a16="http://schemas.microsoft.com/office/drawing/2014/main" id="{188CB572-2DC1-4DC7-9F0A-00DD9E407056}"/>
+              </a:ext>
+            </a:extLst>
+          </p:cNvPr>
+          <p:cNvSpPr/>
+          <p:nvPr/>
+        </p:nvSpPr>
+        <p:spPr>
+          <a:xfrm rot="5400000">
+            <a:off x="6711399" y="1676948"/>
+            <a:ext cx="1643488" cy="4278385"/>
+          </a:xfrm>
+          <a:prstGeom prst="rect">
+            <a:avLst/>
+          </a:prstGeom>
+          <a:solidFill>
+            <a:schemeClr val="bg1"/>
+          </a:solidFill>
+          <a:ln w="19050">
+            <a:solidFill>
+              <a:schemeClr val="bg1">
+                <a:lumMod val="65000"/>
+              </a:schemeClr>
+            </a:solidFill>
+            <a:prstDash val="dash"/>
+          </a:ln>
+        </p:spPr>
+        <p:style>
+          <a:lnRef idx="2">
+            <a:schemeClr val="accent1">
+              <a:shade val="50000"/>
+            </a:schemeClr>
+          </a:lnRef>
+          <a:fillRef idx="1">
+            <a:schemeClr val="accent1"/>
+          </a:fillRef>
+          <a:effectRef idx="0">
+            <a:schemeClr val="accent1"/>
+          </a:effectRef>
+          <a:fontRef idx="minor">
+            <a:schemeClr val="lt1"/>
+          </a:fontRef>
+        </p:style>
+        <p:txBody>
+          <a:bodyPr rtlCol="0" anchor="ctr"/>
+          <a:lstStyle/>
+          <a:p>
+            <a:pPr algn="ctr"/>
+            <a:endParaRPr lang="cs-CZ"/>
+          </a:p>
+        </p:txBody>
+      </p:sp>
+      <p:sp>
+        <p:nvSpPr>
+          <p:cNvPr id="102" name="Obdélník 101">
+            <a:extLst>
+              <a:ext uri="{FF2B5EF4-FFF2-40B4-BE49-F238E27FC236}">
+                <a16:creationId xmlns:a16="http://schemas.microsoft.com/office/drawing/2014/main" id="{E34ADFB6-977D-4F9F-836D-249B4261547E}"/>
+              </a:ext>
+            </a:extLst>
+          </p:cNvPr>
+          <p:cNvSpPr/>
+          <p:nvPr/>
+        </p:nvSpPr>
+        <p:spPr>
+          <a:xfrm>
+            <a:off x="5082807" y="2684004"/>
+            <a:ext cx="310393" cy="1963024"/>
+          </a:xfrm>
+          <a:prstGeom prst="rect">
+            <a:avLst/>
+          </a:prstGeom>
+          <a:solidFill>
+            <a:schemeClr val="accent2">
+              <a:lumMod val="40000"/>
+              <a:lumOff val="60000"/>
+            </a:schemeClr>
+          </a:solidFill>
+          <a:ln>
+            <a:noFill/>
+          </a:ln>
+        </p:spPr>
+        <p:style>
+          <a:lnRef idx="2">
+            <a:schemeClr val="accent1">
+              <a:shade val="50000"/>
+            </a:schemeClr>
+          </a:lnRef>
+          <a:fillRef idx="1">
+            <a:schemeClr val="accent1"/>
+          </a:fillRef>
+          <a:effectRef idx="0">
+            <a:schemeClr val="accent1"/>
+          </a:effectRef>
+          <a:fontRef idx="minor">
+            <a:schemeClr val="lt1"/>
+          </a:fontRef>
+        </p:style>
+        <p:txBody>
+          <a:bodyPr rtlCol="0" anchor="ctr"/>
+          <a:lstStyle/>
+          <a:p>
+            <a:pPr algn="ctr"/>
+            <a:endParaRPr lang="cs-CZ"/>
+          </a:p>
+        </p:txBody>
+      </p:sp>
+      <p:sp>
+        <p:nvSpPr>
+          <p:cNvPr id="100" name="Obdélník 99">
+            <a:extLst>
+              <a:ext uri="{FF2B5EF4-FFF2-40B4-BE49-F238E27FC236}">
+                <a16:creationId xmlns:a16="http://schemas.microsoft.com/office/drawing/2014/main" id="{79479BE0-C974-4F39-A3E7-90BA93B2251B}"/>
+              </a:ext>
+            </a:extLst>
+          </p:cNvPr>
+          <p:cNvSpPr/>
+          <p:nvPr/>
+        </p:nvSpPr>
+        <p:spPr>
+          <a:xfrm>
+            <a:off x="4772414" y="2373611"/>
+            <a:ext cx="310393" cy="2273416"/>
+          </a:xfrm>
+          <a:prstGeom prst="rect">
+            <a:avLst/>
+          </a:prstGeom>
+          <a:solidFill>
+            <a:schemeClr val="accent6">
+              <a:lumMod val="40000"/>
+              <a:lumOff val="60000"/>
+            </a:schemeClr>
+          </a:solidFill>
+          <a:ln>
+            <a:noFill/>
+          </a:ln>
+        </p:spPr>
+        <p:style>
+          <a:lnRef idx="2">
+            <a:schemeClr val="accent1">
+              <a:shade val="50000"/>
+            </a:schemeClr>
+          </a:lnRef>
+          <a:fillRef idx="1">
+            <a:schemeClr val="accent1"/>
+          </a:fillRef>
+          <a:effectRef idx="0">
+            <a:schemeClr val="accent1"/>
+          </a:effectRef>
+          <a:fontRef idx="minor">
+            <a:schemeClr val="lt1"/>
+          </a:fontRef>
+        </p:style>
+        <p:txBody>
+          <a:bodyPr rtlCol="0" anchor="ctr"/>
+          <a:lstStyle/>
+          <a:p>
+            <a:pPr algn="ctr"/>
+            <a:endParaRPr lang="cs-CZ"/>
+          </a:p>
+        </p:txBody>
+      </p:sp>
+      <p:sp>
+        <p:nvSpPr>
+          <p:cNvPr id="2" name="Obdélník 1">
+            <a:extLst>
+              <a:ext uri="{FF2B5EF4-FFF2-40B4-BE49-F238E27FC236}">
+                <a16:creationId xmlns:a16="http://schemas.microsoft.com/office/drawing/2014/main" id="{816D91B5-1D8F-4245-98CC-AABB09D8899D}"/>
+              </a:ext>
+            </a:extLst>
+          </p:cNvPr>
+          <p:cNvSpPr/>
+          <p:nvPr/>
+        </p:nvSpPr>
+        <p:spPr>
+          <a:xfrm>
+            <a:off x="4462021" y="2063217"/>
+            <a:ext cx="310393" cy="2583810"/>
+          </a:xfrm>
+          <a:prstGeom prst="rect">
+            <a:avLst/>
+          </a:prstGeom>
+          <a:solidFill>
+            <a:schemeClr val="accent5">
+              <a:lumMod val="40000"/>
+              <a:lumOff val="60000"/>
+            </a:schemeClr>
+          </a:solidFill>
+          <a:ln>
+            <a:noFill/>
+          </a:ln>
+        </p:spPr>
+        <p:style>
+          <a:lnRef idx="2">
+            <a:schemeClr val="accent1">
+              <a:shade val="50000"/>
+            </a:schemeClr>
+          </a:lnRef>
+          <a:fillRef idx="1">
+            <a:schemeClr val="accent1"/>
+          </a:fillRef>
+          <a:effectRef idx="0">
+            <a:schemeClr val="accent1"/>
+          </a:effectRef>
+          <a:fontRef idx="minor">
+            <a:schemeClr val="lt1"/>
+          </a:fontRef>
+        </p:style>
+        <p:txBody>
+          <a:bodyPr rtlCol="0" anchor="ctr"/>
+          <a:lstStyle/>
+          <a:p>
+            <a:pPr algn="ctr"/>
+            <a:endParaRPr lang="cs-CZ"/>
+          </a:p>
+        </p:txBody>
+      </p:sp>
+      <p:sp>
+        <p:nvSpPr>
+          <p:cNvPr id="24" name="TextovéPole 23">
+            <a:extLst>
+              <a:ext uri="{FF2B5EF4-FFF2-40B4-BE49-F238E27FC236}">
+                <a16:creationId xmlns:a16="http://schemas.microsoft.com/office/drawing/2014/main" id="{89616DCE-FBA3-420B-891F-58A58309462C}"/>
+              </a:ext>
+            </a:extLst>
+          </p:cNvPr>
+          <p:cNvSpPr txBox="1"/>
+          <p:nvPr/>
+        </p:nvSpPr>
+        <p:spPr>
+          <a:xfrm>
+            <a:off x="1379835" y="3237281"/>
+            <a:ext cx="4378453" cy="584775"/>
+          </a:xfrm>
+          <a:prstGeom prst="rect">
+            <a:avLst/>
+          </a:prstGeom>
+          <a:noFill/>
+        </p:spPr>
+        <p:txBody>
+          <a:bodyPr wrap="square" rtlCol="0">
+            <a:spAutoFit/>
+          </a:bodyPr>
+          <a:lstStyle/>
+          <a:p>
+            <a:pPr algn="ctr"/>
+            <a:r>
+              <a:rPr lang="cs-CZ" sz="3200" b="1" dirty="0">
+                <a:latin typeface="Segoe UI" panose="020B0502040204020203" pitchFamily="34" charset="0"/>
+                <a:cs typeface="Segoe UI" panose="020B0502040204020203" pitchFamily="34" charset="0"/>
+              </a:rPr>
+              <a:t>ASP.NET </a:t>
+            </a:r>
+            <a:r>
+              <a:rPr lang="cs-CZ" sz="3200" b="1" dirty="0" err="1">
+                <a:latin typeface="Segoe UI" panose="020B0502040204020203" pitchFamily="34" charset="0"/>
+                <a:cs typeface="Segoe UI" panose="020B0502040204020203" pitchFamily="34" charset="0"/>
+              </a:rPr>
+              <a:t>Core</a:t>
+            </a:r>
+            <a:r>
+              <a:rPr lang="cs-CZ" sz="3200" b="1" dirty="0">
+                <a:latin typeface="Segoe UI" panose="020B0502040204020203" pitchFamily="34" charset="0"/>
+                <a:cs typeface="Segoe UI" panose="020B0502040204020203" pitchFamily="34" charset="0"/>
+              </a:rPr>
+              <a:t> 2.1.4</a:t>
+            </a:r>
+          </a:p>
+        </p:txBody>
+      </p:sp>
+      <p:sp>
+        <p:nvSpPr>
+          <p:cNvPr id="7" name="Obdélník 6">
+            <a:extLst>
+              <a:ext uri="{FF2B5EF4-FFF2-40B4-BE49-F238E27FC236}">
+                <a16:creationId xmlns:a16="http://schemas.microsoft.com/office/drawing/2014/main" id="{C0C872D5-016F-4F27-835A-A3966842350B}"/>
+              </a:ext>
+            </a:extLst>
+          </p:cNvPr>
+          <p:cNvSpPr/>
+          <p:nvPr/>
+        </p:nvSpPr>
+        <p:spPr>
+          <a:xfrm>
+            <a:off x="4707318" y="256494"/>
+            <a:ext cx="2777363" cy="461665"/>
+          </a:xfrm>
+          <a:prstGeom prst="rect">
+            <a:avLst/>
+          </a:prstGeom>
+        </p:spPr>
+        <p:txBody>
+          <a:bodyPr wrap="none">
+            <a:spAutoFit/>
+          </a:bodyPr>
+          <a:lstStyle/>
+          <a:p>
+            <a:r>
+              <a:rPr lang="cs-CZ" sz="2400" b="1" dirty="0" err="1">
+                <a:latin typeface="Segoe UI Light" panose="020B0502040204020203" pitchFamily="34" charset="0"/>
+                <a:cs typeface="Segoe UI Light" panose="020B0502040204020203" pitchFamily="34" charset="0"/>
+              </a:rPr>
+              <a:t>Semantic</a:t>
+            </a:r>
+            <a:r>
+              <a:rPr lang="cs-CZ" sz="2400" b="1" dirty="0">
+                <a:latin typeface="Segoe UI Light" panose="020B0502040204020203" pitchFamily="34" charset="0"/>
+                <a:cs typeface="Segoe UI Light" panose="020B0502040204020203" pitchFamily="34" charset="0"/>
+              </a:rPr>
+              <a:t> </a:t>
+            </a:r>
+            <a:r>
+              <a:rPr lang="cs-CZ" sz="2400" b="1" dirty="0" err="1">
+                <a:latin typeface="Segoe UI Light" panose="020B0502040204020203" pitchFamily="34" charset="0"/>
+                <a:cs typeface="Segoe UI Light" panose="020B0502040204020203" pitchFamily="34" charset="0"/>
+              </a:rPr>
+              <a:t>Versioning</a:t>
+            </a:r>
+            <a:endParaRPr lang="cs-CZ" sz="2400" b="1" dirty="0"/>
+          </a:p>
+        </p:txBody>
+      </p:sp>
+      <p:sp>
+        <p:nvSpPr>
+          <p:cNvPr id="99" name="Obdélník 98">
+            <a:extLst>
+              <a:ext uri="{FF2B5EF4-FFF2-40B4-BE49-F238E27FC236}">
+                <a16:creationId xmlns:a16="http://schemas.microsoft.com/office/drawing/2014/main" id="{156B0D5A-F9CA-47F4-B0A4-57E09701C8E6}"/>
+              </a:ext>
+            </a:extLst>
+          </p:cNvPr>
+          <p:cNvSpPr/>
+          <p:nvPr/>
+        </p:nvSpPr>
+        <p:spPr>
+          <a:xfrm rot="5400000">
+            <a:off x="6282430" y="242806"/>
+            <a:ext cx="310393" cy="3951216"/>
+          </a:xfrm>
+          <a:prstGeom prst="rect">
+            <a:avLst/>
+          </a:prstGeom>
+          <a:solidFill>
+            <a:schemeClr val="accent5">
+              <a:lumMod val="40000"/>
+              <a:lumOff val="60000"/>
+            </a:schemeClr>
+          </a:solidFill>
+          <a:ln>
+            <a:noFill/>
+          </a:ln>
+        </p:spPr>
+        <p:style>
+          <a:lnRef idx="2">
+            <a:schemeClr val="accent1">
+              <a:shade val="50000"/>
+            </a:schemeClr>
+          </a:lnRef>
+          <a:fillRef idx="1">
+            <a:schemeClr val="accent1"/>
+          </a:fillRef>
+          <a:effectRef idx="0">
+            <a:schemeClr val="accent1"/>
+          </a:effectRef>
+          <a:fontRef idx="minor">
+            <a:schemeClr val="lt1"/>
+          </a:fontRef>
+        </p:style>
+        <p:txBody>
+          <a:bodyPr rtlCol="0" anchor="ctr"/>
+          <a:lstStyle/>
+          <a:p>
+            <a:pPr algn="ctr"/>
+            <a:endParaRPr lang="cs-CZ" dirty="0"/>
+          </a:p>
+        </p:txBody>
+      </p:sp>
+      <p:sp>
+        <p:nvSpPr>
+          <p:cNvPr id="101" name="Obdélník 100">
+            <a:extLst>
+              <a:ext uri="{FF2B5EF4-FFF2-40B4-BE49-F238E27FC236}">
+                <a16:creationId xmlns:a16="http://schemas.microsoft.com/office/drawing/2014/main" id="{2A1ADF3F-841A-41A3-B603-E6355F07B51D}"/>
+              </a:ext>
+            </a:extLst>
+          </p:cNvPr>
+          <p:cNvSpPr/>
+          <p:nvPr/>
+        </p:nvSpPr>
+        <p:spPr>
+          <a:xfrm rot="5400000">
+            <a:off x="6592823" y="863593"/>
+            <a:ext cx="310393" cy="3330429"/>
+          </a:xfrm>
+          <a:prstGeom prst="rect">
+            <a:avLst/>
+          </a:prstGeom>
+          <a:solidFill>
+            <a:schemeClr val="accent6">
+              <a:lumMod val="40000"/>
+              <a:lumOff val="60000"/>
+            </a:schemeClr>
+          </a:solidFill>
+          <a:ln>
+            <a:noFill/>
+          </a:ln>
+        </p:spPr>
+        <p:style>
+          <a:lnRef idx="2">
+            <a:schemeClr val="accent1">
+              <a:shade val="50000"/>
+            </a:schemeClr>
+          </a:lnRef>
+          <a:fillRef idx="1">
+            <a:schemeClr val="accent1"/>
+          </a:fillRef>
+          <a:effectRef idx="0">
+            <a:schemeClr val="accent1"/>
+          </a:effectRef>
+          <a:fontRef idx="minor">
+            <a:schemeClr val="lt1"/>
+          </a:fontRef>
+        </p:style>
+        <p:txBody>
+          <a:bodyPr rtlCol="0" anchor="ctr"/>
+          <a:lstStyle/>
+          <a:p>
+            <a:pPr algn="ctr"/>
+            <a:endParaRPr lang="cs-CZ"/>
+          </a:p>
+        </p:txBody>
+      </p:sp>
+      <p:sp>
+        <p:nvSpPr>
+          <p:cNvPr id="103" name="Obdélník 102">
+            <a:extLst>
+              <a:ext uri="{FF2B5EF4-FFF2-40B4-BE49-F238E27FC236}">
+                <a16:creationId xmlns:a16="http://schemas.microsoft.com/office/drawing/2014/main" id="{2A899E90-77F3-4B2B-B1A7-C7678A8AB6A3}"/>
+              </a:ext>
+            </a:extLst>
+          </p:cNvPr>
+          <p:cNvSpPr/>
+          <p:nvPr/>
+        </p:nvSpPr>
+        <p:spPr>
+          <a:xfrm rot="5400000">
+            <a:off x="6748019" y="1329183"/>
+            <a:ext cx="310393" cy="3020034"/>
+          </a:xfrm>
+          <a:prstGeom prst="rect">
+            <a:avLst/>
+          </a:prstGeom>
+          <a:solidFill>
+            <a:schemeClr val="accent2">
+              <a:lumMod val="40000"/>
+              <a:lumOff val="60000"/>
+            </a:schemeClr>
+          </a:solidFill>
+          <a:ln>
+            <a:noFill/>
+          </a:ln>
+        </p:spPr>
+        <p:style>
+          <a:lnRef idx="2">
+            <a:schemeClr val="accent1">
+              <a:shade val="50000"/>
+            </a:schemeClr>
+          </a:lnRef>
+          <a:fillRef idx="1">
+            <a:schemeClr val="accent1"/>
+          </a:fillRef>
+          <a:effectRef idx="0">
+            <a:schemeClr val="accent1"/>
+          </a:effectRef>
+          <a:fontRef idx="minor">
+            <a:schemeClr val="lt1"/>
+          </a:fontRef>
+        </p:style>
+        <p:txBody>
+          <a:bodyPr rtlCol="0" anchor="ctr"/>
+          <a:lstStyle/>
+          <a:p>
+            <a:pPr algn="ctr"/>
+            <a:endParaRPr lang="cs-CZ"/>
+          </a:p>
+        </p:txBody>
+      </p:sp>
+      <p:sp>
+        <p:nvSpPr>
+          <p:cNvPr id="106" name="TextovéPole 105">
+            <a:extLst>
+              <a:ext uri="{FF2B5EF4-FFF2-40B4-BE49-F238E27FC236}">
+                <a16:creationId xmlns:a16="http://schemas.microsoft.com/office/drawing/2014/main" id="{F1A90DBC-9DD7-4493-8FC5-A9895CFD38D7}"/>
+              </a:ext>
+            </a:extLst>
+          </p:cNvPr>
+          <p:cNvSpPr txBox="1"/>
+          <p:nvPr/>
+        </p:nvSpPr>
+        <p:spPr>
+          <a:xfrm>
+            <a:off x="4486157" y="2088383"/>
+            <a:ext cx="733919" cy="276999"/>
+          </a:xfrm>
+          <a:prstGeom prst="rect">
+            <a:avLst/>
+          </a:prstGeom>
+          <a:noFill/>
+        </p:spPr>
+        <p:txBody>
+          <a:bodyPr wrap="square" rtlCol="0">
+            <a:spAutoFit/>
+          </a:bodyPr>
+          <a:lstStyle/>
+          <a:p>
+            <a:r>
+              <a:rPr lang="cs-CZ" sz="1200" b="1" dirty="0">
+                <a:latin typeface="Segoe UI" panose="020B0502040204020203" pitchFamily="34" charset="0"/>
+                <a:cs typeface="Segoe UI" panose="020B0502040204020203" pitchFamily="34" charset="0"/>
+              </a:rPr>
+              <a:t>MAJOR</a:t>
+            </a:r>
+          </a:p>
+        </p:txBody>
+      </p:sp>
+      <p:sp>
+        <p:nvSpPr>
+          <p:cNvPr id="107" name="TextovéPole 106">
+            <a:extLst>
+              <a:ext uri="{FF2B5EF4-FFF2-40B4-BE49-F238E27FC236}">
+                <a16:creationId xmlns:a16="http://schemas.microsoft.com/office/drawing/2014/main" id="{0D168FB8-2F90-4ECB-9C61-07850D1359A6}"/>
+              </a:ext>
+            </a:extLst>
+          </p:cNvPr>
+          <p:cNvSpPr txBox="1"/>
+          <p:nvPr/>
+        </p:nvSpPr>
+        <p:spPr>
+          <a:xfrm>
+            <a:off x="4774750" y="2381838"/>
+            <a:ext cx="720069" cy="276999"/>
+          </a:xfrm>
+          <a:prstGeom prst="rect">
+            <a:avLst/>
+          </a:prstGeom>
+          <a:noFill/>
+        </p:spPr>
+        <p:txBody>
+          <a:bodyPr wrap="square" rtlCol="0">
+            <a:spAutoFit/>
+          </a:bodyPr>
+          <a:lstStyle/>
+          <a:p>
+            <a:r>
+              <a:rPr lang="cs-CZ" sz="1200" b="1" dirty="0">
+                <a:latin typeface="Segoe UI" panose="020B0502040204020203" pitchFamily="34" charset="0"/>
+                <a:cs typeface="Segoe UI" panose="020B0502040204020203" pitchFamily="34" charset="0"/>
+              </a:rPr>
+              <a:t>MINOR</a:t>
+            </a:r>
+          </a:p>
+        </p:txBody>
+      </p:sp>
+      <p:sp>
+        <p:nvSpPr>
+          <p:cNvPr id="108" name="TextovéPole 107">
+            <a:extLst>
+              <a:ext uri="{FF2B5EF4-FFF2-40B4-BE49-F238E27FC236}">
+                <a16:creationId xmlns:a16="http://schemas.microsoft.com/office/drawing/2014/main" id="{9F6B7A25-210D-44FD-888E-B4C5F057EAB5}"/>
+              </a:ext>
+            </a:extLst>
+          </p:cNvPr>
+          <p:cNvSpPr txBox="1"/>
+          <p:nvPr/>
+        </p:nvSpPr>
+        <p:spPr>
+          <a:xfrm>
+            <a:off x="5101658" y="2692232"/>
+            <a:ext cx="835870" cy="276999"/>
+          </a:xfrm>
+          <a:prstGeom prst="rect">
+            <a:avLst/>
+          </a:prstGeom>
+          <a:noFill/>
+        </p:spPr>
+        <p:txBody>
+          <a:bodyPr wrap="square" rtlCol="0">
+            <a:spAutoFit/>
+          </a:bodyPr>
+          <a:lstStyle/>
+          <a:p>
+            <a:r>
+              <a:rPr lang="cs-CZ" sz="1200" b="1" dirty="0">
+                <a:latin typeface="Segoe UI" panose="020B0502040204020203" pitchFamily="34" charset="0"/>
+                <a:cs typeface="Segoe UI" panose="020B0502040204020203" pitchFamily="34" charset="0"/>
+              </a:rPr>
+              <a:t>PATCHES</a:t>
+            </a:r>
+          </a:p>
+        </p:txBody>
+      </p:sp>
+      <p:sp>
+        <p:nvSpPr>
+          <p:cNvPr id="109" name="TextovéPole 108">
+            <a:extLst>
+              <a:ext uri="{FF2B5EF4-FFF2-40B4-BE49-F238E27FC236}">
+                <a16:creationId xmlns:a16="http://schemas.microsoft.com/office/drawing/2014/main" id="{C4CE85D4-9CB8-4C05-B6F7-089E7BC3F1C7}"/>
+              </a:ext>
+            </a:extLst>
+          </p:cNvPr>
+          <p:cNvSpPr txBox="1"/>
+          <p:nvPr/>
+        </p:nvSpPr>
+        <p:spPr>
+          <a:xfrm>
+            <a:off x="5973357" y="2066408"/>
+            <a:ext cx="3488503" cy="276999"/>
+          </a:xfrm>
+          <a:prstGeom prst="rect">
+            <a:avLst/>
+          </a:prstGeom>
+          <a:noFill/>
+        </p:spPr>
+        <p:txBody>
+          <a:bodyPr wrap="square" rtlCol="0">
+            <a:spAutoFit/>
+          </a:bodyPr>
+          <a:lstStyle/>
+          <a:p>
+            <a:r>
+              <a:rPr lang="cs-CZ" sz="1200" dirty="0" err="1">
+                <a:latin typeface="Segoe UI" panose="020B0502040204020203" pitchFamily="34" charset="0"/>
+                <a:cs typeface="Segoe UI" panose="020B0502040204020203" pitchFamily="34" charset="0"/>
+              </a:rPr>
+              <a:t>possible</a:t>
+            </a:r>
+            <a:r>
+              <a:rPr lang="cs-CZ" sz="1200" dirty="0">
+                <a:latin typeface="Segoe UI" panose="020B0502040204020203" pitchFamily="34" charset="0"/>
+                <a:cs typeface="Segoe UI" panose="020B0502040204020203" pitchFamily="34" charset="0"/>
+              </a:rPr>
+              <a:t> </a:t>
+            </a:r>
+            <a:r>
+              <a:rPr lang="cs-CZ" sz="1200" dirty="0" err="1">
+                <a:latin typeface="Segoe UI" panose="020B0502040204020203" pitchFamily="34" charset="0"/>
+                <a:cs typeface="Segoe UI" panose="020B0502040204020203" pitchFamily="34" charset="0"/>
+              </a:rPr>
+              <a:t>breaking</a:t>
+            </a:r>
+            <a:r>
+              <a:rPr lang="cs-CZ" sz="1200" dirty="0">
+                <a:latin typeface="Segoe UI" panose="020B0502040204020203" pitchFamily="34" charset="0"/>
+                <a:cs typeface="Segoe UI" panose="020B0502040204020203" pitchFamily="34" charset="0"/>
+              </a:rPr>
+              <a:t> </a:t>
+            </a:r>
+            <a:r>
+              <a:rPr lang="cs-CZ" sz="1200" dirty="0" err="1">
+                <a:latin typeface="Segoe UI" panose="020B0502040204020203" pitchFamily="34" charset="0"/>
+                <a:cs typeface="Segoe UI" panose="020B0502040204020203" pitchFamily="34" charset="0"/>
+              </a:rPr>
+              <a:t>changes</a:t>
+            </a:r>
+            <a:endParaRPr lang="cs-CZ" sz="1200" dirty="0">
+              <a:latin typeface="Segoe UI" panose="020B0502040204020203" pitchFamily="34" charset="0"/>
+              <a:cs typeface="Segoe UI" panose="020B0502040204020203" pitchFamily="34" charset="0"/>
+            </a:endParaRPr>
+          </a:p>
+        </p:txBody>
+      </p:sp>
+      <p:sp>
+        <p:nvSpPr>
+          <p:cNvPr id="110" name="TextovéPole 109">
+            <a:extLst>
+              <a:ext uri="{FF2B5EF4-FFF2-40B4-BE49-F238E27FC236}">
+                <a16:creationId xmlns:a16="http://schemas.microsoft.com/office/drawing/2014/main" id="{EC457AA8-B9D8-4DCD-8D60-B58E4ED8326D}"/>
+              </a:ext>
+            </a:extLst>
+          </p:cNvPr>
+          <p:cNvSpPr txBox="1"/>
+          <p:nvPr/>
+        </p:nvSpPr>
+        <p:spPr>
+          <a:xfrm>
+            <a:off x="5973357" y="2359863"/>
+            <a:ext cx="2959996" cy="276999"/>
+          </a:xfrm>
+          <a:prstGeom prst="rect">
+            <a:avLst/>
+          </a:prstGeom>
+          <a:noFill/>
+        </p:spPr>
+        <p:txBody>
+          <a:bodyPr wrap="square" rtlCol="0">
+            <a:spAutoFit/>
+          </a:bodyPr>
+          <a:lstStyle/>
+          <a:p>
+            <a:r>
+              <a:rPr lang="cs-CZ" sz="1200" dirty="0" err="1">
+                <a:latin typeface="Segoe UI" panose="020B0502040204020203" pitchFamily="34" charset="0"/>
+                <a:cs typeface="Segoe UI" panose="020B0502040204020203" pitchFamily="34" charset="0"/>
+              </a:rPr>
+              <a:t>new</a:t>
+            </a:r>
+            <a:r>
+              <a:rPr lang="cs-CZ" sz="1200" dirty="0">
+                <a:latin typeface="Segoe UI" panose="020B0502040204020203" pitchFamily="34" charset="0"/>
+                <a:cs typeface="Segoe UI" panose="020B0502040204020203" pitchFamily="34" charset="0"/>
+              </a:rPr>
+              <a:t> features in API set</a:t>
+            </a:r>
+          </a:p>
+        </p:txBody>
+      </p:sp>
+      <p:sp>
+        <p:nvSpPr>
+          <p:cNvPr id="111" name="TextovéPole 110">
+            <a:extLst>
+              <a:ext uri="{FF2B5EF4-FFF2-40B4-BE49-F238E27FC236}">
+                <a16:creationId xmlns:a16="http://schemas.microsoft.com/office/drawing/2014/main" id="{F0711A45-0B9F-4B6A-B7D9-97ECDDE8C69B}"/>
+              </a:ext>
+            </a:extLst>
+          </p:cNvPr>
+          <p:cNvSpPr txBox="1"/>
+          <p:nvPr/>
+        </p:nvSpPr>
+        <p:spPr>
+          <a:xfrm>
+            <a:off x="5971120" y="2670257"/>
+            <a:ext cx="2869954" cy="276999"/>
+          </a:xfrm>
+          <a:prstGeom prst="rect">
+            <a:avLst/>
+          </a:prstGeom>
+          <a:noFill/>
+        </p:spPr>
+        <p:txBody>
+          <a:bodyPr wrap="square" rtlCol="0">
+            <a:spAutoFit/>
+          </a:bodyPr>
+          <a:lstStyle/>
+          <a:p>
+            <a:r>
+              <a:rPr lang="cs-CZ" sz="1200" dirty="0" err="1">
+                <a:latin typeface="Segoe UI" panose="020B0502040204020203" pitchFamily="34" charset="0"/>
+                <a:cs typeface="Segoe UI" panose="020B0502040204020203" pitchFamily="34" charset="0"/>
+              </a:rPr>
+              <a:t>only</a:t>
+            </a:r>
+            <a:r>
+              <a:rPr lang="cs-CZ" sz="1200" dirty="0">
+                <a:latin typeface="Segoe UI" panose="020B0502040204020203" pitchFamily="34" charset="0"/>
+                <a:cs typeface="Segoe UI" panose="020B0502040204020203" pitchFamily="34" charset="0"/>
+              </a:rPr>
+              <a:t> </a:t>
+            </a:r>
+            <a:r>
+              <a:rPr lang="cs-CZ" sz="1200" dirty="0" err="1">
+                <a:latin typeface="Segoe UI" panose="020B0502040204020203" pitchFamily="34" charset="0"/>
+                <a:cs typeface="Segoe UI" panose="020B0502040204020203" pitchFamily="34" charset="0"/>
+              </a:rPr>
+              <a:t>patches</a:t>
+            </a:r>
+            <a:r>
+              <a:rPr lang="cs-CZ" sz="1200" dirty="0">
+                <a:latin typeface="Segoe UI" panose="020B0502040204020203" pitchFamily="34" charset="0"/>
+                <a:cs typeface="Segoe UI" panose="020B0502040204020203" pitchFamily="34" charset="0"/>
+              </a:rPr>
+              <a:t> and bug </a:t>
+            </a:r>
+            <a:r>
+              <a:rPr lang="cs-CZ" sz="1200" dirty="0" err="1">
+                <a:latin typeface="Segoe UI" panose="020B0502040204020203" pitchFamily="34" charset="0"/>
+                <a:cs typeface="Segoe UI" panose="020B0502040204020203" pitchFamily="34" charset="0"/>
+              </a:rPr>
+              <a:t>fixes</a:t>
+            </a:r>
+            <a:endParaRPr lang="cs-CZ" sz="1200" dirty="0">
+              <a:latin typeface="Segoe UI" panose="020B0502040204020203" pitchFamily="34" charset="0"/>
+              <a:cs typeface="Segoe UI" panose="020B0502040204020203" pitchFamily="34" charset="0"/>
+            </a:endParaRPr>
+          </a:p>
+        </p:txBody>
+      </p:sp>
+      <p:sp>
+        <p:nvSpPr>
+          <p:cNvPr id="115" name="TextovéPole 114">
+            <a:extLst>
+              <a:ext uri="{FF2B5EF4-FFF2-40B4-BE49-F238E27FC236}">
+                <a16:creationId xmlns:a16="http://schemas.microsoft.com/office/drawing/2014/main" id="{7A60D5F6-E06F-458E-A1AD-FDB225627625}"/>
+              </a:ext>
+            </a:extLst>
+          </p:cNvPr>
+          <p:cNvSpPr txBox="1"/>
+          <p:nvPr/>
+        </p:nvSpPr>
+        <p:spPr>
+          <a:xfrm>
+            <a:off x="5642744" y="3990982"/>
+            <a:ext cx="4272121" cy="538609"/>
+          </a:xfrm>
+          <a:prstGeom prst="rect">
+            <a:avLst/>
+          </a:prstGeom>
+          <a:noFill/>
+        </p:spPr>
+        <p:txBody>
+          <a:bodyPr wrap="square" rtlCol="0">
+            <a:spAutoFit/>
+          </a:bodyPr>
+          <a:lstStyle/>
+          <a:p>
+            <a:r>
+              <a:rPr lang="cs-CZ" sz="1200" b="1" dirty="0">
+                <a:latin typeface="Segoe UI" panose="020B0502040204020203" pitchFamily="34" charset="0"/>
+                <a:cs typeface="Segoe UI" panose="020B0502040204020203" pitchFamily="34" charset="0"/>
+              </a:rPr>
+              <a:t>PREVIEW BRANCH</a:t>
+            </a:r>
+          </a:p>
+          <a:p>
+            <a:endParaRPr lang="cs-CZ" sz="500" b="1" dirty="0">
+              <a:solidFill>
+                <a:srgbClr val="FF0000"/>
+              </a:solidFill>
+              <a:latin typeface="Segoe UI" panose="020B0502040204020203" pitchFamily="34" charset="0"/>
+              <a:cs typeface="Segoe UI" panose="020B0502040204020203" pitchFamily="34" charset="0"/>
+            </a:endParaRPr>
+          </a:p>
+          <a:p>
+            <a:r>
+              <a:rPr lang="cs-CZ" sz="1200" b="1" dirty="0">
+                <a:solidFill>
+                  <a:srgbClr val="FF0000"/>
+                </a:solidFill>
+                <a:latin typeface="Segoe UI" panose="020B0502040204020203" pitchFamily="34" charset="0"/>
+                <a:cs typeface="Segoe UI" panose="020B0502040204020203" pitchFamily="34" charset="0"/>
+              </a:rPr>
+              <a:t>ROLL-FORWARD USE PREV SEMANTIC VERSIONING</a:t>
+            </a:r>
+          </a:p>
+        </p:txBody>
+      </p:sp>
+      <p:sp>
+        <p:nvSpPr>
+          <p:cNvPr id="122" name="TextovéPole 121">
+            <a:extLst>
+              <a:ext uri="{FF2B5EF4-FFF2-40B4-BE49-F238E27FC236}">
+                <a16:creationId xmlns:a16="http://schemas.microsoft.com/office/drawing/2014/main" id="{E3E72F5A-B50C-4031-99FB-C953E3B07759}"/>
+              </a:ext>
+            </a:extLst>
+          </p:cNvPr>
+          <p:cNvSpPr txBox="1"/>
+          <p:nvPr/>
+        </p:nvSpPr>
+        <p:spPr>
+          <a:xfrm>
+            <a:off x="5365766" y="3196485"/>
+            <a:ext cx="3919027" cy="584775"/>
+          </a:xfrm>
+          <a:prstGeom prst="rect">
+            <a:avLst/>
+          </a:prstGeom>
+          <a:noFill/>
+        </p:spPr>
+        <p:txBody>
+          <a:bodyPr wrap="square" rtlCol="0">
+            <a:spAutoFit/>
+          </a:bodyPr>
+          <a:lstStyle/>
+          <a:p>
+            <a:r>
+              <a:rPr lang="cs-CZ" sz="3200" b="1" dirty="0">
+                <a:latin typeface="Segoe UI" panose="020B0502040204020203" pitchFamily="34" charset="0"/>
+                <a:cs typeface="Segoe UI" panose="020B0502040204020203" pitchFamily="34" charset="0"/>
+              </a:rPr>
+              <a:t>-preview2-35157</a:t>
+            </a:r>
+          </a:p>
+        </p:txBody>
+      </p:sp>
+      <p:sp>
+        <p:nvSpPr>
+          <p:cNvPr id="3" name="Pravá složená závorka 2">
+            <a:extLst>
+              <a:ext uri="{FF2B5EF4-FFF2-40B4-BE49-F238E27FC236}">
+                <a16:creationId xmlns:a16="http://schemas.microsoft.com/office/drawing/2014/main" id="{BA9CF578-B7F7-4D43-84B4-05151DDB375D}"/>
+              </a:ext>
+            </a:extLst>
+          </p:cNvPr>
+          <p:cNvSpPr/>
+          <p:nvPr/>
+        </p:nvSpPr>
+        <p:spPr>
+          <a:xfrm>
+            <a:off x="8523215" y="2466363"/>
+            <a:ext cx="92279" cy="371832"/>
+          </a:xfrm>
+          <a:prstGeom prst="rightBrace">
+            <a:avLst/>
+          </a:prstGeom>
+          <a:ln>
+            <a:solidFill>
+              <a:schemeClr val="tx1"/>
+            </a:solidFill>
+          </a:ln>
+        </p:spPr>
+        <p:style>
+          <a:lnRef idx="1">
+            <a:schemeClr val="accent1"/>
+          </a:lnRef>
+          <a:fillRef idx="0">
+            <a:schemeClr val="accent1"/>
+          </a:fillRef>
+          <a:effectRef idx="0">
+            <a:schemeClr val="accent1"/>
+          </a:effectRef>
+          <a:fontRef idx="minor">
+            <a:schemeClr val="tx1"/>
+          </a:fontRef>
+        </p:style>
+        <p:txBody>
+          <a:bodyPr rtlCol="0" anchor="ctr"/>
+          <a:lstStyle/>
+          <a:p>
+            <a:pPr algn="ctr"/>
+            <a:endParaRPr lang="cs-CZ"/>
+          </a:p>
+        </p:txBody>
+      </p:sp>
+      <p:sp>
+        <p:nvSpPr>
+          <p:cNvPr id="123" name="TextovéPole 122">
+            <a:extLst>
+              <a:ext uri="{FF2B5EF4-FFF2-40B4-BE49-F238E27FC236}">
+                <a16:creationId xmlns:a16="http://schemas.microsoft.com/office/drawing/2014/main" id="{E1F32B5E-632B-4B52-97B4-BC95B48F1C1F}"/>
+              </a:ext>
+            </a:extLst>
+          </p:cNvPr>
+          <p:cNvSpPr txBox="1"/>
+          <p:nvPr/>
+        </p:nvSpPr>
+        <p:spPr>
+          <a:xfrm>
+            <a:off x="8619608" y="2494435"/>
+            <a:ext cx="2596474" cy="276999"/>
+          </a:xfrm>
+          <a:prstGeom prst="rect">
+            <a:avLst/>
+          </a:prstGeom>
+          <a:noFill/>
+        </p:spPr>
+        <p:txBody>
+          <a:bodyPr wrap="square" rtlCol="0">
+            <a:spAutoFit/>
+          </a:bodyPr>
+          <a:lstStyle/>
+          <a:p>
+            <a:r>
+              <a:rPr lang="cs-CZ" sz="1200" b="1" dirty="0" err="1">
+                <a:latin typeface="Segoe UI" panose="020B0502040204020203" pitchFamily="34" charset="0"/>
+                <a:cs typeface="Segoe UI" panose="020B0502040204020203" pitchFamily="34" charset="0"/>
+              </a:rPr>
+              <a:t>rollForward</a:t>
+            </a:r>
+            <a:r>
+              <a:rPr lang="cs-CZ" sz="1200" dirty="0" err="1">
+                <a:latin typeface="Segoe UI" panose="020B0502040204020203" pitchFamily="34" charset="0"/>
+                <a:cs typeface="Segoe UI" panose="020B0502040204020203" pitchFamily="34" charset="0"/>
+              </a:rPr>
+              <a:t>OnNoCandidateFx</a:t>
+            </a:r>
+            <a:r>
+              <a:rPr lang="cs-CZ" sz="1200" dirty="0">
+                <a:latin typeface="Segoe UI" panose="020B0502040204020203" pitchFamily="34" charset="0"/>
+                <a:cs typeface="Segoe UI" panose="020B0502040204020203" pitchFamily="34" charset="0"/>
+              </a:rPr>
+              <a:t> = 1</a:t>
+            </a:r>
+          </a:p>
+        </p:txBody>
+      </p:sp>
+    </p:spTree>
+    <p:extLst>
+      <p:ext uri="{BB962C8B-B14F-4D97-AF65-F5344CB8AC3E}">
+        <p14:creationId xmlns:p14="http://schemas.microsoft.com/office/powerpoint/2010/main" val="793273909"/>
+      </p:ext>
+    </p:extLst>
+  </p:cSld>
+  <p:clrMapOvr>
+    <a:masterClrMapping/>
+  </p:clrMapOvr>
+  <p:transition spd="slow">
+    <p:push dir="u"/>
+  </p:transition>
+  <p:timing>
+    <p:tnLst>
+      <p:par>
+        <p:cTn id="1" dur="indefinite" restart="never" nodeType="tmRoot">
+          <p:childTnLst>
+            <p:seq concurrent="1" nextAc="seek">
+              <p:cTn id="2" dur="indefinite" nodeType="mainSeq">
+                <p:childTnLst>
+                  <p:par>
+                    <p:cTn id="3" fill="hold">
+                      <p:stCondLst>
+                        <p:cond delay="indefinite"/>
+                      </p:stCondLst>
+                      <p:childTnLst>
+                        <p:par>
+                          <p:cTn id="4" fill="hold">
+                            <p:stCondLst>
+                              <p:cond delay="0"/>
+                            </p:stCondLst>
+                            <p:childTnLst>
+                              <p:par>
+                                <p:cTn id="5" presetID="10" presetClass="entr" presetSubtype="0" fill="hold" grpId="0" nodeType="clickEffect">
+                                  <p:stCondLst>
+                                    <p:cond delay="0"/>
+                                  </p:stCondLst>
+                                  <p:childTnLst>
+                                    <p:set>
+                                      <p:cBhvr>
+                                        <p:cTn id="6" dur="1" fill="hold">
+                                          <p:stCondLst>
+                                            <p:cond delay="0"/>
+                                          </p:stCondLst>
+                                        </p:cTn>
+                                        <p:tgtEl>
+                                          <p:spTgt spid="113"/>
+                                        </p:tgtEl>
+                                        <p:attrNameLst>
+                                          <p:attrName>style.visibility</p:attrName>
+                                        </p:attrNameLst>
+                                      </p:cBhvr>
+                                      <p:to>
+                                        <p:strVal val="visible"/>
+                                      </p:to>
+                                    </p:set>
+                                    <p:animEffect transition="in" filter="fade">
+                                      <p:cBhvr>
+                                        <p:cTn id="7" dur="500"/>
+                                        <p:tgtEl>
+                                          <p:spTgt spid="113"/>
+                                        </p:tgtEl>
+                                      </p:cBhvr>
+                                    </p:animEffect>
+                                  </p:childTnLst>
+                                </p:cTn>
+                              </p:par>
+                              <p:par>
+                                <p:cTn id="8" presetID="10" presetClass="entr" presetSubtype="0" fill="hold" grpId="0" nodeType="withEffect">
+                                  <p:stCondLst>
+                                    <p:cond delay="0"/>
+                                  </p:stCondLst>
+                                  <p:childTnLst>
+                                    <p:set>
+                                      <p:cBhvr>
+                                        <p:cTn id="9" dur="1" fill="hold">
+                                          <p:stCondLst>
+                                            <p:cond delay="0"/>
+                                          </p:stCondLst>
+                                        </p:cTn>
+                                        <p:tgtEl>
+                                          <p:spTgt spid="115"/>
+                                        </p:tgtEl>
+                                        <p:attrNameLst>
+                                          <p:attrName>style.visibility</p:attrName>
+                                        </p:attrNameLst>
+                                      </p:cBhvr>
+                                      <p:to>
+                                        <p:strVal val="visible"/>
+                                      </p:to>
+                                    </p:set>
+                                    <p:animEffect transition="in" filter="fade">
+                                      <p:cBhvr>
+                                        <p:cTn id="10" dur="500"/>
+                                        <p:tgtEl>
+                                          <p:spTgt spid="115"/>
+                                        </p:tgtEl>
+                                      </p:cBhvr>
+                                    </p:animEffect>
+                                  </p:childTnLst>
+                                </p:cTn>
+                              </p:par>
+                              <p:par>
+                                <p:cTn id="11" presetID="10" presetClass="entr" presetSubtype="0" fill="hold" grpId="0" nodeType="withEffect">
+                                  <p:stCondLst>
+                                    <p:cond delay="0"/>
+                                  </p:stCondLst>
+                                  <p:childTnLst>
+                                    <p:set>
+                                      <p:cBhvr>
+                                        <p:cTn id="12" dur="1" fill="hold">
+                                          <p:stCondLst>
+                                            <p:cond delay="0"/>
+                                          </p:stCondLst>
+                                        </p:cTn>
+                                        <p:tgtEl>
+                                          <p:spTgt spid="122"/>
+                                        </p:tgtEl>
+                                        <p:attrNameLst>
+                                          <p:attrName>style.visibility</p:attrName>
+                                        </p:attrNameLst>
+                                      </p:cBhvr>
+                                      <p:to>
+                                        <p:strVal val="visible"/>
+                                      </p:to>
+                                    </p:set>
+                                    <p:animEffect transition="in" filter="fade">
+                                      <p:cBhvr>
+                                        <p:cTn id="13" dur="500"/>
+                                        <p:tgtEl>
+                                          <p:spTgt spid="122"/>
+                                        </p:tgtEl>
+                                      </p:cBhvr>
+                                    </p:animEffect>
+                                  </p:childTnLst>
+                                </p:cTn>
+                              </p:par>
+                            </p:childTnLst>
+                          </p:cTn>
+                        </p:par>
+                      </p:childTnLst>
+                    </p:cTn>
+                  </p:par>
+                </p:childTnLst>
+              </p:cTn>
+              <p:prevCondLst>
+                <p:cond evt="onPrev" delay="0">
+                  <p:tgtEl>
+                    <p:sldTgt/>
+                  </p:tgtEl>
+                </p:cond>
+              </p:prevCondLst>
+              <p:nextCondLst>
+                <p:cond evt="onNext" delay="0">
+                  <p:tgtEl>
+                    <p:sldTgt/>
+                  </p:tgtEl>
+                </p:cond>
+              </p:nextCondLst>
+            </p:seq>
+          </p:childTnLst>
+        </p:cTn>
+      </p:par>
+    </p:tnLst>
+    <p:bldLst>
+      <p:bldP spid="113" grpId="0" animBg="1"/>
+      <p:bldP spid="115" grpId="0"/>
+      <p:bldP spid="122" grpId="0"/>
+    </p:bldLst>
+  </p:timing>
+</p:sld>
+</file>
+
+<file path=ppt/slides/slide5.xml><?xml version="1.0" encoding="utf-8"?>
 <p:sld xmlns:a="http://schemas.openxmlformats.org/drawingml/2006/main" xmlns:r="http://schemas.openxmlformats.org/officeDocument/2006/relationships" xmlns:p="http://schemas.openxmlformats.org/presentationml/2006/main">
   <p:cSld>
     <p:spTree>
@@ -21942,193 +23418,6 @@
               <a:latin typeface="Segoe UI" panose="020B0502040204020203" pitchFamily="34" charset="0"/>
               <a:cs typeface="Segoe UI" panose="020B0502040204020203" pitchFamily="34" charset="0"/>
             </a:endParaRPr>
-          </a:p>
-        </p:txBody>
-      </p:sp>
-      <p:sp>
-        <p:nvSpPr>
-          <p:cNvPr id="24" name="Obdélník 23">
-            <a:extLst>
-              <a:ext uri="{FF2B5EF4-FFF2-40B4-BE49-F238E27FC236}">
-                <a16:creationId xmlns:a16="http://schemas.microsoft.com/office/drawing/2014/main" id="{283D3DE4-A4A5-4CA1-8F70-2AE78BED52AF}"/>
-              </a:ext>
-            </a:extLst>
-          </p:cNvPr>
-          <p:cNvSpPr/>
-          <p:nvPr/>
-        </p:nvSpPr>
-        <p:spPr>
-          <a:xfrm>
-            <a:off x="4645474" y="3424728"/>
-            <a:ext cx="1266741" cy="380379"/>
-          </a:xfrm>
-          <a:prstGeom prst="rect">
-            <a:avLst/>
-          </a:prstGeom>
-          <a:solidFill>
-            <a:schemeClr val="accent1">
-              <a:lumMod val="50000"/>
-            </a:schemeClr>
-          </a:solidFill>
-          <a:ln>
-            <a:noFill/>
-          </a:ln>
-        </p:spPr>
-        <p:style>
-          <a:lnRef idx="2">
-            <a:schemeClr val="accent1">
-              <a:shade val="50000"/>
-            </a:schemeClr>
-          </a:lnRef>
-          <a:fillRef idx="1">
-            <a:schemeClr val="accent1"/>
-          </a:fillRef>
-          <a:effectRef idx="0">
-            <a:schemeClr val="accent1"/>
-          </a:effectRef>
-          <a:fontRef idx="minor">
-            <a:schemeClr val="lt1"/>
-          </a:fontRef>
-        </p:style>
-        <p:txBody>
-          <a:bodyPr rtlCol="0" anchor="ctr"/>
-          <a:lstStyle/>
-          <a:p>
-            <a:pPr algn="ctr"/>
-            <a:r>
-              <a:rPr lang="cs-CZ" sz="1200" dirty="0" err="1">
-                <a:solidFill>
-                  <a:schemeClr val="bg1"/>
-                </a:solidFill>
-                <a:latin typeface="Segoe UI" panose="020B0502040204020203" pitchFamily="34" charset="0"/>
-                <a:cs typeface="Segoe UI" panose="020B0502040204020203" pitchFamily="34" charset="0"/>
-              </a:rPr>
-              <a:t>Request</a:t>
-            </a:r>
-            <a:endParaRPr lang="cs-CZ" sz="1200" dirty="0">
-              <a:solidFill>
-                <a:schemeClr val="bg1"/>
-              </a:solidFill>
-              <a:latin typeface="Segoe UI" panose="020B0502040204020203" pitchFamily="34" charset="0"/>
-              <a:cs typeface="Segoe UI" panose="020B0502040204020203" pitchFamily="34" charset="0"/>
-            </a:endParaRPr>
-          </a:p>
-        </p:txBody>
-      </p:sp>
-      <p:sp>
-        <p:nvSpPr>
-          <p:cNvPr id="25" name="Obdélník 24">
-            <a:extLst>
-              <a:ext uri="{FF2B5EF4-FFF2-40B4-BE49-F238E27FC236}">
-                <a16:creationId xmlns:a16="http://schemas.microsoft.com/office/drawing/2014/main" id="{8BCABD57-06C7-4EC0-A786-280173E91792}"/>
-              </a:ext>
-            </a:extLst>
-          </p:cNvPr>
-          <p:cNvSpPr/>
-          <p:nvPr/>
-        </p:nvSpPr>
-        <p:spPr>
-          <a:xfrm>
-            <a:off x="4645474" y="4049872"/>
-            <a:ext cx="1266741" cy="380379"/>
-          </a:xfrm>
-          <a:prstGeom prst="rect">
-            <a:avLst/>
-          </a:prstGeom>
-          <a:solidFill>
-            <a:schemeClr val="accent1">
-              <a:lumMod val="50000"/>
-            </a:schemeClr>
-          </a:solidFill>
-          <a:ln>
-            <a:noFill/>
-          </a:ln>
-        </p:spPr>
-        <p:style>
-          <a:lnRef idx="2">
-            <a:schemeClr val="accent1">
-              <a:shade val="50000"/>
-            </a:schemeClr>
-          </a:lnRef>
-          <a:fillRef idx="1">
-            <a:schemeClr val="accent1"/>
-          </a:fillRef>
-          <a:effectRef idx="0">
-            <a:schemeClr val="accent1"/>
-          </a:effectRef>
-          <a:fontRef idx="minor">
-            <a:schemeClr val="lt1"/>
-          </a:fontRef>
-        </p:style>
-        <p:txBody>
-          <a:bodyPr rtlCol="0" anchor="ctr"/>
-          <a:lstStyle/>
-          <a:p>
-            <a:pPr algn="ctr"/>
-            <a:r>
-              <a:rPr lang="cs-CZ" sz="1200" dirty="0">
-                <a:solidFill>
-                  <a:schemeClr val="bg1"/>
-                </a:solidFill>
-                <a:latin typeface="Segoe UI" panose="020B0502040204020203" pitchFamily="34" charset="0"/>
-                <a:cs typeface="Segoe UI" panose="020B0502040204020203" pitchFamily="34" charset="0"/>
-              </a:rPr>
-              <a:t>Response</a:t>
-            </a:r>
-          </a:p>
-        </p:txBody>
-      </p:sp>
-      <p:sp>
-        <p:nvSpPr>
-          <p:cNvPr id="22" name="Šipka: doprava 21">
-            <a:extLst>
-              <a:ext uri="{FF2B5EF4-FFF2-40B4-BE49-F238E27FC236}">
-                <a16:creationId xmlns:a16="http://schemas.microsoft.com/office/drawing/2014/main" id="{91E3081A-D8AB-4449-A741-28A702673F5C}"/>
-              </a:ext>
-            </a:extLst>
-          </p:cNvPr>
-          <p:cNvSpPr/>
-          <p:nvPr/>
-        </p:nvSpPr>
-        <p:spPr>
-          <a:xfrm>
-            <a:off x="5912215" y="3503104"/>
-            <a:ext cx="218114" cy="201335"/>
-          </a:xfrm>
-          <a:prstGeom prst="rightArrow">
-            <a:avLst/>
-          </a:prstGeom>
-          <a:solidFill>
-            <a:schemeClr val="accent1">
-              <a:lumMod val="50000"/>
-            </a:schemeClr>
-          </a:solidFill>
-          <a:ln>
-            <a:noFill/>
-          </a:ln>
-        </p:spPr>
-        <p:style>
-          <a:lnRef idx="2">
-            <a:schemeClr val="accent1">
-              <a:shade val="50000"/>
-            </a:schemeClr>
-          </a:lnRef>
-          <a:fillRef idx="1">
-            <a:schemeClr val="accent1"/>
-          </a:fillRef>
-          <a:effectRef idx="0">
-            <a:schemeClr val="accent1"/>
-          </a:effectRef>
-          <a:fontRef idx="minor">
-            <a:schemeClr val="lt1"/>
-          </a:fontRef>
-        </p:style>
-        <p:txBody>
-          <a:bodyPr rtlCol="0" anchor="ctr"/>
-          <a:lstStyle/>
-          <a:p>
-            <a:pPr algn="ctr"/>
-            <a:endParaRPr lang="cs-CZ"/>
           </a:p>
         </p:txBody>
       </p:sp>
@@ -22371,60 +23660,6 @@
               </a:rPr>
               <a:t>MIDDLEWARE</a:t>
             </a:r>
-          </a:p>
-        </p:txBody>
-      </p:sp>
-      <p:sp>
-        <p:nvSpPr>
-          <p:cNvPr id="34" name="Šipka: doprava 33">
-            <a:extLst>
-              <a:ext uri="{FF2B5EF4-FFF2-40B4-BE49-F238E27FC236}">
-                <a16:creationId xmlns:a16="http://schemas.microsoft.com/office/drawing/2014/main" id="{D6477D48-FB10-4E63-83F3-68DF6E11516F}"/>
-              </a:ext>
-            </a:extLst>
-          </p:cNvPr>
-          <p:cNvSpPr/>
-          <p:nvPr/>
-        </p:nvSpPr>
-        <p:spPr>
-          <a:xfrm rot="10800000">
-            <a:off x="5940799" y="4139393"/>
-            <a:ext cx="218114" cy="201335"/>
-          </a:xfrm>
-          <a:prstGeom prst="rightArrow">
-            <a:avLst/>
-          </a:prstGeom>
-          <a:solidFill>
-            <a:schemeClr val="accent1">
-              <a:lumMod val="50000"/>
-            </a:schemeClr>
-          </a:solidFill>
-          <a:ln>
-            <a:noFill/>
-          </a:ln>
-        </p:spPr>
-        <p:style>
-          <a:lnRef idx="2">
-            <a:schemeClr val="accent1">
-              <a:shade val="50000"/>
-            </a:schemeClr>
-          </a:lnRef>
-          <a:fillRef idx="1">
-            <a:schemeClr val="accent1"/>
-          </a:fillRef>
-          <a:effectRef idx="0">
-            <a:schemeClr val="accent1"/>
-          </a:effectRef>
-          <a:fontRef idx="minor">
-            <a:schemeClr val="lt1"/>
-          </a:fontRef>
-        </p:style>
-        <p:txBody>
-          <a:bodyPr rtlCol="0" anchor="ctr"/>
-          <a:lstStyle/>
-          <a:p>
-            <a:pPr algn="ctr"/>
-            <a:endParaRPr lang="cs-CZ"/>
           </a:p>
         </p:txBody>
       </p:sp>
@@ -23170,8 +24405,8 @@
         </p:nvSpPr>
         <p:spPr>
           <a:xfrm>
-            <a:off x="2694666" y="256494"/>
-            <a:ext cx="6054734" cy="461665"/>
+            <a:off x="4287609" y="256494"/>
+            <a:ext cx="3395866" cy="830997"/>
           </a:xfrm>
           <a:prstGeom prst="rect">
             <a:avLst/>
@@ -23183,40 +24418,20 @@
           </a:bodyPr>
           <a:lstStyle/>
           <a:p>
+            <a:pPr algn="ctr"/>
+            <a:r>
+              <a:rPr lang="cs-CZ" sz="2400" b="1" dirty="0">
+                <a:latin typeface="Segoe UI Light" panose="020B0502040204020203" pitchFamily="34" charset="0"/>
+                <a:cs typeface="Segoe UI Light" panose="020B0502040204020203" pitchFamily="34" charset="0"/>
+              </a:rPr>
+              <a:t>ASP.NET </a:t>
+            </a:r>
             <a:r>
               <a:rPr lang="cs-CZ" sz="2400" b="1" dirty="0" err="1">
                 <a:latin typeface="Segoe UI Light" panose="020B0502040204020203" pitchFamily="34" charset="0"/>
                 <a:cs typeface="Segoe UI Light" panose="020B0502040204020203" pitchFamily="34" charset="0"/>
               </a:rPr>
-              <a:t>Internal</a:t>
-            </a:r>
-            <a:r>
-              <a:rPr lang="cs-CZ" sz="2400" b="1" dirty="0">
-                <a:latin typeface="Segoe UI Light" panose="020B0502040204020203" pitchFamily="34" charset="0"/>
-                <a:cs typeface="Segoe UI Light" panose="020B0502040204020203" pitchFamily="34" charset="0"/>
-              </a:rPr>
-              <a:t> / </a:t>
-            </a:r>
-            <a:r>
-              <a:rPr lang="cs-CZ" sz="2400" b="1" dirty="0" err="1">
-                <a:latin typeface="Segoe UI Light" panose="020B0502040204020203" pitchFamily="34" charset="0"/>
-                <a:cs typeface="Segoe UI Light" panose="020B0502040204020203" pitchFamily="34" charset="0"/>
-              </a:rPr>
-              <a:t>External</a:t>
-            </a:r>
-            <a:r>
-              <a:rPr lang="cs-CZ" sz="2400" b="1" dirty="0">
-                <a:latin typeface="Segoe UI Light" panose="020B0502040204020203" pitchFamily="34" charset="0"/>
-                <a:cs typeface="Segoe UI Light" panose="020B0502040204020203" pitchFamily="34" charset="0"/>
-              </a:rPr>
-              <a:t> server – </a:t>
-            </a:r>
-            <a:r>
-              <a:rPr lang="cs-CZ" sz="2400" b="1" dirty="0" err="1">
-                <a:latin typeface="Segoe UI Light" panose="020B0502040204020203" pitchFamily="34" charset="0"/>
-                <a:cs typeface="Segoe UI Light" panose="020B0502040204020203" pitchFamily="34" charset="0"/>
-              </a:rPr>
-              <a:t>request</a:t>
+              <a:t>Core</a:t>
             </a:r>
             <a:r>
               <a:rPr lang="cs-CZ" sz="2400" b="1" dirty="0">
@@ -23230,9 +24445,72 @@
                 <a:latin typeface="Segoe UI Light" panose="020B0502040204020203" pitchFamily="34" charset="0"/>
                 <a:cs typeface="Segoe UI Light" panose="020B0502040204020203" pitchFamily="34" charset="0"/>
               </a:rPr>
-              <a:t>processing</a:t>
-            </a:r>
-            <a:endParaRPr lang="cs-CZ" sz="2400" b="1" dirty="0"/>
+              <a:t>Hosting</a:t>
+            </a:r>
+            <a:endParaRPr lang="cs-CZ" sz="2400" b="1" dirty="0">
+              <a:latin typeface="Segoe UI Light" panose="020B0502040204020203" pitchFamily="34" charset="0"/>
+              <a:cs typeface="Segoe UI Light" panose="020B0502040204020203" pitchFamily="34" charset="0"/>
+            </a:endParaRPr>
+          </a:p>
+          <a:p>
+            <a:pPr algn="ctr"/>
+            <a:endParaRPr lang="cs-CZ" sz="600" b="1" dirty="0">
+              <a:latin typeface="Segoe UI Light" panose="020B0502040204020203" pitchFamily="34" charset="0"/>
+              <a:cs typeface="Segoe UI Light" panose="020B0502040204020203" pitchFamily="34" charset="0"/>
+            </a:endParaRPr>
+          </a:p>
+          <a:p>
+            <a:pPr algn="ctr"/>
+            <a:r>
+              <a:rPr lang="cs-CZ" b="1" dirty="0" err="1">
+                <a:latin typeface="Segoe UI Light" panose="020B0502040204020203" pitchFamily="34" charset="0"/>
+                <a:cs typeface="Segoe UI Light" panose="020B0502040204020203" pitchFamily="34" charset="0"/>
+              </a:rPr>
+              <a:t>typical</a:t>
+            </a:r>
+            <a:r>
+              <a:rPr lang="cs-CZ" b="1" dirty="0">
+                <a:latin typeface="Segoe UI Light" panose="020B0502040204020203" pitchFamily="34" charset="0"/>
+                <a:cs typeface="Segoe UI Light" panose="020B0502040204020203" pitchFamily="34" charset="0"/>
+              </a:rPr>
+              <a:t> </a:t>
+            </a:r>
+            <a:r>
+              <a:rPr lang="cs-CZ" b="1" dirty="0" err="1">
+                <a:latin typeface="Segoe UI Light" panose="020B0502040204020203" pitchFamily="34" charset="0"/>
+                <a:cs typeface="Segoe UI Light" panose="020B0502040204020203" pitchFamily="34" charset="0"/>
+              </a:rPr>
+              <a:t>solution</a:t>
+            </a:r>
+            <a:r>
+              <a:rPr lang="cs-CZ" b="1" dirty="0">
+                <a:latin typeface="Segoe UI Light" panose="020B0502040204020203" pitchFamily="34" charset="0"/>
+                <a:cs typeface="Segoe UI Light" panose="020B0502040204020203" pitchFamily="34" charset="0"/>
+              </a:rPr>
+              <a:t> </a:t>
+            </a:r>
+            <a:r>
+              <a:rPr lang="cs-CZ" b="1" dirty="0" err="1">
+                <a:latin typeface="Segoe UI Light" panose="020B0502040204020203" pitchFamily="34" charset="0"/>
+                <a:cs typeface="Segoe UI Light" panose="020B0502040204020203" pitchFamily="34" charset="0"/>
+              </a:rPr>
+              <a:t>for</a:t>
+            </a:r>
+            <a:r>
+              <a:rPr lang="cs-CZ" b="1" dirty="0">
+                <a:latin typeface="Segoe UI Light" panose="020B0502040204020203" pitchFamily="34" charset="0"/>
+                <a:cs typeface="Segoe UI Light" panose="020B0502040204020203" pitchFamily="34" charset="0"/>
+              </a:rPr>
+              <a:t> ASP.NET </a:t>
+            </a:r>
+            <a:r>
+              <a:rPr lang="cs-CZ" b="1" dirty="0" err="1">
+                <a:latin typeface="Segoe UI Light" panose="020B0502040204020203" pitchFamily="34" charset="0"/>
+                <a:cs typeface="Segoe UI Light" panose="020B0502040204020203" pitchFamily="34" charset="0"/>
+              </a:rPr>
+              <a:t>Core</a:t>
+            </a:r>
+            <a:endParaRPr lang="cs-CZ" b="1" dirty="0"/>
           </a:p>
         </p:txBody>
       </p:sp>
@@ -23302,7 +24580,7 @@
             <a:avLst/>
           </a:prstGeom>
           <a:solidFill>
-            <a:schemeClr val="accent5">
+            <a:schemeClr val="accent4">
               <a:lumMod val="60000"/>
               <a:lumOff val="40000"/>
             </a:schemeClr>
@@ -23366,7 +24644,7 @@
             <a:avLst/>
           </a:prstGeom>
           <a:solidFill>
-            <a:schemeClr val="accent6">
+            <a:schemeClr val="accent2">
               <a:lumMod val="60000"/>
               <a:lumOff val="40000"/>
             </a:schemeClr>
@@ -23397,7 +24675,7 @@
           <a:p>
             <a:pPr algn="ctr"/>
             <a:r>
-              <a:rPr lang="cs-CZ" sz="1200" b="1" dirty="0">
+              <a:rPr lang="cs-CZ" sz="1100" b="1" dirty="0">
                 <a:solidFill>
                   <a:schemeClr val="tx1"/>
                 </a:solidFill>
@@ -23410,14 +24688,14 @@
           <a:p>
             <a:pPr algn="ctr"/>
             <a:r>
-              <a:rPr lang="cs-CZ" sz="1200" b="1" dirty="0">
+              <a:rPr lang="cs-CZ" sz="1100" b="1" dirty="0">
                 <a:solidFill>
                   <a:schemeClr val="tx1"/>
                 </a:solidFill>
                 <a:latin typeface="Segoe UI" panose="020B0502040204020203" pitchFamily="34" charset="0"/>
                 <a:cs typeface="Segoe UI" panose="020B0502040204020203" pitchFamily="34" charset="0"/>
               </a:rPr>
-              <a:t>HOSTING BUNDLE</a:t>
+              <a:t>HOSTING BUNDLE V1</a:t>
             </a:r>
           </a:p>
         </p:txBody>
@@ -23437,7 +24715,7 @@
         <p:spPr>
           <a:xfrm>
             <a:off x="425635" y="5192091"/>
-            <a:ext cx="3544560" cy="677108"/>
+            <a:ext cx="3619902" cy="677108"/>
           </a:xfrm>
           <a:prstGeom prst="rect">
             <a:avLst/>
@@ -23475,7 +24753,7 @@
               <a:rPr lang="cs-CZ" sz="1400" dirty="0">
                 <a:latin typeface="PT Sans"/>
               </a:rPr>
-              <a:t>runtime + </a:t>
+              <a:t>runtime verze 2.1.5 + </a:t>
             </a:r>
             <a:r>
               <a:rPr lang="cs-CZ" sz="1400" dirty="0" err="1">
@@ -23499,7 +24777,7 @@
               <a:rPr lang="cs-CZ" sz="1400" dirty="0">
                 <a:latin typeface="PT Sans"/>
               </a:rPr>
-              <a:t> verze 2.1.5</a:t>
+              <a:t> V1</a:t>
             </a:r>
             <a:endParaRPr lang="cs-CZ" sz="1400" dirty="0"/>
           </a:p>
@@ -23741,7 +25019,2395 @@
 </p:sld>
 </file>
 
-<file path=ppt/slides/slide5.xml><?xml version="1.0" encoding="utf-8"?>
+<file path=ppt/slides/slide6.xml><?xml version="1.0" encoding="utf-8"?>
+<p:sld xmlns:a="http://schemas.openxmlformats.org/drawingml/2006/main" xmlns:r="http://schemas.openxmlformats.org/officeDocument/2006/relationships" xmlns:p="http://schemas.openxmlformats.org/presentationml/2006/main">
+  <p:cSld>
+    <p:spTree>
+      <p:nvGrpSpPr>
+        <p:cNvPr id="1" name=""/>
+        <p:cNvGrpSpPr/>
+        <p:nvPr/>
+      </p:nvGrpSpPr>
+      <p:grpSpPr>
+        <a:xfrm>
+          <a:off x="0" y="0"/>
+          <a:ext cx="0" cy="0"/>
+          <a:chOff x="0" y="0"/>
+          <a:chExt cx="0" cy="0"/>
+        </a:xfrm>
+      </p:grpSpPr>
+      <p:sp>
+        <p:nvSpPr>
+          <p:cNvPr id="33" name="Obdélník 32">
+            <a:extLst>
+              <a:ext uri="{FF2B5EF4-FFF2-40B4-BE49-F238E27FC236}">
+                <a16:creationId xmlns:a16="http://schemas.microsoft.com/office/drawing/2014/main" id="{4785B4A0-8FAC-40A0-A554-E24275A3E5D1}"/>
+              </a:ext>
+            </a:extLst>
+          </p:cNvPr>
+          <p:cNvSpPr/>
+          <p:nvPr/>
+        </p:nvSpPr>
+        <p:spPr>
+          <a:xfrm>
+            <a:off x="5226340" y="1761688"/>
+            <a:ext cx="6537822" cy="3322040"/>
+          </a:xfrm>
+          <a:prstGeom prst="rect">
+            <a:avLst/>
+          </a:prstGeom>
+          <a:solidFill>
+            <a:schemeClr val="accent4">
+              <a:lumMod val="60000"/>
+              <a:lumOff val="40000"/>
+            </a:schemeClr>
+          </a:solidFill>
+          <a:ln>
+            <a:noFill/>
+          </a:ln>
+        </p:spPr>
+        <p:style>
+          <a:lnRef idx="2">
+            <a:schemeClr val="accent1">
+              <a:shade val="50000"/>
+            </a:schemeClr>
+          </a:lnRef>
+          <a:fillRef idx="1">
+            <a:schemeClr val="accent1"/>
+          </a:fillRef>
+          <a:effectRef idx="0">
+            <a:schemeClr val="accent1"/>
+          </a:effectRef>
+          <a:fontRef idx="minor">
+            <a:schemeClr val="lt1"/>
+          </a:fontRef>
+        </p:style>
+        <p:txBody>
+          <a:bodyPr rtlCol="0" anchor="ctr"/>
+          <a:lstStyle/>
+          <a:p>
+            <a:pPr algn="ctr"/>
+            <a:endParaRPr lang="cs-CZ" sz="1200" dirty="0">
+              <a:solidFill>
+                <a:schemeClr val="tx1"/>
+              </a:solidFill>
+              <a:latin typeface="Segoe UI" panose="020B0502040204020203" pitchFamily="34" charset="0"/>
+              <a:cs typeface="Segoe UI" panose="020B0502040204020203" pitchFamily="34" charset="0"/>
+            </a:endParaRPr>
+          </a:p>
+        </p:txBody>
+      </p:sp>
+      <p:sp>
+        <p:nvSpPr>
+          <p:cNvPr id="7" name="Obdélník 6">
+            <a:extLst>
+              <a:ext uri="{FF2B5EF4-FFF2-40B4-BE49-F238E27FC236}">
+                <a16:creationId xmlns:a16="http://schemas.microsoft.com/office/drawing/2014/main" id="{E662CFA6-BE14-4C20-9837-B561DF45E09F}"/>
+              </a:ext>
+            </a:extLst>
+          </p:cNvPr>
+          <p:cNvSpPr/>
+          <p:nvPr/>
+        </p:nvSpPr>
+        <p:spPr>
+          <a:xfrm>
+            <a:off x="2748792" y="1852511"/>
+            <a:ext cx="8953850" cy="3134689"/>
+          </a:xfrm>
+          <a:prstGeom prst="rect">
+            <a:avLst/>
+          </a:prstGeom>
+          <a:solidFill>
+            <a:schemeClr val="accent5">
+              <a:lumMod val="60000"/>
+              <a:lumOff val="40000"/>
+            </a:schemeClr>
+          </a:solidFill>
+          <a:ln>
+            <a:noFill/>
+          </a:ln>
+        </p:spPr>
+        <p:style>
+          <a:lnRef idx="2">
+            <a:schemeClr val="accent1">
+              <a:shade val="50000"/>
+            </a:schemeClr>
+          </a:lnRef>
+          <a:fillRef idx="1">
+            <a:schemeClr val="accent1"/>
+          </a:fillRef>
+          <a:effectRef idx="0">
+            <a:schemeClr val="accent1"/>
+          </a:effectRef>
+          <a:fontRef idx="minor">
+            <a:schemeClr val="lt1"/>
+          </a:fontRef>
+        </p:style>
+        <p:txBody>
+          <a:bodyPr rtlCol="0" anchor="ctr"/>
+          <a:lstStyle/>
+          <a:p>
+            <a:pPr algn="ctr"/>
+            <a:endParaRPr lang="cs-CZ"/>
+          </a:p>
+        </p:txBody>
+      </p:sp>
+      <p:sp>
+        <p:nvSpPr>
+          <p:cNvPr id="8" name="Obdélník 7">
+            <a:extLst>
+              <a:ext uri="{FF2B5EF4-FFF2-40B4-BE49-F238E27FC236}">
+                <a16:creationId xmlns:a16="http://schemas.microsoft.com/office/drawing/2014/main" id="{9E038261-555B-490B-A7B0-AE6B4F17BDB3}"/>
+              </a:ext>
+            </a:extLst>
+          </p:cNvPr>
+          <p:cNvSpPr/>
+          <p:nvPr/>
+        </p:nvSpPr>
+        <p:spPr>
+          <a:xfrm>
+            <a:off x="6158913" y="2209800"/>
+            <a:ext cx="1368807" cy="730193"/>
+          </a:xfrm>
+          <a:prstGeom prst="rect">
+            <a:avLst/>
+          </a:prstGeom>
+          <a:solidFill>
+            <a:srgbClr val="004880"/>
+          </a:solidFill>
+          <a:ln>
+            <a:noFill/>
+          </a:ln>
+        </p:spPr>
+        <p:style>
+          <a:lnRef idx="2">
+            <a:schemeClr val="accent1">
+              <a:shade val="50000"/>
+            </a:schemeClr>
+          </a:lnRef>
+          <a:fillRef idx="1">
+            <a:schemeClr val="accent1"/>
+          </a:fillRef>
+          <a:effectRef idx="0">
+            <a:schemeClr val="accent1"/>
+          </a:effectRef>
+          <a:fontRef idx="minor">
+            <a:schemeClr val="lt1"/>
+          </a:fontRef>
+        </p:style>
+        <p:txBody>
+          <a:bodyPr rtlCol="0" anchor="ctr"/>
+          <a:lstStyle/>
+          <a:p>
+            <a:pPr algn="ctr"/>
+            <a:r>
+              <a:rPr lang="cs-CZ" sz="1200" dirty="0">
+                <a:solidFill>
+                  <a:schemeClr val="bg1"/>
+                </a:solidFill>
+                <a:latin typeface="Segoe UI" panose="020B0502040204020203" pitchFamily="34" charset="0"/>
+                <a:cs typeface="Segoe UI" panose="020B0502040204020203" pitchFamily="34" charset="0"/>
+              </a:rPr>
+              <a:t>KESTREL</a:t>
+            </a:r>
+          </a:p>
+        </p:txBody>
+      </p:sp>
+      <p:sp>
+        <p:nvSpPr>
+          <p:cNvPr id="9" name="Obdélník 8">
+            <a:extLst>
+              <a:ext uri="{FF2B5EF4-FFF2-40B4-BE49-F238E27FC236}">
+                <a16:creationId xmlns:a16="http://schemas.microsoft.com/office/drawing/2014/main" id="{AA247D17-BF0F-42E2-9EAA-C0ED54565076}"/>
+              </a:ext>
+            </a:extLst>
+          </p:cNvPr>
+          <p:cNvSpPr/>
+          <p:nvPr/>
+        </p:nvSpPr>
+        <p:spPr>
+          <a:xfrm>
+            <a:off x="8785216" y="2209800"/>
+            <a:ext cx="2732867" cy="730193"/>
+          </a:xfrm>
+          <a:prstGeom prst="rect">
+            <a:avLst/>
+          </a:prstGeom>
+          <a:solidFill>
+            <a:srgbClr val="0070C0"/>
+          </a:solidFill>
+          <a:ln>
+            <a:noFill/>
+          </a:ln>
+        </p:spPr>
+        <p:style>
+          <a:lnRef idx="2">
+            <a:schemeClr val="accent1">
+              <a:shade val="50000"/>
+            </a:schemeClr>
+          </a:lnRef>
+          <a:fillRef idx="1">
+            <a:schemeClr val="accent1"/>
+          </a:fillRef>
+          <a:effectRef idx="0">
+            <a:schemeClr val="accent1"/>
+          </a:effectRef>
+          <a:fontRef idx="minor">
+            <a:schemeClr val="lt1"/>
+          </a:fontRef>
+        </p:style>
+        <p:txBody>
+          <a:bodyPr rtlCol="0" anchor="ctr"/>
+          <a:lstStyle/>
+          <a:p>
+            <a:pPr algn="ctr"/>
+            <a:r>
+              <a:rPr lang="cs-CZ" sz="1200" dirty="0">
+                <a:solidFill>
+                  <a:schemeClr val="bg1"/>
+                </a:solidFill>
+                <a:latin typeface="Segoe UI" panose="020B0502040204020203" pitchFamily="34" charset="0"/>
+                <a:cs typeface="Segoe UI" panose="020B0502040204020203" pitchFamily="34" charset="0"/>
+              </a:rPr>
+              <a:t>APPLICATION CODE</a:t>
+            </a:r>
+          </a:p>
+        </p:txBody>
+      </p:sp>
+      <p:pic>
+        <p:nvPicPr>
+          <p:cNvPr id="1026" name="Picture 2" descr="browser, explorer, ie, internet icon">
+            <a:extLst>
+              <a:ext uri="{FF2B5EF4-FFF2-40B4-BE49-F238E27FC236}">
+                <a16:creationId xmlns:a16="http://schemas.microsoft.com/office/drawing/2014/main" id="{40C144AE-E46D-4099-9DD0-878570D1BD33}"/>
+              </a:ext>
+            </a:extLst>
+          </p:cNvPr>
+          <p:cNvPicPr>
+            <a:picLocks noChangeAspect="1" noChangeArrowheads="1"/>
+          </p:cNvPicPr>
+          <p:nvPr/>
+        </p:nvPicPr>
+        <p:blipFill>
+          <a:blip r:embed="rId2">
+            <a:extLst>
+              <a:ext uri="{28A0092B-C50C-407E-A947-70E740481C1C}">
+                <a14:useLocalDpi xmlns:a14="http://schemas.microsoft.com/office/drawing/2010/main" val="0"/>
+              </a:ext>
+            </a:extLst>
+          </a:blip>
+          <a:srcRect/>
+          <a:stretch>
+            <a:fillRect/>
+          </a:stretch>
+        </p:blipFill>
+        <p:spPr bwMode="auto">
+          <a:xfrm>
+            <a:off x="427838" y="1861655"/>
+            <a:ext cx="1219200" cy="1143000"/>
+          </a:xfrm>
+          <a:prstGeom prst="rect">
+            <a:avLst/>
+          </a:prstGeom>
+          <a:noFill/>
+          <a:extLst>
+            <a:ext uri="{909E8E84-426E-40DD-AFC4-6F175D3DCCD1}">
+              <a14:hiddenFill xmlns:a14="http://schemas.microsoft.com/office/drawing/2010/main">
+                <a:solidFill>
+                  <a:srgbClr val="FFFFFF"/>
+                </a:solidFill>
+              </a14:hiddenFill>
+            </a:ext>
+          </a:extLst>
+        </p:spPr>
+      </p:pic>
+      <p:sp>
+        <p:nvSpPr>
+          <p:cNvPr id="12" name="TextovéPole 11">
+            <a:extLst>
+              <a:ext uri="{FF2B5EF4-FFF2-40B4-BE49-F238E27FC236}">
+                <a16:creationId xmlns:a16="http://schemas.microsoft.com/office/drawing/2014/main" id="{75C1299F-F384-4A1D-B849-F277E10B4552}"/>
+              </a:ext>
+            </a:extLst>
+          </p:cNvPr>
+          <p:cNvSpPr txBox="1"/>
+          <p:nvPr/>
+        </p:nvSpPr>
+        <p:spPr>
+          <a:xfrm>
+            <a:off x="1926174" y="2209800"/>
+            <a:ext cx="543482" cy="276999"/>
+          </a:xfrm>
+          <a:prstGeom prst="rect">
+            <a:avLst/>
+          </a:prstGeom>
+          <a:noFill/>
+        </p:spPr>
+        <p:txBody>
+          <a:bodyPr wrap="none" rtlCol="0">
+            <a:spAutoFit/>
+          </a:bodyPr>
+          <a:lstStyle/>
+          <a:p>
+            <a:r>
+              <a:rPr lang="cs-CZ" sz="1200" dirty="0">
+                <a:latin typeface="Segoe UI" panose="020B0502040204020203" pitchFamily="34" charset="0"/>
+                <a:cs typeface="Segoe UI" panose="020B0502040204020203" pitchFamily="34" charset="0"/>
+              </a:rPr>
+              <a:t>HTTP</a:t>
+            </a:r>
+          </a:p>
+        </p:txBody>
+      </p:sp>
+      <p:cxnSp>
+        <p:nvCxnSpPr>
+          <p:cNvPr id="18" name="Přímá spojnice se šipkou 17">
+            <a:extLst>
+              <a:ext uri="{FF2B5EF4-FFF2-40B4-BE49-F238E27FC236}">
+                <a16:creationId xmlns:a16="http://schemas.microsoft.com/office/drawing/2014/main" id="{61F3A6A0-6944-46A2-838E-0534782B3B44}"/>
+              </a:ext>
+            </a:extLst>
+          </p:cNvPr>
+          <p:cNvCxnSpPr>
+            <a:cxnSpLocks/>
+          </p:cNvCxnSpPr>
+          <p:nvPr/>
+        </p:nvCxnSpPr>
+        <p:spPr>
+          <a:xfrm>
+            <a:off x="7552887" y="2446091"/>
+            <a:ext cx="1195281" cy="0"/>
+          </a:xfrm>
+          <a:prstGeom prst="straightConnector1">
+            <a:avLst/>
+          </a:prstGeom>
+          <a:ln>
+            <a:solidFill>
+              <a:schemeClr val="tx1"/>
+            </a:solidFill>
+            <a:headEnd type="triangle"/>
+            <a:tailEnd type="triangle"/>
+          </a:ln>
+        </p:spPr>
+        <p:style>
+          <a:lnRef idx="1">
+            <a:schemeClr val="accent1"/>
+          </a:lnRef>
+          <a:fillRef idx="0">
+            <a:schemeClr val="accent1"/>
+          </a:fillRef>
+          <a:effectRef idx="0">
+            <a:schemeClr val="accent1"/>
+          </a:effectRef>
+          <a:fontRef idx="minor">
+            <a:schemeClr val="tx1"/>
+          </a:fontRef>
+        </p:style>
+      </p:cxnSp>
+      <p:sp>
+        <p:nvSpPr>
+          <p:cNvPr id="19" name="TextovéPole 18">
+            <a:extLst>
+              <a:ext uri="{FF2B5EF4-FFF2-40B4-BE49-F238E27FC236}">
+                <a16:creationId xmlns:a16="http://schemas.microsoft.com/office/drawing/2014/main" id="{7A92B051-ED4C-41AD-9FD1-BC6927D498D8}"/>
+              </a:ext>
+            </a:extLst>
+          </p:cNvPr>
+          <p:cNvSpPr txBox="1"/>
+          <p:nvPr/>
+        </p:nvSpPr>
+        <p:spPr>
+          <a:xfrm>
+            <a:off x="7648368" y="2209800"/>
+            <a:ext cx="1133356" cy="276999"/>
+          </a:xfrm>
+          <a:prstGeom prst="rect">
+            <a:avLst/>
+          </a:prstGeom>
+          <a:noFill/>
+        </p:spPr>
+        <p:txBody>
+          <a:bodyPr wrap="square" rtlCol="0">
+            <a:spAutoFit/>
+          </a:bodyPr>
+          <a:lstStyle/>
+          <a:p>
+            <a:r>
+              <a:rPr lang="cs-CZ" sz="1200" dirty="0" err="1">
+                <a:latin typeface="Segoe UI" panose="020B0502040204020203" pitchFamily="34" charset="0"/>
+                <a:cs typeface="Segoe UI" panose="020B0502040204020203" pitchFamily="34" charset="0"/>
+              </a:rPr>
+              <a:t>HttpContext</a:t>
+            </a:r>
+            <a:endParaRPr lang="cs-CZ" sz="1200" dirty="0">
+              <a:latin typeface="Segoe UI" panose="020B0502040204020203" pitchFamily="34" charset="0"/>
+              <a:cs typeface="Segoe UI" panose="020B0502040204020203" pitchFamily="34" charset="0"/>
+            </a:endParaRPr>
+          </a:p>
+        </p:txBody>
+      </p:sp>
+      <p:sp>
+        <p:nvSpPr>
+          <p:cNvPr id="27" name="Obdélník 26">
+            <a:extLst>
+              <a:ext uri="{FF2B5EF4-FFF2-40B4-BE49-F238E27FC236}">
+                <a16:creationId xmlns:a16="http://schemas.microsoft.com/office/drawing/2014/main" id="{564B1F60-613E-4F79-A82F-7BD2718B66A1}"/>
+              </a:ext>
+            </a:extLst>
+          </p:cNvPr>
+          <p:cNvSpPr/>
+          <p:nvPr/>
+        </p:nvSpPr>
+        <p:spPr>
+          <a:xfrm>
+            <a:off x="6158913" y="2939993"/>
+            <a:ext cx="1368807" cy="1704013"/>
+          </a:xfrm>
+          <a:prstGeom prst="rect">
+            <a:avLst/>
+          </a:prstGeom>
+          <a:solidFill>
+            <a:srgbClr val="004880"/>
+          </a:solidFill>
+          <a:ln>
+            <a:noFill/>
+          </a:ln>
+        </p:spPr>
+        <p:style>
+          <a:lnRef idx="2">
+            <a:schemeClr val="accent1">
+              <a:shade val="50000"/>
+            </a:schemeClr>
+          </a:lnRef>
+          <a:fillRef idx="1">
+            <a:schemeClr val="accent1"/>
+          </a:fillRef>
+          <a:effectRef idx="0">
+            <a:schemeClr val="accent1"/>
+          </a:effectRef>
+          <a:fontRef idx="minor">
+            <a:schemeClr val="lt1"/>
+          </a:fontRef>
+        </p:style>
+        <p:txBody>
+          <a:bodyPr rtlCol="0" anchor="ctr"/>
+          <a:lstStyle/>
+          <a:p>
+            <a:pPr algn="ctr"/>
+            <a:endParaRPr lang="cs-CZ" sz="1200" dirty="0">
+              <a:solidFill>
+                <a:schemeClr val="bg1"/>
+              </a:solidFill>
+              <a:latin typeface="Segoe UI" panose="020B0502040204020203" pitchFamily="34" charset="0"/>
+              <a:cs typeface="Segoe UI" panose="020B0502040204020203" pitchFamily="34" charset="0"/>
+            </a:endParaRPr>
+          </a:p>
+        </p:txBody>
+      </p:sp>
+      <p:sp>
+        <p:nvSpPr>
+          <p:cNvPr id="28" name="Obdélník 27">
+            <a:extLst>
+              <a:ext uri="{FF2B5EF4-FFF2-40B4-BE49-F238E27FC236}">
+                <a16:creationId xmlns:a16="http://schemas.microsoft.com/office/drawing/2014/main" id="{60D066C1-5F8F-469F-BF0E-9E17A11C8AEA}"/>
+              </a:ext>
+            </a:extLst>
+          </p:cNvPr>
+          <p:cNvSpPr/>
+          <p:nvPr/>
+        </p:nvSpPr>
+        <p:spPr>
+          <a:xfrm>
+            <a:off x="8785216" y="2939993"/>
+            <a:ext cx="2732867" cy="1704013"/>
+          </a:xfrm>
+          <a:prstGeom prst="rect">
+            <a:avLst/>
+          </a:prstGeom>
+          <a:solidFill>
+            <a:srgbClr val="0070C0"/>
+          </a:solidFill>
+          <a:ln>
+            <a:noFill/>
+          </a:ln>
+        </p:spPr>
+        <p:style>
+          <a:lnRef idx="2">
+            <a:schemeClr val="accent1">
+              <a:shade val="50000"/>
+            </a:schemeClr>
+          </a:lnRef>
+          <a:fillRef idx="1">
+            <a:schemeClr val="accent1"/>
+          </a:fillRef>
+          <a:effectRef idx="0">
+            <a:schemeClr val="accent1"/>
+          </a:effectRef>
+          <a:fontRef idx="minor">
+            <a:schemeClr val="lt1"/>
+          </a:fontRef>
+        </p:style>
+        <p:txBody>
+          <a:bodyPr rtlCol="0" anchor="ctr"/>
+          <a:lstStyle/>
+          <a:p>
+            <a:pPr algn="ctr"/>
+            <a:endParaRPr lang="cs-CZ" sz="1200" dirty="0">
+              <a:solidFill>
+                <a:schemeClr val="bg1"/>
+              </a:solidFill>
+              <a:latin typeface="Segoe UI" panose="020B0502040204020203" pitchFamily="34" charset="0"/>
+              <a:cs typeface="Segoe UI" panose="020B0502040204020203" pitchFamily="34" charset="0"/>
+            </a:endParaRPr>
+          </a:p>
+        </p:txBody>
+      </p:sp>
+      <p:sp>
+        <p:nvSpPr>
+          <p:cNvPr id="29" name="Obdélník 28">
+            <a:extLst>
+              <a:ext uri="{FF2B5EF4-FFF2-40B4-BE49-F238E27FC236}">
+                <a16:creationId xmlns:a16="http://schemas.microsoft.com/office/drawing/2014/main" id="{186D0875-8B8F-4B58-8935-EE0D2CBCB574}"/>
+              </a:ext>
+            </a:extLst>
+          </p:cNvPr>
+          <p:cNvSpPr/>
+          <p:nvPr/>
+        </p:nvSpPr>
+        <p:spPr>
+          <a:xfrm rot="5400000">
+            <a:off x="8454502" y="3731319"/>
+            <a:ext cx="1266741" cy="380379"/>
+          </a:xfrm>
+          <a:prstGeom prst="rect">
+            <a:avLst/>
+          </a:prstGeom>
+          <a:solidFill>
+            <a:schemeClr val="accent1">
+              <a:lumMod val="50000"/>
+            </a:schemeClr>
+          </a:solidFill>
+          <a:ln>
+            <a:noFill/>
+          </a:ln>
+        </p:spPr>
+        <p:style>
+          <a:lnRef idx="2">
+            <a:schemeClr val="accent1">
+              <a:shade val="50000"/>
+            </a:schemeClr>
+          </a:lnRef>
+          <a:fillRef idx="1">
+            <a:schemeClr val="accent1"/>
+          </a:fillRef>
+          <a:effectRef idx="0">
+            <a:schemeClr val="accent1"/>
+          </a:effectRef>
+          <a:fontRef idx="minor">
+            <a:schemeClr val="lt1"/>
+          </a:fontRef>
+        </p:style>
+        <p:txBody>
+          <a:bodyPr rtlCol="0" anchor="ctr"/>
+          <a:lstStyle/>
+          <a:p>
+            <a:pPr algn="ctr"/>
+            <a:r>
+              <a:rPr lang="cs-CZ" sz="1200" dirty="0">
+                <a:solidFill>
+                  <a:schemeClr val="bg1"/>
+                </a:solidFill>
+                <a:latin typeface="Segoe UI" panose="020B0502040204020203" pitchFamily="34" charset="0"/>
+                <a:cs typeface="Segoe UI" panose="020B0502040204020203" pitchFamily="34" charset="0"/>
+              </a:rPr>
+              <a:t>MIDDLEWARE</a:t>
+            </a:r>
+          </a:p>
+        </p:txBody>
+      </p:sp>
+      <p:sp>
+        <p:nvSpPr>
+          <p:cNvPr id="30" name="Obdélník 29">
+            <a:extLst>
+              <a:ext uri="{FF2B5EF4-FFF2-40B4-BE49-F238E27FC236}">
+                <a16:creationId xmlns:a16="http://schemas.microsoft.com/office/drawing/2014/main" id="{FEF59044-AD94-489A-927F-9903FD11B8A5}"/>
+              </a:ext>
+            </a:extLst>
+          </p:cNvPr>
+          <p:cNvSpPr/>
+          <p:nvPr/>
+        </p:nvSpPr>
+        <p:spPr>
+          <a:xfrm rot="5400000">
+            <a:off x="9163145" y="3731319"/>
+            <a:ext cx="1266741" cy="380379"/>
+          </a:xfrm>
+          <a:prstGeom prst="rect">
+            <a:avLst/>
+          </a:prstGeom>
+          <a:solidFill>
+            <a:schemeClr val="accent1">
+              <a:lumMod val="50000"/>
+            </a:schemeClr>
+          </a:solidFill>
+          <a:ln>
+            <a:noFill/>
+          </a:ln>
+        </p:spPr>
+        <p:style>
+          <a:lnRef idx="2">
+            <a:schemeClr val="accent1">
+              <a:shade val="50000"/>
+            </a:schemeClr>
+          </a:lnRef>
+          <a:fillRef idx="1">
+            <a:schemeClr val="accent1"/>
+          </a:fillRef>
+          <a:effectRef idx="0">
+            <a:schemeClr val="accent1"/>
+          </a:effectRef>
+          <a:fontRef idx="minor">
+            <a:schemeClr val="lt1"/>
+          </a:fontRef>
+        </p:style>
+        <p:txBody>
+          <a:bodyPr rtlCol="0" anchor="ctr"/>
+          <a:lstStyle/>
+          <a:p>
+            <a:pPr algn="ctr"/>
+            <a:r>
+              <a:rPr lang="cs-CZ" sz="1200" dirty="0">
+                <a:solidFill>
+                  <a:schemeClr val="bg1"/>
+                </a:solidFill>
+                <a:latin typeface="Segoe UI" panose="020B0502040204020203" pitchFamily="34" charset="0"/>
+                <a:cs typeface="Segoe UI" panose="020B0502040204020203" pitchFamily="34" charset="0"/>
+              </a:rPr>
+              <a:t>MIDDLEWARE</a:t>
+            </a:r>
+          </a:p>
+        </p:txBody>
+      </p:sp>
+      <p:sp>
+        <p:nvSpPr>
+          <p:cNvPr id="35" name="Šipka: doprava 34">
+            <a:extLst>
+              <a:ext uri="{FF2B5EF4-FFF2-40B4-BE49-F238E27FC236}">
+                <a16:creationId xmlns:a16="http://schemas.microsoft.com/office/drawing/2014/main" id="{A311090D-057F-43B5-B91E-4999B233F33E}"/>
+              </a:ext>
+            </a:extLst>
+          </p:cNvPr>
+          <p:cNvSpPr/>
+          <p:nvPr/>
+        </p:nvSpPr>
+        <p:spPr>
+          <a:xfrm>
+            <a:off x="9269721" y="3519710"/>
+            <a:ext cx="218114" cy="201335"/>
+          </a:xfrm>
+          <a:prstGeom prst="rightArrow">
+            <a:avLst/>
+          </a:prstGeom>
+          <a:solidFill>
+            <a:schemeClr val="accent1">
+              <a:lumMod val="50000"/>
+            </a:schemeClr>
+          </a:solidFill>
+          <a:ln>
+            <a:noFill/>
+          </a:ln>
+        </p:spPr>
+        <p:style>
+          <a:lnRef idx="2">
+            <a:schemeClr val="accent1">
+              <a:shade val="50000"/>
+            </a:schemeClr>
+          </a:lnRef>
+          <a:fillRef idx="1">
+            <a:schemeClr val="accent1"/>
+          </a:fillRef>
+          <a:effectRef idx="0">
+            <a:schemeClr val="accent1"/>
+          </a:effectRef>
+          <a:fontRef idx="minor">
+            <a:schemeClr val="lt1"/>
+          </a:fontRef>
+        </p:style>
+        <p:txBody>
+          <a:bodyPr rtlCol="0" anchor="ctr"/>
+          <a:lstStyle/>
+          <a:p>
+            <a:pPr algn="ctr"/>
+            <a:endParaRPr lang="cs-CZ"/>
+          </a:p>
+        </p:txBody>
+      </p:sp>
+      <p:sp>
+        <p:nvSpPr>
+          <p:cNvPr id="36" name="Šipka: doprava 35">
+            <a:extLst>
+              <a:ext uri="{FF2B5EF4-FFF2-40B4-BE49-F238E27FC236}">
+                <a16:creationId xmlns:a16="http://schemas.microsoft.com/office/drawing/2014/main" id="{429AE5DC-06B8-4FF3-A867-512FA15C3056}"/>
+              </a:ext>
+            </a:extLst>
+          </p:cNvPr>
+          <p:cNvSpPr/>
+          <p:nvPr/>
+        </p:nvSpPr>
+        <p:spPr>
+          <a:xfrm rot="10800000">
+            <a:off x="9390584" y="4155999"/>
+            <a:ext cx="218114" cy="201335"/>
+          </a:xfrm>
+          <a:prstGeom prst="rightArrow">
+            <a:avLst/>
+          </a:prstGeom>
+          <a:solidFill>
+            <a:schemeClr val="accent1">
+              <a:lumMod val="50000"/>
+            </a:schemeClr>
+          </a:solidFill>
+          <a:ln>
+            <a:noFill/>
+          </a:ln>
+        </p:spPr>
+        <p:style>
+          <a:lnRef idx="2">
+            <a:schemeClr val="accent1">
+              <a:shade val="50000"/>
+            </a:schemeClr>
+          </a:lnRef>
+          <a:fillRef idx="1">
+            <a:schemeClr val="accent1"/>
+          </a:fillRef>
+          <a:effectRef idx="0">
+            <a:schemeClr val="accent1"/>
+          </a:effectRef>
+          <a:fontRef idx="minor">
+            <a:schemeClr val="lt1"/>
+          </a:fontRef>
+        </p:style>
+        <p:txBody>
+          <a:bodyPr rtlCol="0" anchor="ctr"/>
+          <a:lstStyle/>
+          <a:p>
+            <a:pPr algn="ctr"/>
+            <a:endParaRPr lang="cs-CZ"/>
+          </a:p>
+        </p:txBody>
+      </p:sp>
+      <p:sp>
+        <p:nvSpPr>
+          <p:cNvPr id="37" name="Šipka: doprava 36">
+            <a:extLst>
+              <a:ext uri="{FF2B5EF4-FFF2-40B4-BE49-F238E27FC236}">
+                <a16:creationId xmlns:a16="http://schemas.microsoft.com/office/drawing/2014/main" id="{F6D2A0B3-26A3-443A-8442-7B1A0EAB3A8E}"/>
+              </a:ext>
+            </a:extLst>
+          </p:cNvPr>
+          <p:cNvSpPr/>
+          <p:nvPr/>
+        </p:nvSpPr>
+        <p:spPr>
+          <a:xfrm>
+            <a:off x="9979343" y="3519882"/>
+            <a:ext cx="218114" cy="201335"/>
+          </a:xfrm>
+          <a:prstGeom prst="rightArrow">
+            <a:avLst/>
+          </a:prstGeom>
+          <a:solidFill>
+            <a:schemeClr val="accent1">
+              <a:lumMod val="50000"/>
+            </a:schemeClr>
+          </a:solidFill>
+          <a:ln>
+            <a:noFill/>
+          </a:ln>
+        </p:spPr>
+        <p:style>
+          <a:lnRef idx="2">
+            <a:schemeClr val="accent1">
+              <a:shade val="50000"/>
+            </a:schemeClr>
+          </a:lnRef>
+          <a:fillRef idx="1">
+            <a:schemeClr val="accent1"/>
+          </a:fillRef>
+          <a:effectRef idx="0">
+            <a:schemeClr val="accent1"/>
+          </a:effectRef>
+          <a:fontRef idx="minor">
+            <a:schemeClr val="lt1"/>
+          </a:fontRef>
+        </p:style>
+        <p:txBody>
+          <a:bodyPr rtlCol="0" anchor="ctr"/>
+          <a:lstStyle/>
+          <a:p>
+            <a:pPr algn="ctr"/>
+            <a:endParaRPr lang="cs-CZ"/>
+          </a:p>
+        </p:txBody>
+      </p:sp>
+      <p:sp>
+        <p:nvSpPr>
+          <p:cNvPr id="41" name="Šipka: doprava 40">
+            <a:extLst>
+              <a:ext uri="{FF2B5EF4-FFF2-40B4-BE49-F238E27FC236}">
+                <a16:creationId xmlns:a16="http://schemas.microsoft.com/office/drawing/2014/main" id="{B67E4875-C8C6-49EB-A8E0-70604EAA8DED}"/>
+              </a:ext>
+            </a:extLst>
+          </p:cNvPr>
+          <p:cNvSpPr/>
+          <p:nvPr/>
+        </p:nvSpPr>
+        <p:spPr>
+          <a:xfrm>
+            <a:off x="7525412" y="3483776"/>
+            <a:ext cx="1177393" cy="220663"/>
+          </a:xfrm>
+          <a:prstGeom prst="rightArrow">
+            <a:avLst/>
+          </a:prstGeom>
+          <a:solidFill>
+            <a:schemeClr val="accent1">
+              <a:lumMod val="50000"/>
+            </a:schemeClr>
+          </a:solidFill>
+          <a:ln>
+            <a:noFill/>
+          </a:ln>
+        </p:spPr>
+        <p:style>
+          <a:lnRef idx="2">
+            <a:schemeClr val="accent1">
+              <a:shade val="50000"/>
+            </a:schemeClr>
+          </a:lnRef>
+          <a:fillRef idx="1">
+            <a:schemeClr val="accent1"/>
+          </a:fillRef>
+          <a:effectRef idx="0">
+            <a:schemeClr val="accent1"/>
+          </a:effectRef>
+          <a:fontRef idx="minor">
+            <a:schemeClr val="lt1"/>
+          </a:fontRef>
+        </p:style>
+        <p:txBody>
+          <a:bodyPr rtlCol="0" anchor="ctr"/>
+          <a:lstStyle/>
+          <a:p>
+            <a:pPr algn="ctr"/>
+            <a:endParaRPr lang="cs-CZ"/>
+          </a:p>
+        </p:txBody>
+      </p:sp>
+      <p:sp>
+        <p:nvSpPr>
+          <p:cNvPr id="45" name="Obdélník 44">
+            <a:extLst>
+              <a:ext uri="{FF2B5EF4-FFF2-40B4-BE49-F238E27FC236}">
+                <a16:creationId xmlns:a16="http://schemas.microsoft.com/office/drawing/2014/main" id="{C2021707-4308-439A-8FF3-D6B40788C65E}"/>
+              </a:ext>
+            </a:extLst>
+          </p:cNvPr>
+          <p:cNvSpPr/>
+          <p:nvPr/>
+        </p:nvSpPr>
+        <p:spPr>
+          <a:xfrm>
+            <a:off x="10197457" y="2781651"/>
+            <a:ext cx="1320626" cy="1862356"/>
+          </a:xfrm>
+          <a:prstGeom prst="rect">
+            <a:avLst/>
+          </a:prstGeom>
+          <a:solidFill>
+            <a:srgbClr val="7030A0"/>
+          </a:solidFill>
+          <a:ln>
+            <a:noFill/>
+          </a:ln>
+        </p:spPr>
+        <p:style>
+          <a:lnRef idx="2">
+            <a:schemeClr val="accent1">
+              <a:shade val="50000"/>
+            </a:schemeClr>
+          </a:lnRef>
+          <a:fillRef idx="1">
+            <a:schemeClr val="accent1"/>
+          </a:fillRef>
+          <a:effectRef idx="0">
+            <a:schemeClr val="accent1"/>
+          </a:effectRef>
+          <a:fontRef idx="minor">
+            <a:schemeClr val="lt1"/>
+          </a:fontRef>
+        </p:style>
+        <p:txBody>
+          <a:bodyPr rtlCol="0" anchor="ctr"/>
+          <a:lstStyle/>
+          <a:p>
+            <a:pPr algn="ctr"/>
+            <a:r>
+              <a:rPr lang="cs-CZ" sz="1200" b="1" dirty="0">
+                <a:solidFill>
+                  <a:schemeClr val="bg1"/>
+                </a:solidFill>
+                <a:latin typeface="Segoe UI" panose="020B0502040204020203" pitchFamily="34" charset="0"/>
+                <a:cs typeface="Segoe UI" panose="020B0502040204020203" pitchFamily="34" charset="0"/>
+              </a:rPr>
+              <a:t>CORE MVC</a:t>
+            </a:r>
+          </a:p>
+          <a:p>
+            <a:pPr algn="ctr"/>
+            <a:endParaRPr lang="cs-CZ" sz="1200" b="1" dirty="0">
+              <a:solidFill>
+                <a:schemeClr val="bg1"/>
+              </a:solidFill>
+              <a:latin typeface="Segoe UI" panose="020B0502040204020203" pitchFamily="34" charset="0"/>
+              <a:cs typeface="Segoe UI" panose="020B0502040204020203" pitchFamily="34" charset="0"/>
+            </a:endParaRPr>
+          </a:p>
+          <a:p>
+            <a:pPr algn="ctr"/>
+            <a:endParaRPr lang="cs-CZ" sz="1200" b="1" dirty="0">
+              <a:solidFill>
+                <a:schemeClr val="bg1"/>
+              </a:solidFill>
+              <a:latin typeface="Segoe UI" panose="020B0502040204020203" pitchFamily="34" charset="0"/>
+              <a:cs typeface="Segoe UI" panose="020B0502040204020203" pitchFamily="34" charset="0"/>
+            </a:endParaRPr>
+          </a:p>
+          <a:p>
+            <a:pPr algn="ctr"/>
+            <a:endParaRPr lang="cs-CZ" sz="1200" b="1" dirty="0">
+              <a:solidFill>
+                <a:schemeClr val="bg1"/>
+              </a:solidFill>
+              <a:latin typeface="Segoe UI" panose="020B0502040204020203" pitchFamily="34" charset="0"/>
+              <a:cs typeface="Segoe UI" panose="020B0502040204020203" pitchFamily="34" charset="0"/>
+            </a:endParaRPr>
+          </a:p>
+          <a:p>
+            <a:pPr algn="ctr"/>
+            <a:endParaRPr lang="cs-CZ" sz="1200" b="1" dirty="0">
+              <a:solidFill>
+                <a:schemeClr val="bg1"/>
+              </a:solidFill>
+              <a:latin typeface="Segoe UI" panose="020B0502040204020203" pitchFamily="34" charset="0"/>
+              <a:cs typeface="Segoe UI" panose="020B0502040204020203" pitchFamily="34" charset="0"/>
+            </a:endParaRPr>
+          </a:p>
+          <a:p>
+            <a:pPr algn="ctr"/>
+            <a:endParaRPr lang="cs-CZ" sz="1200" b="1" dirty="0">
+              <a:solidFill>
+                <a:schemeClr val="bg1"/>
+              </a:solidFill>
+              <a:latin typeface="Segoe UI" panose="020B0502040204020203" pitchFamily="34" charset="0"/>
+              <a:cs typeface="Segoe UI" panose="020B0502040204020203" pitchFamily="34" charset="0"/>
+            </a:endParaRPr>
+          </a:p>
+          <a:p>
+            <a:pPr algn="ctr"/>
+            <a:endParaRPr lang="cs-CZ" sz="1200" b="1" dirty="0">
+              <a:solidFill>
+                <a:schemeClr val="bg1"/>
+              </a:solidFill>
+              <a:latin typeface="Segoe UI" panose="020B0502040204020203" pitchFamily="34" charset="0"/>
+              <a:cs typeface="Segoe UI" panose="020B0502040204020203" pitchFamily="34" charset="0"/>
+            </a:endParaRPr>
+          </a:p>
+          <a:p>
+            <a:pPr algn="ctr"/>
+            <a:endParaRPr lang="cs-CZ" sz="1200" b="1" dirty="0">
+              <a:solidFill>
+                <a:schemeClr val="bg1"/>
+              </a:solidFill>
+              <a:latin typeface="Segoe UI" panose="020B0502040204020203" pitchFamily="34" charset="0"/>
+              <a:cs typeface="Segoe UI" panose="020B0502040204020203" pitchFamily="34" charset="0"/>
+            </a:endParaRPr>
+          </a:p>
+        </p:txBody>
+      </p:sp>
+      <p:sp>
+        <p:nvSpPr>
+          <p:cNvPr id="42" name="Šipka: doprava 41">
+            <a:extLst>
+              <a:ext uri="{FF2B5EF4-FFF2-40B4-BE49-F238E27FC236}">
+                <a16:creationId xmlns:a16="http://schemas.microsoft.com/office/drawing/2014/main" id="{9D02D0B4-2E9A-41EF-AEC9-2101EC36D706}"/>
+              </a:ext>
+            </a:extLst>
+          </p:cNvPr>
+          <p:cNvSpPr/>
+          <p:nvPr/>
+        </p:nvSpPr>
+        <p:spPr>
+          <a:xfrm rot="10800000">
+            <a:off x="7572464" y="4139392"/>
+            <a:ext cx="1335094" cy="201336"/>
+          </a:xfrm>
+          <a:prstGeom prst="rightArrow">
+            <a:avLst/>
+          </a:prstGeom>
+          <a:solidFill>
+            <a:schemeClr val="accent1">
+              <a:lumMod val="50000"/>
+            </a:schemeClr>
+          </a:solidFill>
+          <a:ln>
+            <a:noFill/>
+          </a:ln>
+        </p:spPr>
+        <p:style>
+          <a:lnRef idx="2">
+            <a:schemeClr val="accent1">
+              <a:shade val="50000"/>
+            </a:schemeClr>
+          </a:lnRef>
+          <a:fillRef idx="1">
+            <a:schemeClr val="accent1"/>
+          </a:fillRef>
+          <a:effectRef idx="0">
+            <a:schemeClr val="accent1"/>
+          </a:effectRef>
+          <a:fontRef idx="minor">
+            <a:schemeClr val="lt1"/>
+          </a:fontRef>
+        </p:style>
+        <p:txBody>
+          <a:bodyPr rtlCol="0" anchor="ctr"/>
+          <a:lstStyle/>
+          <a:p>
+            <a:pPr algn="ctr"/>
+            <a:endParaRPr lang="cs-CZ"/>
+          </a:p>
+        </p:txBody>
+      </p:sp>
+      <p:sp>
+        <p:nvSpPr>
+          <p:cNvPr id="44" name="TextovéPole 43">
+            <a:extLst>
+              <a:ext uri="{FF2B5EF4-FFF2-40B4-BE49-F238E27FC236}">
+                <a16:creationId xmlns:a16="http://schemas.microsoft.com/office/drawing/2014/main" id="{E7229169-7C3C-4C28-8F14-F35FA8EDC1A2}"/>
+              </a:ext>
+            </a:extLst>
+          </p:cNvPr>
+          <p:cNvSpPr txBox="1"/>
+          <p:nvPr/>
+        </p:nvSpPr>
+        <p:spPr>
+          <a:xfrm>
+            <a:off x="7648368" y="1860334"/>
+            <a:ext cx="2261453" cy="276999"/>
+          </a:xfrm>
+          <a:prstGeom prst="rect">
+            <a:avLst/>
+          </a:prstGeom>
+          <a:noFill/>
+        </p:spPr>
+        <p:txBody>
+          <a:bodyPr wrap="none" rtlCol="0">
+            <a:spAutoFit/>
+          </a:bodyPr>
+          <a:lstStyle/>
+          <a:p>
+            <a:pPr algn="ctr"/>
+            <a:r>
+              <a:rPr lang="cs-CZ" sz="1200" b="1" dirty="0">
+                <a:latin typeface="Segoe UI" panose="020B0502040204020203" pitchFamily="34" charset="0"/>
+                <a:cs typeface="Segoe UI" panose="020B0502040204020203" pitchFamily="34" charset="0"/>
+              </a:rPr>
+              <a:t>ASP.NET CORE APPLICATION</a:t>
+            </a:r>
+          </a:p>
+        </p:txBody>
+      </p:sp>
+      <p:sp>
+        <p:nvSpPr>
+          <p:cNvPr id="31" name="Obdélník 30">
+            <a:extLst>
+              <a:ext uri="{FF2B5EF4-FFF2-40B4-BE49-F238E27FC236}">
+                <a16:creationId xmlns:a16="http://schemas.microsoft.com/office/drawing/2014/main" id="{C08B48E7-BB12-4DB0-A631-562C8C2DF385}"/>
+              </a:ext>
+            </a:extLst>
+          </p:cNvPr>
+          <p:cNvSpPr/>
+          <p:nvPr/>
+        </p:nvSpPr>
+        <p:spPr>
+          <a:xfrm rot="5400000">
+            <a:off x="9871788" y="3731319"/>
+            <a:ext cx="1266741" cy="380379"/>
+          </a:xfrm>
+          <a:prstGeom prst="rect">
+            <a:avLst/>
+          </a:prstGeom>
+          <a:solidFill>
+            <a:schemeClr val="accent1">
+              <a:lumMod val="50000"/>
+            </a:schemeClr>
+          </a:solidFill>
+          <a:ln>
+            <a:noFill/>
+          </a:ln>
+        </p:spPr>
+        <p:style>
+          <a:lnRef idx="2">
+            <a:schemeClr val="accent1">
+              <a:shade val="50000"/>
+            </a:schemeClr>
+          </a:lnRef>
+          <a:fillRef idx="1">
+            <a:schemeClr val="accent1"/>
+          </a:fillRef>
+          <a:effectRef idx="0">
+            <a:schemeClr val="accent1"/>
+          </a:effectRef>
+          <a:fontRef idx="minor">
+            <a:schemeClr val="lt1"/>
+          </a:fontRef>
+        </p:style>
+        <p:txBody>
+          <a:bodyPr rtlCol="0" anchor="ctr"/>
+          <a:lstStyle/>
+          <a:p>
+            <a:pPr algn="ctr"/>
+            <a:r>
+              <a:rPr lang="cs-CZ" sz="1200" dirty="0">
+                <a:solidFill>
+                  <a:schemeClr val="bg1"/>
+                </a:solidFill>
+                <a:latin typeface="Segoe UI" panose="020B0502040204020203" pitchFamily="34" charset="0"/>
+                <a:cs typeface="Segoe UI" panose="020B0502040204020203" pitchFamily="34" charset="0"/>
+              </a:rPr>
+              <a:t>MIDDLEWARE</a:t>
+            </a:r>
+          </a:p>
+        </p:txBody>
+      </p:sp>
+      <p:sp>
+        <p:nvSpPr>
+          <p:cNvPr id="39" name="Šipka: doprava 38">
+            <a:extLst>
+              <a:ext uri="{FF2B5EF4-FFF2-40B4-BE49-F238E27FC236}">
+                <a16:creationId xmlns:a16="http://schemas.microsoft.com/office/drawing/2014/main" id="{7EFF68F8-4C24-4338-9B6F-E5388B89D891}"/>
+              </a:ext>
+            </a:extLst>
+          </p:cNvPr>
+          <p:cNvSpPr/>
+          <p:nvPr/>
+        </p:nvSpPr>
+        <p:spPr>
+          <a:xfrm>
+            <a:off x="10694923" y="3514594"/>
+            <a:ext cx="218114" cy="201335"/>
+          </a:xfrm>
+          <a:prstGeom prst="rightArrow">
+            <a:avLst/>
+          </a:prstGeom>
+          <a:solidFill>
+            <a:schemeClr val="accent1">
+              <a:lumMod val="50000"/>
+            </a:schemeClr>
+          </a:solidFill>
+          <a:ln>
+            <a:noFill/>
+          </a:ln>
+        </p:spPr>
+        <p:style>
+          <a:lnRef idx="2">
+            <a:schemeClr val="accent1">
+              <a:shade val="50000"/>
+            </a:schemeClr>
+          </a:lnRef>
+          <a:fillRef idx="1">
+            <a:schemeClr val="accent1"/>
+          </a:fillRef>
+          <a:effectRef idx="0">
+            <a:schemeClr val="accent1"/>
+          </a:effectRef>
+          <a:fontRef idx="minor">
+            <a:schemeClr val="lt1"/>
+          </a:fontRef>
+        </p:style>
+        <p:txBody>
+          <a:bodyPr rtlCol="0" anchor="ctr"/>
+          <a:lstStyle/>
+          <a:p>
+            <a:pPr algn="ctr"/>
+            <a:endParaRPr lang="cs-CZ"/>
+          </a:p>
+        </p:txBody>
+      </p:sp>
+      <p:sp>
+        <p:nvSpPr>
+          <p:cNvPr id="40" name="Šipka: doprava 39">
+            <a:extLst>
+              <a:ext uri="{FF2B5EF4-FFF2-40B4-BE49-F238E27FC236}">
+                <a16:creationId xmlns:a16="http://schemas.microsoft.com/office/drawing/2014/main" id="{6DE2FF7C-578B-46A6-9815-E4C53CC6BF32}"/>
+              </a:ext>
+            </a:extLst>
+          </p:cNvPr>
+          <p:cNvSpPr/>
+          <p:nvPr/>
+        </p:nvSpPr>
+        <p:spPr>
+          <a:xfrm rot="10800000">
+            <a:off x="10815786" y="4150883"/>
+            <a:ext cx="218114" cy="201335"/>
+          </a:xfrm>
+          <a:prstGeom prst="rightArrow">
+            <a:avLst/>
+          </a:prstGeom>
+          <a:solidFill>
+            <a:schemeClr val="accent1">
+              <a:lumMod val="50000"/>
+            </a:schemeClr>
+          </a:solidFill>
+          <a:ln>
+            <a:noFill/>
+          </a:ln>
+        </p:spPr>
+        <p:style>
+          <a:lnRef idx="2">
+            <a:schemeClr val="accent1">
+              <a:shade val="50000"/>
+            </a:schemeClr>
+          </a:lnRef>
+          <a:fillRef idx="1">
+            <a:schemeClr val="accent1"/>
+          </a:fillRef>
+          <a:effectRef idx="0">
+            <a:schemeClr val="accent1"/>
+          </a:effectRef>
+          <a:fontRef idx="minor">
+            <a:schemeClr val="lt1"/>
+          </a:fontRef>
+        </p:style>
+        <p:txBody>
+          <a:bodyPr rtlCol="0" anchor="ctr"/>
+          <a:lstStyle/>
+          <a:p>
+            <a:pPr algn="ctr"/>
+            <a:endParaRPr lang="cs-CZ"/>
+          </a:p>
+        </p:txBody>
+      </p:sp>
+      <p:sp>
+        <p:nvSpPr>
+          <p:cNvPr id="32" name="Obdélník 31">
+            <a:extLst>
+              <a:ext uri="{FF2B5EF4-FFF2-40B4-BE49-F238E27FC236}">
+                <a16:creationId xmlns:a16="http://schemas.microsoft.com/office/drawing/2014/main" id="{30B178D9-AE39-4385-8A38-C0CC3EB03B36}"/>
+              </a:ext>
+            </a:extLst>
+          </p:cNvPr>
+          <p:cNvSpPr/>
+          <p:nvPr/>
+        </p:nvSpPr>
+        <p:spPr>
+          <a:xfrm rot="5400000">
+            <a:off x="10581388" y="3723981"/>
+            <a:ext cx="1266741" cy="380379"/>
+          </a:xfrm>
+          <a:prstGeom prst="rect">
+            <a:avLst/>
+          </a:prstGeom>
+          <a:solidFill>
+            <a:schemeClr val="accent1">
+              <a:lumMod val="50000"/>
+            </a:schemeClr>
+          </a:solidFill>
+          <a:ln>
+            <a:noFill/>
+          </a:ln>
+        </p:spPr>
+        <p:style>
+          <a:lnRef idx="2">
+            <a:schemeClr val="accent1">
+              <a:shade val="50000"/>
+            </a:schemeClr>
+          </a:lnRef>
+          <a:fillRef idx="1">
+            <a:schemeClr val="accent1"/>
+          </a:fillRef>
+          <a:effectRef idx="0">
+            <a:schemeClr val="accent1"/>
+          </a:effectRef>
+          <a:fontRef idx="minor">
+            <a:schemeClr val="lt1"/>
+          </a:fontRef>
+        </p:style>
+        <p:txBody>
+          <a:bodyPr rtlCol="0" anchor="ctr"/>
+          <a:lstStyle/>
+          <a:p>
+            <a:pPr algn="ctr"/>
+            <a:r>
+              <a:rPr lang="cs-CZ" sz="1200" dirty="0">
+                <a:solidFill>
+                  <a:schemeClr val="bg1"/>
+                </a:solidFill>
+                <a:latin typeface="Segoe UI" panose="020B0502040204020203" pitchFamily="34" charset="0"/>
+                <a:cs typeface="Segoe UI" panose="020B0502040204020203" pitchFamily="34" charset="0"/>
+              </a:rPr>
+              <a:t>MIDDLEWARE</a:t>
+            </a:r>
+          </a:p>
+        </p:txBody>
+      </p:sp>
+      <p:sp>
+        <p:nvSpPr>
+          <p:cNvPr id="46" name="Obdélník 45">
+            <a:extLst>
+              <a:ext uri="{FF2B5EF4-FFF2-40B4-BE49-F238E27FC236}">
+                <a16:creationId xmlns:a16="http://schemas.microsoft.com/office/drawing/2014/main" id="{AAA04CA4-8C41-40FD-ACA0-067B729DEE02}"/>
+              </a:ext>
+            </a:extLst>
+          </p:cNvPr>
+          <p:cNvSpPr/>
+          <p:nvPr/>
+        </p:nvSpPr>
+        <p:spPr>
+          <a:xfrm>
+            <a:off x="4254556" y="256494"/>
+            <a:ext cx="3461973" cy="830997"/>
+          </a:xfrm>
+          <a:prstGeom prst="rect">
+            <a:avLst/>
+          </a:prstGeom>
+        </p:spPr>
+        <p:txBody>
+          <a:bodyPr wrap="none">
+            <a:spAutoFit/>
+          </a:bodyPr>
+          <a:lstStyle/>
+          <a:p>
+            <a:pPr algn="ctr"/>
+            <a:r>
+              <a:rPr lang="cs-CZ" sz="2400" b="1" dirty="0">
+                <a:latin typeface="Segoe UI Light" panose="020B0502040204020203" pitchFamily="34" charset="0"/>
+                <a:cs typeface="Segoe UI Light" panose="020B0502040204020203" pitchFamily="34" charset="0"/>
+              </a:rPr>
+              <a:t>ASP.NET </a:t>
+            </a:r>
+            <a:r>
+              <a:rPr lang="cs-CZ" sz="2400" b="1" dirty="0" err="1">
+                <a:latin typeface="Segoe UI Light" panose="020B0502040204020203" pitchFamily="34" charset="0"/>
+                <a:cs typeface="Segoe UI Light" panose="020B0502040204020203" pitchFamily="34" charset="0"/>
+              </a:rPr>
+              <a:t>Core</a:t>
+            </a:r>
+            <a:r>
+              <a:rPr lang="cs-CZ" sz="2400" b="1" dirty="0">
+                <a:latin typeface="Segoe UI Light" panose="020B0502040204020203" pitchFamily="34" charset="0"/>
+                <a:cs typeface="Segoe UI Light" panose="020B0502040204020203" pitchFamily="34" charset="0"/>
+              </a:rPr>
+              <a:t> </a:t>
+            </a:r>
+            <a:r>
+              <a:rPr lang="cs-CZ" sz="2400" b="1" dirty="0" err="1">
+                <a:latin typeface="Segoe UI Light" panose="020B0502040204020203" pitchFamily="34" charset="0"/>
+                <a:cs typeface="Segoe UI Light" panose="020B0502040204020203" pitchFamily="34" charset="0"/>
+              </a:rPr>
+              <a:t>Hosting</a:t>
+            </a:r>
+            <a:endParaRPr lang="cs-CZ" sz="2400" b="1" dirty="0">
+              <a:latin typeface="Segoe UI Light" panose="020B0502040204020203" pitchFamily="34" charset="0"/>
+              <a:cs typeface="Segoe UI Light" panose="020B0502040204020203" pitchFamily="34" charset="0"/>
+            </a:endParaRPr>
+          </a:p>
+          <a:p>
+            <a:pPr algn="ctr"/>
+            <a:endParaRPr lang="cs-CZ" sz="600" b="1" dirty="0">
+              <a:latin typeface="Segoe UI Light" panose="020B0502040204020203" pitchFamily="34" charset="0"/>
+              <a:cs typeface="Segoe UI Light" panose="020B0502040204020203" pitchFamily="34" charset="0"/>
+            </a:endParaRPr>
+          </a:p>
+          <a:p>
+            <a:pPr algn="ctr"/>
+            <a:r>
+              <a:rPr lang="cs-CZ" b="1" dirty="0" err="1">
+                <a:latin typeface="Segoe UI Light" panose="020B0502040204020203" pitchFamily="34" charset="0"/>
+                <a:cs typeface="Segoe UI Light" panose="020B0502040204020203" pitchFamily="34" charset="0"/>
+              </a:rPr>
+              <a:t>inprocess</a:t>
+            </a:r>
+            <a:r>
+              <a:rPr lang="cs-CZ" b="1" dirty="0">
+                <a:latin typeface="Segoe UI Light" panose="020B0502040204020203" pitchFamily="34" charset="0"/>
+                <a:cs typeface="Segoe UI Light" panose="020B0502040204020203" pitchFamily="34" charset="0"/>
+              </a:rPr>
+              <a:t> (</a:t>
+            </a:r>
+            <a:r>
+              <a:rPr lang="cs-CZ" b="1" dirty="0" err="1">
+                <a:latin typeface="Segoe UI Light" panose="020B0502040204020203" pitchFamily="34" charset="0"/>
+                <a:cs typeface="Segoe UI Light" panose="020B0502040204020203" pitchFamily="34" charset="0"/>
+              </a:rPr>
+              <a:t>from</a:t>
+            </a:r>
+            <a:r>
+              <a:rPr lang="cs-CZ" b="1" dirty="0">
+                <a:latin typeface="Segoe UI Light" panose="020B0502040204020203" pitchFamily="34" charset="0"/>
+                <a:cs typeface="Segoe UI Light" panose="020B0502040204020203" pitchFamily="34" charset="0"/>
+              </a:rPr>
+              <a:t> ASP.NET </a:t>
+            </a:r>
+            <a:r>
+              <a:rPr lang="cs-CZ" b="1" dirty="0" err="1">
+                <a:latin typeface="Segoe UI Light" panose="020B0502040204020203" pitchFamily="34" charset="0"/>
+                <a:cs typeface="Segoe UI Light" panose="020B0502040204020203" pitchFamily="34" charset="0"/>
+              </a:rPr>
+              <a:t>Core</a:t>
+            </a:r>
+            <a:r>
+              <a:rPr lang="cs-CZ" b="1" dirty="0">
+                <a:latin typeface="Segoe UI Light" panose="020B0502040204020203" pitchFamily="34" charset="0"/>
+                <a:cs typeface="Segoe UI Light" panose="020B0502040204020203" pitchFamily="34" charset="0"/>
+              </a:rPr>
+              <a:t> 2.2)</a:t>
+            </a:r>
+            <a:endParaRPr lang="cs-CZ" b="1" dirty="0"/>
+          </a:p>
+        </p:txBody>
+      </p:sp>
+      <p:cxnSp>
+        <p:nvCxnSpPr>
+          <p:cNvPr id="13" name="Přímá spojnice se šipkou 12">
+            <a:extLst>
+              <a:ext uri="{FF2B5EF4-FFF2-40B4-BE49-F238E27FC236}">
+                <a16:creationId xmlns:a16="http://schemas.microsoft.com/office/drawing/2014/main" id="{8BA6D425-7CC4-4AB8-904D-40BFBBDBCA22}"/>
+              </a:ext>
+            </a:extLst>
+          </p:cNvPr>
+          <p:cNvCxnSpPr>
+            <a:cxnSpLocks/>
+          </p:cNvCxnSpPr>
+          <p:nvPr/>
+        </p:nvCxnSpPr>
+        <p:spPr>
+          <a:xfrm>
+            <a:off x="1728132" y="2446091"/>
+            <a:ext cx="922785" cy="0"/>
+          </a:xfrm>
+          <a:prstGeom prst="straightConnector1">
+            <a:avLst/>
+          </a:prstGeom>
+          <a:ln>
+            <a:solidFill>
+              <a:schemeClr val="tx1"/>
+            </a:solidFill>
+            <a:headEnd type="triangle"/>
+            <a:tailEnd type="triangle"/>
+          </a:ln>
+        </p:spPr>
+        <p:style>
+          <a:lnRef idx="1">
+            <a:schemeClr val="accent1"/>
+          </a:lnRef>
+          <a:fillRef idx="0">
+            <a:schemeClr val="accent1"/>
+          </a:fillRef>
+          <a:effectRef idx="0">
+            <a:schemeClr val="accent1"/>
+          </a:effectRef>
+          <a:fontRef idx="minor">
+            <a:schemeClr val="tx1"/>
+          </a:fontRef>
+        </p:style>
+      </p:cxnSp>
+      <p:sp>
+        <p:nvSpPr>
+          <p:cNvPr id="5" name="Obdélník 4">
+            <a:extLst>
+              <a:ext uri="{FF2B5EF4-FFF2-40B4-BE49-F238E27FC236}">
+                <a16:creationId xmlns:a16="http://schemas.microsoft.com/office/drawing/2014/main" id="{C5889589-8CAF-4B93-ACE5-BE0E0084A8C4}"/>
+              </a:ext>
+            </a:extLst>
+          </p:cNvPr>
+          <p:cNvSpPr/>
+          <p:nvPr/>
+        </p:nvSpPr>
+        <p:spPr>
+          <a:xfrm>
+            <a:off x="2667695" y="1761688"/>
+            <a:ext cx="2558645" cy="3322040"/>
+          </a:xfrm>
+          <a:prstGeom prst="rect">
+            <a:avLst/>
+          </a:prstGeom>
+          <a:solidFill>
+            <a:schemeClr val="accent4">
+              <a:lumMod val="60000"/>
+              <a:lumOff val="40000"/>
+            </a:schemeClr>
+          </a:solidFill>
+          <a:ln>
+            <a:noFill/>
+          </a:ln>
+        </p:spPr>
+        <p:style>
+          <a:lnRef idx="2">
+            <a:schemeClr val="accent1">
+              <a:shade val="50000"/>
+            </a:schemeClr>
+          </a:lnRef>
+          <a:fillRef idx="1">
+            <a:schemeClr val="accent1"/>
+          </a:fillRef>
+          <a:effectRef idx="0">
+            <a:schemeClr val="accent1"/>
+          </a:effectRef>
+          <a:fontRef idx="minor">
+            <a:schemeClr val="lt1"/>
+          </a:fontRef>
+        </p:style>
+        <p:txBody>
+          <a:bodyPr rtlCol="0" anchor="ctr"/>
+          <a:lstStyle/>
+          <a:p>
+            <a:pPr algn="ctr"/>
+            <a:r>
+              <a:rPr lang="cs-CZ" sz="1200" dirty="0">
+                <a:solidFill>
+                  <a:schemeClr val="tx1"/>
+                </a:solidFill>
+                <a:latin typeface="Segoe UI" panose="020B0502040204020203" pitchFamily="34" charset="0"/>
+                <a:cs typeface="Segoe UI" panose="020B0502040204020203" pitchFamily="34" charset="0"/>
+              </a:rPr>
+              <a:t>IIS / NGINX / APACHE</a:t>
+            </a:r>
+          </a:p>
+        </p:txBody>
+      </p:sp>
+      <p:sp>
+        <p:nvSpPr>
+          <p:cNvPr id="47" name="Obdélník 46">
+            <a:extLst>
+              <a:ext uri="{FF2B5EF4-FFF2-40B4-BE49-F238E27FC236}">
+                <a16:creationId xmlns:a16="http://schemas.microsoft.com/office/drawing/2014/main" id="{B77D70DE-6F26-4726-8C62-7A61A4D1D29A}"/>
+              </a:ext>
+            </a:extLst>
+          </p:cNvPr>
+          <p:cNvSpPr/>
+          <p:nvPr/>
+        </p:nvSpPr>
+        <p:spPr>
+          <a:xfrm>
+            <a:off x="4518407" y="2601394"/>
+            <a:ext cx="1640378" cy="503173"/>
+          </a:xfrm>
+          <a:prstGeom prst="rect">
+            <a:avLst/>
+          </a:prstGeom>
+          <a:solidFill>
+            <a:schemeClr val="accent2">
+              <a:lumMod val="60000"/>
+              <a:lumOff val="40000"/>
+            </a:schemeClr>
+          </a:solidFill>
+          <a:ln>
+            <a:noFill/>
+          </a:ln>
+        </p:spPr>
+        <p:style>
+          <a:lnRef idx="2">
+            <a:schemeClr val="accent1">
+              <a:shade val="50000"/>
+            </a:schemeClr>
+          </a:lnRef>
+          <a:fillRef idx="1">
+            <a:schemeClr val="accent1"/>
+          </a:fillRef>
+          <a:effectRef idx="0">
+            <a:schemeClr val="accent1"/>
+          </a:effectRef>
+          <a:fontRef idx="minor">
+            <a:schemeClr val="lt1"/>
+          </a:fontRef>
+        </p:style>
+        <p:txBody>
+          <a:bodyPr rtlCol="0" anchor="ctr"/>
+          <a:lstStyle/>
+          <a:p>
+            <a:pPr algn="ctr"/>
+            <a:r>
+              <a:rPr lang="cs-CZ" sz="1100" b="1" dirty="0">
+                <a:solidFill>
+                  <a:schemeClr val="tx1"/>
+                </a:solidFill>
+                <a:latin typeface="Segoe UI" panose="020B0502040204020203" pitchFamily="34" charset="0"/>
+                <a:cs typeface="Segoe UI" panose="020B0502040204020203" pitchFamily="34" charset="0"/>
+              </a:rPr>
+              <a:t>ASP.NET CORE</a:t>
+            </a:r>
+          </a:p>
+          <a:p>
+            <a:pPr algn="ctr"/>
+            <a:r>
+              <a:rPr lang="cs-CZ" sz="1100" b="1" dirty="0">
+                <a:solidFill>
+                  <a:schemeClr val="tx1"/>
+                </a:solidFill>
+                <a:latin typeface="Segoe UI" panose="020B0502040204020203" pitchFamily="34" charset="0"/>
+                <a:cs typeface="Segoe UI" panose="020B0502040204020203" pitchFamily="34" charset="0"/>
+              </a:rPr>
+              <a:t>HOSTING BUNDLE V2</a:t>
+            </a:r>
+          </a:p>
+        </p:txBody>
+      </p:sp>
+      <p:sp>
+        <p:nvSpPr>
+          <p:cNvPr id="3" name="Rectangle 1">
+            <a:extLst>
+              <a:ext uri="{FF2B5EF4-FFF2-40B4-BE49-F238E27FC236}">
+                <a16:creationId xmlns:a16="http://schemas.microsoft.com/office/drawing/2014/main" id="{E93B0782-DB1A-44E5-B55E-20A272DCD3FE}"/>
+              </a:ext>
+            </a:extLst>
+          </p:cNvPr>
+          <p:cNvSpPr>
+            <a:spLocks noChangeArrowheads="1"/>
+          </p:cNvSpPr>
+          <p:nvPr/>
+        </p:nvSpPr>
+        <p:spPr bwMode="auto">
+          <a:xfrm>
+            <a:off x="2658551" y="5307445"/>
+            <a:ext cx="7033712" cy="1269578"/>
+          </a:xfrm>
+          <a:prstGeom prst="rect">
+            <a:avLst/>
+          </a:prstGeom>
+          <a:solidFill>
+            <a:srgbClr val="EEEEEE"/>
+          </a:solidFill>
+          <a:ln>
+            <a:noFill/>
+          </a:ln>
+          <a:effectLst/>
+          <a:extLst>
+            <a:ext uri="{91240B29-F687-4F45-9708-019B960494DF}">
+              <a14:hiddenLine xmlns:a14="http://schemas.microsoft.com/office/drawing/2010/main" w="9525">
+                <a:solidFill>
+                  <a:schemeClr val="tx1"/>
+                </a:solidFill>
+                <a:miter lim="800000"/>
+                <a:headEnd/>
+                <a:tailEnd/>
+              </a14:hiddenLine>
+            </a:ext>
+            <a:ext uri="{AF507438-7753-43E0-B8FC-AC1667EBCBE1}">
+              <a14:hiddenEffects xmlns:a14="http://schemas.microsoft.com/office/drawing/2010/main">
+                <a:effectLst>
+                  <a:outerShdw dist="35921" dir="2700000" algn="ctr" rotWithShape="0">
+                    <a:schemeClr val="bg2"/>
+                  </a:outerShdw>
+                </a:effectLst>
+              </a14:hiddenEffects>
+            </a:ext>
+          </a:extLst>
+        </p:spPr>
+        <p:txBody>
+          <a:bodyPr vert="horz" wrap="square" lIns="0" tIns="0" rIns="0" bIns="0" numCol="1" anchor="ctr" anchorCtr="0" compatLnSpc="1">
+            <a:prstTxWarp prst="textNoShape">
+              <a:avLst/>
+            </a:prstTxWarp>
+            <a:spAutoFit/>
+          </a:bodyPr>
+          <a:lstStyle/>
+          <a:p>
+            <a:pPr marL="0" marR="0" lvl="0" indent="0" algn="l" defTabSz="914400" rtl="0" eaLnBrk="0" fontAlgn="base" latinLnBrk="0" hangingPunct="0">
+              <a:lnSpc>
+                <a:spcPct val="100000"/>
+              </a:lnSpc>
+              <a:spcBef>
+                <a:spcPct val="0"/>
+              </a:spcBef>
+              <a:spcAft>
+                <a:spcPct val="0"/>
+              </a:spcAft>
+              <a:buClrTx/>
+              <a:buSzTx/>
+              <a:buFontTx/>
+              <a:buNone/>
+              <a:tabLst/>
+            </a:pPr>
+            <a:endParaRPr lang="cs-CZ" altLang="cs-CZ" sz="400" dirty="0">
+              <a:solidFill>
+                <a:srgbClr val="454545"/>
+              </a:solidFill>
+              <a:latin typeface="inherit"/>
+            </a:endParaRPr>
+          </a:p>
+          <a:p>
+            <a:pPr marL="0" marR="0" lvl="0" indent="0" algn="l" defTabSz="914400" rtl="0" eaLnBrk="0" fontAlgn="base" latinLnBrk="0" hangingPunct="0">
+              <a:lnSpc>
+                <a:spcPct val="100000"/>
+              </a:lnSpc>
+              <a:spcBef>
+                <a:spcPct val="0"/>
+              </a:spcBef>
+              <a:spcAft>
+                <a:spcPct val="0"/>
+              </a:spcAft>
+              <a:buClrTx/>
+              <a:buSzTx/>
+              <a:buFontTx/>
+              <a:buNone/>
+              <a:tabLst/>
+            </a:pPr>
+            <a:endParaRPr kumimoji="0" lang="cs-CZ" altLang="cs-CZ" sz="400" b="0" i="0" u="none" strike="noStrike" cap="none" normalizeH="0" baseline="0" dirty="0">
+              <a:ln>
+                <a:noFill/>
+              </a:ln>
+              <a:solidFill>
+                <a:srgbClr val="454545"/>
+              </a:solidFill>
+              <a:effectLst/>
+              <a:latin typeface="inherit"/>
+            </a:endParaRPr>
+          </a:p>
+          <a:p>
+            <a:pPr marL="0" marR="0" lvl="0" indent="0" algn="l" defTabSz="914400" rtl="0" eaLnBrk="0" fontAlgn="base" latinLnBrk="0" hangingPunct="0">
+              <a:lnSpc>
+                <a:spcPct val="100000"/>
+              </a:lnSpc>
+              <a:spcBef>
+                <a:spcPct val="0"/>
+              </a:spcBef>
+              <a:spcAft>
+                <a:spcPct val="0"/>
+              </a:spcAft>
+              <a:buClrTx/>
+              <a:buSzTx/>
+              <a:buFontTx/>
+              <a:buNone/>
+              <a:tabLst/>
+            </a:pPr>
+            <a:r>
+              <a:rPr kumimoji="0" lang="cs-CZ" altLang="cs-CZ" sz="1600" b="0" i="0" u="none" strike="noStrike" cap="none" normalizeH="0" baseline="0" dirty="0">
+                <a:ln>
+                  <a:noFill/>
+                </a:ln>
+                <a:solidFill>
+                  <a:srgbClr val="454545"/>
+                </a:solidFill>
+                <a:effectLst/>
+                <a:latin typeface="inherit"/>
+              </a:rPr>
+              <a:t>    &lt;</a:t>
+            </a:r>
+            <a:r>
+              <a:rPr kumimoji="0" lang="cs-CZ" altLang="cs-CZ" sz="1600" b="0" i="0" u="none" strike="noStrike" cap="none" normalizeH="0" baseline="0" dirty="0" err="1">
+                <a:ln>
+                  <a:noFill/>
+                </a:ln>
+                <a:solidFill>
+                  <a:srgbClr val="454545"/>
+                </a:solidFill>
+                <a:effectLst/>
+                <a:latin typeface="inherit"/>
+              </a:rPr>
+              <a:t>PropertyGroup</a:t>
+            </a:r>
+            <a:r>
+              <a:rPr kumimoji="0" lang="cs-CZ" altLang="cs-CZ" sz="1600" b="0" i="0" u="none" strike="noStrike" cap="none" normalizeH="0" baseline="0" dirty="0">
+                <a:ln>
+                  <a:noFill/>
+                </a:ln>
+                <a:solidFill>
+                  <a:srgbClr val="454545"/>
+                </a:solidFill>
+                <a:effectLst/>
+                <a:latin typeface="inherit"/>
+              </a:rPr>
+              <a:t>&gt;</a:t>
+            </a:r>
+            <a:r>
+              <a:rPr kumimoji="0" lang="cs-CZ" altLang="cs-CZ" sz="1600" b="0" i="0" u="none" strike="noStrike" cap="none" normalizeH="0" baseline="0" dirty="0">
+                <a:ln>
+                  <a:noFill/>
+                </a:ln>
+                <a:solidFill>
+                  <a:srgbClr val="454545"/>
+                </a:solidFill>
+                <a:effectLst/>
+                <a:latin typeface="Monaco"/>
+              </a:rPr>
+              <a:t> </a:t>
+            </a:r>
+          </a:p>
+          <a:p>
+            <a:pPr marL="0" marR="0" lvl="0" indent="0" algn="l" defTabSz="914400" rtl="0" eaLnBrk="0" fontAlgn="base" latinLnBrk="0" hangingPunct="0">
+              <a:lnSpc>
+                <a:spcPct val="100000"/>
+              </a:lnSpc>
+              <a:spcBef>
+                <a:spcPct val="0"/>
+              </a:spcBef>
+              <a:spcAft>
+                <a:spcPct val="0"/>
+              </a:spcAft>
+              <a:buClrTx/>
+              <a:buSzTx/>
+              <a:buFontTx/>
+              <a:buNone/>
+              <a:tabLst/>
+            </a:pPr>
+            <a:r>
+              <a:rPr lang="cs-CZ" altLang="cs-CZ" sz="1600" dirty="0">
+                <a:solidFill>
+                  <a:srgbClr val="454545"/>
+                </a:solidFill>
+                <a:latin typeface="Monaco"/>
+              </a:rPr>
+              <a:t>        </a:t>
+            </a:r>
+            <a:r>
+              <a:rPr kumimoji="0" lang="cs-CZ" altLang="cs-CZ" sz="1600" b="0" i="0" u="none" strike="noStrike" cap="none" normalizeH="0" baseline="0" dirty="0">
+                <a:ln>
+                  <a:noFill/>
+                </a:ln>
+                <a:solidFill>
+                  <a:srgbClr val="454545"/>
+                </a:solidFill>
+                <a:effectLst/>
+                <a:latin typeface="inherit"/>
+              </a:rPr>
+              <a:t>&lt;</a:t>
+            </a:r>
+            <a:r>
+              <a:rPr kumimoji="0" lang="cs-CZ" altLang="cs-CZ" sz="1600" b="0" i="0" u="none" strike="noStrike" cap="none" normalizeH="0" baseline="0" dirty="0" err="1">
+                <a:ln>
+                  <a:noFill/>
+                </a:ln>
+                <a:solidFill>
+                  <a:srgbClr val="454545"/>
+                </a:solidFill>
+                <a:effectLst/>
+                <a:latin typeface="inherit"/>
+              </a:rPr>
+              <a:t>TargetFramework</a:t>
+            </a:r>
+            <a:r>
+              <a:rPr kumimoji="0" lang="cs-CZ" altLang="cs-CZ" sz="1600" b="0" i="0" u="none" strike="noStrike" cap="none" normalizeH="0" baseline="0" dirty="0">
+                <a:ln>
+                  <a:noFill/>
+                </a:ln>
+                <a:solidFill>
+                  <a:srgbClr val="454545"/>
+                </a:solidFill>
+                <a:effectLst/>
+                <a:latin typeface="inherit"/>
+              </a:rPr>
+              <a:t>&gt;</a:t>
+            </a:r>
+            <a:r>
+              <a:rPr kumimoji="0" lang="cs-CZ" altLang="cs-CZ" sz="1600" b="0" i="0" u="none" strike="noStrike" cap="none" normalizeH="0" baseline="0" dirty="0">
+                <a:ln>
+                  <a:noFill/>
+                </a:ln>
+                <a:solidFill>
+                  <a:srgbClr val="454545"/>
+                </a:solidFill>
+                <a:effectLst/>
+                <a:latin typeface="Monaco"/>
+              </a:rPr>
+              <a:t>netcoreapp2.2</a:t>
+            </a:r>
+            <a:r>
+              <a:rPr kumimoji="0" lang="cs-CZ" altLang="cs-CZ" sz="1600" b="0" i="0" u="none" strike="noStrike" cap="none" normalizeH="0" baseline="0" dirty="0">
+                <a:ln>
+                  <a:noFill/>
+                </a:ln>
+                <a:solidFill>
+                  <a:srgbClr val="454545"/>
+                </a:solidFill>
+                <a:effectLst/>
+                <a:latin typeface="inherit"/>
+              </a:rPr>
+              <a:t>&lt;/</a:t>
+            </a:r>
+            <a:r>
+              <a:rPr kumimoji="0" lang="cs-CZ" altLang="cs-CZ" sz="1600" b="0" i="0" u="none" strike="noStrike" cap="none" normalizeH="0" baseline="0" dirty="0" err="1">
+                <a:ln>
+                  <a:noFill/>
+                </a:ln>
+                <a:solidFill>
+                  <a:srgbClr val="454545"/>
+                </a:solidFill>
+                <a:effectLst/>
+                <a:latin typeface="inherit"/>
+              </a:rPr>
+              <a:t>TargetFramework</a:t>
+            </a:r>
+            <a:r>
+              <a:rPr kumimoji="0" lang="cs-CZ" altLang="cs-CZ" sz="1600" b="0" i="0" u="none" strike="noStrike" cap="none" normalizeH="0" baseline="0" dirty="0">
+                <a:ln>
+                  <a:noFill/>
+                </a:ln>
+                <a:solidFill>
+                  <a:srgbClr val="454545"/>
+                </a:solidFill>
+                <a:effectLst/>
+                <a:latin typeface="inherit"/>
+              </a:rPr>
+              <a:t>&gt;</a:t>
+            </a:r>
+            <a:r>
+              <a:rPr kumimoji="0" lang="cs-CZ" altLang="cs-CZ" sz="1600" b="0" i="0" u="none" strike="noStrike" cap="none" normalizeH="0" baseline="0" dirty="0">
+                <a:ln>
+                  <a:noFill/>
+                </a:ln>
+                <a:solidFill>
+                  <a:srgbClr val="454545"/>
+                </a:solidFill>
+                <a:effectLst/>
+                <a:latin typeface="Monaco"/>
+              </a:rPr>
+              <a:t>      </a:t>
+            </a:r>
+          </a:p>
+          <a:p>
+            <a:pPr marL="0" marR="0" lvl="0" indent="0" algn="l" defTabSz="914400" rtl="0" eaLnBrk="0" fontAlgn="base" latinLnBrk="0" hangingPunct="0">
+              <a:lnSpc>
+                <a:spcPct val="100000"/>
+              </a:lnSpc>
+              <a:spcBef>
+                <a:spcPct val="0"/>
+              </a:spcBef>
+              <a:spcAft>
+                <a:spcPct val="0"/>
+              </a:spcAft>
+              <a:buClrTx/>
+              <a:buSzTx/>
+              <a:buFontTx/>
+              <a:buNone/>
+              <a:tabLst/>
+            </a:pPr>
+            <a:r>
+              <a:rPr lang="cs-CZ" altLang="cs-CZ" sz="1600" b="1" dirty="0">
+                <a:solidFill>
+                  <a:srgbClr val="454545"/>
+                </a:solidFill>
+                <a:latin typeface="Monaco"/>
+              </a:rPr>
+              <a:t>        </a:t>
+            </a:r>
+            <a:r>
+              <a:rPr kumimoji="0" lang="cs-CZ" altLang="cs-CZ" sz="1600" b="1" i="0" u="none" strike="noStrike" cap="none" normalizeH="0" baseline="0" dirty="0">
+                <a:ln>
+                  <a:noFill/>
+                </a:ln>
+                <a:solidFill>
+                  <a:srgbClr val="454545"/>
+                </a:solidFill>
+                <a:effectLst/>
+                <a:latin typeface="inherit"/>
+              </a:rPr>
+              <a:t>&lt;</a:t>
+            </a:r>
+            <a:r>
+              <a:rPr kumimoji="0" lang="cs-CZ" altLang="cs-CZ" sz="1600" b="1" i="0" u="none" strike="noStrike" cap="none" normalizeH="0" baseline="0" dirty="0" err="1">
+                <a:ln>
+                  <a:noFill/>
+                </a:ln>
+                <a:solidFill>
+                  <a:srgbClr val="454545"/>
+                </a:solidFill>
+                <a:effectLst/>
+                <a:latin typeface="inherit"/>
+              </a:rPr>
+              <a:t>AspNetCoreHostingModel</a:t>
+            </a:r>
+            <a:r>
+              <a:rPr kumimoji="0" lang="cs-CZ" altLang="cs-CZ" sz="1600" b="1" i="0" u="none" strike="noStrike" cap="none" normalizeH="0" baseline="0" dirty="0">
+                <a:ln>
+                  <a:noFill/>
+                </a:ln>
+                <a:solidFill>
+                  <a:srgbClr val="454545"/>
+                </a:solidFill>
+                <a:effectLst/>
+                <a:latin typeface="inherit"/>
+              </a:rPr>
+              <a:t>&gt;</a:t>
+            </a:r>
+            <a:r>
+              <a:rPr kumimoji="0" lang="cs-CZ" altLang="cs-CZ" sz="1600" b="1" i="0" u="none" strike="noStrike" cap="none" normalizeH="0" baseline="0" dirty="0" err="1">
+                <a:ln>
+                  <a:noFill/>
+                </a:ln>
+                <a:solidFill>
+                  <a:srgbClr val="454545"/>
+                </a:solidFill>
+                <a:effectLst/>
+                <a:latin typeface="Monaco"/>
+              </a:rPr>
+              <a:t>inprocess</a:t>
+            </a:r>
+            <a:r>
+              <a:rPr kumimoji="0" lang="cs-CZ" altLang="cs-CZ" sz="1600" b="1" i="0" u="none" strike="noStrike" cap="none" normalizeH="0" baseline="0" dirty="0">
+                <a:ln>
+                  <a:noFill/>
+                </a:ln>
+                <a:solidFill>
+                  <a:srgbClr val="454545"/>
+                </a:solidFill>
+                <a:effectLst/>
+                <a:latin typeface="inherit"/>
+              </a:rPr>
+              <a:t>&lt;/</a:t>
+            </a:r>
+            <a:r>
+              <a:rPr kumimoji="0" lang="cs-CZ" altLang="cs-CZ" sz="1600" b="1" i="0" u="none" strike="noStrike" cap="none" normalizeH="0" baseline="0" dirty="0" err="1">
+                <a:ln>
+                  <a:noFill/>
+                </a:ln>
+                <a:solidFill>
+                  <a:srgbClr val="454545"/>
+                </a:solidFill>
+                <a:effectLst/>
+                <a:latin typeface="inherit"/>
+              </a:rPr>
+              <a:t>AspNetCoreHostingModel</a:t>
+            </a:r>
+            <a:r>
+              <a:rPr kumimoji="0" lang="cs-CZ" altLang="cs-CZ" sz="1600" b="1" i="0" u="none" strike="noStrike" cap="none" normalizeH="0" baseline="0" dirty="0">
+                <a:ln>
+                  <a:noFill/>
+                </a:ln>
+                <a:solidFill>
+                  <a:srgbClr val="454545"/>
+                </a:solidFill>
+                <a:effectLst/>
+                <a:latin typeface="inherit"/>
+              </a:rPr>
+              <a:t>&gt;</a:t>
+            </a:r>
+            <a:r>
+              <a:rPr kumimoji="0" lang="cs-CZ" altLang="cs-CZ" sz="1600" b="1" i="0" u="none" strike="noStrike" cap="none" normalizeH="0" baseline="0" dirty="0">
+                <a:ln>
+                  <a:noFill/>
+                </a:ln>
+                <a:solidFill>
+                  <a:srgbClr val="454545"/>
+                </a:solidFill>
+                <a:effectLst/>
+                <a:latin typeface="Monaco"/>
+              </a:rPr>
+              <a:t>     </a:t>
+            </a:r>
+          </a:p>
+          <a:p>
+            <a:pPr marL="0" marR="0" lvl="0" indent="0" algn="l" defTabSz="914400" rtl="0" eaLnBrk="0" fontAlgn="base" latinLnBrk="0" hangingPunct="0">
+              <a:lnSpc>
+                <a:spcPct val="100000"/>
+              </a:lnSpc>
+              <a:spcBef>
+                <a:spcPct val="0"/>
+              </a:spcBef>
+              <a:spcAft>
+                <a:spcPct val="0"/>
+              </a:spcAft>
+              <a:buClrTx/>
+              <a:buSzTx/>
+              <a:buFontTx/>
+              <a:buNone/>
+              <a:tabLst/>
+            </a:pPr>
+            <a:r>
+              <a:rPr lang="cs-CZ" altLang="cs-CZ" sz="1600" b="1" dirty="0">
+                <a:solidFill>
+                  <a:srgbClr val="454545"/>
+                </a:solidFill>
+                <a:latin typeface="Monaco"/>
+              </a:rPr>
+              <a:t>    </a:t>
+            </a:r>
+            <a:r>
+              <a:rPr kumimoji="0" lang="cs-CZ" altLang="cs-CZ" sz="1600" b="0" i="0" u="none" strike="noStrike" cap="none" normalizeH="0" baseline="0" dirty="0">
+                <a:ln>
+                  <a:noFill/>
+                </a:ln>
+                <a:solidFill>
+                  <a:srgbClr val="454545"/>
+                </a:solidFill>
+                <a:effectLst/>
+                <a:latin typeface="inherit"/>
+              </a:rPr>
+              <a:t>&lt;/</a:t>
+            </a:r>
+            <a:r>
+              <a:rPr kumimoji="0" lang="cs-CZ" altLang="cs-CZ" sz="1600" b="0" i="0" u="none" strike="noStrike" cap="none" normalizeH="0" baseline="0" dirty="0" err="1">
+                <a:ln>
+                  <a:noFill/>
+                </a:ln>
+                <a:solidFill>
+                  <a:srgbClr val="454545"/>
+                </a:solidFill>
+                <a:effectLst/>
+                <a:latin typeface="inherit"/>
+              </a:rPr>
+              <a:t>PropertyGroup</a:t>
+            </a:r>
+            <a:r>
+              <a:rPr kumimoji="0" lang="cs-CZ" altLang="cs-CZ" sz="1600" b="0" i="0" u="none" strike="noStrike" cap="none" normalizeH="0" baseline="0" dirty="0">
+                <a:ln>
+                  <a:noFill/>
+                </a:ln>
+                <a:solidFill>
+                  <a:srgbClr val="454545"/>
+                </a:solidFill>
+                <a:effectLst/>
+                <a:latin typeface="inherit"/>
+              </a:rPr>
+              <a:t>&gt;</a:t>
+            </a:r>
+            <a:r>
+              <a:rPr kumimoji="0" lang="cs-CZ" altLang="cs-CZ" sz="1050" b="0" i="0" u="none" strike="noStrike" cap="none" normalizeH="0" baseline="0" dirty="0">
+                <a:ln>
+                  <a:noFill/>
+                </a:ln>
+                <a:solidFill>
+                  <a:schemeClr val="tx1"/>
+                </a:solidFill>
+                <a:effectLst/>
+              </a:rPr>
+              <a:t> </a:t>
+            </a:r>
+            <a:br>
+              <a:rPr lang="cs-CZ" altLang="cs-CZ" sz="2800" dirty="0">
+                <a:latin typeface="Arial" panose="020B0604020202020204" pitchFamily="34" charset="0"/>
+              </a:rPr>
+            </a:br>
+            <a:endParaRPr kumimoji="0" lang="cs-CZ" altLang="cs-CZ" sz="1050" b="0" i="0" u="none" strike="noStrike" cap="none" normalizeH="0" baseline="0" dirty="0">
+              <a:ln>
+                <a:noFill/>
+              </a:ln>
+              <a:solidFill>
+                <a:schemeClr val="tx1"/>
+              </a:solidFill>
+              <a:effectLst/>
+            </a:endParaRPr>
+          </a:p>
+        </p:txBody>
+      </p:sp>
+      <p:cxnSp>
+        <p:nvCxnSpPr>
+          <p:cNvPr id="43" name="Přímá spojnice se šipkou 42">
+            <a:extLst>
+              <a:ext uri="{FF2B5EF4-FFF2-40B4-BE49-F238E27FC236}">
+                <a16:creationId xmlns:a16="http://schemas.microsoft.com/office/drawing/2014/main" id="{786BCA78-3242-4203-B529-55E772BC33ED}"/>
+              </a:ext>
+            </a:extLst>
+          </p:cNvPr>
+          <p:cNvCxnSpPr>
+            <a:cxnSpLocks/>
+          </p:cNvCxnSpPr>
+          <p:nvPr/>
+        </p:nvCxnSpPr>
+        <p:spPr>
+          <a:xfrm flipH="1">
+            <a:off x="5020057" y="3104567"/>
+            <a:ext cx="1" cy="2134945"/>
+          </a:xfrm>
+          <a:prstGeom prst="straightConnector1">
+            <a:avLst/>
+          </a:prstGeom>
+          <a:ln>
+            <a:solidFill>
+              <a:schemeClr val="bg1">
+                <a:lumMod val="65000"/>
+              </a:schemeClr>
+            </a:solidFill>
+            <a:tailEnd type="triangle"/>
+          </a:ln>
+        </p:spPr>
+        <p:style>
+          <a:lnRef idx="1">
+            <a:schemeClr val="accent6"/>
+          </a:lnRef>
+          <a:fillRef idx="0">
+            <a:schemeClr val="accent6"/>
+          </a:fillRef>
+          <a:effectRef idx="0">
+            <a:schemeClr val="accent6"/>
+          </a:effectRef>
+          <a:fontRef idx="minor">
+            <a:schemeClr val="tx1"/>
+          </a:fontRef>
+        </p:style>
+      </p:cxnSp>
+      <p:sp>
+        <p:nvSpPr>
+          <p:cNvPr id="38" name="Šipka: doprava 37">
+            <a:extLst>
+              <a:ext uri="{FF2B5EF4-FFF2-40B4-BE49-F238E27FC236}">
+                <a16:creationId xmlns:a16="http://schemas.microsoft.com/office/drawing/2014/main" id="{6FBDBE66-DB98-47A9-88C2-82E09ACCBD90}"/>
+              </a:ext>
+            </a:extLst>
+          </p:cNvPr>
+          <p:cNvSpPr/>
+          <p:nvPr/>
+        </p:nvSpPr>
+        <p:spPr>
+          <a:xfrm rot="10800000">
+            <a:off x="10100206" y="4156171"/>
+            <a:ext cx="218114" cy="201335"/>
+          </a:xfrm>
+          <a:prstGeom prst="rightArrow">
+            <a:avLst/>
+          </a:prstGeom>
+          <a:solidFill>
+            <a:schemeClr val="accent1">
+              <a:lumMod val="50000"/>
+            </a:schemeClr>
+          </a:solidFill>
+          <a:ln>
+            <a:noFill/>
+          </a:ln>
+        </p:spPr>
+        <p:style>
+          <a:lnRef idx="2">
+            <a:schemeClr val="accent1">
+              <a:shade val="50000"/>
+            </a:schemeClr>
+          </a:lnRef>
+          <a:fillRef idx="1">
+            <a:schemeClr val="accent1"/>
+          </a:fillRef>
+          <a:effectRef idx="0">
+            <a:schemeClr val="accent1"/>
+          </a:effectRef>
+          <a:fontRef idx="minor">
+            <a:schemeClr val="lt1"/>
+          </a:fontRef>
+        </p:style>
+        <p:txBody>
+          <a:bodyPr rtlCol="0" anchor="ctr"/>
+          <a:lstStyle/>
+          <a:p>
+            <a:pPr algn="ctr"/>
+            <a:endParaRPr lang="cs-CZ"/>
+          </a:p>
+        </p:txBody>
+      </p:sp>
+    </p:spTree>
+    <p:extLst>
+      <p:ext uri="{BB962C8B-B14F-4D97-AF65-F5344CB8AC3E}">
+        <p14:creationId xmlns:p14="http://schemas.microsoft.com/office/powerpoint/2010/main" val="1691147971"/>
+      </p:ext>
+    </p:extLst>
+  </p:cSld>
+  <p:clrMapOvr>
+    <a:masterClrMapping/>
+  </p:clrMapOvr>
+  <mc:AlternateContent xmlns:mc="http://schemas.openxmlformats.org/markup-compatibility/2006" xmlns:p14="http://schemas.microsoft.com/office/powerpoint/2010/main">
+    <mc:Choice Requires="p14">
+      <p:transition spd="med" p14:dur="700">
+        <p:fade/>
+      </p:transition>
+    </mc:Choice>
+    <mc:Fallback xmlns="">
+      <p:transition spd="med">
+        <p:fade/>
+      </p:transition>
+    </mc:Fallback>
+  </mc:AlternateContent>
+</p:sld>
+</file>
+
+<file path=ppt/slides/slide7.xml><?xml version="1.0" encoding="utf-8"?>
+<p:sld xmlns:a="http://schemas.openxmlformats.org/drawingml/2006/main" xmlns:r="http://schemas.openxmlformats.org/officeDocument/2006/relationships" xmlns:p="http://schemas.openxmlformats.org/presentationml/2006/main">
+  <p:cSld>
+    <p:spTree>
+      <p:nvGrpSpPr>
+        <p:cNvPr id="1" name=""/>
+        <p:cNvGrpSpPr/>
+        <p:nvPr/>
+      </p:nvGrpSpPr>
+      <p:grpSpPr>
+        <a:xfrm>
+          <a:off x="0" y="0"/>
+          <a:ext cx="0" cy="0"/>
+          <a:chOff x="0" y="0"/>
+          <a:chExt cx="0" cy="0"/>
+        </a:xfrm>
+      </p:grpSpPr>
+      <p:sp>
+        <p:nvSpPr>
+          <p:cNvPr id="34" name="TextovéPole 33">
+            <a:extLst>
+              <a:ext uri="{FF2B5EF4-FFF2-40B4-BE49-F238E27FC236}">
+                <a16:creationId xmlns:a16="http://schemas.microsoft.com/office/drawing/2014/main" id="{5F8C3117-0689-4D1C-84AA-CA746BF2DBF9}"/>
+              </a:ext>
+            </a:extLst>
+          </p:cNvPr>
+          <p:cNvSpPr txBox="1"/>
+          <p:nvPr/>
+        </p:nvSpPr>
+        <p:spPr>
+          <a:xfrm>
+            <a:off x="3839571" y="2633777"/>
+            <a:ext cx="4378453" cy="1107996"/>
+          </a:xfrm>
+          <a:prstGeom prst="rect">
+            <a:avLst/>
+          </a:prstGeom>
+          <a:noFill/>
+        </p:spPr>
+        <p:txBody>
+          <a:bodyPr wrap="square" rtlCol="0">
+            <a:spAutoFit/>
+          </a:bodyPr>
+          <a:lstStyle/>
+          <a:p>
+            <a:pPr algn="ctr"/>
+            <a:r>
+              <a:rPr lang="cs-CZ" sz="6600" dirty="0">
+                <a:latin typeface="Segoe UI" panose="020B0502040204020203" pitchFamily="34" charset="0"/>
+                <a:cs typeface="Segoe UI" panose="020B0502040204020203" pitchFamily="34" charset="0"/>
+              </a:rPr>
+              <a:t>DEMO</a:t>
+            </a:r>
+          </a:p>
+        </p:txBody>
+      </p:sp>
+    </p:spTree>
+    <p:extLst>
+      <p:ext uri="{BB962C8B-B14F-4D97-AF65-F5344CB8AC3E}">
+        <p14:creationId xmlns:p14="http://schemas.microsoft.com/office/powerpoint/2010/main" val="34973948"/>
+      </p:ext>
+    </p:extLst>
+  </p:cSld>
+  <p:clrMapOvr>
+    <a:masterClrMapping/>
+  </p:clrMapOvr>
+  <mc:AlternateContent xmlns:mc="http://schemas.openxmlformats.org/markup-compatibility/2006" xmlns:p14="http://schemas.microsoft.com/office/powerpoint/2010/main">
+    <mc:Choice Requires="p14">
+      <p:transition spd="med" p14:dur="700">
+        <p:fade/>
+      </p:transition>
+    </mc:Choice>
+    <mc:Fallback xmlns="">
+      <p:transition spd="med">
+        <p:fade/>
+      </p:transition>
+    </mc:Fallback>
+  </mc:AlternateContent>
+</p:sld>
+</file>
+
+<file path=ppt/slides/slide8.xml><?xml version="1.0" encoding="utf-8"?>
 <p:sld xmlns:a="http://schemas.openxmlformats.org/drawingml/2006/main" xmlns:r="http://schemas.openxmlformats.org/officeDocument/2006/relationships" xmlns:p="http://schemas.openxmlformats.org/presentationml/2006/main">
   <p:cSld>
     <p:spTree>
@@ -23790,7 +27456,7 @@
                 <a:latin typeface="Segoe UI Light" panose="020B0502040204020203" pitchFamily="34" charset="0"/>
                 <a:cs typeface="Segoe UI Light" panose="020B0502040204020203" pitchFamily="34" charset="0"/>
               </a:rPr>
-              <a:t>Co je dobré vědět</a:t>
+              <a:t>Co si odnést</a:t>
             </a:r>
           </a:p>
         </p:txBody>
@@ -23810,7 +27476,7 @@
         <p:spPr>
           <a:xfrm>
             <a:off x="1" y="0"/>
-            <a:ext cx="12214209" cy="308635"/>
+            <a:ext cx="12191999" cy="308635"/>
           </a:xfrm>
           <a:prstGeom prst="rect">
             <a:avLst/>
@@ -23862,7 +27528,7 @@
         <p:spPr>
           <a:xfrm>
             <a:off x="750095" y="1957510"/>
-            <a:ext cx="10054925" cy="3393686"/>
+            <a:ext cx="10054925" cy="2618345"/>
           </a:xfrm>
           <a:prstGeom prst="rect">
             <a:avLst/>
@@ -23885,70 +27551,21 @@
                 <a:latin typeface="Segoe UI Semilight" panose="020B0402040204020203" pitchFamily="34" charset="0"/>
                 <a:cs typeface="Segoe UI Semilight" panose="020B0402040204020203" pitchFamily="34" charset="0"/>
               </a:rPr>
-              <a:t>S verzí </a:t>
-            </a:r>
-            <a:r>
-              <a:rPr lang="cs-CZ" sz="2400" b="1" dirty="0">
-                <a:latin typeface="Segoe UI Semilight" panose="020B0402040204020203" pitchFamily="34" charset="0"/>
-                <a:cs typeface="Segoe UI Semilight" panose="020B0402040204020203" pitchFamily="34" charset="0"/>
-              </a:rPr>
-              <a:t>.NET </a:t>
+              <a:t>Upřednostnit </a:t>
             </a:r>
             <a:r>
               <a:rPr lang="cs-CZ" sz="2400" b="1" dirty="0" err="1">
                 <a:latin typeface="Segoe UI Semilight" panose="020B0402040204020203" pitchFamily="34" charset="0"/>
                 <a:cs typeface="Segoe UI Semilight" panose="020B0402040204020203" pitchFamily="34" charset="0"/>
               </a:rPr>
-              <a:t>Core</a:t>
-            </a:r>
-            <a:r>
-              <a:rPr lang="cs-CZ" sz="2400" b="1" dirty="0">
-                <a:latin typeface="Segoe UI Semilight" panose="020B0402040204020203" pitchFamily="34" charset="0"/>
-                <a:cs typeface="Segoe UI Semilight" panose="020B0402040204020203" pitchFamily="34" charset="0"/>
-              </a:rPr>
-              <a:t> 2.1 </a:t>
+              <a:t>Microsoft.AspNetCore.App</a:t>
             </a:r>
             <a:r>
               <a:rPr lang="cs-CZ" sz="2400" dirty="0">
                 <a:latin typeface="Segoe UI Semilight" panose="020B0402040204020203" pitchFamily="34" charset="0"/>
                 <a:cs typeface="Segoe UI Semilight" panose="020B0402040204020203" pitchFamily="34" charset="0"/>
               </a:rPr>
-              <a:t>existují </a:t>
-            </a:r>
-            <a:r>
-              <a:rPr lang="cs-CZ" sz="2400" b="1" dirty="0">
-                <a:latin typeface="Segoe UI Semilight" panose="020B0402040204020203" pitchFamily="34" charset="0"/>
-                <a:cs typeface="Segoe UI Semilight" panose="020B0402040204020203" pitchFamily="34" charset="0"/>
-              </a:rPr>
-              <a:t>ASP.NET </a:t>
-            </a:r>
-            <a:r>
-              <a:rPr lang="cs-CZ" sz="2400" b="1" dirty="0" err="1">
-                <a:latin typeface="Segoe UI Semilight" panose="020B0402040204020203" pitchFamily="34" charset="0"/>
-                <a:cs typeface="Segoe UI Semilight" panose="020B0402040204020203" pitchFamily="34" charset="0"/>
-              </a:rPr>
-              <a:t>Core</a:t>
-            </a:r>
-            <a:r>
-              <a:rPr lang="cs-CZ" sz="2400" b="1" dirty="0">
-                <a:latin typeface="Segoe UI Semilight" panose="020B0402040204020203" pitchFamily="34" charset="0"/>
-                <a:cs typeface="Segoe UI Semilight" panose="020B0402040204020203" pitchFamily="34" charset="0"/>
-              </a:rPr>
-              <a:t> </a:t>
-            </a:r>
-            <a:r>
-              <a:rPr lang="cs-CZ" sz="2400" b="1" dirty="0" err="1">
-                <a:latin typeface="Segoe UI Semilight" panose="020B0402040204020203" pitchFamily="34" charset="0"/>
-                <a:cs typeface="Segoe UI Semilight" panose="020B0402040204020203" pitchFamily="34" charset="0"/>
-              </a:rPr>
-              <a:t>runtimes</a:t>
-            </a:r>
-            <a:r>
-              <a:rPr lang="cs-CZ" sz="2400" dirty="0">
-                <a:latin typeface="Segoe UI Semilight" panose="020B0402040204020203" pitchFamily="34" charset="0"/>
-                <a:cs typeface="Segoe UI Semilight" panose="020B0402040204020203" pitchFamily="34" charset="0"/>
-              </a:rPr>
-              <a:t> – App / </a:t>
+              <a:t> (migrovat z .</a:t>
             </a:r>
             <a:r>
               <a:rPr lang="cs-CZ" sz="2400" dirty="0" err="1">
@@ -23957,118 +27574,12 @@
               </a:rPr>
               <a:t>All</a:t>
             </a:r>
-            <a:endParaRPr lang="cs-CZ" sz="2400" dirty="0">
-              <a:latin typeface="Segoe UI Semilight" panose="020B0402040204020203" pitchFamily="34" charset="0"/>
-              <a:cs typeface="Segoe UI Semilight" panose="020B0402040204020203" pitchFamily="34" charset="0"/>
-            </a:endParaRPr>
-          </a:p>
-          <a:p>
-            <a:pPr marL="342900" indent="-342900">
-              <a:lnSpc>
-                <a:spcPct val="140000"/>
-              </a:lnSpc>
-              <a:buFontTx/>
-              <a:buChar char="-"/>
-            </a:pPr>
-            <a:r>
-              <a:rPr lang="cs-CZ" sz="2400" dirty="0">
-                <a:latin typeface="Segoe UI Semilight" panose="020B0402040204020203" pitchFamily="34" charset="0"/>
-                <a:cs typeface="Segoe UI Semilight" panose="020B0402040204020203" pitchFamily="34" charset="0"/>
-              </a:rPr>
-              <a:t>menší </a:t>
-            </a:r>
-            <a:r>
-              <a:rPr lang="cs-CZ" sz="2400" dirty="0" err="1">
-                <a:latin typeface="Segoe UI Semilight" panose="020B0402040204020203" pitchFamily="34" charset="0"/>
-                <a:cs typeface="Segoe UI Semilight" panose="020B0402040204020203" pitchFamily="34" charset="0"/>
-              </a:rPr>
-              <a:t>deploy</a:t>
-            </a:r>
-            <a:r>
-              <a:rPr lang="cs-CZ" sz="2400" dirty="0">
-                <a:latin typeface="Segoe UI Semilight" panose="020B0402040204020203" pitchFamily="34" charset="0"/>
-                <a:cs typeface="Segoe UI Semilight" panose="020B0402040204020203" pitchFamily="34" charset="0"/>
-              </a:rPr>
-              <a:t> </a:t>
-            </a:r>
-            <a:r>
-              <a:rPr lang="cs-CZ" sz="2400" dirty="0" err="1">
-                <a:latin typeface="Segoe UI Semilight" panose="020B0402040204020203" pitchFamily="34" charset="0"/>
-                <a:cs typeface="Segoe UI Semilight" panose="020B0402040204020203" pitchFamily="34" charset="0"/>
-              </a:rPr>
-              <a:t>package</a:t>
-            </a:r>
-            <a:r>
-              <a:rPr lang="cs-CZ" sz="2400" dirty="0">
-                <a:latin typeface="Segoe UI Semilight" panose="020B0402040204020203" pitchFamily="34" charset="0"/>
-                <a:cs typeface="Segoe UI Semilight" panose="020B0402040204020203" pitchFamily="34" charset="0"/>
-              </a:rPr>
-              <a:t> v FDD režimu (už neobsahuje ASP.NET </a:t>
-            </a:r>
-            <a:r>
-              <a:rPr lang="cs-CZ" sz="2400" dirty="0" err="1">
-                <a:latin typeface="Segoe UI Semilight" panose="020B0402040204020203" pitchFamily="34" charset="0"/>
-                <a:cs typeface="Segoe UI Semilight" panose="020B0402040204020203" pitchFamily="34" charset="0"/>
-              </a:rPr>
-              <a:t>Core</a:t>
-            </a:r>
             <a:r>
               <a:rPr lang="cs-CZ" sz="2400" dirty="0">
                 <a:latin typeface="Segoe UI Semilight" panose="020B0402040204020203" pitchFamily="34" charset="0"/>
                 <a:cs typeface="Segoe UI Semilight" panose="020B0402040204020203" pitchFamily="34" charset="0"/>
               </a:rPr>
               <a:t>)</a:t>
-            </a:r>
-          </a:p>
-          <a:p>
-            <a:pPr marL="342900" indent="-342900">
-              <a:lnSpc>
-                <a:spcPct val="140000"/>
-              </a:lnSpc>
-              <a:buFontTx/>
-              <a:buChar char="-"/>
-            </a:pPr>
-            <a:r>
-              <a:rPr lang="cs-CZ" sz="2400" b="1" dirty="0">
-                <a:latin typeface="Segoe UI Semilight" panose="020B0402040204020203" pitchFamily="34" charset="0"/>
-                <a:cs typeface="Segoe UI Semilight" panose="020B0402040204020203" pitchFamily="34" charset="0"/>
-              </a:rPr>
-              <a:t>nezávislý auto </a:t>
-            </a:r>
-            <a:r>
-              <a:rPr lang="cs-CZ" sz="2400" b="1" dirty="0" err="1">
-                <a:latin typeface="Segoe UI Semilight" panose="020B0402040204020203" pitchFamily="34" charset="0"/>
-                <a:cs typeface="Segoe UI Semilight" panose="020B0402040204020203" pitchFamily="34" charset="0"/>
-              </a:rPr>
-              <a:t>roll</a:t>
-            </a:r>
-            <a:r>
-              <a:rPr lang="cs-CZ" sz="2400" b="1" dirty="0">
-                <a:latin typeface="Segoe UI Semilight" panose="020B0402040204020203" pitchFamily="34" charset="0"/>
-                <a:cs typeface="Segoe UI Semilight" panose="020B0402040204020203" pitchFamily="34" charset="0"/>
-              </a:rPr>
-              <a:t>-forward</a:t>
-            </a:r>
-            <a:r>
-              <a:rPr lang="cs-CZ" sz="2400" dirty="0">
-                <a:latin typeface="Segoe UI Semilight" panose="020B0402040204020203" pitchFamily="34" charset="0"/>
-                <a:cs typeface="Segoe UI Semilight" panose="020B0402040204020203" pitchFamily="34" charset="0"/>
-              </a:rPr>
-              <a:t> na úrovni </a:t>
-            </a:r>
-            <a:r>
-              <a:rPr lang="cs-CZ" sz="2400" dirty="0" err="1">
-                <a:latin typeface="Segoe UI Semilight" panose="020B0402040204020203" pitchFamily="34" charset="0"/>
-                <a:cs typeface="Segoe UI Semilight" panose="020B0402040204020203" pitchFamily="34" charset="0"/>
-              </a:rPr>
-              <a:t>patch</a:t>
-            </a:r>
-            <a:r>
-              <a:rPr lang="cs-CZ" sz="2400" dirty="0">
-                <a:latin typeface="Segoe UI Semilight" panose="020B0402040204020203" pitchFamily="34" charset="0"/>
-                <a:cs typeface="Segoe UI Semilight" panose="020B0402040204020203" pitchFamily="34" charset="0"/>
-              </a:rPr>
-              <a:t> + minor</a:t>
             </a:r>
           </a:p>
           <a:p>
@@ -24077,7 +27588,63 @@
                 <a:spcPct val="140000"/>
               </a:lnSpc>
             </a:pPr>
-            <a:endParaRPr lang="cs-CZ" sz="1200" dirty="0">
+            <a:r>
+              <a:rPr lang="cs-CZ" sz="2400" dirty="0">
+                <a:latin typeface="Segoe UI Semilight" panose="020B0402040204020203" pitchFamily="34" charset="0"/>
+                <a:cs typeface="Segoe UI Semilight" panose="020B0402040204020203" pitchFamily="34" charset="0"/>
+              </a:rPr>
+              <a:t>Od verze </a:t>
+            </a:r>
+            <a:r>
+              <a:rPr lang="cs-CZ" sz="2400" b="1" dirty="0">
+                <a:latin typeface="Segoe UI Semilight" panose="020B0402040204020203" pitchFamily="34" charset="0"/>
+                <a:cs typeface="Segoe UI Semilight" panose="020B0402040204020203" pitchFamily="34" charset="0"/>
+              </a:rPr>
+              <a:t>ASP.NET </a:t>
+            </a:r>
+            <a:r>
+              <a:rPr lang="cs-CZ" sz="2400" b="1" dirty="0" err="1">
+                <a:latin typeface="Segoe UI Semilight" panose="020B0402040204020203" pitchFamily="34" charset="0"/>
+                <a:cs typeface="Segoe UI Semilight" panose="020B0402040204020203" pitchFamily="34" charset="0"/>
+              </a:rPr>
+              <a:t>Core</a:t>
+            </a:r>
+            <a:r>
+              <a:rPr lang="cs-CZ" sz="2400" b="1" dirty="0">
+                <a:latin typeface="Segoe UI Semilight" panose="020B0402040204020203" pitchFamily="34" charset="0"/>
+                <a:cs typeface="Segoe UI Semilight" panose="020B0402040204020203" pitchFamily="34" charset="0"/>
+              </a:rPr>
+              <a:t> 2.1 </a:t>
+            </a:r>
+            <a:r>
+              <a:rPr lang="cs-CZ" sz="2400" dirty="0">
+                <a:latin typeface="Segoe UI Semilight" panose="020B0402040204020203" pitchFamily="34" charset="0"/>
+                <a:cs typeface="Segoe UI Semilight" panose="020B0402040204020203" pitchFamily="34" charset="0"/>
+              </a:rPr>
+              <a:t>– </a:t>
+            </a:r>
+            <a:r>
+              <a:rPr lang="cs-CZ" sz="2400" dirty="0" err="1">
+                <a:latin typeface="Segoe UI Semilight" panose="020B0402040204020203" pitchFamily="34" charset="0"/>
+                <a:cs typeface="Segoe UI Semilight" panose="020B0402040204020203" pitchFamily="34" charset="0"/>
+              </a:rPr>
+              <a:t>shared</a:t>
+            </a:r>
+            <a:r>
+              <a:rPr lang="cs-CZ" sz="2400" dirty="0">
+                <a:latin typeface="Segoe UI Semilight" panose="020B0402040204020203" pitchFamily="34" charset="0"/>
+                <a:cs typeface="Segoe UI Semilight" panose="020B0402040204020203" pitchFamily="34" charset="0"/>
+              </a:rPr>
+              <a:t> </a:t>
+            </a:r>
+            <a:r>
+              <a:rPr lang="cs-CZ" sz="2400" dirty="0" err="1">
+                <a:latin typeface="Segoe UI Semilight" panose="020B0402040204020203" pitchFamily="34" charset="0"/>
+                <a:cs typeface="Segoe UI Semilight" panose="020B0402040204020203" pitchFamily="34" charset="0"/>
+              </a:rPr>
+              <a:t>runtimes</a:t>
+            </a:r>
+            <a:endParaRPr lang="cs-CZ" sz="2400" dirty="0">
               <a:latin typeface="Segoe UI Semilight" panose="020B0402040204020203" pitchFamily="34" charset="0"/>
               <a:cs typeface="Segoe UI Semilight" panose="020B0402040204020203" pitchFamily="34" charset="0"/>
             </a:endParaRPr>
@@ -24089,11 +27656,18 @@
               </a:lnSpc>
             </a:pPr>
             <a:r>
+              <a:rPr lang="cs-CZ" sz="2400" dirty="0">
+                <a:latin typeface="Segoe UI Semilight" panose="020B0402040204020203" pitchFamily="34" charset="0"/>
+                <a:cs typeface="Segoe UI Semilight" panose="020B0402040204020203" pitchFamily="34" charset="0"/>
+              </a:rPr>
+              <a:t>Od verze </a:t>
+            </a:r>
+            <a:r>
               <a:rPr lang="cs-CZ" sz="2400" b="1" dirty="0">
                 <a:latin typeface="Segoe UI Semilight" panose="020B0402040204020203" pitchFamily="34" charset="0"/>
                 <a:cs typeface="Segoe UI Semilight" panose="020B0402040204020203" pitchFamily="34" charset="0"/>
               </a:rPr>
-              <a:t>Upřednostnit ASP.NET </a:t>
+              <a:t>.NET </a:t>
             </a:r>
             <a:r>
               <a:rPr lang="cs-CZ" sz="2400" b="1" dirty="0" err="1">
@@ -24107,72 +27681,37 @@
                 <a:latin typeface="Segoe UI Semilight" panose="020B0402040204020203" pitchFamily="34" charset="0"/>
                 <a:cs typeface="Segoe UI Semilight" panose="020B0402040204020203" pitchFamily="34" charset="0"/>
               </a:rPr>
-              <a:t> App před </a:t>
-            </a:r>
-            <a:r>
-              <a:rPr lang="cs-CZ" sz="2400" b="1" dirty="0" err="1">
-                <a:latin typeface="Segoe UI Semilight" panose="020B0402040204020203" pitchFamily="34" charset="0"/>
-                <a:cs typeface="Segoe UI Semilight" panose="020B0402040204020203" pitchFamily="34" charset="0"/>
-              </a:rPr>
-              <a:t>All</a:t>
-            </a:r>
-            <a:r>
-              <a:rPr lang="cs-CZ" sz="2400" b="1" dirty="0">
-                <a:latin typeface="Segoe UI Semilight" panose="020B0402040204020203" pitchFamily="34" charset="0"/>
-                <a:cs typeface="Segoe UI Semilight" panose="020B0402040204020203" pitchFamily="34" charset="0"/>
-              </a:rPr>
-              <a:t> </a:t>
+              <a:t> 2.2</a:t>
             </a:r>
             <a:r>
               <a:rPr lang="cs-CZ" sz="2400" dirty="0">
                 <a:latin typeface="Segoe UI Semilight" panose="020B0402040204020203" pitchFamily="34" charset="0"/>
                 <a:cs typeface="Segoe UI Semilight" panose="020B0402040204020203" pitchFamily="34" charset="0"/>
               </a:rPr>
-              <a:t>(od v3.0 již nebude vydán)</a:t>
-            </a:r>
-          </a:p>
-          <a:p>
-            <a:pPr>
-              <a:lnSpc>
-                <a:spcPct val="140000"/>
-              </a:lnSpc>
-            </a:pPr>
+              <a:t> bude </a:t>
+            </a:r>
+            <a:r>
+              <a:rPr lang="cs-CZ" sz="2400" dirty="0" err="1">
+                <a:latin typeface="Segoe UI Semilight" panose="020B0402040204020203" pitchFamily="34" charset="0"/>
+                <a:cs typeface="Segoe UI Semilight" panose="020B0402040204020203" pitchFamily="34" charset="0"/>
+              </a:rPr>
+              <a:t>inprocess</a:t>
+            </a:r>
             <a:r>
               <a:rPr lang="cs-CZ" sz="2400" dirty="0">
                 <a:latin typeface="Segoe UI Semilight" panose="020B0402040204020203" pitchFamily="34" charset="0"/>
                 <a:cs typeface="Segoe UI Semilight" panose="020B0402040204020203" pitchFamily="34" charset="0"/>
               </a:rPr>
-              <a:t>Chování </a:t>
+              <a:t> IIS </a:t>
             </a:r>
             <a:r>
               <a:rPr lang="cs-CZ" sz="2400" dirty="0" err="1">
                 <a:latin typeface="Segoe UI Semilight" panose="020B0402040204020203" pitchFamily="34" charset="0"/>
                 <a:cs typeface="Segoe UI Semilight" panose="020B0402040204020203" pitchFamily="34" charset="0"/>
               </a:rPr>
-              <a:t>roll</a:t>
-            </a:r>
-            <a:r>
-              <a:rPr lang="cs-CZ" sz="2400" dirty="0">
-                <a:latin typeface="Segoe UI Semilight" panose="020B0402040204020203" pitchFamily="34" charset="0"/>
-                <a:cs typeface="Segoe UI Semilight" panose="020B0402040204020203" pitchFamily="34" charset="0"/>
-              </a:rPr>
-              <a:t>-forwardu lze změnit v </a:t>
-            </a:r>
-            <a:r>
-              <a:rPr lang="cs-CZ" sz="2400" dirty="0" err="1">
-                <a:latin typeface="Segoe UI Semilight" panose="020B0402040204020203" pitchFamily="34" charset="0"/>
-                <a:cs typeface="Segoe UI Semilight" panose="020B0402040204020203" pitchFamily="34" charset="0"/>
-              </a:rPr>
-              <a:t>appname.</a:t>
-            </a:r>
-            <a:r>
-              <a:rPr lang="cs-CZ" sz="2400" b="1" dirty="0" err="1">
-                <a:latin typeface="Segoe UI Semilight" panose="020B0402040204020203" pitchFamily="34" charset="0"/>
-                <a:cs typeface="Segoe UI Semilight" panose="020B0402040204020203" pitchFamily="34" charset="0"/>
-              </a:rPr>
-              <a:t>runtimeconfig.json</a:t>
-            </a:r>
-            <a:endParaRPr lang="cs-CZ" sz="2400" b="1" dirty="0">
+              <a:t>hosting</a:t>
+            </a:r>
+            <a:endParaRPr lang="cs-CZ" sz="2400" dirty="0">
               <a:latin typeface="Segoe UI Semilight" panose="020B0402040204020203" pitchFamily="34" charset="0"/>
               <a:cs typeface="Segoe UI Semilight" panose="020B0402040204020203" pitchFamily="34" charset="0"/>
             </a:endParaRPr>
@@ -24183,61 +27722,51 @@
                 <a:spcPct val="140000"/>
               </a:lnSpc>
             </a:pPr>
+            <a:endParaRPr lang="cs-CZ" sz="2400" dirty="0">
+              <a:latin typeface="Segoe UI Semilight" panose="020B0402040204020203" pitchFamily="34" charset="0"/>
+              <a:cs typeface="Segoe UI Semilight" panose="020B0402040204020203" pitchFamily="34" charset="0"/>
+            </a:endParaRPr>
+          </a:p>
+          <a:p>
+            <a:pPr>
+              <a:lnSpc>
+                <a:spcPct val="140000"/>
+              </a:lnSpc>
+            </a:pPr>
+            <a:r>
+              <a:rPr lang="cs-CZ" sz="2400" dirty="0" err="1">
+                <a:latin typeface="Segoe UI Semilight" panose="020B0402040204020203" pitchFamily="34" charset="0"/>
+                <a:cs typeface="Segoe UI Semilight" panose="020B0402040204020203" pitchFamily="34" charset="0"/>
+              </a:rPr>
+              <a:t>Hosting</a:t>
+            </a:r>
             <a:r>
               <a:rPr lang="cs-CZ" sz="2400" dirty="0">
                 <a:latin typeface="Segoe UI Semilight" panose="020B0402040204020203" pitchFamily="34" charset="0"/>
                 <a:cs typeface="Segoe UI Semilight" panose="020B0402040204020203" pitchFamily="34" charset="0"/>
               </a:rPr>
-              <a:t>Pro použití IIS potřebujeme </a:t>
+              <a:t> </a:t>
+            </a:r>
+            <a:r>
+              <a:rPr lang="cs-CZ" sz="2400" dirty="0" err="1">
+                <a:latin typeface="Segoe UI Semilight" panose="020B0402040204020203" pitchFamily="34" charset="0"/>
+                <a:cs typeface="Segoe UI Semilight" panose="020B0402040204020203" pitchFamily="34" charset="0"/>
+              </a:rPr>
+              <a:t>bundle</a:t>
+            </a:r>
+            <a:r>
+              <a:rPr lang="cs-CZ" sz="2400" dirty="0">
+                <a:latin typeface="Segoe UI Semilight" panose="020B0402040204020203" pitchFamily="34" charset="0"/>
+                <a:cs typeface="Segoe UI Semilight" panose="020B0402040204020203" pitchFamily="34" charset="0"/>
+              </a:rPr>
+              <a:t> pro IIS: </a:t>
             </a:r>
             <a:r>
               <a:rPr lang="cs-CZ" sz="2400" b="1" dirty="0">
                 <a:latin typeface="Segoe UI Semilight" panose="020B0402040204020203" pitchFamily="34" charset="0"/>
                 <a:cs typeface="Segoe UI Semilight" panose="020B0402040204020203" pitchFamily="34" charset="0"/>
               </a:rPr>
-              <a:t>ASP NET </a:t>
-            </a:r>
-            <a:r>
-              <a:rPr lang="cs-CZ" sz="2400" b="1" dirty="0" err="1">
-                <a:latin typeface="Segoe UI Semilight" panose="020B0402040204020203" pitchFamily="34" charset="0"/>
-                <a:cs typeface="Segoe UI Semilight" panose="020B0402040204020203" pitchFamily="34" charset="0"/>
-              </a:rPr>
-              <a:t>Core</a:t>
-            </a:r>
-            <a:r>
-              <a:rPr lang="cs-CZ" sz="2400" b="1" dirty="0">
-                <a:latin typeface="Segoe UI Semilight" panose="020B0402040204020203" pitchFamily="34" charset="0"/>
-                <a:cs typeface="Segoe UI Semilight" panose="020B0402040204020203" pitchFamily="34" charset="0"/>
-              </a:rPr>
-              <a:t> </a:t>
-            </a:r>
-            <a:r>
-              <a:rPr lang="cs-CZ" sz="2400" b="1" dirty="0" err="1">
-                <a:latin typeface="Segoe UI Semilight" panose="020B0402040204020203" pitchFamily="34" charset="0"/>
-                <a:cs typeface="Segoe UI Semilight" panose="020B0402040204020203" pitchFamily="34" charset="0"/>
-              </a:rPr>
-              <a:t>Hosting</a:t>
-            </a:r>
-            <a:r>
-              <a:rPr lang="cs-CZ" sz="2400" b="1" dirty="0">
-                <a:latin typeface="Segoe UI Semilight" panose="020B0402040204020203" pitchFamily="34" charset="0"/>
-                <a:cs typeface="Segoe UI Semilight" panose="020B0402040204020203" pitchFamily="34" charset="0"/>
-              </a:rPr>
-              <a:t> </a:t>
-            </a:r>
-            <a:r>
-              <a:rPr lang="cs-CZ" sz="2400" b="1" dirty="0" err="1">
-                <a:latin typeface="Segoe UI Semilight" panose="020B0402040204020203" pitchFamily="34" charset="0"/>
-                <a:cs typeface="Segoe UI Semilight" panose="020B0402040204020203" pitchFamily="34" charset="0"/>
-              </a:rPr>
-              <a:t>Bundle</a:t>
-            </a:r>
-            <a:r>
-              <a:rPr lang="cs-CZ" sz="2400" dirty="0">
-                <a:latin typeface="Segoe UI Semilight" panose="020B0402040204020203" pitchFamily="34" charset="0"/>
-                <a:cs typeface="Segoe UI Semilight" panose="020B0402040204020203" pitchFamily="34" charset="0"/>
-              </a:rPr>
-              <a:t> (module)</a:t>
+              <a:t>odkaz.me/hosting-bundle</a:t>
             </a:r>
           </a:p>
         </p:txBody>
@@ -24257,7 +27786,7 @@
         <p:spPr>
           <a:xfrm>
             <a:off x="1" y="5733289"/>
-            <a:ext cx="12214209" cy="1124712"/>
+            <a:ext cx="12191999" cy="1124712"/>
           </a:xfrm>
           <a:prstGeom prst="rect">
             <a:avLst/>
@@ -24335,7 +27864,7 @@
                 <a:latin typeface="Segoe UI Light" panose="020B0502040204020203" pitchFamily="34" charset="0"/>
                 <a:cs typeface="Segoe UI Light" panose="020B0502040204020203" pitchFamily="34" charset="0"/>
               </a:rPr>
-              <a:t>Školení     aspnetcore.cz     efcore.cz</a:t>
+              <a:t>školení     aspnetcore.cz     efcore.cz</a:t>
             </a:r>
           </a:p>
         </p:txBody>
